--- a/presentations/CEC2019-KM-Sess1.pptx
+++ b/presentations/CEC2019-KM-Sess1.pptx
@@ -5,17 +5,27 @@
     <p:sldMasterId id="2147483648" r:id="rId1"/>
   </p:sldMasterIdLst>
   <p:notesMasterIdLst>
-    <p:notesMasterId r:id="rId10"/>
+    <p:notesMasterId r:id="rId20"/>
   </p:notesMasterIdLst>
   <p:sldIdLst>
     <p:sldId id="256" r:id="rId2"/>
     <p:sldId id="257" r:id="rId3"/>
     <p:sldId id="258" r:id="rId4"/>
     <p:sldId id="262" r:id="rId5"/>
-    <p:sldId id="263" r:id="rId6"/>
-    <p:sldId id="259" r:id="rId7"/>
-    <p:sldId id="260" r:id="rId8"/>
-    <p:sldId id="261" r:id="rId9"/>
+    <p:sldId id="264" r:id="rId6"/>
+    <p:sldId id="265" r:id="rId7"/>
+    <p:sldId id="266" r:id="rId8"/>
+    <p:sldId id="270" r:id="rId9"/>
+    <p:sldId id="271" r:id="rId10"/>
+    <p:sldId id="267" r:id="rId11"/>
+    <p:sldId id="268" r:id="rId12"/>
+    <p:sldId id="269" r:id="rId13"/>
+    <p:sldId id="261" r:id="rId14"/>
+    <p:sldId id="272" r:id="rId15"/>
+    <p:sldId id="273" r:id="rId16"/>
+    <p:sldId id="274" r:id="rId17"/>
+    <p:sldId id="275" r:id="rId18"/>
+    <p:sldId id="276" r:id="rId19"/>
   </p:sldIdLst>
   <p:sldSz cx="12192000" cy="6858000"/>
   <p:notesSz cx="6858000" cy="9144000"/>
@@ -114,6 +124,11 @@
       </a:defRPr>
     </a:lvl9pPr>
   </p:defaultTextStyle>
+  <p:extLst>
+    <p:ext uri="{EFAFB233-063F-42B5-8137-9DF3F51BA10A}">
+      <p15:sldGuideLst xmlns:p15="http://schemas.microsoft.com/office/powerpoint/2012/main"/>
+    </p:ext>
+  </p:extLst>
 </p:presentation>
 </file>
 
@@ -199,7 +214,7 @@
           <a:p>
             <a:fld id="{DFAC44B3-DF4C-4F38-9A07-ED7F2A720732}" type="datetimeFigureOut">
               <a:rPr lang="hu-HU" smtClean="0"/>
-              <a:t>2019. 08. 09.</a:t>
+              <a:t>2019. 08. 10.</a:t>
             </a:fld>
             <a:endParaRPr lang="hu-HU"/>
           </a:p>
@@ -623,7 +638,7 @@
           <a:p>
             <a:fld id="{3B46C910-0FDD-4E5B-A923-DD97A0A99E04}" type="datetime1">
               <a:rPr lang="hu-HU" smtClean="0"/>
-              <a:t>2019. 08. 09.</a:t>
+              <a:t>2019. 08. 10.</a:t>
             </a:fld>
             <a:endParaRPr lang="hu-HU" dirty="0"/>
           </a:p>
@@ -845,7 +860,7 @@
           <a:p>
             <a:fld id="{87FA7B68-73F1-4EDD-8A5B-8687165025C9}" type="datetime1">
               <a:rPr lang="hu-HU" smtClean="0"/>
-              <a:t>2019. 08. 09.</a:t>
+              <a:t>2019. 08. 10.</a:t>
             </a:fld>
             <a:endParaRPr lang="hu-HU"/>
           </a:p>
@@ -1056,7 +1071,7 @@
           <a:p>
             <a:fld id="{B5EB1809-086B-4655-B8A4-74476576C487}" type="datetime1">
               <a:rPr lang="hu-HU" smtClean="0"/>
-              <a:t>2019. 08. 09.</a:t>
+              <a:t>2019. 08. 10.</a:t>
             </a:fld>
             <a:endParaRPr lang="hu-HU"/>
           </a:p>
@@ -1289,7 +1304,7 @@
           <a:p>
             <a:fld id="{444B641D-F446-482F-BD8D-2B546EA2C2F1}" type="datetime1">
               <a:rPr lang="hu-HU" smtClean="0"/>
-              <a:t>2019. 08. 09.</a:t>
+              <a:t>2019. 08. 10.</a:t>
             </a:fld>
             <a:endParaRPr lang="hu-HU"/>
           </a:p>
@@ -1567,7 +1582,7 @@
           <a:p>
             <a:fld id="{C7623FBE-941A-4744-933F-84F72BFF7954}" type="datetime1">
               <a:rPr lang="hu-HU" smtClean="0"/>
-              <a:t>2019. 08. 09.</a:t>
+              <a:t>2019. 08. 10.</a:t>
             </a:fld>
             <a:endParaRPr lang="hu-HU"/>
           </a:p>
@@ -1893,7 +1908,7 @@
           <a:p>
             <a:fld id="{36D46308-3B5B-4C30-AC19-DF01BD74740C}" type="datetime1">
               <a:rPr lang="hu-HU" smtClean="0"/>
-              <a:t>2019. 08. 09.</a:t>
+              <a:t>2019. 08. 10.</a:t>
             </a:fld>
             <a:endParaRPr lang="hu-HU"/>
           </a:p>
@@ -2048,11 +2063,13 @@
           </a:xfrm>
         </p:spPr>
         <p:txBody>
-          <a:bodyPr anchor="b"/>
+          <a:bodyPr anchor="b">
+            <a:normAutofit/>
+          </a:bodyPr>
           <a:lstStyle>
             <a:lvl1pPr marL="0" indent="0">
               <a:buNone/>
-              <a:defRPr sz="2400" b="1">
+              <a:defRPr sz="2800" b="1">
                 <a:latin typeface="Montserrat" panose="00000500000000000000" pitchFamily="2" charset="-18"/>
               </a:defRPr>
             </a:lvl1pPr>
@@ -2209,11 +2226,13 @@
           </a:xfrm>
         </p:spPr>
         <p:txBody>
-          <a:bodyPr anchor="b"/>
+          <a:bodyPr anchor="b">
+            <a:normAutofit/>
+          </a:bodyPr>
           <a:lstStyle>
             <a:lvl1pPr marL="0" indent="0">
               <a:buNone/>
-              <a:defRPr sz="2400" b="1">
+              <a:defRPr sz="2800" b="1">
                 <a:latin typeface="Montserrat" panose="00000500000000000000" pitchFamily="2" charset="-18"/>
               </a:defRPr>
             </a:lvl1pPr>
@@ -2376,7 +2395,7 @@
           <a:p>
             <a:fld id="{8D6E728D-26E7-43BA-96F5-7A1E7F5977AD}" type="datetime1">
               <a:rPr lang="hu-HU" smtClean="0"/>
-              <a:t>2019. 08. 09.</a:t>
+              <a:t>2019. 08. 10.</a:t>
             </a:fld>
             <a:endParaRPr lang="hu-HU" dirty="0"/>
           </a:p>
@@ -2521,7 +2540,7 @@
           <a:p>
             <a:fld id="{2236457C-27E6-497B-BF2C-4F0CD77C5386}" type="datetime1">
               <a:rPr lang="hu-HU" smtClean="0"/>
-              <a:t>2019. 08. 09.</a:t>
+              <a:t>2019. 08. 10.</a:t>
             </a:fld>
             <a:endParaRPr lang="hu-HU"/>
           </a:p>
@@ -2637,7 +2656,7 @@
           <a:p>
             <a:fld id="{01A7CACD-9286-4B0C-9851-8C28763EB050}" type="datetime1">
               <a:rPr lang="hu-HU" smtClean="0"/>
-              <a:t>2019. 08. 09.</a:t>
+              <a:t>2019. 08. 10.</a:t>
             </a:fld>
             <a:endParaRPr lang="hu-HU"/>
           </a:p>
@@ -2951,7 +2970,7 @@
           <a:p>
             <a:fld id="{EEC4E208-4CC1-404A-AD07-C6BEA0E0ADFE}" type="datetime1">
               <a:rPr lang="hu-HU" smtClean="0"/>
-              <a:t>2019. 08. 09.</a:t>
+              <a:t>2019. 08. 10.</a:t>
             </a:fld>
             <a:endParaRPr lang="hu-HU"/>
           </a:p>
@@ -3242,7 +3261,7 @@
           <a:p>
             <a:fld id="{778BDC64-AAC6-4EE2-9988-02E9693D221F}" type="datetime1">
               <a:rPr lang="hu-HU" smtClean="0"/>
-              <a:t>2019. 08. 09.</a:t>
+              <a:t>2019. 08. 10.</a:t>
             </a:fld>
             <a:endParaRPr lang="hu-HU"/>
           </a:p>
@@ -3487,7 +3506,7 @@
           <a:p>
             <a:fld id="{0AE03D70-489F-4FD3-9C2E-CA23F6B13055}" type="datetime1">
               <a:rPr lang="hu-HU" smtClean="0"/>
-              <a:t>2019. 08. 09.</a:t>
+              <a:t>2019. 08. 10.</a:t>
             </a:fld>
             <a:endParaRPr lang="hu-HU" dirty="0"/>
           </a:p>
@@ -4102,6 +4121,4880 @@
 </p:sld>
 </file>
 
+<file path=ppt/slides/slide10.xml><?xml version="1.0" encoding="utf-8"?>
+<p:sld xmlns:a="http://schemas.openxmlformats.org/drawingml/2006/main" xmlns:r="http://schemas.openxmlformats.org/officeDocument/2006/relationships" xmlns:p="http://schemas.openxmlformats.org/presentationml/2006/main">
+  <p:cSld>
+    <p:spTree>
+      <p:nvGrpSpPr>
+        <p:cNvPr id="1" name=""/>
+        <p:cNvGrpSpPr/>
+        <p:nvPr/>
+      </p:nvGrpSpPr>
+      <p:grpSpPr>
+        <a:xfrm>
+          <a:off x="0" y="0"/>
+          <a:ext cx="0" cy="0"/>
+          <a:chOff x="0" y="0"/>
+          <a:chExt cx="0" cy="0"/>
+        </a:xfrm>
+      </p:grpSpPr>
+      <p:sp>
+        <p:nvSpPr>
+          <p:cNvPr id="2" name="Cím 1">
+            <a:extLst>
+              <a:ext uri="{FF2B5EF4-FFF2-40B4-BE49-F238E27FC236}">
+                <a16:creationId xmlns:a16="http://schemas.microsoft.com/office/drawing/2014/main" id="{63B0962D-3763-407F-B810-6FBDFAE62763}"/>
+              </a:ext>
+            </a:extLst>
+          </p:cNvPr>
+          <p:cNvSpPr>
+            <a:spLocks noGrp="1"/>
+          </p:cNvSpPr>
+          <p:nvPr>
+            <p:ph type="title"/>
+          </p:nvPr>
+        </p:nvSpPr>
+        <p:spPr/>
+        <p:txBody>
+          <a:bodyPr/>
+          <a:lstStyle/>
+          <a:p>
+            <a:r>
+              <a:rPr lang="hu-HU" dirty="0" err="1"/>
+              <a:t>Hypothesis</a:t>
+            </a:r>
+            <a:r>
+              <a:rPr lang="hu-HU" dirty="0"/>
+              <a:t> testing</a:t>
+            </a:r>
+          </a:p>
+        </p:txBody>
+      </p:sp>
+      <p:sp>
+        <p:nvSpPr>
+          <p:cNvPr id="3" name="Szöveg helye 2">
+            <a:extLst>
+              <a:ext uri="{FF2B5EF4-FFF2-40B4-BE49-F238E27FC236}">
+                <a16:creationId xmlns:a16="http://schemas.microsoft.com/office/drawing/2014/main" id="{83D3A508-0EBF-4B5F-87A9-D44F88BB10E6}"/>
+              </a:ext>
+            </a:extLst>
+          </p:cNvPr>
+          <p:cNvSpPr>
+            <a:spLocks noGrp="1"/>
+          </p:cNvSpPr>
+          <p:nvPr>
+            <p:ph type="body" idx="1"/>
+          </p:nvPr>
+        </p:nvSpPr>
+        <p:spPr/>
+        <p:txBody>
+          <a:bodyPr/>
+          <a:lstStyle/>
+          <a:p>
+            <a:r>
+              <a:rPr lang="hu-HU" dirty="0" err="1"/>
+              <a:t>Frequentist</a:t>
+            </a:r>
+            <a:endParaRPr lang="hu-HU" dirty="0"/>
+          </a:p>
+        </p:txBody>
+      </p:sp>
+      <p:sp>
+        <p:nvSpPr>
+          <p:cNvPr id="4" name="Tartalom helye 3">
+            <a:extLst>
+              <a:ext uri="{FF2B5EF4-FFF2-40B4-BE49-F238E27FC236}">
+                <a16:creationId xmlns:a16="http://schemas.microsoft.com/office/drawing/2014/main" id="{4D59B728-2171-4152-B938-1EA5705C8038}"/>
+              </a:ext>
+            </a:extLst>
+          </p:cNvPr>
+          <p:cNvSpPr>
+            <a:spLocks noGrp="1"/>
+          </p:cNvSpPr>
+          <p:nvPr>
+            <p:ph sz="half" idx="2"/>
+          </p:nvPr>
+        </p:nvSpPr>
+        <p:spPr/>
+        <p:txBody>
+          <a:bodyPr>
+            <a:normAutofit/>
+          </a:bodyPr>
+          <a:lstStyle/>
+          <a:p>
+            <a:pPr marL="0" indent="0">
+              <a:buNone/>
+            </a:pPr>
+            <a:r>
+              <a:rPr lang="hu-HU" dirty="0"/>
+              <a:t>0. </a:t>
+            </a:r>
+            <a:r>
+              <a:rPr lang="hu-HU" dirty="0" err="1"/>
+              <a:t>Hypothesis</a:t>
+            </a:r>
+            <a:r>
+              <a:rPr lang="hu-HU" dirty="0"/>
+              <a:t> (</a:t>
+            </a:r>
+            <a:r>
+              <a:rPr lang="hu-HU" dirty="0" err="1"/>
+              <a:t>parameter</a:t>
+            </a:r>
+            <a:r>
+              <a:rPr lang="hu-HU" dirty="0"/>
+              <a:t>=</a:t>
+            </a:r>
+            <a:r>
+              <a:rPr lang="hu-HU" dirty="0" err="1"/>
+              <a:t>value</a:t>
+            </a:r>
+            <a:r>
+              <a:rPr lang="hu-HU" dirty="0"/>
+              <a:t>)</a:t>
+            </a:r>
+          </a:p>
+          <a:p>
+            <a:pPr marL="514350" indent="-514350">
+              <a:buAutoNum type="arabicPeriod"/>
+            </a:pPr>
+            <a:r>
+              <a:rPr lang="hu-HU" dirty="0"/>
+              <a:t>Data</a:t>
+            </a:r>
+          </a:p>
+          <a:p>
+            <a:pPr marL="514350" indent="-514350">
+              <a:buAutoNum type="arabicPeriod"/>
+            </a:pPr>
+            <a:r>
+              <a:rPr lang="hu-HU" dirty="0" err="1"/>
+              <a:t>Point</a:t>
+            </a:r>
+            <a:r>
+              <a:rPr lang="hu-HU" dirty="0"/>
+              <a:t> </a:t>
+            </a:r>
+            <a:r>
+              <a:rPr lang="hu-HU" dirty="0" err="1"/>
+              <a:t>estimate</a:t>
+            </a:r>
+            <a:r>
+              <a:rPr lang="hu-HU" dirty="0"/>
+              <a:t> of </a:t>
+            </a:r>
+            <a:r>
+              <a:rPr lang="hu-HU" dirty="0" err="1"/>
+              <a:t>parameter</a:t>
+            </a:r>
+            <a:r>
+              <a:rPr lang="hu-HU" dirty="0"/>
+              <a:t> (</a:t>
+            </a:r>
+            <a:r>
+              <a:rPr lang="hu-HU" dirty="0" err="1"/>
+              <a:t>with</a:t>
+            </a:r>
+            <a:r>
+              <a:rPr lang="hu-HU" dirty="0"/>
+              <a:t> </a:t>
+            </a:r>
+            <a:r>
+              <a:rPr lang="hu-HU" dirty="0" err="1"/>
+              <a:t>confidence</a:t>
+            </a:r>
+            <a:r>
+              <a:rPr lang="hu-HU" dirty="0"/>
+              <a:t> </a:t>
+            </a:r>
+            <a:r>
+              <a:rPr lang="hu-HU" dirty="0" err="1"/>
+              <a:t>intervals</a:t>
+            </a:r>
+            <a:r>
+              <a:rPr lang="hu-HU" dirty="0"/>
+              <a:t>)</a:t>
+            </a:r>
+          </a:p>
+          <a:p>
+            <a:pPr marL="514350" indent="-514350">
+              <a:buAutoNum type="arabicPeriod"/>
+            </a:pPr>
+            <a:endParaRPr lang="hu-HU" dirty="0"/>
+          </a:p>
+        </p:txBody>
+      </p:sp>
+      <p:sp>
+        <p:nvSpPr>
+          <p:cNvPr id="5" name="Szöveg helye 4">
+            <a:extLst>
+              <a:ext uri="{FF2B5EF4-FFF2-40B4-BE49-F238E27FC236}">
+                <a16:creationId xmlns:a16="http://schemas.microsoft.com/office/drawing/2014/main" id="{131CEF6D-FFAF-47DA-9AAB-7C5DC778CE2C}"/>
+              </a:ext>
+            </a:extLst>
+          </p:cNvPr>
+          <p:cNvSpPr>
+            <a:spLocks noGrp="1"/>
+          </p:cNvSpPr>
+          <p:nvPr>
+            <p:ph type="body" sz="quarter" idx="3"/>
+          </p:nvPr>
+        </p:nvSpPr>
+        <p:spPr/>
+        <p:txBody>
+          <a:bodyPr/>
+          <a:lstStyle/>
+          <a:p>
+            <a:r>
+              <a:rPr lang="hu-HU" dirty="0" err="1"/>
+              <a:t>Bayesian</a:t>
+            </a:r>
+            <a:endParaRPr lang="hu-HU" dirty="0"/>
+          </a:p>
+        </p:txBody>
+      </p:sp>
+      <p:sp>
+        <p:nvSpPr>
+          <p:cNvPr id="6" name="Tartalom helye 5">
+            <a:extLst>
+              <a:ext uri="{FF2B5EF4-FFF2-40B4-BE49-F238E27FC236}">
+                <a16:creationId xmlns:a16="http://schemas.microsoft.com/office/drawing/2014/main" id="{E5CBF80B-45F2-4299-A73C-1A641DA01457}"/>
+              </a:ext>
+            </a:extLst>
+          </p:cNvPr>
+          <p:cNvSpPr>
+            <a:spLocks noGrp="1"/>
+          </p:cNvSpPr>
+          <p:nvPr>
+            <p:ph sz="quarter" idx="4"/>
+          </p:nvPr>
+        </p:nvSpPr>
+        <p:spPr/>
+        <p:txBody>
+          <a:bodyPr>
+            <a:normAutofit/>
+          </a:bodyPr>
+          <a:lstStyle/>
+          <a:p>
+            <a:pPr marL="0" indent="0">
+              <a:buNone/>
+            </a:pPr>
+            <a:r>
+              <a:rPr lang="hu-HU" dirty="0"/>
+              <a:t>0. </a:t>
+            </a:r>
+            <a:r>
+              <a:rPr lang="hu-HU" dirty="0" err="1"/>
+              <a:t>Hypothesis</a:t>
+            </a:r>
+            <a:r>
+              <a:rPr lang="hu-HU" dirty="0"/>
+              <a:t> (</a:t>
+            </a:r>
+            <a:r>
+              <a:rPr lang="hu-HU" dirty="0" err="1"/>
+              <a:t>parameter</a:t>
+            </a:r>
+            <a:r>
+              <a:rPr lang="hu-HU" dirty="0"/>
+              <a:t>=</a:t>
+            </a:r>
+            <a:r>
+              <a:rPr lang="hu-HU" dirty="0" err="1"/>
+              <a:t>value</a:t>
+            </a:r>
+            <a:r>
+              <a:rPr lang="hu-HU" dirty="0"/>
+              <a:t>)</a:t>
+            </a:r>
+          </a:p>
+          <a:p>
+            <a:pPr marL="514350" indent="-514350">
+              <a:buAutoNum type="arabicPeriod"/>
+            </a:pPr>
+            <a:r>
+              <a:rPr lang="hu-HU" dirty="0"/>
+              <a:t>Prior </a:t>
+            </a:r>
+            <a:r>
+              <a:rPr lang="hu-HU" dirty="0" err="1"/>
+              <a:t>distribution</a:t>
+            </a:r>
+            <a:r>
+              <a:rPr lang="hu-HU" dirty="0"/>
+              <a:t> of </a:t>
+            </a:r>
+            <a:r>
+              <a:rPr lang="hu-HU" dirty="0" err="1"/>
+              <a:t>parameter</a:t>
+            </a:r>
+            <a:r>
+              <a:rPr lang="hu-HU" dirty="0"/>
+              <a:t> (</a:t>
+            </a:r>
+            <a:r>
+              <a:rPr lang="hu-HU" dirty="0" err="1"/>
+              <a:t>uninformative</a:t>
+            </a:r>
+            <a:r>
+              <a:rPr lang="hu-HU" dirty="0"/>
+              <a:t> </a:t>
+            </a:r>
+            <a:r>
+              <a:rPr lang="hu-HU" dirty="0" err="1"/>
+              <a:t>or</a:t>
+            </a:r>
+            <a:r>
+              <a:rPr lang="hu-HU" dirty="0"/>
+              <a:t> </a:t>
+            </a:r>
+            <a:r>
+              <a:rPr lang="hu-HU" dirty="0" err="1"/>
+              <a:t>informative</a:t>
+            </a:r>
+            <a:r>
+              <a:rPr lang="hu-HU" dirty="0"/>
+              <a:t>)</a:t>
+            </a:r>
+          </a:p>
+          <a:p>
+            <a:pPr marL="514350" indent="-514350">
+              <a:buAutoNum type="arabicPeriod"/>
+            </a:pPr>
+            <a:r>
+              <a:rPr lang="hu-HU" dirty="0"/>
+              <a:t>Data</a:t>
+            </a:r>
+          </a:p>
+          <a:p>
+            <a:pPr marL="514350" indent="-514350">
+              <a:buAutoNum type="arabicPeriod"/>
+            </a:pPr>
+            <a:r>
+              <a:rPr lang="hu-HU" dirty="0" err="1"/>
+              <a:t>Posterior</a:t>
+            </a:r>
+            <a:r>
+              <a:rPr lang="hu-HU" dirty="0"/>
+              <a:t> </a:t>
+            </a:r>
+            <a:r>
+              <a:rPr lang="hu-HU" dirty="0" err="1"/>
+              <a:t>distribution</a:t>
+            </a:r>
+            <a:endParaRPr lang="hu-HU" dirty="0"/>
+          </a:p>
+          <a:p>
+            <a:pPr marL="0" indent="0">
+              <a:buNone/>
+            </a:pPr>
+            <a:endParaRPr lang="hu-HU" dirty="0"/>
+          </a:p>
+        </p:txBody>
+      </p:sp>
+      <p:sp>
+        <p:nvSpPr>
+          <p:cNvPr id="7" name="Dátum helye 6">
+            <a:extLst>
+              <a:ext uri="{FF2B5EF4-FFF2-40B4-BE49-F238E27FC236}">
+                <a16:creationId xmlns:a16="http://schemas.microsoft.com/office/drawing/2014/main" id="{02406AC9-4272-41F9-845D-0E2B260DFC81}"/>
+              </a:ext>
+            </a:extLst>
+          </p:cNvPr>
+          <p:cNvSpPr>
+            <a:spLocks noGrp="1"/>
+          </p:cNvSpPr>
+          <p:nvPr>
+            <p:ph type="dt" sz="half" idx="10"/>
+          </p:nvPr>
+        </p:nvSpPr>
+        <p:spPr/>
+        <p:txBody>
+          <a:bodyPr/>
+          <a:lstStyle/>
+          <a:p>
+            <a:fld id="{8D6E728D-26E7-43BA-96F5-7A1E7F5977AD}" type="datetime1">
+              <a:rPr lang="hu-HU" smtClean="0"/>
+              <a:t>2019. 08. 10.</a:t>
+            </a:fld>
+            <a:endParaRPr lang="hu-HU" dirty="0"/>
+          </a:p>
+        </p:txBody>
+      </p:sp>
+      <p:sp>
+        <p:nvSpPr>
+          <p:cNvPr id="8" name="Élőláb helye 7">
+            <a:extLst>
+              <a:ext uri="{FF2B5EF4-FFF2-40B4-BE49-F238E27FC236}">
+                <a16:creationId xmlns:a16="http://schemas.microsoft.com/office/drawing/2014/main" id="{8F3FFC16-2DE6-4D6E-8918-D643FA89C125}"/>
+              </a:ext>
+            </a:extLst>
+          </p:cNvPr>
+          <p:cNvSpPr>
+            <a:spLocks noGrp="1"/>
+          </p:cNvSpPr>
+          <p:nvPr>
+            <p:ph type="ftr" sz="quarter" idx="11"/>
+          </p:nvPr>
+        </p:nvSpPr>
+        <p:spPr/>
+        <p:txBody>
+          <a:bodyPr/>
+          <a:lstStyle/>
+          <a:p>
+            <a:r>
+              <a:rPr lang="hu-HU"/>
+              <a:t>Mór Kapronczay  -  Starschema Ltd.</a:t>
+            </a:r>
+            <a:endParaRPr lang="hu-HU" dirty="0"/>
+          </a:p>
+        </p:txBody>
+      </p:sp>
+      <p:sp>
+        <p:nvSpPr>
+          <p:cNvPr id="9" name="Dia számának helye 8">
+            <a:extLst>
+              <a:ext uri="{FF2B5EF4-FFF2-40B4-BE49-F238E27FC236}">
+                <a16:creationId xmlns:a16="http://schemas.microsoft.com/office/drawing/2014/main" id="{08AD6E10-D930-40FC-9F05-A363797A7E8B}"/>
+              </a:ext>
+            </a:extLst>
+          </p:cNvPr>
+          <p:cNvSpPr>
+            <a:spLocks noGrp="1"/>
+          </p:cNvSpPr>
+          <p:nvPr>
+            <p:ph type="sldNum" sz="quarter" idx="12"/>
+          </p:nvPr>
+        </p:nvSpPr>
+        <p:spPr/>
+        <p:txBody>
+          <a:bodyPr/>
+          <a:lstStyle/>
+          <a:p>
+            <a:fld id="{14BC9C27-3A79-4F57-BFB4-AB282D25D2CE}" type="slidenum">
+              <a:rPr lang="hu-HU" smtClean="0"/>
+              <a:t>10</a:t>
+            </a:fld>
+            <a:endParaRPr lang="hu-HU"/>
+          </a:p>
+        </p:txBody>
+      </p:sp>
+    </p:spTree>
+    <p:extLst>
+      <p:ext uri="{BB962C8B-B14F-4D97-AF65-F5344CB8AC3E}">
+        <p14:creationId xmlns:p14="http://schemas.microsoft.com/office/powerpoint/2010/main" val="877488497"/>
+      </p:ext>
+    </p:extLst>
+  </p:cSld>
+  <p:clrMapOvr>
+    <a:masterClrMapping/>
+  </p:clrMapOvr>
+</p:sld>
+</file>
+
+<file path=ppt/slides/slide11.xml><?xml version="1.0" encoding="utf-8"?>
+<p:sld xmlns:a="http://schemas.openxmlformats.org/drawingml/2006/main" xmlns:r="http://schemas.openxmlformats.org/officeDocument/2006/relationships" xmlns:p="http://schemas.openxmlformats.org/presentationml/2006/main">
+  <p:cSld>
+    <p:spTree>
+      <p:nvGrpSpPr>
+        <p:cNvPr id="1" name=""/>
+        <p:cNvGrpSpPr/>
+        <p:nvPr/>
+      </p:nvGrpSpPr>
+      <p:grpSpPr>
+        <a:xfrm>
+          <a:off x="0" y="0"/>
+          <a:ext cx="0" cy="0"/>
+          <a:chOff x="0" y="0"/>
+          <a:chExt cx="0" cy="0"/>
+        </a:xfrm>
+      </p:grpSpPr>
+      <p:sp>
+        <p:nvSpPr>
+          <p:cNvPr id="10" name="Cím 9">
+            <a:extLst>
+              <a:ext uri="{FF2B5EF4-FFF2-40B4-BE49-F238E27FC236}">
+                <a16:creationId xmlns:a16="http://schemas.microsoft.com/office/drawing/2014/main" id="{24189934-7A7A-4928-B4E5-557F4DA02C02}"/>
+              </a:ext>
+            </a:extLst>
+          </p:cNvPr>
+          <p:cNvSpPr>
+            <a:spLocks noGrp="1"/>
+          </p:cNvSpPr>
+          <p:nvPr>
+            <p:ph type="title"/>
+          </p:nvPr>
+        </p:nvSpPr>
+        <p:spPr/>
+        <p:txBody>
+          <a:bodyPr>
+            <a:normAutofit fontScale="90000"/>
+          </a:bodyPr>
+          <a:lstStyle/>
+          <a:p>
+            <a:r>
+              <a:rPr lang="hu-HU" dirty="0" err="1"/>
+              <a:t>Frequentist</a:t>
+            </a:r>
+            <a:r>
+              <a:rPr lang="hu-HU" dirty="0"/>
+              <a:t> </a:t>
+            </a:r>
+            <a:r>
+              <a:rPr lang="hu-HU" dirty="0" err="1"/>
+              <a:t>reasoning</a:t>
+            </a:r>
+            <a:endParaRPr lang="hu-HU" dirty="0"/>
+          </a:p>
+        </p:txBody>
+      </p:sp>
+      <p:sp>
+        <p:nvSpPr>
+          <p:cNvPr id="11" name="Tartalom helye 10">
+            <a:extLst>
+              <a:ext uri="{FF2B5EF4-FFF2-40B4-BE49-F238E27FC236}">
+                <a16:creationId xmlns:a16="http://schemas.microsoft.com/office/drawing/2014/main" id="{810628D4-0211-45BA-B978-07DED8BDBEB0}"/>
+              </a:ext>
+            </a:extLst>
+          </p:cNvPr>
+          <p:cNvSpPr>
+            <a:spLocks noGrp="1"/>
+          </p:cNvSpPr>
+          <p:nvPr>
+            <p:ph idx="1"/>
+          </p:nvPr>
+        </p:nvSpPr>
+        <p:spPr/>
+        <p:txBody>
+          <a:bodyPr/>
+          <a:lstStyle/>
+          <a:p>
+            <a:pPr marL="514350" indent="-514350">
+              <a:buAutoNum type="arabicPeriod"/>
+            </a:pPr>
+            <a:r>
+              <a:rPr lang="hu-HU" dirty="0" err="1"/>
+              <a:t>Model</a:t>
+            </a:r>
+            <a:r>
+              <a:rPr lang="hu-HU" dirty="0"/>
+              <a:t> </a:t>
+            </a:r>
+            <a:r>
+              <a:rPr lang="hu-HU" dirty="0" err="1"/>
+              <a:t>assumptions</a:t>
+            </a:r>
+            <a:br>
+              <a:rPr lang="hu-HU" dirty="0"/>
+            </a:br>
+            <a:r>
+              <a:rPr lang="hu-HU" sz="2000" dirty="0"/>
+              <a:t>X is </a:t>
+            </a:r>
+            <a:r>
+              <a:rPr lang="hu-HU" sz="2000" dirty="0" err="1"/>
+              <a:t>normally</a:t>
+            </a:r>
+            <a:r>
+              <a:rPr lang="hu-HU" sz="2000" dirty="0"/>
+              <a:t> </a:t>
+            </a:r>
+            <a:r>
+              <a:rPr lang="hu-HU" sz="2000" dirty="0" err="1"/>
+              <a:t>distributed</a:t>
+            </a:r>
+            <a:r>
+              <a:rPr lang="hu-HU" sz="2000" dirty="0"/>
+              <a:t> </a:t>
+            </a:r>
+            <a:r>
+              <a:rPr lang="hu-HU" sz="2000" dirty="0" err="1"/>
+              <a:t>variable</a:t>
+            </a:r>
+            <a:r>
+              <a:rPr lang="hu-HU" sz="2000" dirty="0"/>
+              <a:t> of </a:t>
+            </a:r>
+            <a:r>
+              <a:rPr lang="hu-HU" sz="2000" dirty="0" err="1"/>
+              <a:t>which</a:t>
+            </a:r>
+            <a:r>
+              <a:rPr lang="hu-HU" sz="2000" dirty="0"/>
+              <a:t> </a:t>
+            </a:r>
+            <a:r>
+              <a:rPr lang="hu-HU" sz="2000" dirty="0" err="1"/>
+              <a:t>we</a:t>
+            </a:r>
+            <a:r>
+              <a:rPr lang="hu-HU" sz="2000" dirty="0"/>
+              <a:t> </a:t>
+            </a:r>
+            <a:r>
+              <a:rPr lang="hu-HU" sz="2000" dirty="0" err="1"/>
+              <a:t>have</a:t>
+            </a:r>
+            <a:r>
+              <a:rPr lang="hu-HU" sz="2000" dirty="0"/>
+              <a:t> a random </a:t>
+            </a:r>
+            <a:r>
+              <a:rPr lang="hu-HU" sz="2000" dirty="0" err="1"/>
+              <a:t>sample</a:t>
+            </a:r>
+            <a:r>
+              <a:rPr lang="hu-HU" sz="2000" dirty="0"/>
+              <a:t>.</a:t>
+            </a:r>
+          </a:p>
+          <a:p>
+            <a:pPr marL="514350" indent="-514350">
+              <a:buAutoNum type="arabicPeriod"/>
+            </a:pPr>
+            <a:r>
+              <a:rPr lang="hu-HU" dirty="0"/>
+              <a:t>Null </a:t>
+            </a:r>
+            <a:r>
+              <a:rPr lang="hu-HU" dirty="0" err="1"/>
+              <a:t>hypothesis</a:t>
+            </a:r>
+            <a:r>
+              <a:rPr lang="hu-HU" dirty="0"/>
+              <a:t> (H0)</a:t>
+            </a:r>
+            <a:br>
+              <a:rPr lang="hu-HU" dirty="0"/>
+            </a:br>
+            <a:r>
+              <a:rPr lang="hu-HU" sz="2000" dirty="0" err="1"/>
+              <a:t>Mean</a:t>
+            </a:r>
+            <a:r>
+              <a:rPr lang="hu-HU" sz="2000" dirty="0"/>
+              <a:t> of X is </a:t>
+            </a:r>
+            <a:r>
+              <a:rPr lang="hu-HU" sz="2000" dirty="0" err="1"/>
+              <a:t>some</a:t>
+            </a:r>
+            <a:r>
+              <a:rPr lang="hu-HU" sz="2000" dirty="0"/>
+              <a:t> </a:t>
+            </a:r>
+            <a:r>
+              <a:rPr lang="hu-HU" sz="2000" dirty="0" err="1"/>
+              <a:t>value</a:t>
+            </a:r>
+            <a:r>
+              <a:rPr lang="hu-HU" sz="2000" dirty="0"/>
+              <a:t> (m)</a:t>
+            </a:r>
+            <a:endParaRPr lang="hu-HU" dirty="0"/>
+          </a:p>
+          <a:p>
+            <a:pPr marL="514350" indent="-514350">
+              <a:buAutoNum type="arabicPeriod"/>
+            </a:pPr>
+            <a:r>
+              <a:rPr lang="hu-HU" dirty="0"/>
+              <a:t>Test </a:t>
+            </a:r>
+            <a:r>
+              <a:rPr lang="hu-HU" dirty="0" err="1"/>
+              <a:t>statistic</a:t>
+            </a:r>
+            <a:br>
+              <a:rPr lang="hu-HU" dirty="0"/>
+            </a:br>
+            <a:r>
+              <a:rPr lang="hu-HU" sz="2000" dirty="0" err="1"/>
+              <a:t>Calculate</a:t>
+            </a:r>
+            <a:r>
+              <a:rPr lang="hu-HU" sz="2000" dirty="0"/>
+              <a:t> a test </a:t>
+            </a:r>
+            <a:r>
+              <a:rPr lang="hu-HU" sz="2000" dirty="0" err="1"/>
+              <a:t>statistic</a:t>
+            </a:r>
+            <a:r>
+              <a:rPr lang="hu-HU" sz="2000" dirty="0"/>
+              <a:t> </a:t>
+            </a:r>
+            <a:r>
+              <a:rPr lang="hu-HU" sz="2000" dirty="0" err="1"/>
+              <a:t>from</a:t>
+            </a:r>
+            <a:r>
+              <a:rPr lang="hu-HU" sz="2000" dirty="0"/>
+              <a:t> </a:t>
+            </a:r>
+            <a:r>
+              <a:rPr lang="hu-HU" sz="2000" dirty="0" err="1"/>
+              <a:t>data</a:t>
+            </a:r>
+            <a:r>
+              <a:rPr lang="hu-HU" sz="2000" dirty="0"/>
+              <a:t>. </a:t>
+            </a:r>
+            <a:r>
+              <a:rPr lang="hu-HU" sz="2000" dirty="0" err="1"/>
+              <a:t>Calculate</a:t>
+            </a:r>
+            <a:r>
+              <a:rPr lang="hu-HU" sz="2000" dirty="0"/>
+              <a:t> </a:t>
+            </a:r>
+            <a:r>
+              <a:rPr lang="hu-HU" sz="2000" dirty="0" err="1"/>
+              <a:t>sample</a:t>
+            </a:r>
+            <a:r>
+              <a:rPr lang="hu-HU" sz="2000" dirty="0"/>
+              <a:t> </a:t>
+            </a:r>
+            <a:r>
+              <a:rPr lang="hu-HU" sz="2000" dirty="0" err="1"/>
+              <a:t>mean</a:t>
+            </a:r>
+            <a:r>
+              <a:rPr lang="hu-HU" sz="2000" dirty="0"/>
+              <a:t> and test </a:t>
+            </a:r>
+            <a:r>
+              <a:rPr lang="hu-HU" sz="2000" dirty="0" err="1"/>
+              <a:t>statistic</a:t>
+            </a:r>
+            <a:r>
+              <a:rPr lang="hu-HU" sz="2000" dirty="0"/>
+              <a:t> (z </a:t>
+            </a:r>
+            <a:r>
+              <a:rPr lang="hu-HU" sz="2000" dirty="0" err="1"/>
+              <a:t>or</a:t>
+            </a:r>
+            <a:r>
+              <a:rPr lang="hu-HU" sz="2000" dirty="0"/>
+              <a:t> t </a:t>
+            </a:r>
+            <a:r>
+              <a:rPr lang="hu-HU" sz="2000" dirty="0" err="1"/>
+              <a:t>score</a:t>
+            </a:r>
+            <a:r>
+              <a:rPr lang="hu-HU" sz="2000" dirty="0"/>
+              <a:t>).</a:t>
+            </a:r>
+            <a:endParaRPr lang="hu-HU" dirty="0"/>
+          </a:p>
+          <a:p>
+            <a:pPr marL="514350" indent="-514350">
+              <a:buAutoNum type="arabicPeriod"/>
+            </a:pPr>
+            <a:r>
+              <a:rPr lang="hu-HU" dirty="0" err="1"/>
+              <a:t>Theorem</a:t>
+            </a:r>
+            <a:br>
+              <a:rPr lang="hu-HU" sz="2000" dirty="0"/>
+            </a:br>
+            <a:r>
+              <a:rPr lang="hu-HU" sz="2000" dirty="0" err="1"/>
+              <a:t>According</a:t>
+            </a:r>
+            <a:r>
+              <a:rPr lang="hu-HU" sz="2000" dirty="0"/>
+              <a:t> </a:t>
+            </a:r>
+            <a:r>
+              <a:rPr lang="hu-HU" sz="2000" dirty="0" err="1"/>
+              <a:t>to</a:t>
+            </a:r>
+            <a:r>
+              <a:rPr lang="hu-HU" sz="2000" dirty="0"/>
+              <a:t> </a:t>
+            </a:r>
+            <a:r>
+              <a:rPr lang="hu-HU" sz="2000" dirty="0" err="1"/>
+              <a:t>the</a:t>
+            </a:r>
+            <a:r>
+              <a:rPr lang="hu-HU" sz="2000" dirty="0"/>
+              <a:t> </a:t>
+            </a:r>
+            <a:r>
+              <a:rPr lang="hu-HU" sz="2000" dirty="0" err="1"/>
+              <a:t>rigour</a:t>
+            </a:r>
+            <a:r>
+              <a:rPr lang="hu-HU" sz="2000" dirty="0"/>
+              <a:t> of </a:t>
+            </a:r>
+            <a:r>
+              <a:rPr lang="hu-HU" sz="2000" dirty="0" err="1"/>
+              <a:t>the</a:t>
+            </a:r>
+            <a:r>
+              <a:rPr lang="hu-HU" sz="2000" dirty="0"/>
+              <a:t> test, </a:t>
+            </a:r>
+            <a:r>
+              <a:rPr lang="hu-HU" sz="2000" dirty="0" err="1"/>
+              <a:t>we</a:t>
+            </a:r>
+            <a:r>
+              <a:rPr lang="hu-HU" sz="2000" dirty="0"/>
+              <a:t> </a:t>
+            </a:r>
+            <a:r>
+              <a:rPr lang="hu-HU" sz="2000" dirty="0" err="1"/>
+              <a:t>decide</a:t>
+            </a:r>
+            <a:r>
+              <a:rPr lang="hu-HU" sz="2000" dirty="0"/>
+              <a:t> </a:t>
+            </a:r>
+            <a:r>
+              <a:rPr lang="hu-HU" sz="2000" dirty="0" err="1"/>
+              <a:t>to</a:t>
+            </a:r>
+            <a:r>
+              <a:rPr lang="hu-HU" sz="2000" dirty="0"/>
+              <a:t> </a:t>
+            </a:r>
+            <a:r>
+              <a:rPr lang="hu-HU" sz="2000" dirty="0" err="1"/>
+              <a:t>accept</a:t>
+            </a:r>
+            <a:r>
+              <a:rPr lang="hu-HU" sz="2000" dirty="0"/>
+              <a:t> </a:t>
+            </a:r>
+            <a:r>
+              <a:rPr lang="hu-HU" sz="2000" dirty="0" err="1"/>
+              <a:t>or</a:t>
+            </a:r>
+            <a:r>
+              <a:rPr lang="hu-HU" sz="2000" dirty="0"/>
+              <a:t> </a:t>
+            </a:r>
+            <a:r>
+              <a:rPr lang="hu-HU" sz="2000" dirty="0" err="1"/>
+              <a:t>reject</a:t>
+            </a:r>
+            <a:r>
+              <a:rPr lang="hu-HU" sz="2000" dirty="0"/>
+              <a:t> H0 </a:t>
+            </a:r>
+            <a:r>
+              <a:rPr lang="hu-HU" sz="2000" dirty="0" err="1"/>
+              <a:t>based</a:t>
+            </a:r>
+            <a:r>
+              <a:rPr lang="hu-HU" sz="2000" dirty="0"/>
+              <a:t> </a:t>
+            </a:r>
+            <a:r>
+              <a:rPr lang="hu-HU" sz="2000" dirty="0" err="1"/>
+              <a:t>on</a:t>
+            </a:r>
+            <a:r>
+              <a:rPr lang="hu-HU" sz="2000" dirty="0"/>
+              <a:t> </a:t>
+            </a:r>
+            <a:r>
+              <a:rPr lang="hu-HU" sz="2000" dirty="0" err="1"/>
+              <a:t>the</a:t>
+            </a:r>
+            <a:r>
+              <a:rPr lang="hu-HU" sz="2000" dirty="0"/>
+              <a:t> </a:t>
+            </a:r>
+            <a:r>
+              <a:rPr lang="hu-HU" sz="2000" dirty="0" err="1"/>
+              <a:t>value</a:t>
+            </a:r>
+            <a:r>
+              <a:rPr lang="hu-HU" sz="2000" dirty="0"/>
+              <a:t> of </a:t>
+            </a:r>
+            <a:r>
+              <a:rPr lang="hu-HU" sz="2000" dirty="0" err="1"/>
+              <a:t>the</a:t>
+            </a:r>
+            <a:r>
+              <a:rPr lang="hu-HU" sz="2000" dirty="0"/>
+              <a:t> </a:t>
+            </a:r>
+            <a:r>
+              <a:rPr lang="hu-HU" sz="2000" dirty="0" err="1"/>
+              <a:t>statistic</a:t>
+            </a:r>
+            <a:r>
+              <a:rPr lang="hu-HU" sz="2000" dirty="0"/>
+              <a:t>. </a:t>
+            </a:r>
+            <a:endParaRPr lang="hu-HU" dirty="0"/>
+          </a:p>
+        </p:txBody>
+      </p:sp>
+      <p:sp>
+        <p:nvSpPr>
+          <p:cNvPr id="7" name="Dátum helye 6">
+            <a:extLst>
+              <a:ext uri="{FF2B5EF4-FFF2-40B4-BE49-F238E27FC236}">
+                <a16:creationId xmlns:a16="http://schemas.microsoft.com/office/drawing/2014/main" id="{A4877A2E-F1A6-4D1D-986C-097119253836}"/>
+              </a:ext>
+            </a:extLst>
+          </p:cNvPr>
+          <p:cNvSpPr>
+            <a:spLocks noGrp="1"/>
+          </p:cNvSpPr>
+          <p:nvPr>
+            <p:ph type="dt" sz="half" idx="10"/>
+          </p:nvPr>
+        </p:nvSpPr>
+        <p:spPr/>
+        <p:txBody>
+          <a:bodyPr/>
+          <a:lstStyle/>
+          <a:p>
+            <a:fld id="{8D6E728D-26E7-43BA-96F5-7A1E7F5977AD}" type="datetime1">
+              <a:rPr lang="hu-HU" smtClean="0"/>
+              <a:t>2019. 08. 10.</a:t>
+            </a:fld>
+            <a:endParaRPr lang="hu-HU" dirty="0"/>
+          </a:p>
+        </p:txBody>
+      </p:sp>
+      <p:sp>
+        <p:nvSpPr>
+          <p:cNvPr id="8" name="Élőláb helye 7">
+            <a:extLst>
+              <a:ext uri="{FF2B5EF4-FFF2-40B4-BE49-F238E27FC236}">
+                <a16:creationId xmlns:a16="http://schemas.microsoft.com/office/drawing/2014/main" id="{A5E4B9DB-1C8F-4ED6-B97F-82CEE73CF6AA}"/>
+              </a:ext>
+            </a:extLst>
+          </p:cNvPr>
+          <p:cNvSpPr>
+            <a:spLocks noGrp="1"/>
+          </p:cNvSpPr>
+          <p:nvPr>
+            <p:ph type="ftr" sz="quarter" idx="11"/>
+          </p:nvPr>
+        </p:nvSpPr>
+        <p:spPr/>
+        <p:txBody>
+          <a:bodyPr/>
+          <a:lstStyle/>
+          <a:p>
+            <a:r>
+              <a:rPr lang="hu-HU"/>
+              <a:t>Mór Kapronczay  -  Starschema Ltd.</a:t>
+            </a:r>
+            <a:endParaRPr lang="hu-HU" dirty="0"/>
+          </a:p>
+        </p:txBody>
+      </p:sp>
+      <p:sp>
+        <p:nvSpPr>
+          <p:cNvPr id="9" name="Dia számának helye 8">
+            <a:extLst>
+              <a:ext uri="{FF2B5EF4-FFF2-40B4-BE49-F238E27FC236}">
+                <a16:creationId xmlns:a16="http://schemas.microsoft.com/office/drawing/2014/main" id="{A54F3F4B-9B38-46F1-9DE2-8FB69D74D408}"/>
+              </a:ext>
+            </a:extLst>
+          </p:cNvPr>
+          <p:cNvSpPr>
+            <a:spLocks noGrp="1"/>
+          </p:cNvSpPr>
+          <p:nvPr>
+            <p:ph type="sldNum" sz="quarter" idx="12"/>
+          </p:nvPr>
+        </p:nvSpPr>
+        <p:spPr/>
+        <p:txBody>
+          <a:bodyPr/>
+          <a:lstStyle/>
+          <a:p>
+            <a:fld id="{14BC9C27-3A79-4F57-BFB4-AB282D25D2CE}" type="slidenum">
+              <a:rPr lang="hu-HU" smtClean="0"/>
+              <a:t>11</a:t>
+            </a:fld>
+            <a:endParaRPr lang="hu-HU"/>
+          </a:p>
+        </p:txBody>
+      </p:sp>
+    </p:spTree>
+    <p:extLst>
+      <p:ext uri="{BB962C8B-B14F-4D97-AF65-F5344CB8AC3E}">
+        <p14:creationId xmlns:p14="http://schemas.microsoft.com/office/powerpoint/2010/main" val="3030288205"/>
+      </p:ext>
+    </p:extLst>
+  </p:cSld>
+  <p:clrMapOvr>
+    <a:masterClrMapping/>
+  </p:clrMapOvr>
+</p:sld>
+</file>
+
+<file path=ppt/slides/slide12.xml><?xml version="1.0" encoding="utf-8"?>
+<p:sld xmlns:a="http://schemas.openxmlformats.org/drawingml/2006/main" xmlns:r="http://schemas.openxmlformats.org/officeDocument/2006/relationships" xmlns:p="http://schemas.openxmlformats.org/presentationml/2006/main">
+  <p:cSld>
+    <p:spTree>
+      <p:nvGrpSpPr>
+        <p:cNvPr id="1" name=""/>
+        <p:cNvGrpSpPr/>
+        <p:nvPr/>
+      </p:nvGrpSpPr>
+      <p:grpSpPr>
+        <a:xfrm>
+          <a:off x="0" y="0"/>
+          <a:ext cx="0" cy="0"/>
+          <a:chOff x="0" y="0"/>
+          <a:chExt cx="0" cy="0"/>
+        </a:xfrm>
+      </p:grpSpPr>
+      <p:sp>
+        <p:nvSpPr>
+          <p:cNvPr id="10" name="Cím 9">
+            <a:extLst>
+              <a:ext uri="{FF2B5EF4-FFF2-40B4-BE49-F238E27FC236}">
+                <a16:creationId xmlns:a16="http://schemas.microsoft.com/office/drawing/2014/main" id="{24189934-7A7A-4928-B4E5-557F4DA02C02}"/>
+              </a:ext>
+            </a:extLst>
+          </p:cNvPr>
+          <p:cNvSpPr>
+            <a:spLocks noGrp="1"/>
+          </p:cNvSpPr>
+          <p:nvPr>
+            <p:ph type="title"/>
+          </p:nvPr>
+        </p:nvSpPr>
+        <p:spPr/>
+        <p:txBody>
+          <a:bodyPr>
+            <a:normAutofit fontScale="90000"/>
+          </a:bodyPr>
+          <a:lstStyle/>
+          <a:p>
+            <a:r>
+              <a:rPr lang="hu-HU" dirty="0" err="1"/>
+              <a:t>Bayesian</a:t>
+            </a:r>
+            <a:r>
+              <a:rPr lang="hu-HU" dirty="0"/>
+              <a:t> </a:t>
+            </a:r>
+            <a:r>
+              <a:rPr lang="hu-HU" dirty="0" err="1"/>
+              <a:t>reasoning</a:t>
+            </a:r>
+            <a:endParaRPr lang="hu-HU" dirty="0"/>
+          </a:p>
+        </p:txBody>
+      </p:sp>
+      <p:sp>
+        <p:nvSpPr>
+          <p:cNvPr id="11" name="Tartalom helye 10">
+            <a:extLst>
+              <a:ext uri="{FF2B5EF4-FFF2-40B4-BE49-F238E27FC236}">
+                <a16:creationId xmlns:a16="http://schemas.microsoft.com/office/drawing/2014/main" id="{810628D4-0211-45BA-B978-07DED8BDBEB0}"/>
+              </a:ext>
+            </a:extLst>
+          </p:cNvPr>
+          <p:cNvSpPr>
+            <a:spLocks noGrp="1"/>
+          </p:cNvSpPr>
+          <p:nvPr>
+            <p:ph idx="1"/>
+          </p:nvPr>
+        </p:nvSpPr>
+        <p:spPr/>
+        <p:txBody>
+          <a:bodyPr>
+            <a:normAutofit/>
+          </a:bodyPr>
+          <a:lstStyle/>
+          <a:p>
+            <a:pPr marL="457200" indent="-457200">
+              <a:buFont typeface="+mj-lt"/>
+              <a:buAutoNum type="arabicPeriod"/>
+            </a:pPr>
+            <a:r>
+              <a:rPr lang="hu-HU" dirty="0" err="1"/>
+              <a:t>Priors</a:t>
+            </a:r>
+            <a:br>
+              <a:rPr lang="hu-HU" sz="2400" dirty="0"/>
+            </a:br>
+            <a:r>
+              <a:rPr lang="hu-HU" sz="2000" dirty="0" err="1"/>
+              <a:t>We</a:t>
+            </a:r>
+            <a:r>
+              <a:rPr lang="hu-HU" sz="2000" dirty="0"/>
+              <a:t> </a:t>
+            </a:r>
+            <a:r>
+              <a:rPr lang="hu-HU" sz="2000" dirty="0" err="1"/>
+              <a:t>have</a:t>
+            </a:r>
+            <a:r>
+              <a:rPr lang="hu-HU" sz="2000" dirty="0"/>
+              <a:t> prior </a:t>
+            </a:r>
+            <a:r>
+              <a:rPr lang="hu-HU" sz="2000" dirty="0" err="1"/>
+              <a:t>probabilities</a:t>
+            </a:r>
+            <a:r>
+              <a:rPr lang="hu-HU" sz="2000" dirty="0"/>
+              <a:t> </a:t>
+            </a:r>
+            <a:r>
+              <a:rPr lang="hu-HU" sz="2000" dirty="0" err="1"/>
+              <a:t>about</a:t>
+            </a:r>
+            <a:r>
+              <a:rPr lang="hu-HU" sz="2000" dirty="0"/>
+              <a:t> H0 and H1 </a:t>
+            </a:r>
+            <a:r>
+              <a:rPr lang="hu-HU" sz="2000" dirty="0" err="1"/>
+              <a:t>being</a:t>
+            </a:r>
+            <a:r>
+              <a:rPr lang="hu-HU" sz="2000" dirty="0"/>
+              <a:t> </a:t>
+            </a:r>
+            <a:r>
+              <a:rPr lang="hu-HU" sz="2000" dirty="0" err="1"/>
+              <a:t>true</a:t>
+            </a:r>
+            <a:r>
+              <a:rPr lang="hu-HU" sz="2000" dirty="0"/>
+              <a:t>: P(H0), and P(H1) </a:t>
+            </a:r>
+            <a:r>
+              <a:rPr lang="hu-HU" sz="2000" dirty="0" err="1"/>
+              <a:t>respectively</a:t>
+            </a:r>
+            <a:endParaRPr lang="hu-HU" sz="2000" dirty="0"/>
+          </a:p>
+          <a:p>
+            <a:pPr marL="514350" indent="-514350">
+              <a:buAutoNum type="arabicPeriod"/>
+            </a:pPr>
+            <a:r>
+              <a:rPr lang="hu-HU" dirty="0"/>
+              <a:t>Data</a:t>
+            </a:r>
+            <a:br>
+              <a:rPr lang="hu-HU" sz="2000" dirty="0"/>
+            </a:br>
+            <a:r>
+              <a:rPr lang="hu-HU" sz="2000" dirty="0" err="1"/>
+              <a:t>We</a:t>
+            </a:r>
+            <a:r>
+              <a:rPr lang="hu-HU" sz="2000" dirty="0"/>
+              <a:t> </a:t>
+            </a:r>
+            <a:r>
+              <a:rPr lang="hu-HU" sz="2000" dirty="0" err="1"/>
+              <a:t>observe</a:t>
+            </a:r>
+            <a:r>
+              <a:rPr lang="hu-HU" sz="2000" dirty="0"/>
+              <a:t> Y, a random </a:t>
+            </a:r>
+            <a:r>
+              <a:rPr lang="hu-HU" sz="2000" dirty="0" err="1"/>
+              <a:t>vector</a:t>
+            </a:r>
+            <a:r>
+              <a:rPr lang="hu-HU" sz="2000" dirty="0"/>
+              <a:t> </a:t>
+            </a:r>
+            <a:r>
+              <a:rPr lang="hu-HU" sz="2000" dirty="0" err="1"/>
+              <a:t>to</a:t>
+            </a:r>
+            <a:r>
+              <a:rPr lang="hu-HU" sz="2000" dirty="0"/>
+              <a:t> </a:t>
+            </a:r>
+            <a:r>
+              <a:rPr lang="hu-HU" sz="2000" dirty="0" err="1"/>
+              <a:t>which</a:t>
+            </a:r>
+            <a:r>
+              <a:rPr lang="hu-HU" sz="2000" dirty="0"/>
+              <a:t> H0 and H1 </a:t>
+            </a:r>
+            <a:r>
+              <a:rPr lang="hu-HU" sz="2000" dirty="0" err="1"/>
+              <a:t>corresponds</a:t>
+            </a:r>
+            <a:r>
+              <a:rPr lang="hu-HU" sz="2000" dirty="0"/>
+              <a:t>.</a:t>
+            </a:r>
+          </a:p>
+          <a:p>
+            <a:pPr marL="514350" indent="-514350">
+              <a:buAutoNum type="arabicPeriod"/>
+            </a:pPr>
+            <a:r>
+              <a:rPr lang="hu-HU" dirty="0" err="1"/>
+              <a:t>Likelihoods</a:t>
+            </a:r>
+            <a:br>
+              <a:rPr lang="hu-HU" sz="2400" dirty="0"/>
+            </a:br>
+            <a:r>
+              <a:rPr lang="hu-HU" sz="2000" dirty="0" err="1"/>
+              <a:t>We</a:t>
+            </a:r>
+            <a:r>
+              <a:rPr lang="hu-HU" sz="2000" dirty="0"/>
+              <a:t> </a:t>
+            </a:r>
+            <a:r>
+              <a:rPr lang="hu-HU" sz="2000" dirty="0" err="1"/>
+              <a:t>know</a:t>
+            </a:r>
+            <a:r>
+              <a:rPr lang="hu-HU" sz="2000" dirty="0"/>
+              <a:t> </a:t>
+            </a:r>
+            <a:r>
+              <a:rPr lang="hu-HU" sz="2000" dirty="0" err="1"/>
+              <a:t>what</a:t>
+            </a:r>
+            <a:r>
+              <a:rPr lang="hu-HU" sz="2000" dirty="0"/>
+              <a:t> </a:t>
+            </a:r>
+            <a:r>
+              <a:rPr lang="hu-HU" sz="2000" dirty="0" err="1"/>
+              <a:t>distribution</a:t>
+            </a:r>
+            <a:r>
+              <a:rPr lang="hu-HU" sz="2000" dirty="0"/>
+              <a:t> of Y </a:t>
+            </a:r>
+            <a:r>
+              <a:rPr lang="hu-HU" sz="2000" dirty="0" err="1"/>
+              <a:t>satisfies</a:t>
+            </a:r>
+            <a:r>
+              <a:rPr lang="hu-HU" sz="2000" dirty="0"/>
+              <a:t> </a:t>
+            </a:r>
+            <a:r>
+              <a:rPr lang="hu-HU" sz="2000" dirty="0" err="1"/>
+              <a:t>each</a:t>
+            </a:r>
+            <a:r>
+              <a:rPr lang="hu-HU" sz="2000" dirty="0"/>
+              <a:t> </a:t>
+            </a:r>
+            <a:r>
+              <a:rPr lang="hu-HU" sz="2000" dirty="0" err="1"/>
+              <a:t>hypothesis</a:t>
+            </a:r>
+            <a:r>
+              <a:rPr lang="hu-HU" sz="2000" dirty="0"/>
+              <a:t>: f(y|H0), f(y|H1)</a:t>
+            </a:r>
+          </a:p>
+          <a:p>
+            <a:pPr marL="514350" indent="-514350">
+              <a:buAutoNum type="arabicPeriod"/>
+            </a:pPr>
+            <a:r>
+              <a:rPr lang="hu-HU" dirty="0" err="1"/>
+              <a:t>Posteriors</a:t>
+            </a:r>
+            <a:br>
+              <a:rPr lang="hu-HU" sz="2400" dirty="0"/>
+            </a:br>
+            <a:r>
+              <a:rPr lang="hu-HU" sz="2000" dirty="0" err="1"/>
+              <a:t>We</a:t>
+            </a:r>
+            <a:r>
+              <a:rPr lang="hu-HU" sz="2000" dirty="0"/>
+              <a:t> </a:t>
+            </a:r>
+            <a:r>
+              <a:rPr lang="hu-HU" sz="2000" dirty="0" err="1"/>
+              <a:t>obtain</a:t>
+            </a:r>
+            <a:r>
+              <a:rPr lang="hu-HU" sz="2000" dirty="0"/>
+              <a:t> </a:t>
+            </a:r>
+            <a:r>
+              <a:rPr lang="hu-HU" sz="2000" dirty="0" err="1"/>
+              <a:t>the</a:t>
+            </a:r>
+            <a:r>
+              <a:rPr lang="hu-HU" sz="2000" dirty="0"/>
+              <a:t> </a:t>
+            </a:r>
+            <a:r>
+              <a:rPr lang="hu-HU" sz="2000" dirty="0" err="1"/>
+              <a:t>posterior</a:t>
+            </a:r>
+            <a:r>
+              <a:rPr lang="hu-HU" sz="2000" dirty="0"/>
+              <a:t> </a:t>
+            </a:r>
+            <a:r>
+              <a:rPr lang="hu-HU" sz="2000" dirty="0" err="1"/>
+              <a:t>probabilities</a:t>
+            </a:r>
+            <a:r>
+              <a:rPr lang="hu-HU" sz="2000" dirty="0"/>
+              <a:t> </a:t>
+            </a:r>
+            <a:r>
+              <a:rPr lang="hu-HU" sz="2000" dirty="0" err="1"/>
+              <a:t>using</a:t>
+            </a:r>
+            <a:r>
+              <a:rPr lang="hu-HU" sz="2000" dirty="0"/>
+              <a:t> </a:t>
+            </a:r>
+            <a:r>
+              <a:rPr lang="hu-HU" sz="2000" dirty="0" err="1"/>
+              <a:t>bayes</a:t>
+            </a:r>
+            <a:r>
+              <a:rPr lang="hu-HU" sz="2000" dirty="0"/>
+              <a:t> </a:t>
+            </a:r>
+            <a:r>
+              <a:rPr lang="hu-HU" sz="2000" dirty="0" err="1"/>
+              <a:t>rule</a:t>
+            </a:r>
+            <a:r>
+              <a:rPr lang="hu-HU" sz="2000" dirty="0"/>
+              <a:t>, and </a:t>
+            </a:r>
+            <a:r>
+              <a:rPr lang="hu-HU" sz="2000" dirty="0" err="1"/>
+              <a:t>choose</a:t>
+            </a:r>
+            <a:r>
+              <a:rPr lang="hu-HU" sz="2000" dirty="0"/>
+              <a:t> </a:t>
+            </a:r>
+            <a:r>
+              <a:rPr lang="hu-HU" sz="2000" dirty="0" err="1"/>
+              <a:t>the</a:t>
+            </a:r>
+            <a:r>
+              <a:rPr lang="hu-HU" sz="2000" dirty="0"/>
+              <a:t> </a:t>
+            </a:r>
+            <a:r>
+              <a:rPr lang="hu-HU" sz="2000" dirty="0" err="1"/>
+              <a:t>larger</a:t>
+            </a:r>
+            <a:r>
+              <a:rPr lang="hu-HU" sz="2000" dirty="0"/>
+              <a:t>, </a:t>
+            </a:r>
+            <a:r>
+              <a:rPr lang="hu-HU" sz="2000" dirty="0" err="1"/>
+              <a:t>or</a:t>
+            </a:r>
+            <a:r>
+              <a:rPr lang="hu-HU" sz="2000" dirty="0"/>
+              <a:t> </a:t>
+            </a:r>
+            <a:r>
+              <a:rPr lang="hu-HU" sz="2000" dirty="0" err="1"/>
+              <a:t>report</a:t>
+            </a:r>
+            <a:r>
+              <a:rPr lang="hu-HU" sz="2000" dirty="0"/>
+              <a:t> </a:t>
+            </a:r>
+            <a:r>
+              <a:rPr lang="hu-HU" sz="2000" dirty="0" err="1"/>
+              <a:t>the</a:t>
+            </a:r>
+            <a:r>
+              <a:rPr lang="hu-HU" sz="2000" dirty="0"/>
+              <a:t> </a:t>
+            </a:r>
+            <a:r>
+              <a:rPr lang="hu-HU" sz="2000" dirty="0" err="1"/>
+              <a:t>distribution</a:t>
+            </a:r>
+            <a:r>
+              <a:rPr lang="hu-HU" sz="2000" dirty="0"/>
+              <a:t> </a:t>
+            </a:r>
+            <a:r>
+              <a:rPr lang="hu-HU" sz="2000" dirty="0" err="1"/>
+              <a:t>as</a:t>
+            </a:r>
+            <a:r>
+              <a:rPr lang="hu-HU" sz="2000" dirty="0"/>
+              <a:t> </a:t>
+            </a:r>
+            <a:r>
+              <a:rPr lang="hu-HU" sz="2000" dirty="0" err="1"/>
+              <a:t>it</a:t>
+            </a:r>
+            <a:r>
+              <a:rPr lang="hu-HU" sz="2000" dirty="0"/>
+              <a:t> is.</a:t>
+            </a:r>
+          </a:p>
+        </p:txBody>
+      </p:sp>
+      <p:sp>
+        <p:nvSpPr>
+          <p:cNvPr id="7" name="Dátum helye 6">
+            <a:extLst>
+              <a:ext uri="{FF2B5EF4-FFF2-40B4-BE49-F238E27FC236}">
+                <a16:creationId xmlns:a16="http://schemas.microsoft.com/office/drawing/2014/main" id="{A4877A2E-F1A6-4D1D-986C-097119253836}"/>
+              </a:ext>
+            </a:extLst>
+          </p:cNvPr>
+          <p:cNvSpPr>
+            <a:spLocks noGrp="1"/>
+          </p:cNvSpPr>
+          <p:nvPr>
+            <p:ph type="dt" sz="half" idx="10"/>
+          </p:nvPr>
+        </p:nvSpPr>
+        <p:spPr/>
+        <p:txBody>
+          <a:bodyPr/>
+          <a:lstStyle/>
+          <a:p>
+            <a:fld id="{8D6E728D-26E7-43BA-96F5-7A1E7F5977AD}" type="datetime1">
+              <a:rPr lang="hu-HU" smtClean="0"/>
+              <a:t>2019. 08. 11.</a:t>
+            </a:fld>
+            <a:endParaRPr lang="hu-HU" dirty="0"/>
+          </a:p>
+        </p:txBody>
+      </p:sp>
+      <p:sp>
+        <p:nvSpPr>
+          <p:cNvPr id="8" name="Élőláb helye 7">
+            <a:extLst>
+              <a:ext uri="{FF2B5EF4-FFF2-40B4-BE49-F238E27FC236}">
+                <a16:creationId xmlns:a16="http://schemas.microsoft.com/office/drawing/2014/main" id="{A5E4B9DB-1C8F-4ED6-B97F-82CEE73CF6AA}"/>
+              </a:ext>
+            </a:extLst>
+          </p:cNvPr>
+          <p:cNvSpPr>
+            <a:spLocks noGrp="1"/>
+          </p:cNvSpPr>
+          <p:nvPr>
+            <p:ph type="ftr" sz="quarter" idx="11"/>
+          </p:nvPr>
+        </p:nvSpPr>
+        <p:spPr/>
+        <p:txBody>
+          <a:bodyPr/>
+          <a:lstStyle/>
+          <a:p>
+            <a:r>
+              <a:rPr lang="hu-HU"/>
+              <a:t>Mór Kapronczay  -  Starschema Ltd.</a:t>
+            </a:r>
+            <a:endParaRPr lang="hu-HU" dirty="0"/>
+          </a:p>
+        </p:txBody>
+      </p:sp>
+      <p:sp>
+        <p:nvSpPr>
+          <p:cNvPr id="9" name="Dia számának helye 8">
+            <a:extLst>
+              <a:ext uri="{FF2B5EF4-FFF2-40B4-BE49-F238E27FC236}">
+                <a16:creationId xmlns:a16="http://schemas.microsoft.com/office/drawing/2014/main" id="{A54F3F4B-9B38-46F1-9DE2-8FB69D74D408}"/>
+              </a:ext>
+            </a:extLst>
+          </p:cNvPr>
+          <p:cNvSpPr>
+            <a:spLocks noGrp="1"/>
+          </p:cNvSpPr>
+          <p:nvPr>
+            <p:ph type="sldNum" sz="quarter" idx="12"/>
+          </p:nvPr>
+        </p:nvSpPr>
+        <p:spPr/>
+        <p:txBody>
+          <a:bodyPr/>
+          <a:lstStyle/>
+          <a:p>
+            <a:fld id="{14BC9C27-3A79-4F57-BFB4-AB282D25D2CE}" type="slidenum">
+              <a:rPr lang="hu-HU" smtClean="0"/>
+              <a:t>12</a:t>
+            </a:fld>
+            <a:endParaRPr lang="hu-HU"/>
+          </a:p>
+        </p:txBody>
+      </p:sp>
+    </p:spTree>
+    <p:extLst>
+      <p:ext uri="{BB962C8B-B14F-4D97-AF65-F5344CB8AC3E}">
+        <p14:creationId xmlns:p14="http://schemas.microsoft.com/office/powerpoint/2010/main" val="3779693432"/>
+      </p:ext>
+    </p:extLst>
+  </p:cSld>
+  <p:clrMapOvr>
+    <a:masterClrMapping/>
+  </p:clrMapOvr>
+</p:sld>
+</file>
+
+<file path=ppt/slides/slide13.xml><?xml version="1.0" encoding="utf-8"?>
+<p:sld xmlns:a="http://schemas.openxmlformats.org/drawingml/2006/main" xmlns:r="http://schemas.openxmlformats.org/officeDocument/2006/relationships" xmlns:p="http://schemas.openxmlformats.org/presentationml/2006/main">
+  <p:cSld>
+    <p:spTree>
+      <p:nvGrpSpPr>
+        <p:cNvPr id="1" name=""/>
+        <p:cNvGrpSpPr/>
+        <p:nvPr/>
+      </p:nvGrpSpPr>
+      <p:grpSpPr>
+        <a:xfrm>
+          <a:off x="0" y="0"/>
+          <a:ext cx="0" cy="0"/>
+          <a:chOff x="0" y="0"/>
+          <a:chExt cx="0" cy="0"/>
+        </a:xfrm>
+      </p:grpSpPr>
+      <p:sp>
+        <p:nvSpPr>
+          <p:cNvPr id="2" name="Cím 1">
+            <a:extLst>
+              <a:ext uri="{FF2B5EF4-FFF2-40B4-BE49-F238E27FC236}">
+                <a16:creationId xmlns:a16="http://schemas.microsoft.com/office/drawing/2014/main" id="{04FB9D7A-5AF0-410E-A84D-F526D29283DA}"/>
+              </a:ext>
+            </a:extLst>
+          </p:cNvPr>
+          <p:cNvSpPr>
+            <a:spLocks noGrp="1"/>
+          </p:cNvSpPr>
+          <p:nvPr>
+            <p:ph type="title"/>
+          </p:nvPr>
+        </p:nvSpPr>
+        <p:spPr/>
+        <p:txBody>
+          <a:bodyPr>
+            <a:normAutofit fontScale="90000"/>
+          </a:bodyPr>
+          <a:lstStyle/>
+          <a:p>
+            <a:r>
+              <a:rPr lang="hu-HU" dirty="0"/>
+              <a:t>An </a:t>
+            </a:r>
+            <a:r>
+              <a:rPr lang="hu-HU" dirty="0" err="1"/>
+              <a:t>example</a:t>
+            </a:r>
+            <a:endParaRPr lang="hu-HU" dirty="0"/>
+          </a:p>
+        </p:txBody>
+      </p:sp>
+      <p:sp>
+        <p:nvSpPr>
+          <p:cNvPr id="3" name="Tartalom helye 2">
+            <a:extLst>
+              <a:ext uri="{FF2B5EF4-FFF2-40B4-BE49-F238E27FC236}">
+                <a16:creationId xmlns:a16="http://schemas.microsoft.com/office/drawing/2014/main" id="{709C12A9-9DBD-40BA-A681-438430B223B0}"/>
+              </a:ext>
+            </a:extLst>
+          </p:cNvPr>
+          <p:cNvSpPr>
+            <a:spLocks noGrp="1"/>
+          </p:cNvSpPr>
+          <p:nvPr>
+            <p:ph idx="1"/>
+          </p:nvPr>
+        </p:nvSpPr>
+        <p:spPr/>
+        <p:txBody>
+          <a:bodyPr/>
+          <a:lstStyle/>
+          <a:p>
+            <a:pPr marL="0" indent="0">
+              <a:buNone/>
+            </a:pPr>
+            <a:r>
+              <a:rPr lang="hu-HU" sz="2400" dirty="0" err="1"/>
+              <a:t>Source</a:t>
+            </a:r>
+            <a:r>
+              <a:rPr lang="hu-HU" sz="2400" dirty="0"/>
+              <a:t>: </a:t>
+            </a:r>
+            <a:r>
+              <a:rPr lang="hu-HU" sz="2400" dirty="0">
+                <a:hlinkClick r:id="rId2"/>
+              </a:rPr>
+              <a:t>https://www.coursera.org/lecture/bayesian/frequentist-vs-bayesian-inference-q5CTh</a:t>
+            </a:r>
+            <a:endParaRPr lang="hu-HU" sz="2400" dirty="0"/>
+          </a:p>
+          <a:p>
+            <a:r>
+              <a:rPr lang="hu-HU" dirty="0" err="1"/>
+              <a:t>Have</a:t>
+            </a:r>
+            <a:r>
+              <a:rPr lang="hu-HU" dirty="0"/>
+              <a:t> </a:t>
+            </a:r>
+            <a:r>
+              <a:rPr lang="hu-HU" dirty="0" err="1"/>
+              <a:t>to</a:t>
+            </a:r>
+            <a:r>
+              <a:rPr lang="hu-HU" dirty="0"/>
+              <a:t> </a:t>
+            </a:r>
+            <a:r>
+              <a:rPr lang="hu-HU" dirty="0" err="1"/>
+              <a:t>decide</a:t>
+            </a:r>
+            <a:r>
+              <a:rPr lang="hu-HU" dirty="0"/>
+              <a:t> </a:t>
+            </a:r>
+            <a:r>
+              <a:rPr lang="hu-HU" dirty="0" err="1"/>
+              <a:t>if</a:t>
+            </a:r>
+            <a:r>
+              <a:rPr lang="hu-HU" dirty="0"/>
+              <a:t> </a:t>
+            </a:r>
+            <a:r>
+              <a:rPr lang="hu-HU" dirty="0" err="1"/>
+              <a:t>yellow</a:t>
+            </a:r>
+            <a:r>
+              <a:rPr lang="hu-HU" dirty="0"/>
+              <a:t> </a:t>
+            </a:r>
+            <a:r>
+              <a:rPr lang="hu-HU" dirty="0" err="1"/>
+              <a:t>M&amp;Ms</a:t>
+            </a:r>
+            <a:r>
+              <a:rPr lang="hu-HU" dirty="0"/>
+              <a:t> </a:t>
+            </a:r>
+            <a:r>
+              <a:rPr lang="hu-HU" dirty="0" err="1"/>
+              <a:t>proportion</a:t>
+            </a:r>
+            <a:r>
+              <a:rPr lang="hu-HU" dirty="0"/>
+              <a:t> is 10 </a:t>
+            </a:r>
+            <a:r>
+              <a:rPr lang="hu-HU" dirty="0" err="1"/>
+              <a:t>or</a:t>
+            </a:r>
+            <a:r>
+              <a:rPr lang="hu-HU" dirty="0"/>
+              <a:t> 20% in </a:t>
+            </a:r>
+            <a:r>
+              <a:rPr lang="hu-HU" dirty="0" err="1"/>
+              <a:t>the</a:t>
+            </a:r>
+            <a:r>
+              <a:rPr lang="hu-HU" dirty="0"/>
+              <a:t> </a:t>
+            </a:r>
+            <a:r>
+              <a:rPr lang="hu-HU" dirty="0" err="1"/>
+              <a:t>population</a:t>
+            </a:r>
+            <a:r>
+              <a:rPr lang="hu-HU" dirty="0"/>
+              <a:t>.</a:t>
+            </a:r>
+          </a:p>
+          <a:p>
+            <a:r>
+              <a:rPr lang="hu-HU" dirty="0"/>
+              <a:t>Data </a:t>
+            </a:r>
+            <a:r>
+              <a:rPr lang="hu-HU" dirty="0" err="1"/>
+              <a:t>collection</a:t>
+            </a:r>
+            <a:r>
+              <a:rPr lang="hu-HU" dirty="0"/>
+              <a:t> is </a:t>
+            </a:r>
+            <a:r>
+              <a:rPr lang="hu-HU" dirty="0" err="1"/>
+              <a:t>costly</a:t>
+            </a:r>
+            <a:r>
+              <a:rPr lang="hu-HU" dirty="0"/>
+              <a:t>, </a:t>
+            </a:r>
+            <a:r>
+              <a:rPr lang="hu-HU" dirty="0" err="1"/>
+              <a:t>so</a:t>
+            </a:r>
+            <a:r>
+              <a:rPr lang="hu-HU" dirty="0"/>
+              <a:t> </a:t>
+            </a:r>
+            <a:r>
+              <a:rPr lang="hu-HU" dirty="0" err="1"/>
+              <a:t>we</a:t>
+            </a:r>
+            <a:r>
+              <a:rPr lang="hu-HU" dirty="0"/>
+              <a:t> </a:t>
+            </a:r>
+            <a:r>
+              <a:rPr lang="hu-HU" dirty="0" err="1"/>
+              <a:t>have</a:t>
+            </a:r>
+            <a:r>
+              <a:rPr lang="hu-HU" dirty="0"/>
+              <a:t> </a:t>
+            </a:r>
+            <a:r>
+              <a:rPr lang="hu-HU" dirty="0" err="1"/>
+              <a:t>to</a:t>
+            </a:r>
+            <a:r>
+              <a:rPr lang="hu-HU" dirty="0"/>
+              <a:t> </a:t>
+            </a:r>
+            <a:r>
+              <a:rPr lang="hu-HU" dirty="0" err="1"/>
+              <a:t>decide</a:t>
+            </a:r>
+            <a:r>
+              <a:rPr lang="hu-HU" dirty="0"/>
+              <a:t> </a:t>
+            </a:r>
+            <a:r>
+              <a:rPr lang="hu-HU" dirty="0" err="1"/>
+              <a:t>after</a:t>
+            </a:r>
+            <a:r>
+              <a:rPr lang="hu-HU" dirty="0"/>
+              <a:t> </a:t>
+            </a:r>
+            <a:r>
+              <a:rPr lang="hu-HU" dirty="0" err="1"/>
+              <a:t>seeing</a:t>
+            </a:r>
+            <a:r>
+              <a:rPr lang="hu-HU" dirty="0"/>
+              <a:t> a 5 </a:t>
+            </a:r>
+            <a:r>
+              <a:rPr lang="hu-HU" dirty="0" err="1"/>
+              <a:t>element</a:t>
+            </a:r>
+            <a:r>
+              <a:rPr lang="hu-HU" dirty="0"/>
+              <a:t> </a:t>
+            </a:r>
+            <a:r>
+              <a:rPr lang="hu-HU" dirty="0" err="1"/>
+              <a:t>sample</a:t>
+            </a:r>
+            <a:r>
+              <a:rPr lang="hu-HU" dirty="0"/>
+              <a:t> (</a:t>
+            </a:r>
+            <a:r>
+              <a:rPr lang="hu-HU" dirty="0" err="1"/>
+              <a:t>this</a:t>
+            </a:r>
+            <a:r>
+              <a:rPr lang="hu-HU" dirty="0"/>
+              <a:t> is </a:t>
+            </a:r>
+            <a:r>
+              <a:rPr lang="hu-HU" dirty="0" err="1"/>
+              <a:t>didactic</a:t>
+            </a:r>
+            <a:r>
+              <a:rPr lang="hu-HU" dirty="0"/>
+              <a:t> </a:t>
+            </a:r>
+            <a:r>
+              <a:rPr lang="hu-HU" dirty="0">
+                <a:sym typeface="Wingdings" panose="05000000000000000000" pitchFamily="2" charset="2"/>
+              </a:rPr>
+              <a:t>)</a:t>
+            </a:r>
+          </a:p>
+          <a:p>
+            <a:r>
+              <a:rPr lang="hu-HU" dirty="0" err="1">
+                <a:sym typeface="Wingdings" panose="05000000000000000000" pitchFamily="2" charset="2"/>
+              </a:rPr>
+              <a:t>Let’s</a:t>
+            </a:r>
+            <a:r>
+              <a:rPr lang="hu-HU" dirty="0">
+                <a:sym typeface="Wingdings" panose="05000000000000000000" pitchFamily="2" charset="2"/>
+              </a:rPr>
+              <a:t> </a:t>
+            </a:r>
+            <a:r>
+              <a:rPr lang="hu-HU" dirty="0" err="1">
+                <a:sym typeface="Wingdings" panose="05000000000000000000" pitchFamily="2" charset="2"/>
+              </a:rPr>
+              <a:t>solve</a:t>
+            </a:r>
+            <a:r>
+              <a:rPr lang="hu-HU" dirty="0">
+                <a:sym typeface="Wingdings" panose="05000000000000000000" pitchFamily="2" charset="2"/>
+              </a:rPr>
+              <a:t> </a:t>
+            </a:r>
+            <a:r>
+              <a:rPr lang="hu-HU" dirty="0" err="1">
+                <a:sym typeface="Wingdings" panose="05000000000000000000" pitchFamily="2" charset="2"/>
+              </a:rPr>
+              <a:t>this</a:t>
+            </a:r>
+            <a:r>
+              <a:rPr lang="hu-HU" dirty="0">
+                <a:sym typeface="Wingdings" panose="05000000000000000000" pitchFamily="2" charset="2"/>
+              </a:rPr>
+              <a:t> </a:t>
+            </a:r>
+            <a:r>
+              <a:rPr lang="hu-HU" dirty="0" err="1">
+                <a:sym typeface="Wingdings" panose="05000000000000000000" pitchFamily="2" charset="2"/>
+              </a:rPr>
+              <a:t>using</a:t>
+            </a:r>
+            <a:r>
+              <a:rPr lang="hu-HU" dirty="0">
+                <a:sym typeface="Wingdings" panose="05000000000000000000" pitchFamily="2" charset="2"/>
+              </a:rPr>
+              <a:t> </a:t>
+            </a:r>
+            <a:r>
+              <a:rPr lang="hu-HU" dirty="0" err="1">
+                <a:sym typeface="Wingdings" panose="05000000000000000000" pitchFamily="2" charset="2"/>
+              </a:rPr>
+              <a:t>both</a:t>
+            </a:r>
+            <a:r>
+              <a:rPr lang="hu-HU" dirty="0">
+                <a:sym typeface="Wingdings" panose="05000000000000000000" pitchFamily="2" charset="2"/>
+              </a:rPr>
+              <a:t> </a:t>
+            </a:r>
+            <a:r>
+              <a:rPr lang="hu-HU" dirty="0" err="1">
+                <a:sym typeface="Wingdings" panose="05000000000000000000" pitchFamily="2" charset="2"/>
+              </a:rPr>
+              <a:t>paradigms</a:t>
+            </a:r>
+            <a:r>
+              <a:rPr lang="hu-HU" dirty="0">
+                <a:sym typeface="Wingdings" panose="05000000000000000000" pitchFamily="2" charset="2"/>
+              </a:rPr>
+              <a:t>!</a:t>
+            </a:r>
+          </a:p>
+        </p:txBody>
+      </p:sp>
+      <p:sp>
+        <p:nvSpPr>
+          <p:cNvPr id="4" name="Dátum helye 3">
+            <a:extLst>
+              <a:ext uri="{FF2B5EF4-FFF2-40B4-BE49-F238E27FC236}">
+                <a16:creationId xmlns:a16="http://schemas.microsoft.com/office/drawing/2014/main" id="{3AE80BDF-833D-45AA-8B22-B78A225449C9}"/>
+              </a:ext>
+            </a:extLst>
+          </p:cNvPr>
+          <p:cNvSpPr>
+            <a:spLocks noGrp="1"/>
+          </p:cNvSpPr>
+          <p:nvPr>
+            <p:ph type="dt" sz="half" idx="10"/>
+          </p:nvPr>
+        </p:nvSpPr>
+        <p:spPr/>
+        <p:txBody>
+          <a:bodyPr/>
+          <a:lstStyle/>
+          <a:p>
+            <a:fld id="{19351AAE-18EE-464E-8256-2689F6168C0F}" type="datetime1">
+              <a:rPr lang="hu-HU" smtClean="0"/>
+              <a:t>2019. 08. 11.</a:t>
+            </a:fld>
+            <a:endParaRPr lang="hu-HU"/>
+          </a:p>
+        </p:txBody>
+      </p:sp>
+      <p:sp>
+        <p:nvSpPr>
+          <p:cNvPr id="5" name="Élőláb helye 4">
+            <a:extLst>
+              <a:ext uri="{FF2B5EF4-FFF2-40B4-BE49-F238E27FC236}">
+                <a16:creationId xmlns:a16="http://schemas.microsoft.com/office/drawing/2014/main" id="{1990AF60-07BD-49FD-8060-14266BF1BA82}"/>
+              </a:ext>
+            </a:extLst>
+          </p:cNvPr>
+          <p:cNvSpPr>
+            <a:spLocks noGrp="1"/>
+          </p:cNvSpPr>
+          <p:nvPr>
+            <p:ph type="ftr" sz="quarter" idx="11"/>
+          </p:nvPr>
+        </p:nvSpPr>
+        <p:spPr/>
+        <p:txBody>
+          <a:bodyPr/>
+          <a:lstStyle/>
+          <a:p>
+            <a:r>
+              <a:rPr lang="hu-HU"/>
+              <a:t>Mór Kapronczay  -  Starschema Ltd.</a:t>
+            </a:r>
+          </a:p>
+        </p:txBody>
+      </p:sp>
+      <p:sp>
+        <p:nvSpPr>
+          <p:cNvPr id="6" name="Dia számának helye 5">
+            <a:extLst>
+              <a:ext uri="{FF2B5EF4-FFF2-40B4-BE49-F238E27FC236}">
+                <a16:creationId xmlns:a16="http://schemas.microsoft.com/office/drawing/2014/main" id="{8FA46F80-4F64-46D7-9FBF-C947037E737E}"/>
+              </a:ext>
+            </a:extLst>
+          </p:cNvPr>
+          <p:cNvSpPr>
+            <a:spLocks noGrp="1"/>
+          </p:cNvSpPr>
+          <p:nvPr>
+            <p:ph type="sldNum" sz="quarter" idx="12"/>
+          </p:nvPr>
+        </p:nvSpPr>
+        <p:spPr/>
+        <p:txBody>
+          <a:bodyPr/>
+          <a:lstStyle/>
+          <a:p>
+            <a:pPr marL="0" indent="0">
+              <a:buNone/>
+            </a:pPr>
+            <a:endParaRPr lang="hu-HU" dirty="0"/>
+          </a:p>
+          <a:p>
+            <a:pPr marL="0" indent="0">
+              <a:buNone/>
+            </a:pPr>
+            <a:fld id="{14BC9C27-3A79-4F57-BFB4-AB282D25D2CE}" type="slidenum">
+              <a:rPr lang="hu-HU" smtClean="0"/>
+              <a:pPr marL="0" indent="0">
+                <a:buNone/>
+              </a:pPr>
+              <a:t>13</a:t>
+            </a:fld>
+            <a:endParaRPr lang="hu-HU" dirty="0"/>
+          </a:p>
+        </p:txBody>
+      </p:sp>
+    </p:spTree>
+    <p:extLst>
+      <p:ext uri="{BB962C8B-B14F-4D97-AF65-F5344CB8AC3E}">
+        <p14:creationId xmlns:p14="http://schemas.microsoft.com/office/powerpoint/2010/main" val="3605023934"/>
+      </p:ext>
+    </p:extLst>
+  </p:cSld>
+  <p:clrMapOvr>
+    <a:masterClrMapping/>
+  </p:clrMapOvr>
+</p:sld>
+</file>
+
+<file path=ppt/slides/slide14.xml><?xml version="1.0" encoding="utf-8"?>
+<p:sld xmlns:a="http://schemas.openxmlformats.org/drawingml/2006/main" xmlns:r="http://schemas.openxmlformats.org/officeDocument/2006/relationships" xmlns:p="http://schemas.openxmlformats.org/presentationml/2006/main">
+  <p:cSld>
+    <p:spTree>
+      <p:nvGrpSpPr>
+        <p:cNvPr id="1" name=""/>
+        <p:cNvGrpSpPr/>
+        <p:nvPr/>
+      </p:nvGrpSpPr>
+      <p:grpSpPr>
+        <a:xfrm>
+          <a:off x="0" y="0"/>
+          <a:ext cx="0" cy="0"/>
+          <a:chOff x="0" y="0"/>
+          <a:chExt cx="0" cy="0"/>
+        </a:xfrm>
+      </p:grpSpPr>
+      <p:sp>
+        <p:nvSpPr>
+          <p:cNvPr id="2" name="Cím 1">
+            <a:extLst>
+              <a:ext uri="{FF2B5EF4-FFF2-40B4-BE49-F238E27FC236}">
+                <a16:creationId xmlns:a16="http://schemas.microsoft.com/office/drawing/2014/main" id="{CCDE7EAF-803F-435B-BA10-AA9663C32C7E}"/>
+              </a:ext>
+            </a:extLst>
+          </p:cNvPr>
+          <p:cNvSpPr>
+            <a:spLocks noGrp="1"/>
+          </p:cNvSpPr>
+          <p:nvPr>
+            <p:ph type="title"/>
+          </p:nvPr>
+        </p:nvSpPr>
+        <p:spPr/>
+        <p:txBody>
+          <a:bodyPr>
+            <a:normAutofit fontScale="90000"/>
+          </a:bodyPr>
+          <a:lstStyle/>
+          <a:p>
+            <a:r>
+              <a:rPr lang="hu-HU" dirty="0" err="1"/>
+              <a:t>Frequentist</a:t>
+            </a:r>
+            <a:r>
+              <a:rPr lang="hu-HU" dirty="0"/>
+              <a:t> </a:t>
+            </a:r>
+            <a:r>
+              <a:rPr lang="hu-HU" dirty="0" err="1"/>
+              <a:t>method</a:t>
+            </a:r>
+            <a:endParaRPr lang="hu-HU" dirty="0"/>
+          </a:p>
+        </p:txBody>
+      </p:sp>
+      <p:sp>
+        <p:nvSpPr>
+          <p:cNvPr id="3" name="Tartalom helye 2">
+            <a:extLst>
+              <a:ext uri="{FF2B5EF4-FFF2-40B4-BE49-F238E27FC236}">
+                <a16:creationId xmlns:a16="http://schemas.microsoft.com/office/drawing/2014/main" id="{0270B7EA-7F67-4855-9553-01A47D4741EA}"/>
+              </a:ext>
+            </a:extLst>
+          </p:cNvPr>
+          <p:cNvSpPr>
+            <a:spLocks noGrp="1"/>
+          </p:cNvSpPr>
+          <p:nvPr>
+            <p:ph idx="1"/>
+          </p:nvPr>
+        </p:nvSpPr>
+        <p:spPr/>
+        <p:txBody>
+          <a:bodyPr>
+            <a:normAutofit lnSpcReduction="10000"/>
+          </a:bodyPr>
+          <a:lstStyle/>
+          <a:p>
+            <a:pPr marL="0" indent="0">
+              <a:buNone/>
+            </a:pPr>
+            <a:r>
+              <a:rPr lang="hu-HU" dirty="0"/>
+              <a:t>H0 : p = 0.1</a:t>
+            </a:r>
+          </a:p>
+          <a:p>
+            <a:pPr marL="0" indent="0">
+              <a:buNone/>
+            </a:pPr>
+            <a:r>
+              <a:rPr lang="hu-HU" dirty="0"/>
+              <a:t>H1 : p &gt; 0.1</a:t>
+            </a:r>
+          </a:p>
+          <a:p>
+            <a:pPr marL="0" indent="0">
+              <a:buNone/>
+            </a:pPr>
+            <a:r>
+              <a:rPr lang="hu-HU" dirty="0" err="1"/>
+              <a:t>alpha</a:t>
+            </a:r>
+            <a:r>
+              <a:rPr lang="hu-HU" dirty="0"/>
+              <a:t>(</a:t>
+            </a:r>
+            <a:r>
+              <a:rPr lang="hu-HU" dirty="0" err="1"/>
+              <a:t>significance</a:t>
+            </a:r>
+            <a:r>
+              <a:rPr lang="hu-HU" dirty="0"/>
+              <a:t> </a:t>
+            </a:r>
+            <a:r>
+              <a:rPr lang="hu-HU" dirty="0" err="1"/>
+              <a:t>level</a:t>
+            </a:r>
+            <a:r>
+              <a:rPr lang="hu-HU" dirty="0"/>
+              <a:t>) = 0.05</a:t>
+            </a:r>
+          </a:p>
+          <a:p>
+            <a:pPr marL="0" indent="0">
+              <a:buNone/>
+            </a:pPr>
+            <a:endParaRPr lang="hu-HU" dirty="0"/>
+          </a:p>
+          <a:p>
+            <a:pPr marL="0" indent="0">
+              <a:buNone/>
+            </a:pPr>
+            <a:r>
+              <a:rPr lang="hu-HU" b="1" dirty="0"/>
+              <a:t>Data </a:t>
+            </a:r>
+            <a:r>
+              <a:rPr lang="hu-HU" b="1" dirty="0" err="1"/>
+              <a:t>we</a:t>
+            </a:r>
+            <a:r>
+              <a:rPr lang="hu-HU" b="1" dirty="0"/>
+              <a:t> </a:t>
+            </a:r>
+            <a:r>
+              <a:rPr lang="hu-HU" b="1" dirty="0" err="1"/>
+              <a:t>got</a:t>
+            </a:r>
+            <a:r>
+              <a:rPr lang="hu-HU" dirty="0"/>
+              <a:t>: 1 </a:t>
+            </a:r>
+            <a:r>
+              <a:rPr lang="hu-HU" dirty="0" err="1"/>
+              <a:t>yellow</a:t>
+            </a:r>
+            <a:r>
+              <a:rPr lang="hu-HU" dirty="0"/>
+              <a:t>, 4 </a:t>
+            </a:r>
+            <a:r>
+              <a:rPr lang="hu-HU" dirty="0" err="1"/>
+              <a:t>not</a:t>
+            </a:r>
+            <a:r>
+              <a:rPr lang="hu-HU" dirty="0"/>
+              <a:t> </a:t>
+            </a:r>
+            <a:r>
+              <a:rPr lang="hu-HU" dirty="0" err="1"/>
+              <a:t>yellow</a:t>
+            </a:r>
+            <a:r>
+              <a:rPr lang="hu-HU" dirty="0"/>
+              <a:t> -&gt; k=1, n=5</a:t>
+            </a:r>
+          </a:p>
+          <a:p>
+            <a:pPr marL="0" indent="0">
+              <a:buNone/>
+            </a:pPr>
+            <a:r>
+              <a:rPr lang="hu-HU" b="1" dirty="0"/>
+              <a:t>Test </a:t>
+            </a:r>
+            <a:r>
+              <a:rPr lang="hu-HU" b="1" dirty="0" err="1"/>
+              <a:t>statistic</a:t>
+            </a:r>
+            <a:r>
+              <a:rPr lang="hu-HU" dirty="0"/>
+              <a:t>: </a:t>
+            </a:r>
+          </a:p>
+          <a:p>
+            <a:pPr marL="0" indent="0">
+              <a:buNone/>
+            </a:pPr>
+            <a:r>
+              <a:rPr lang="hu-HU" dirty="0"/>
+              <a:t>P(K&gt;=1 | n=5, p=0.1) -&gt; </a:t>
+            </a:r>
+            <a:r>
+              <a:rPr lang="hu-HU" dirty="0" err="1"/>
+              <a:t>because</a:t>
+            </a:r>
+            <a:r>
+              <a:rPr lang="hu-HU" dirty="0"/>
+              <a:t> </a:t>
+            </a:r>
+            <a:r>
+              <a:rPr lang="hu-HU" dirty="0" err="1"/>
+              <a:t>we’d</a:t>
+            </a:r>
+            <a:r>
+              <a:rPr lang="hu-HU" dirty="0"/>
+              <a:t> like </a:t>
+            </a:r>
+            <a:r>
+              <a:rPr lang="hu-HU" dirty="0" err="1"/>
+              <a:t>to</a:t>
+            </a:r>
+            <a:r>
+              <a:rPr lang="hu-HU" dirty="0"/>
+              <a:t> </a:t>
+            </a:r>
+            <a:r>
+              <a:rPr lang="hu-HU" dirty="0" err="1"/>
+              <a:t>reject</a:t>
+            </a:r>
+            <a:r>
+              <a:rPr lang="hu-HU" dirty="0"/>
+              <a:t> </a:t>
+            </a:r>
+            <a:r>
+              <a:rPr lang="hu-HU" dirty="0" err="1"/>
+              <a:t>it</a:t>
+            </a:r>
+            <a:r>
+              <a:rPr lang="hu-HU" dirty="0"/>
+              <a:t>!</a:t>
+            </a:r>
+          </a:p>
+          <a:p>
+            <a:pPr marL="0" indent="0">
+              <a:buNone/>
+            </a:pPr>
+            <a:r>
+              <a:rPr lang="hu-HU" dirty="0"/>
+              <a:t>= 1 – P(k=0 | n=5,p=0.1) </a:t>
+            </a:r>
+          </a:p>
+          <a:p>
+            <a:pPr marL="0" indent="0">
+              <a:buNone/>
+            </a:pPr>
+            <a:r>
+              <a:rPr lang="hu-HU" dirty="0"/>
+              <a:t>= 1 – 0.9^5 = </a:t>
+            </a:r>
+            <a:r>
+              <a:rPr lang="hu-HU" b="1" dirty="0"/>
+              <a:t>0.41</a:t>
+            </a:r>
+            <a:r>
+              <a:rPr lang="hu-HU" dirty="0"/>
+              <a:t> -&gt; </a:t>
+            </a:r>
+            <a:r>
+              <a:rPr lang="hu-HU" u="sng" dirty="0" err="1"/>
+              <a:t>failed</a:t>
+            </a:r>
+            <a:r>
+              <a:rPr lang="hu-HU" u="sng" dirty="0"/>
+              <a:t> </a:t>
+            </a:r>
+            <a:r>
+              <a:rPr lang="hu-HU" u="sng" dirty="0" err="1"/>
+              <a:t>to</a:t>
+            </a:r>
+            <a:r>
+              <a:rPr lang="hu-HU" u="sng" dirty="0"/>
+              <a:t> </a:t>
+            </a:r>
+            <a:r>
+              <a:rPr lang="hu-HU" u="sng" dirty="0" err="1"/>
+              <a:t>reject</a:t>
+            </a:r>
+            <a:r>
+              <a:rPr lang="hu-HU" u="sng" dirty="0"/>
+              <a:t> H0</a:t>
+            </a:r>
+            <a:endParaRPr lang="hu-HU" b="1" u="sng" dirty="0"/>
+          </a:p>
+        </p:txBody>
+      </p:sp>
+      <p:sp>
+        <p:nvSpPr>
+          <p:cNvPr id="4" name="Dátum helye 3">
+            <a:extLst>
+              <a:ext uri="{FF2B5EF4-FFF2-40B4-BE49-F238E27FC236}">
+                <a16:creationId xmlns:a16="http://schemas.microsoft.com/office/drawing/2014/main" id="{5655B92D-28FA-4EC1-B796-907490C0B6F4}"/>
+              </a:ext>
+            </a:extLst>
+          </p:cNvPr>
+          <p:cNvSpPr>
+            <a:spLocks noGrp="1"/>
+          </p:cNvSpPr>
+          <p:nvPr>
+            <p:ph type="dt" sz="half" idx="10"/>
+          </p:nvPr>
+        </p:nvSpPr>
+        <p:spPr/>
+        <p:txBody>
+          <a:bodyPr/>
+          <a:lstStyle/>
+          <a:p>
+            <a:fld id="{444B641D-F446-482F-BD8D-2B546EA2C2F1}" type="datetime1">
+              <a:rPr lang="hu-HU" smtClean="0"/>
+              <a:t>2019. 08. 11.</a:t>
+            </a:fld>
+            <a:endParaRPr lang="hu-HU"/>
+          </a:p>
+        </p:txBody>
+      </p:sp>
+      <p:sp>
+        <p:nvSpPr>
+          <p:cNvPr id="5" name="Élőláb helye 4">
+            <a:extLst>
+              <a:ext uri="{FF2B5EF4-FFF2-40B4-BE49-F238E27FC236}">
+                <a16:creationId xmlns:a16="http://schemas.microsoft.com/office/drawing/2014/main" id="{951A9AB0-69CC-439E-84BE-E9E8958DCD5A}"/>
+              </a:ext>
+            </a:extLst>
+          </p:cNvPr>
+          <p:cNvSpPr>
+            <a:spLocks noGrp="1"/>
+          </p:cNvSpPr>
+          <p:nvPr>
+            <p:ph type="ftr" sz="quarter" idx="11"/>
+          </p:nvPr>
+        </p:nvSpPr>
+        <p:spPr/>
+        <p:txBody>
+          <a:bodyPr/>
+          <a:lstStyle/>
+          <a:p>
+            <a:r>
+              <a:rPr lang="hu-HU"/>
+              <a:t>Mór Kapronczay  -  Starschema Ltd.</a:t>
+            </a:r>
+          </a:p>
+        </p:txBody>
+      </p:sp>
+      <p:sp>
+        <p:nvSpPr>
+          <p:cNvPr id="6" name="Dia számának helye 5">
+            <a:extLst>
+              <a:ext uri="{FF2B5EF4-FFF2-40B4-BE49-F238E27FC236}">
+                <a16:creationId xmlns:a16="http://schemas.microsoft.com/office/drawing/2014/main" id="{C9B0C5BB-93E8-4546-87EC-C0C5E8D595DF}"/>
+              </a:ext>
+            </a:extLst>
+          </p:cNvPr>
+          <p:cNvSpPr>
+            <a:spLocks noGrp="1"/>
+          </p:cNvSpPr>
+          <p:nvPr>
+            <p:ph type="sldNum" sz="quarter" idx="12"/>
+          </p:nvPr>
+        </p:nvSpPr>
+        <p:spPr/>
+        <p:txBody>
+          <a:bodyPr/>
+          <a:lstStyle/>
+          <a:p>
+            <a:fld id="{14BC9C27-3A79-4F57-BFB4-AB282D25D2CE}" type="slidenum">
+              <a:rPr lang="hu-HU" smtClean="0"/>
+              <a:t>14</a:t>
+            </a:fld>
+            <a:endParaRPr lang="hu-HU"/>
+          </a:p>
+        </p:txBody>
+      </p:sp>
+    </p:spTree>
+    <p:extLst>
+      <p:ext uri="{BB962C8B-B14F-4D97-AF65-F5344CB8AC3E}">
+        <p14:creationId xmlns:p14="http://schemas.microsoft.com/office/powerpoint/2010/main" val="526336474"/>
+      </p:ext>
+    </p:extLst>
+  </p:cSld>
+  <p:clrMapOvr>
+    <a:masterClrMapping/>
+  </p:clrMapOvr>
+</p:sld>
+</file>
+
+<file path=ppt/slides/slide15.xml><?xml version="1.0" encoding="utf-8"?>
+<p:sld xmlns:a="http://schemas.openxmlformats.org/drawingml/2006/main" xmlns:r="http://schemas.openxmlformats.org/officeDocument/2006/relationships" xmlns:p="http://schemas.openxmlformats.org/presentationml/2006/main">
+  <p:cSld>
+    <p:spTree>
+      <p:nvGrpSpPr>
+        <p:cNvPr id="1" name=""/>
+        <p:cNvGrpSpPr/>
+        <p:nvPr/>
+      </p:nvGrpSpPr>
+      <p:grpSpPr>
+        <a:xfrm>
+          <a:off x="0" y="0"/>
+          <a:ext cx="0" cy="0"/>
+          <a:chOff x="0" y="0"/>
+          <a:chExt cx="0" cy="0"/>
+        </a:xfrm>
+      </p:grpSpPr>
+      <p:sp>
+        <p:nvSpPr>
+          <p:cNvPr id="2" name="Cím 1">
+            <a:extLst>
+              <a:ext uri="{FF2B5EF4-FFF2-40B4-BE49-F238E27FC236}">
+                <a16:creationId xmlns:a16="http://schemas.microsoft.com/office/drawing/2014/main" id="{2F221B94-3E66-4993-8C20-12F8AA7D3D1B}"/>
+              </a:ext>
+            </a:extLst>
+          </p:cNvPr>
+          <p:cNvSpPr>
+            <a:spLocks noGrp="1"/>
+          </p:cNvSpPr>
+          <p:nvPr>
+            <p:ph type="title"/>
+          </p:nvPr>
+        </p:nvSpPr>
+        <p:spPr>
+          <a:xfrm>
+            <a:off x="838200" y="1042944"/>
+            <a:ext cx="10515600" cy="647744"/>
+          </a:xfrm>
+        </p:spPr>
+        <p:txBody>
+          <a:bodyPr>
+            <a:normAutofit fontScale="90000"/>
+          </a:bodyPr>
+          <a:lstStyle/>
+          <a:p>
+            <a:r>
+              <a:rPr lang="hu-HU" dirty="0" err="1"/>
+              <a:t>Bayesian</a:t>
+            </a:r>
+            <a:r>
+              <a:rPr lang="hu-HU" dirty="0"/>
+              <a:t> </a:t>
+            </a:r>
+            <a:r>
+              <a:rPr lang="hu-HU" dirty="0" err="1"/>
+              <a:t>method</a:t>
+            </a:r>
+            <a:endParaRPr lang="hu-HU" dirty="0"/>
+          </a:p>
+        </p:txBody>
+      </p:sp>
+      <p:sp>
+        <p:nvSpPr>
+          <p:cNvPr id="3" name="Tartalom helye 2">
+            <a:extLst>
+              <a:ext uri="{FF2B5EF4-FFF2-40B4-BE49-F238E27FC236}">
+                <a16:creationId xmlns:a16="http://schemas.microsoft.com/office/drawing/2014/main" id="{91101744-02C2-4E55-A731-228D04E97E12}"/>
+              </a:ext>
+            </a:extLst>
+          </p:cNvPr>
+          <p:cNvSpPr>
+            <a:spLocks noGrp="1"/>
+          </p:cNvSpPr>
+          <p:nvPr>
+            <p:ph idx="1"/>
+          </p:nvPr>
+        </p:nvSpPr>
+        <p:spPr>
+          <a:xfrm>
+            <a:off x="838200" y="1825625"/>
+            <a:ext cx="10515600" cy="4351338"/>
+          </a:xfrm>
+        </p:spPr>
+        <p:txBody>
+          <a:bodyPr/>
+          <a:lstStyle/>
+          <a:p>
+            <a:pPr marL="0" indent="0">
+              <a:buNone/>
+            </a:pPr>
+            <a:r>
+              <a:rPr lang="hu-HU" dirty="0"/>
+              <a:t>H1: p=0.1</a:t>
+            </a:r>
+          </a:p>
+          <a:p>
+            <a:pPr marL="0" indent="0">
+              <a:buNone/>
+            </a:pPr>
+            <a:r>
+              <a:rPr lang="hu-HU" dirty="0"/>
+              <a:t>H2: p=0.2 -&gt; </a:t>
+            </a:r>
+            <a:r>
+              <a:rPr lang="hu-HU" dirty="0" err="1"/>
+              <a:t>we</a:t>
+            </a:r>
+            <a:r>
+              <a:rPr lang="hu-HU" dirty="0"/>
+              <a:t> </a:t>
+            </a:r>
+            <a:r>
+              <a:rPr lang="hu-HU" dirty="0" err="1"/>
+              <a:t>can</a:t>
+            </a:r>
+            <a:r>
+              <a:rPr lang="hu-HU" dirty="0"/>
+              <a:t> </a:t>
+            </a:r>
+            <a:r>
+              <a:rPr lang="hu-HU" dirty="0" err="1"/>
+              <a:t>do</a:t>
+            </a:r>
+            <a:r>
+              <a:rPr lang="hu-HU" dirty="0"/>
+              <a:t> </a:t>
+            </a:r>
+            <a:r>
+              <a:rPr lang="hu-HU" dirty="0" err="1"/>
+              <a:t>that</a:t>
+            </a:r>
+            <a:r>
+              <a:rPr lang="hu-HU" dirty="0"/>
+              <a:t> in a </a:t>
+            </a:r>
+            <a:r>
+              <a:rPr lang="hu-HU" dirty="0" err="1"/>
+              <a:t>Bayesian</a:t>
+            </a:r>
+            <a:r>
+              <a:rPr lang="hu-HU" dirty="0"/>
+              <a:t> </a:t>
+            </a:r>
+            <a:r>
+              <a:rPr lang="hu-HU" dirty="0" err="1"/>
+              <a:t>framework</a:t>
+            </a:r>
+            <a:r>
+              <a:rPr lang="hu-HU" dirty="0"/>
+              <a:t>!</a:t>
+            </a:r>
+          </a:p>
+          <a:p>
+            <a:pPr marL="0" indent="0">
+              <a:buNone/>
+            </a:pPr>
+            <a:endParaRPr lang="hu-HU" dirty="0"/>
+          </a:p>
+          <a:p>
+            <a:pPr marL="0" indent="0">
+              <a:buNone/>
+            </a:pPr>
+            <a:r>
+              <a:rPr lang="hu-HU" b="1" dirty="0" err="1"/>
+              <a:t>Priors</a:t>
+            </a:r>
+            <a:r>
+              <a:rPr lang="hu-HU" dirty="0"/>
+              <a:t> (</a:t>
+            </a:r>
+            <a:r>
+              <a:rPr lang="hu-HU" dirty="0" err="1"/>
+              <a:t>uninformative</a:t>
+            </a:r>
+            <a:r>
+              <a:rPr lang="hu-HU" dirty="0"/>
+              <a:t>): P(H1) = 0.5, P(H2) = 0.5</a:t>
+            </a:r>
+          </a:p>
+          <a:p>
+            <a:pPr marL="0" indent="0">
+              <a:buNone/>
+            </a:pPr>
+            <a:r>
+              <a:rPr lang="hu-HU" b="1" dirty="0"/>
+              <a:t>Data </a:t>
+            </a:r>
+            <a:r>
+              <a:rPr lang="hu-HU" b="1" dirty="0" err="1"/>
+              <a:t>we</a:t>
+            </a:r>
+            <a:r>
+              <a:rPr lang="hu-HU" b="1" dirty="0"/>
+              <a:t> </a:t>
+            </a:r>
+            <a:r>
+              <a:rPr lang="hu-HU" b="1" dirty="0" err="1"/>
+              <a:t>got</a:t>
+            </a:r>
+            <a:r>
+              <a:rPr lang="hu-HU" dirty="0"/>
+              <a:t>: 1 </a:t>
+            </a:r>
+            <a:r>
+              <a:rPr lang="hu-HU" dirty="0" err="1"/>
+              <a:t>yellow</a:t>
+            </a:r>
+            <a:r>
+              <a:rPr lang="hu-HU" dirty="0"/>
+              <a:t>, 4 </a:t>
+            </a:r>
+            <a:r>
+              <a:rPr lang="hu-HU" dirty="0" err="1"/>
+              <a:t>not</a:t>
+            </a:r>
+            <a:r>
+              <a:rPr lang="hu-HU" dirty="0"/>
+              <a:t> </a:t>
+            </a:r>
+            <a:r>
+              <a:rPr lang="hu-HU" dirty="0" err="1"/>
+              <a:t>yellow</a:t>
+            </a:r>
+            <a:r>
+              <a:rPr lang="hu-HU" dirty="0"/>
+              <a:t> -&gt; k=1, n=5</a:t>
+            </a:r>
+          </a:p>
+          <a:p>
+            <a:pPr marL="0" indent="0">
+              <a:buNone/>
+            </a:pPr>
+            <a:r>
+              <a:rPr lang="hu-HU" b="1" dirty="0" err="1"/>
+              <a:t>Likelihoods</a:t>
+            </a:r>
+            <a:r>
+              <a:rPr lang="hu-HU" b="1" dirty="0"/>
+              <a:t>: 	</a:t>
+            </a:r>
+            <a:r>
+              <a:rPr lang="hu-HU" dirty="0"/>
+              <a:t>P(k=1 | H1) = 5 * 0.1 ^ 1 * 0.9 ^ 4 = 0.33</a:t>
+            </a:r>
+            <a:br>
+              <a:rPr lang="hu-HU" dirty="0"/>
+            </a:br>
+            <a:r>
+              <a:rPr lang="hu-HU" dirty="0"/>
+              <a:t>			P(k=1 |H2) = 5 * 0.2 ^ 1 * 0.8 ^ 4 = 0.41</a:t>
+            </a:r>
+          </a:p>
+          <a:p>
+            <a:pPr marL="0" indent="0">
+              <a:buNone/>
+            </a:pPr>
+            <a:endParaRPr lang="hu-HU" b="1" dirty="0"/>
+          </a:p>
+          <a:p>
+            <a:pPr marL="0" indent="0">
+              <a:buNone/>
+            </a:pPr>
+            <a:endParaRPr lang="hu-HU" dirty="0"/>
+          </a:p>
+        </p:txBody>
+      </p:sp>
+      <p:sp>
+        <p:nvSpPr>
+          <p:cNvPr id="4" name="Dátum helye 3">
+            <a:extLst>
+              <a:ext uri="{FF2B5EF4-FFF2-40B4-BE49-F238E27FC236}">
+                <a16:creationId xmlns:a16="http://schemas.microsoft.com/office/drawing/2014/main" id="{49C9E7AC-5931-45DF-90AC-C2C42C1EF8BD}"/>
+              </a:ext>
+            </a:extLst>
+          </p:cNvPr>
+          <p:cNvSpPr>
+            <a:spLocks noGrp="1"/>
+          </p:cNvSpPr>
+          <p:nvPr>
+            <p:ph type="dt" sz="half" idx="10"/>
+          </p:nvPr>
+        </p:nvSpPr>
+        <p:spPr>
+          <a:xfrm>
+            <a:off x="838200" y="6356350"/>
+            <a:ext cx="2743200" cy="365125"/>
+          </a:xfrm>
+        </p:spPr>
+        <p:txBody>
+          <a:bodyPr/>
+          <a:lstStyle/>
+          <a:p>
+            <a:fld id="{444B641D-F446-482F-BD8D-2B546EA2C2F1}" type="datetime1">
+              <a:rPr lang="hu-HU" smtClean="0"/>
+              <a:t>2019. 08. 13.</a:t>
+            </a:fld>
+            <a:endParaRPr lang="hu-HU"/>
+          </a:p>
+        </p:txBody>
+      </p:sp>
+      <p:sp>
+        <p:nvSpPr>
+          <p:cNvPr id="5" name="Élőláb helye 4">
+            <a:extLst>
+              <a:ext uri="{FF2B5EF4-FFF2-40B4-BE49-F238E27FC236}">
+                <a16:creationId xmlns:a16="http://schemas.microsoft.com/office/drawing/2014/main" id="{BCE4C0C3-2DB9-42C1-AD5E-F10B3E69387F}"/>
+              </a:ext>
+            </a:extLst>
+          </p:cNvPr>
+          <p:cNvSpPr>
+            <a:spLocks noGrp="1"/>
+          </p:cNvSpPr>
+          <p:nvPr>
+            <p:ph type="ftr" sz="quarter" idx="11"/>
+          </p:nvPr>
+        </p:nvSpPr>
+        <p:spPr>
+          <a:xfrm>
+            <a:off x="4038600" y="6356350"/>
+            <a:ext cx="4114800" cy="365125"/>
+          </a:xfrm>
+        </p:spPr>
+        <p:txBody>
+          <a:bodyPr/>
+          <a:lstStyle/>
+          <a:p>
+            <a:r>
+              <a:rPr lang="hu-HU"/>
+              <a:t>Mór Kapronczay  -  Starschema Ltd.</a:t>
+            </a:r>
+          </a:p>
+        </p:txBody>
+      </p:sp>
+      <p:sp>
+        <p:nvSpPr>
+          <p:cNvPr id="6" name="Dia számának helye 5">
+            <a:extLst>
+              <a:ext uri="{FF2B5EF4-FFF2-40B4-BE49-F238E27FC236}">
+                <a16:creationId xmlns:a16="http://schemas.microsoft.com/office/drawing/2014/main" id="{A10AB95D-5420-409F-911D-192BF74E7673}"/>
+              </a:ext>
+            </a:extLst>
+          </p:cNvPr>
+          <p:cNvSpPr>
+            <a:spLocks noGrp="1"/>
+          </p:cNvSpPr>
+          <p:nvPr>
+            <p:ph type="sldNum" sz="quarter" idx="12"/>
+          </p:nvPr>
+        </p:nvSpPr>
+        <p:spPr>
+          <a:xfrm>
+            <a:off x="8610600" y="6356350"/>
+            <a:ext cx="2743200" cy="365125"/>
+          </a:xfrm>
+        </p:spPr>
+        <p:txBody>
+          <a:bodyPr/>
+          <a:lstStyle/>
+          <a:p>
+            <a:fld id="{14BC9C27-3A79-4F57-BFB4-AB282D25D2CE}" type="slidenum">
+              <a:rPr lang="hu-HU" smtClean="0"/>
+              <a:t>15</a:t>
+            </a:fld>
+            <a:endParaRPr lang="hu-HU"/>
+          </a:p>
+        </p:txBody>
+      </p:sp>
+    </p:spTree>
+    <p:extLst>
+      <p:ext uri="{BB962C8B-B14F-4D97-AF65-F5344CB8AC3E}">
+        <p14:creationId xmlns:p14="http://schemas.microsoft.com/office/powerpoint/2010/main" val="2803372970"/>
+      </p:ext>
+    </p:extLst>
+  </p:cSld>
+  <p:clrMapOvr>
+    <a:masterClrMapping/>
+  </p:clrMapOvr>
+</p:sld>
+</file>
+
+<file path=ppt/slides/slide16.xml><?xml version="1.0" encoding="utf-8"?>
+<p:sld xmlns:a="http://schemas.openxmlformats.org/drawingml/2006/main" xmlns:r="http://schemas.openxmlformats.org/officeDocument/2006/relationships" xmlns:p="http://schemas.openxmlformats.org/presentationml/2006/main">
+  <p:cSld>
+    <p:spTree>
+      <p:nvGrpSpPr>
+        <p:cNvPr id="1" name=""/>
+        <p:cNvGrpSpPr/>
+        <p:nvPr/>
+      </p:nvGrpSpPr>
+      <p:grpSpPr>
+        <a:xfrm>
+          <a:off x="0" y="0"/>
+          <a:ext cx="0" cy="0"/>
+          <a:chOff x="0" y="0"/>
+          <a:chExt cx="0" cy="0"/>
+        </a:xfrm>
+      </p:grpSpPr>
+      <p:sp>
+        <p:nvSpPr>
+          <p:cNvPr id="2" name="Cím 1">
+            <a:extLst>
+              <a:ext uri="{FF2B5EF4-FFF2-40B4-BE49-F238E27FC236}">
+                <a16:creationId xmlns:a16="http://schemas.microsoft.com/office/drawing/2014/main" id="{DC2BBABD-CC6D-4070-8B1D-12857810A14B}"/>
+              </a:ext>
+            </a:extLst>
+          </p:cNvPr>
+          <p:cNvSpPr>
+            <a:spLocks noGrp="1"/>
+          </p:cNvSpPr>
+          <p:nvPr>
+            <p:ph type="title"/>
+          </p:nvPr>
+        </p:nvSpPr>
+        <p:spPr/>
+        <p:txBody>
+          <a:bodyPr>
+            <a:normAutofit fontScale="90000"/>
+          </a:bodyPr>
+          <a:lstStyle/>
+          <a:p>
+            <a:r>
+              <a:rPr lang="hu-HU" dirty="0" err="1"/>
+              <a:t>Bayesian</a:t>
+            </a:r>
+            <a:r>
+              <a:rPr lang="hu-HU" dirty="0"/>
+              <a:t> </a:t>
+            </a:r>
+            <a:r>
+              <a:rPr lang="hu-HU" dirty="0" err="1"/>
+              <a:t>method</a:t>
+            </a:r>
+            <a:r>
+              <a:rPr lang="hu-HU" dirty="0"/>
+              <a:t> II.</a:t>
+            </a:r>
+          </a:p>
+        </p:txBody>
+      </p:sp>
+      <p:sp>
+        <p:nvSpPr>
+          <p:cNvPr id="3" name="Tartalom helye 2">
+            <a:extLst>
+              <a:ext uri="{FF2B5EF4-FFF2-40B4-BE49-F238E27FC236}">
+                <a16:creationId xmlns:a16="http://schemas.microsoft.com/office/drawing/2014/main" id="{1C2FC116-FB05-4BAA-A3B4-5E5CF26438A3}"/>
+              </a:ext>
+            </a:extLst>
+          </p:cNvPr>
+          <p:cNvSpPr>
+            <a:spLocks noGrp="1"/>
+          </p:cNvSpPr>
+          <p:nvPr>
+            <p:ph idx="1"/>
+          </p:nvPr>
+        </p:nvSpPr>
+        <p:spPr/>
+        <p:txBody>
+          <a:bodyPr/>
+          <a:lstStyle/>
+          <a:p>
+            <a:pPr marL="0" indent="0">
+              <a:buNone/>
+            </a:pPr>
+            <a:r>
+              <a:rPr lang="hu-HU" b="1" dirty="0" err="1"/>
+              <a:t>Posteriors</a:t>
+            </a:r>
+            <a:r>
+              <a:rPr lang="hu-HU" b="1" dirty="0"/>
+              <a:t>:</a:t>
+            </a:r>
+          </a:p>
+          <a:p>
+            <a:pPr marL="0" indent="0">
+              <a:buNone/>
+            </a:pPr>
+            <a:r>
+              <a:rPr lang="hu-HU" dirty="0"/>
+              <a:t>P(H1 | k=1) = P(H1) * P(k=1 | H1) / P(k=1) </a:t>
+            </a:r>
+          </a:p>
+          <a:p>
+            <a:pPr marL="0" indent="0">
+              <a:buNone/>
+            </a:pPr>
+            <a:r>
+              <a:rPr lang="hu-HU" dirty="0"/>
+              <a:t>= 0.5 * 0.33 / (0.5 * 33 + 0.5 * 0.41) = </a:t>
+            </a:r>
+            <a:r>
+              <a:rPr lang="hu-HU" b="1" dirty="0"/>
+              <a:t>0.45</a:t>
+            </a:r>
+          </a:p>
+          <a:p>
+            <a:pPr marL="0" indent="0">
+              <a:buNone/>
+            </a:pPr>
+            <a:r>
+              <a:rPr lang="hu-HU" dirty="0"/>
+              <a:t>P(H2 | k=1) = 1 – 0.45 = </a:t>
+            </a:r>
+            <a:r>
+              <a:rPr lang="hu-HU" b="1" dirty="0"/>
+              <a:t>0.55</a:t>
+            </a:r>
+          </a:p>
+          <a:p>
+            <a:pPr marL="0" indent="0">
+              <a:buNone/>
+            </a:pPr>
+            <a:endParaRPr lang="hu-HU" b="1" dirty="0"/>
+          </a:p>
+          <a:p>
+            <a:pPr marL="0" indent="0">
+              <a:buNone/>
+            </a:pPr>
+            <a:r>
+              <a:rPr lang="hu-HU" b="1" dirty="0" err="1"/>
+              <a:t>Conclusions</a:t>
+            </a:r>
+            <a:r>
+              <a:rPr lang="hu-HU" b="1" dirty="0"/>
+              <a:t>?</a:t>
+            </a:r>
+          </a:p>
+        </p:txBody>
+      </p:sp>
+      <p:sp>
+        <p:nvSpPr>
+          <p:cNvPr id="4" name="Dátum helye 3">
+            <a:extLst>
+              <a:ext uri="{FF2B5EF4-FFF2-40B4-BE49-F238E27FC236}">
+                <a16:creationId xmlns:a16="http://schemas.microsoft.com/office/drawing/2014/main" id="{CC011450-BC15-4A85-92B0-159AF344D159}"/>
+              </a:ext>
+            </a:extLst>
+          </p:cNvPr>
+          <p:cNvSpPr>
+            <a:spLocks noGrp="1"/>
+          </p:cNvSpPr>
+          <p:nvPr>
+            <p:ph type="dt" sz="half" idx="10"/>
+          </p:nvPr>
+        </p:nvSpPr>
+        <p:spPr/>
+        <p:txBody>
+          <a:bodyPr/>
+          <a:lstStyle/>
+          <a:p>
+            <a:fld id="{444B641D-F446-482F-BD8D-2B546EA2C2F1}" type="datetime1">
+              <a:rPr lang="hu-HU" smtClean="0"/>
+              <a:t>2019. 08. 13.</a:t>
+            </a:fld>
+            <a:endParaRPr lang="hu-HU"/>
+          </a:p>
+        </p:txBody>
+      </p:sp>
+      <p:sp>
+        <p:nvSpPr>
+          <p:cNvPr id="5" name="Élőláb helye 4">
+            <a:extLst>
+              <a:ext uri="{FF2B5EF4-FFF2-40B4-BE49-F238E27FC236}">
+                <a16:creationId xmlns:a16="http://schemas.microsoft.com/office/drawing/2014/main" id="{0EDEE668-3AAF-4145-A344-8A9459852ED8}"/>
+              </a:ext>
+            </a:extLst>
+          </p:cNvPr>
+          <p:cNvSpPr>
+            <a:spLocks noGrp="1"/>
+          </p:cNvSpPr>
+          <p:nvPr>
+            <p:ph type="ftr" sz="quarter" idx="11"/>
+          </p:nvPr>
+        </p:nvSpPr>
+        <p:spPr/>
+        <p:txBody>
+          <a:bodyPr/>
+          <a:lstStyle/>
+          <a:p>
+            <a:r>
+              <a:rPr lang="hu-HU"/>
+              <a:t>Mór Kapronczay  -  Starschema Ltd.</a:t>
+            </a:r>
+          </a:p>
+        </p:txBody>
+      </p:sp>
+      <p:sp>
+        <p:nvSpPr>
+          <p:cNvPr id="6" name="Dia számának helye 5">
+            <a:extLst>
+              <a:ext uri="{FF2B5EF4-FFF2-40B4-BE49-F238E27FC236}">
+                <a16:creationId xmlns:a16="http://schemas.microsoft.com/office/drawing/2014/main" id="{2AD5D2D4-9734-491B-9873-A50B86EFAD07}"/>
+              </a:ext>
+            </a:extLst>
+          </p:cNvPr>
+          <p:cNvSpPr>
+            <a:spLocks noGrp="1"/>
+          </p:cNvSpPr>
+          <p:nvPr>
+            <p:ph type="sldNum" sz="quarter" idx="12"/>
+          </p:nvPr>
+        </p:nvSpPr>
+        <p:spPr/>
+        <p:txBody>
+          <a:bodyPr/>
+          <a:lstStyle/>
+          <a:p>
+            <a:fld id="{14BC9C27-3A79-4F57-BFB4-AB282D25D2CE}" type="slidenum">
+              <a:rPr lang="hu-HU" smtClean="0"/>
+              <a:t>16</a:t>
+            </a:fld>
+            <a:endParaRPr lang="hu-HU"/>
+          </a:p>
+        </p:txBody>
+      </p:sp>
+    </p:spTree>
+    <p:extLst>
+      <p:ext uri="{BB962C8B-B14F-4D97-AF65-F5344CB8AC3E}">
+        <p14:creationId xmlns:p14="http://schemas.microsoft.com/office/powerpoint/2010/main" val="839077256"/>
+      </p:ext>
+    </p:extLst>
+  </p:cSld>
+  <p:clrMapOvr>
+    <a:masterClrMapping/>
+  </p:clrMapOvr>
+</p:sld>
+</file>
+
+<file path=ppt/slides/slide17.xml><?xml version="1.0" encoding="utf-8"?>
+<p:sld xmlns:a="http://schemas.openxmlformats.org/drawingml/2006/main" xmlns:r="http://schemas.openxmlformats.org/officeDocument/2006/relationships" xmlns:p="http://schemas.openxmlformats.org/presentationml/2006/main">
+  <p:cSld>
+    <p:spTree>
+      <p:nvGrpSpPr>
+        <p:cNvPr id="1" name=""/>
+        <p:cNvGrpSpPr/>
+        <p:nvPr/>
+      </p:nvGrpSpPr>
+      <p:grpSpPr>
+        <a:xfrm>
+          <a:off x="0" y="0"/>
+          <a:ext cx="0" cy="0"/>
+          <a:chOff x="0" y="0"/>
+          <a:chExt cx="0" cy="0"/>
+        </a:xfrm>
+      </p:grpSpPr>
+      <p:sp>
+        <p:nvSpPr>
+          <p:cNvPr id="2" name="Cím 1">
+            <a:extLst>
+              <a:ext uri="{FF2B5EF4-FFF2-40B4-BE49-F238E27FC236}">
+                <a16:creationId xmlns:a16="http://schemas.microsoft.com/office/drawing/2014/main" id="{DC2BBABD-CC6D-4070-8B1D-12857810A14B}"/>
+              </a:ext>
+            </a:extLst>
+          </p:cNvPr>
+          <p:cNvSpPr>
+            <a:spLocks noGrp="1"/>
+          </p:cNvSpPr>
+          <p:nvPr>
+            <p:ph type="title"/>
+          </p:nvPr>
+        </p:nvSpPr>
+        <p:spPr/>
+        <p:txBody>
+          <a:bodyPr>
+            <a:normAutofit fontScale="90000"/>
+          </a:bodyPr>
+          <a:lstStyle/>
+          <a:p>
+            <a:r>
+              <a:rPr lang="hu-HU" dirty="0" err="1"/>
+              <a:t>Bayesian</a:t>
+            </a:r>
+            <a:r>
+              <a:rPr lang="hu-HU" dirty="0"/>
+              <a:t> </a:t>
+            </a:r>
+            <a:r>
+              <a:rPr lang="hu-HU" dirty="0" err="1"/>
+              <a:t>method</a:t>
+            </a:r>
+            <a:r>
+              <a:rPr lang="hu-HU" dirty="0"/>
+              <a:t> II.</a:t>
+            </a:r>
+          </a:p>
+        </p:txBody>
+      </p:sp>
+      <p:sp>
+        <p:nvSpPr>
+          <p:cNvPr id="3" name="Tartalom helye 2">
+            <a:extLst>
+              <a:ext uri="{FF2B5EF4-FFF2-40B4-BE49-F238E27FC236}">
+                <a16:creationId xmlns:a16="http://schemas.microsoft.com/office/drawing/2014/main" id="{1C2FC116-FB05-4BAA-A3B4-5E5CF26438A3}"/>
+              </a:ext>
+            </a:extLst>
+          </p:cNvPr>
+          <p:cNvSpPr>
+            <a:spLocks noGrp="1"/>
+          </p:cNvSpPr>
+          <p:nvPr>
+            <p:ph idx="1"/>
+          </p:nvPr>
+        </p:nvSpPr>
+        <p:spPr/>
+        <p:txBody>
+          <a:bodyPr/>
+          <a:lstStyle/>
+          <a:p>
+            <a:pPr marL="0" indent="0">
+              <a:buNone/>
+            </a:pPr>
+            <a:r>
+              <a:rPr lang="hu-HU" b="1" dirty="0" err="1"/>
+              <a:t>Posteriors</a:t>
+            </a:r>
+            <a:r>
+              <a:rPr lang="hu-HU" b="1" dirty="0"/>
+              <a:t>:</a:t>
+            </a:r>
+          </a:p>
+          <a:p>
+            <a:pPr marL="0" indent="0">
+              <a:buNone/>
+            </a:pPr>
+            <a:r>
+              <a:rPr lang="hu-HU" dirty="0"/>
+              <a:t>P(H1 | k=1) = P(H1) * P(k=1 | H1) / P(k=1) </a:t>
+            </a:r>
+          </a:p>
+          <a:p>
+            <a:pPr marL="0" indent="0">
+              <a:buNone/>
+            </a:pPr>
+            <a:r>
+              <a:rPr lang="hu-HU" dirty="0"/>
+              <a:t>= 0.5 * 0.33 / (0.5 * 33 + 0.5 * 0.41) = </a:t>
+            </a:r>
+            <a:r>
+              <a:rPr lang="hu-HU" b="1" dirty="0"/>
+              <a:t>0.45</a:t>
+            </a:r>
+          </a:p>
+          <a:p>
+            <a:pPr marL="0" indent="0">
+              <a:buNone/>
+            </a:pPr>
+            <a:r>
+              <a:rPr lang="hu-HU" dirty="0"/>
+              <a:t>P(H2 | k=1) = 1 – 0.45 = </a:t>
+            </a:r>
+            <a:r>
+              <a:rPr lang="hu-HU" b="1" dirty="0"/>
+              <a:t>0.55</a:t>
+            </a:r>
+          </a:p>
+          <a:p>
+            <a:pPr marL="0" indent="0">
+              <a:buNone/>
+            </a:pPr>
+            <a:endParaRPr lang="hu-HU" b="1" dirty="0"/>
+          </a:p>
+          <a:p>
+            <a:pPr marL="0" indent="0">
+              <a:buNone/>
+            </a:pPr>
+            <a:r>
+              <a:rPr lang="hu-HU" b="1" dirty="0" err="1"/>
+              <a:t>Conclusions</a:t>
+            </a:r>
+            <a:r>
+              <a:rPr lang="hu-HU" b="1" dirty="0"/>
+              <a:t>:</a:t>
+            </a:r>
+          </a:p>
+          <a:p>
+            <a:pPr marL="0" indent="0">
+              <a:buNone/>
+            </a:pPr>
+            <a:r>
+              <a:rPr lang="hu-HU" dirty="0" err="1"/>
+              <a:t>We</a:t>
+            </a:r>
+            <a:r>
+              <a:rPr lang="hu-HU" dirty="0"/>
+              <a:t> </a:t>
+            </a:r>
+            <a:r>
+              <a:rPr lang="hu-HU" dirty="0" err="1"/>
+              <a:t>choose</a:t>
+            </a:r>
+            <a:r>
+              <a:rPr lang="hu-HU" dirty="0"/>
+              <a:t> H2 </a:t>
+            </a:r>
+            <a:r>
+              <a:rPr lang="hu-HU" dirty="0" err="1"/>
+              <a:t>but</a:t>
+            </a:r>
+            <a:r>
+              <a:rPr lang="hu-HU" dirty="0"/>
+              <a:t> </a:t>
+            </a:r>
+            <a:r>
+              <a:rPr lang="hu-HU" dirty="0" err="1"/>
+              <a:t>we’re</a:t>
+            </a:r>
+            <a:r>
+              <a:rPr lang="hu-HU" dirty="0"/>
+              <a:t> </a:t>
+            </a:r>
+            <a:r>
+              <a:rPr lang="hu-HU" dirty="0" err="1"/>
+              <a:t>not</a:t>
+            </a:r>
+            <a:r>
+              <a:rPr lang="hu-HU" dirty="0"/>
+              <a:t> </a:t>
+            </a:r>
+            <a:r>
+              <a:rPr lang="hu-HU" dirty="0" err="1"/>
+              <a:t>very</a:t>
+            </a:r>
+            <a:r>
+              <a:rPr lang="hu-HU" dirty="0"/>
+              <a:t> </a:t>
+            </a:r>
+            <a:r>
+              <a:rPr lang="hu-HU" dirty="0" err="1"/>
+              <a:t>sure</a:t>
+            </a:r>
+            <a:r>
+              <a:rPr lang="hu-HU" dirty="0"/>
+              <a:t>.</a:t>
+            </a:r>
+          </a:p>
+        </p:txBody>
+      </p:sp>
+      <p:sp>
+        <p:nvSpPr>
+          <p:cNvPr id="4" name="Dátum helye 3">
+            <a:extLst>
+              <a:ext uri="{FF2B5EF4-FFF2-40B4-BE49-F238E27FC236}">
+                <a16:creationId xmlns:a16="http://schemas.microsoft.com/office/drawing/2014/main" id="{CC011450-BC15-4A85-92B0-159AF344D159}"/>
+              </a:ext>
+            </a:extLst>
+          </p:cNvPr>
+          <p:cNvSpPr>
+            <a:spLocks noGrp="1"/>
+          </p:cNvSpPr>
+          <p:nvPr>
+            <p:ph type="dt" sz="half" idx="10"/>
+          </p:nvPr>
+        </p:nvSpPr>
+        <p:spPr/>
+        <p:txBody>
+          <a:bodyPr/>
+          <a:lstStyle/>
+          <a:p>
+            <a:fld id="{444B641D-F446-482F-BD8D-2B546EA2C2F1}" type="datetime1">
+              <a:rPr lang="hu-HU" smtClean="0"/>
+              <a:t>2019. 08. 13.</a:t>
+            </a:fld>
+            <a:endParaRPr lang="hu-HU"/>
+          </a:p>
+        </p:txBody>
+      </p:sp>
+      <p:sp>
+        <p:nvSpPr>
+          <p:cNvPr id="5" name="Élőláb helye 4">
+            <a:extLst>
+              <a:ext uri="{FF2B5EF4-FFF2-40B4-BE49-F238E27FC236}">
+                <a16:creationId xmlns:a16="http://schemas.microsoft.com/office/drawing/2014/main" id="{0EDEE668-3AAF-4145-A344-8A9459852ED8}"/>
+              </a:ext>
+            </a:extLst>
+          </p:cNvPr>
+          <p:cNvSpPr>
+            <a:spLocks noGrp="1"/>
+          </p:cNvSpPr>
+          <p:nvPr>
+            <p:ph type="ftr" sz="quarter" idx="11"/>
+          </p:nvPr>
+        </p:nvSpPr>
+        <p:spPr/>
+        <p:txBody>
+          <a:bodyPr/>
+          <a:lstStyle/>
+          <a:p>
+            <a:r>
+              <a:rPr lang="hu-HU"/>
+              <a:t>Mór Kapronczay  -  Starschema Ltd.</a:t>
+            </a:r>
+          </a:p>
+        </p:txBody>
+      </p:sp>
+      <p:sp>
+        <p:nvSpPr>
+          <p:cNvPr id="6" name="Dia számának helye 5">
+            <a:extLst>
+              <a:ext uri="{FF2B5EF4-FFF2-40B4-BE49-F238E27FC236}">
+                <a16:creationId xmlns:a16="http://schemas.microsoft.com/office/drawing/2014/main" id="{2AD5D2D4-9734-491B-9873-A50B86EFAD07}"/>
+              </a:ext>
+            </a:extLst>
+          </p:cNvPr>
+          <p:cNvSpPr>
+            <a:spLocks noGrp="1"/>
+          </p:cNvSpPr>
+          <p:nvPr>
+            <p:ph type="sldNum" sz="quarter" idx="12"/>
+          </p:nvPr>
+        </p:nvSpPr>
+        <p:spPr/>
+        <p:txBody>
+          <a:bodyPr/>
+          <a:lstStyle/>
+          <a:p>
+            <a:fld id="{14BC9C27-3A79-4F57-BFB4-AB282D25D2CE}" type="slidenum">
+              <a:rPr lang="hu-HU" smtClean="0"/>
+              <a:t>17</a:t>
+            </a:fld>
+            <a:endParaRPr lang="hu-HU"/>
+          </a:p>
+        </p:txBody>
+      </p:sp>
+    </p:spTree>
+    <p:extLst>
+      <p:ext uri="{BB962C8B-B14F-4D97-AF65-F5344CB8AC3E}">
+        <p14:creationId xmlns:p14="http://schemas.microsoft.com/office/powerpoint/2010/main" val="3748250384"/>
+      </p:ext>
+    </p:extLst>
+  </p:cSld>
+  <p:clrMapOvr>
+    <a:masterClrMapping/>
+  </p:clrMapOvr>
+</p:sld>
+</file>
+
+<file path=ppt/slides/slide18.xml><?xml version="1.0" encoding="utf-8"?>
+<p:sld xmlns:a="http://schemas.openxmlformats.org/drawingml/2006/main" xmlns:r="http://schemas.openxmlformats.org/officeDocument/2006/relationships" xmlns:p="http://schemas.openxmlformats.org/presentationml/2006/main">
+  <p:cSld>
+    <p:spTree>
+      <p:nvGrpSpPr>
+        <p:cNvPr id="1" name=""/>
+        <p:cNvGrpSpPr/>
+        <p:nvPr/>
+      </p:nvGrpSpPr>
+      <p:grpSpPr>
+        <a:xfrm>
+          <a:off x="0" y="0"/>
+          <a:ext cx="0" cy="0"/>
+          <a:chOff x="0" y="0"/>
+          <a:chExt cx="0" cy="0"/>
+        </a:xfrm>
+      </p:grpSpPr>
+      <p:sp>
+        <p:nvSpPr>
+          <p:cNvPr id="2" name="Cím 1">
+            <a:extLst>
+              <a:ext uri="{FF2B5EF4-FFF2-40B4-BE49-F238E27FC236}">
+                <a16:creationId xmlns:a16="http://schemas.microsoft.com/office/drawing/2014/main" id="{6967DC93-D3CC-4934-BB41-B602E63A8381}"/>
+              </a:ext>
+            </a:extLst>
+          </p:cNvPr>
+          <p:cNvSpPr>
+            <a:spLocks noGrp="1"/>
+          </p:cNvSpPr>
+          <p:nvPr>
+            <p:ph type="title"/>
+          </p:nvPr>
+        </p:nvSpPr>
+        <p:spPr/>
+        <p:txBody>
+          <a:bodyPr>
+            <a:normAutofit fontScale="90000"/>
+          </a:bodyPr>
+          <a:lstStyle/>
+          <a:p>
+            <a:r>
+              <a:rPr lang="hu-HU" dirty="0" err="1"/>
+              <a:t>What</a:t>
+            </a:r>
+            <a:r>
+              <a:rPr lang="hu-HU" dirty="0"/>
+              <a:t> </a:t>
+            </a:r>
+            <a:r>
+              <a:rPr lang="hu-HU" dirty="0" err="1"/>
+              <a:t>about</a:t>
+            </a:r>
+            <a:r>
+              <a:rPr lang="hu-HU" dirty="0"/>
+              <a:t> </a:t>
+            </a:r>
+            <a:r>
+              <a:rPr lang="hu-HU" dirty="0" err="1"/>
+              <a:t>larger</a:t>
+            </a:r>
+            <a:r>
+              <a:rPr lang="hu-HU" dirty="0"/>
+              <a:t> </a:t>
+            </a:r>
+            <a:r>
+              <a:rPr lang="hu-HU" dirty="0" err="1"/>
+              <a:t>sample</a:t>
+            </a:r>
+            <a:r>
+              <a:rPr lang="hu-HU" dirty="0"/>
+              <a:t> </a:t>
+            </a:r>
+            <a:r>
+              <a:rPr lang="hu-HU" dirty="0" err="1"/>
+              <a:t>sizes</a:t>
+            </a:r>
+            <a:r>
+              <a:rPr lang="hu-HU" dirty="0"/>
+              <a:t>?</a:t>
+            </a:r>
+          </a:p>
+        </p:txBody>
+      </p:sp>
+      <p:graphicFrame>
+        <p:nvGraphicFramePr>
+          <p:cNvPr id="8" name="Tartalom helye 7">
+            <a:extLst>
+              <a:ext uri="{FF2B5EF4-FFF2-40B4-BE49-F238E27FC236}">
+                <a16:creationId xmlns:a16="http://schemas.microsoft.com/office/drawing/2014/main" id="{DAC74E72-B8DA-4F86-917D-D520763B7DBD}"/>
+              </a:ext>
+            </a:extLst>
+          </p:cNvPr>
+          <p:cNvGraphicFramePr>
+            <a:graphicFrameLocks noGrp="1"/>
+          </p:cNvGraphicFramePr>
+          <p:nvPr>
+            <p:ph idx="1"/>
+            <p:extLst>
+              <p:ext uri="{D42A27DB-BD31-4B8C-83A1-F6EECF244321}">
+                <p14:modId xmlns:p14="http://schemas.microsoft.com/office/powerpoint/2010/main" val="602309745"/>
+              </p:ext>
+            </p:extLst>
+          </p:nvPr>
+        </p:nvGraphicFramePr>
+        <p:xfrm>
+          <a:off x="838201" y="1991031"/>
+          <a:ext cx="10515599" cy="2875937"/>
+        </p:xfrm>
+        <a:graphic>
+          <a:graphicData uri="http://schemas.openxmlformats.org/drawingml/2006/table">
+            <a:tbl>
+              <a:tblPr/>
+              <a:tblGrid>
+                <a:gridCol w="1811020">
+                  <a:extLst>
+                    <a:ext uri="{9D8B030D-6E8A-4147-A177-3AD203B41FA5}">
+                      <a16:colId xmlns:a16="http://schemas.microsoft.com/office/drawing/2014/main" val="3815800544"/>
+                    </a:ext>
+                  </a:extLst>
+                </a:gridCol>
+                <a:gridCol w="3338626">
+                  <a:extLst>
+                    <a:ext uri="{9D8B030D-6E8A-4147-A177-3AD203B41FA5}">
+                      <a16:colId xmlns:a16="http://schemas.microsoft.com/office/drawing/2014/main" val="3890648932"/>
+                    </a:ext>
+                  </a:extLst>
+                </a:gridCol>
+                <a:gridCol w="2713703">
+                  <a:extLst>
+                    <a:ext uri="{9D8B030D-6E8A-4147-A177-3AD203B41FA5}">
+                      <a16:colId xmlns:a16="http://schemas.microsoft.com/office/drawing/2014/main" val="972922522"/>
+                    </a:ext>
+                  </a:extLst>
+                </a:gridCol>
+                <a:gridCol w="2652250">
+                  <a:extLst>
+                    <a:ext uri="{9D8B030D-6E8A-4147-A177-3AD203B41FA5}">
+                      <a16:colId xmlns:a16="http://schemas.microsoft.com/office/drawing/2014/main" val="3562264025"/>
+                    </a:ext>
+                  </a:extLst>
+                </a:gridCol>
+              </a:tblGrid>
+              <a:tr h="429828">
+                <a:tc>
+                  <a:txBody>
+                    <a:bodyPr/>
+                    <a:lstStyle/>
+                    <a:p>
+                      <a:pPr algn="ctr" fontAlgn="ctr"/>
+                      <a:r>
+                        <a:rPr lang="hu-HU" sz="2000" b="0" i="0" u="none" strike="noStrike" dirty="0">
+                          <a:solidFill>
+                            <a:srgbClr val="FFFFFF"/>
+                          </a:solidFill>
+                          <a:effectLst/>
+                          <a:latin typeface="Montserrat" panose="00000500000000000000" pitchFamily="2" charset="-18"/>
+                        </a:rPr>
+                        <a:t> </a:t>
+                      </a:r>
+                    </a:p>
+                  </a:txBody>
+                  <a:tcPr marL="6350" marR="6350" marT="6350" marB="0" anchor="ctr">
+                    <a:lnL w="12700" cap="flat" cmpd="sng" algn="ctr">
+                      <a:solidFill>
+                        <a:srgbClr val="000000"/>
+                      </a:solidFill>
+                      <a:prstDash val="solid"/>
+                      <a:round/>
+                      <a:headEnd type="none" w="med" len="med"/>
+                      <a:tailEnd type="none" w="med" len="med"/>
+                    </a:lnL>
+                    <a:lnR>
+                      <a:noFill/>
+                    </a:lnR>
+                    <a:lnT w="12700" cap="flat" cmpd="sng" algn="ctr">
+                      <a:solidFill>
+                        <a:srgbClr val="000000"/>
+                      </a:solidFill>
+                      <a:prstDash val="solid"/>
+                      <a:round/>
+                      <a:headEnd type="none" w="med" len="med"/>
+                      <a:tailEnd type="none" w="med" len="med"/>
+                    </a:lnT>
+                    <a:lnB>
+                      <a:noFill/>
+                    </a:lnB>
+                    <a:solidFill>
+                      <a:srgbClr val="808080"/>
+                    </a:solidFill>
+                  </a:tcPr>
+                </a:tc>
+                <a:tc>
+                  <a:txBody>
+                    <a:bodyPr/>
+                    <a:lstStyle/>
+                    <a:p>
+                      <a:pPr algn="ctr" fontAlgn="ctr"/>
+                      <a:r>
+                        <a:rPr lang="hu-HU" sz="2000" b="0" i="0" u="none" strike="noStrike">
+                          <a:solidFill>
+                            <a:srgbClr val="FFFFFF"/>
+                          </a:solidFill>
+                          <a:effectLst/>
+                          <a:latin typeface="Montserrat" panose="00000500000000000000" pitchFamily="2" charset="-18"/>
+                        </a:rPr>
+                        <a:t>FREQUENTIST</a:t>
+                      </a:r>
+                    </a:p>
+                  </a:txBody>
+                  <a:tcPr marL="6350" marR="6350" marT="6350" marB="0" anchor="ctr">
+                    <a:lnL>
+                      <a:noFill/>
+                    </a:lnL>
+                    <a:lnR>
+                      <a:noFill/>
+                    </a:lnR>
+                    <a:lnT w="12700" cap="flat" cmpd="sng" algn="ctr">
+                      <a:solidFill>
+                        <a:srgbClr val="000000"/>
+                      </a:solidFill>
+                      <a:prstDash val="solid"/>
+                      <a:round/>
+                      <a:headEnd type="none" w="med" len="med"/>
+                      <a:tailEnd type="none" w="med" len="med"/>
+                    </a:lnT>
+                    <a:lnB>
+                      <a:noFill/>
+                    </a:lnB>
+                    <a:solidFill>
+                      <a:srgbClr val="808080"/>
+                    </a:solidFill>
+                  </a:tcPr>
+                </a:tc>
+                <a:tc gridSpan="2">
+                  <a:txBody>
+                    <a:bodyPr/>
+                    <a:lstStyle/>
+                    <a:p>
+                      <a:pPr algn="ctr" fontAlgn="ctr"/>
+                      <a:r>
+                        <a:rPr lang="hu-HU" sz="2000" b="0" i="0" u="none" strike="noStrike">
+                          <a:solidFill>
+                            <a:srgbClr val="FFFFFF"/>
+                          </a:solidFill>
+                          <a:effectLst/>
+                          <a:latin typeface="Montserrat" panose="00000500000000000000" pitchFamily="2" charset="-18"/>
+                        </a:rPr>
+                        <a:t>BAYESIAN</a:t>
+                      </a:r>
+                    </a:p>
+                  </a:txBody>
+                  <a:tcPr marL="6350" marR="6350" marT="6350" marB="0" anchor="ctr">
+                    <a:lnL>
+                      <a:noFill/>
+                    </a:lnL>
+                    <a:lnR w="12700" cap="flat" cmpd="sng" algn="ctr">
+                      <a:solidFill>
+                        <a:srgbClr val="000000"/>
+                      </a:solidFill>
+                      <a:prstDash val="solid"/>
+                      <a:round/>
+                      <a:headEnd type="none" w="med" len="med"/>
+                      <a:tailEnd type="none" w="med" len="med"/>
+                    </a:lnR>
+                    <a:lnT w="12700" cap="flat" cmpd="sng" algn="ctr">
+                      <a:solidFill>
+                        <a:srgbClr val="000000"/>
+                      </a:solidFill>
+                      <a:prstDash val="solid"/>
+                      <a:round/>
+                      <a:headEnd type="none" w="med" len="med"/>
+                      <a:tailEnd type="none" w="med" len="med"/>
+                    </a:lnT>
+                    <a:lnB>
+                      <a:noFill/>
+                    </a:lnB>
+                    <a:solidFill>
+                      <a:srgbClr val="808080"/>
+                    </a:solidFill>
+                  </a:tcPr>
+                </a:tc>
+                <a:tc hMerge="1">
+                  <a:txBody>
+                    <a:bodyPr/>
+                    <a:lstStyle/>
+                    <a:p>
+                      <a:endParaRPr lang="hu-HU"/>
+                    </a:p>
+                  </a:txBody>
+                  <a:tcPr/>
+                </a:tc>
+                <a:extLst>
+                  <a:ext uri="{0D108BD9-81ED-4DB2-BD59-A6C34878D82A}">
+                    <a16:rowId xmlns:a16="http://schemas.microsoft.com/office/drawing/2014/main" val="3884069247"/>
+                  </a:ext>
+                </a:extLst>
+              </a:tr>
+              <a:tr h="700749">
+                <a:tc>
+                  <a:txBody>
+                    <a:bodyPr/>
+                    <a:lstStyle/>
+                    <a:p>
+                      <a:pPr algn="ctr" fontAlgn="ctr"/>
+                      <a:r>
+                        <a:rPr lang="hu-HU" sz="2000" b="0" i="0" u="none" strike="noStrike">
+                          <a:solidFill>
+                            <a:srgbClr val="FFFFFF"/>
+                          </a:solidFill>
+                          <a:effectLst/>
+                          <a:latin typeface="Montserrat" panose="00000500000000000000" pitchFamily="2" charset="-18"/>
+                        </a:rPr>
+                        <a:t>DATA</a:t>
+                      </a:r>
+                    </a:p>
+                  </a:txBody>
+                  <a:tcPr marL="6350" marR="6350" marT="6350" marB="0" anchor="ctr">
+                    <a:lnL w="12700" cap="flat" cmpd="sng" algn="ctr">
+                      <a:solidFill>
+                        <a:srgbClr val="000000"/>
+                      </a:solidFill>
+                      <a:prstDash val="solid"/>
+                      <a:round/>
+                      <a:headEnd type="none" w="med" len="med"/>
+                      <a:tailEnd type="none" w="med" len="med"/>
+                    </a:lnL>
+                    <a:lnR>
+                      <a:noFill/>
+                    </a:lnR>
+                    <a:lnT>
+                      <a:noFill/>
+                    </a:lnT>
+                    <a:lnB>
+                      <a:noFill/>
+                    </a:lnB>
+                    <a:solidFill>
+                      <a:srgbClr val="808080"/>
+                    </a:solidFill>
+                  </a:tcPr>
+                </a:tc>
+                <a:tc>
+                  <a:txBody>
+                    <a:bodyPr/>
+                    <a:lstStyle/>
+                    <a:p>
+                      <a:pPr algn="ctr" fontAlgn="ctr"/>
+                      <a:r>
+                        <a:rPr lang="en-US" sz="2000" b="0" i="0" u="none" strike="noStrike" dirty="0">
+                          <a:solidFill>
+                            <a:srgbClr val="FFFFFF"/>
+                          </a:solidFill>
+                          <a:effectLst/>
+                          <a:latin typeface="Montserrat" panose="00000500000000000000" pitchFamily="2" charset="-18"/>
+                        </a:rPr>
+                        <a:t>P(k or more yellow| p=0.1)</a:t>
+                      </a:r>
+                    </a:p>
+                  </a:txBody>
+                  <a:tcPr marL="6350" marR="6350" marT="6350" marB="0" anchor="ctr">
+                    <a:lnL>
+                      <a:noFill/>
+                    </a:lnL>
+                    <a:lnR>
+                      <a:noFill/>
+                    </a:lnR>
+                    <a:lnT>
+                      <a:noFill/>
+                    </a:lnT>
+                    <a:lnB w="25400" cap="flat" cmpd="dbl" algn="ctr">
+                      <a:solidFill>
+                        <a:srgbClr val="000000"/>
+                      </a:solidFill>
+                      <a:prstDash val="solid"/>
+                      <a:round/>
+                      <a:headEnd type="none" w="med" len="med"/>
+                      <a:tailEnd type="none" w="med" len="med"/>
+                    </a:lnB>
+                    <a:solidFill>
+                      <a:srgbClr val="808080"/>
+                    </a:solidFill>
+                  </a:tcPr>
+                </a:tc>
+                <a:tc>
+                  <a:txBody>
+                    <a:bodyPr/>
+                    <a:lstStyle/>
+                    <a:p>
+                      <a:pPr algn="ctr" fontAlgn="ctr"/>
+                      <a:r>
+                        <a:rPr lang="en-US" sz="2000" b="0" i="0" u="none" strike="noStrike">
+                          <a:solidFill>
+                            <a:srgbClr val="FFFFFF"/>
+                          </a:solidFill>
+                          <a:effectLst/>
+                          <a:latin typeface="Montserrat" panose="00000500000000000000" pitchFamily="2" charset="-18"/>
+                        </a:rPr>
+                        <a:t>P(10% yellow | n,k)</a:t>
+                      </a:r>
+                    </a:p>
+                  </a:txBody>
+                  <a:tcPr marL="6350" marR="6350" marT="6350" marB="0" anchor="ctr">
+                    <a:lnL>
+                      <a:noFill/>
+                    </a:lnL>
+                    <a:lnR>
+                      <a:noFill/>
+                    </a:lnR>
+                    <a:lnT>
+                      <a:noFill/>
+                    </a:lnT>
+                    <a:lnB w="25400" cap="flat" cmpd="dbl" algn="ctr">
+                      <a:solidFill>
+                        <a:srgbClr val="000000"/>
+                      </a:solidFill>
+                      <a:prstDash val="solid"/>
+                      <a:round/>
+                      <a:headEnd type="none" w="med" len="med"/>
+                      <a:tailEnd type="none" w="med" len="med"/>
+                    </a:lnB>
+                    <a:solidFill>
+                      <a:srgbClr val="808080"/>
+                    </a:solidFill>
+                  </a:tcPr>
+                </a:tc>
+                <a:tc>
+                  <a:txBody>
+                    <a:bodyPr/>
+                    <a:lstStyle/>
+                    <a:p>
+                      <a:pPr algn="ctr" fontAlgn="ctr"/>
+                      <a:r>
+                        <a:rPr lang="en-US" sz="2000" b="0" i="0" u="none" strike="noStrike" dirty="0">
+                          <a:solidFill>
+                            <a:srgbClr val="FFFFFF"/>
+                          </a:solidFill>
+                          <a:effectLst/>
+                          <a:latin typeface="Montserrat" panose="00000500000000000000" pitchFamily="2" charset="-18"/>
+                        </a:rPr>
+                        <a:t>P(20% yellow | n,k)</a:t>
+                      </a:r>
+                    </a:p>
+                  </a:txBody>
+                  <a:tcPr marL="6350" marR="6350" marT="6350" marB="0" anchor="ctr">
+                    <a:lnL>
+                      <a:noFill/>
+                    </a:lnL>
+                    <a:lnR w="12700" cap="flat" cmpd="sng" algn="ctr">
+                      <a:solidFill>
+                        <a:srgbClr val="000000"/>
+                      </a:solidFill>
+                      <a:prstDash val="solid"/>
+                      <a:round/>
+                      <a:headEnd type="none" w="med" len="med"/>
+                      <a:tailEnd type="none" w="med" len="med"/>
+                    </a:lnR>
+                    <a:lnT>
+                      <a:noFill/>
+                    </a:lnT>
+                    <a:lnB w="25400" cap="flat" cmpd="dbl" algn="ctr">
+                      <a:solidFill>
+                        <a:srgbClr val="000000"/>
+                      </a:solidFill>
+                      <a:prstDash val="solid"/>
+                      <a:round/>
+                      <a:headEnd type="none" w="med" len="med"/>
+                      <a:tailEnd type="none" w="med" len="med"/>
+                    </a:lnB>
+                    <a:solidFill>
+                      <a:srgbClr val="808080"/>
+                    </a:solidFill>
+                  </a:tcPr>
+                </a:tc>
+                <a:extLst>
+                  <a:ext uri="{0D108BD9-81ED-4DB2-BD59-A6C34878D82A}">
+                    <a16:rowId xmlns:a16="http://schemas.microsoft.com/office/drawing/2014/main" val="981683704"/>
+                  </a:ext>
+                </a:extLst>
+              </a:tr>
+              <a:tr h="442852">
+                <a:tc>
+                  <a:txBody>
+                    <a:bodyPr/>
+                    <a:lstStyle/>
+                    <a:p>
+                      <a:pPr algn="ctr" fontAlgn="ctr"/>
+                      <a:r>
+                        <a:rPr lang="hu-HU" sz="2000" b="0" i="0" u="none" strike="noStrike">
+                          <a:solidFill>
+                            <a:srgbClr val="FFFFFF"/>
+                          </a:solidFill>
+                          <a:effectLst/>
+                          <a:latin typeface="Montserrat" panose="00000500000000000000" pitchFamily="2" charset="-18"/>
+                        </a:rPr>
+                        <a:t>n=5, k=1</a:t>
+                      </a:r>
+                    </a:p>
+                  </a:txBody>
+                  <a:tcPr marL="6350" marR="6350" marT="6350" marB="0" anchor="ctr">
+                    <a:lnL w="12700" cap="flat" cmpd="sng" algn="ctr">
+                      <a:solidFill>
+                        <a:srgbClr val="000000"/>
+                      </a:solidFill>
+                      <a:prstDash val="solid"/>
+                      <a:round/>
+                      <a:headEnd type="none" w="med" len="med"/>
+                      <a:tailEnd type="none" w="med" len="med"/>
+                    </a:lnL>
+                    <a:lnR w="6350" cap="flat" cmpd="sng" algn="ctr">
+                      <a:solidFill>
+                        <a:srgbClr val="000000"/>
+                      </a:solidFill>
+                      <a:prstDash val="solid"/>
+                      <a:round/>
+                      <a:headEnd type="none" w="med" len="med"/>
+                      <a:tailEnd type="none" w="med" len="med"/>
+                    </a:lnR>
+                    <a:lnT>
+                      <a:noFill/>
+                    </a:lnT>
+                    <a:lnB>
+                      <a:noFill/>
+                    </a:lnB>
+                    <a:solidFill>
+                      <a:srgbClr val="808080"/>
+                    </a:solidFill>
+                  </a:tcPr>
+                </a:tc>
+                <a:tc>
+                  <a:txBody>
+                    <a:bodyPr/>
+                    <a:lstStyle/>
+                    <a:p>
+                      <a:pPr algn="ctr" fontAlgn="ctr"/>
+                      <a:r>
+                        <a:rPr lang="hu-HU" sz="2000" b="0" i="0" u="none" strike="noStrike">
+                          <a:solidFill>
+                            <a:srgbClr val="000000"/>
+                          </a:solidFill>
+                          <a:effectLst/>
+                          <a:latin typeface="Montserrat" panose="00000500000000000000" pitchFamily="2" charset="-18"/>
+                        </a:rPr>
+                        <a:t>0.41</a:t>
+                      </a:r>
+                    </a:p>
+                  </a:txBody>
+                  <a:tcPr marL="6350" marR="6350" marT="6350" marB="0" anchor="ctr">
+                    <a:lnL w="6350" cap="flat" cmpd="sng" algn="ctr">
+                      <a:solidFill>
+                        <a:srgbClr val="000000"/>
+                      </a:solidFill>
+                      <a:prstDash val="solid"/>
+                      <a:round/>
+                      <a:headEnd type="none" w="med" len="med"/>
+                      <a:tailEnd type="none" w="med" len="med"/>
+                    </a:lnL>
+                    <a:lnR w="6350" cap="flat" cmpd="sng" algn="ctr">
+                      <a:solidFill>
+                        <a:srgbClr val="000000"/>
+                      </a:solidFill>
+                      <a:prstDash val="solid"/>
+                      <a:round/>
+                      <a:headEnd type="none" w="med" len="med"/>
+                      <a:tailEnd type="none" w="med" len="med"/>
+                    </a:lnR>
+                    <a:lnT w="25400" cap="flat" cmpd="dbl" algn="ctr">
+                      <a:solidFill>
+                        <a:srgbClr val="000000"/>
+                      </a:solidFill>
+                      <a:prstDash val="solid"/>
+                      <a:round/>
+                      <a:headEnd type="none" w="med" len="med"/>
+                      <a:tailEnd type="none" w="med" len="med"/>
+                    </a:lnT>
+                    <a:lnB>
+                      <a:noFill/>
+                    </a:lnB>
+                  </a:tcPr>
+                </a:tc>
+                <a:tc>
+                  <a:txBody>
+                    <a:bodyPr/>
+                    <a:lstStyle/>
+                    <a:p>
+                      <a:pPr algn="ctr" fontAlgn="ctr"/>
+                      <a:r>
+                        <a:rPr lang="hu-HU" sz="2000" b="0" i="0" u="none" strike="noStrike">
+                          <a:solidFill>
+                            <a:srgbClr val="000000"/>
+                          </a:solidFill>
+                          <a:effectLst/>
+                          <a:latin typeface="Montserrat" panose="00000500000000000000" pitchFamily="2" charset="-18"/>
+                        </a:rPr>
+                        <a:t>0.45</a:t>
+                      </a:r>
+                    </a:p>
+                  </a:txBody>
+                  <a:tcPr marL="6350" marR="6350" marT="6350" marB="0" anchor="ctr">
+                    <a:lnL w="6350" cap="flat" cmpd="sng" algn="ctr">
+                      <a:solidFill>
+                        <a:srgbClr val="000000"/>
+                      </a:solidFill>
+                      <a:prstDash val="solid"/>
+                      <a:round/>
+                      <a:headEnd type="none" w="med" len="med"/>
+                      <a:tailEnd type="none" w="med" len="med"/>
+                    </a:lnL>
+                    <a:lnR>
+                      <a:noFill/>
+                    </a:lnR>
+                    <a:lnT w="25400" cap="flat" cmpd="dbl" algn="ctr">
+                      <a:solidFill>
+                        <a:srgbClr val="000000"/>
+                      </a:solidFill>
+                      <a:prstDash val="solid"/>
+                      <a:round/>
+                      <a:headEnd type="none" w="med" len="med"/>
+                      <a:tailEnd type="none" w="med" len="med"/>
+                    </a:lnT>
+                    <a:lnB>
+                      <a:noFill/>
+                    </a:lnB>
+                  </a:tcPr>
+                </a:tc>
+                <a:tc>
+                  <a:txBody>
+                    <a:bodyPr/>
+                    <a:lstStyle/>
+                    <a:p>
+                      <a:pPr algn="ctr" fontAlgn="ctr"/>
+                      <a:r>
+                        <a:rPr lang="hu-HU" sz="2000" b="0" i="0" u="none" strike="noStrike">
+                          <a:solidFill>
+                            <a:srgbClr val="000000"/>
+                          </a:solidFill>
+                          <a:effectLst/>
+                          <a:latin typeface="Montserrat" panose="00000500000000000000" pitchFamily="2" charset="-18"/>
+                        </a:rPr>
+                        <a:t>0.55</a:t>
+                      </a:r>
+                    </a:p>
+                  </a:txBody>
+                  <a:tcPr marL="6350" marR="6350" marT="6350" marB="0" anchor="ctr">
+                    <a:lnL>
+                      <a:noFill/>
+                    </a:lnL>
+                    <a:lnR w="12700" cap="flat" cmpd="sng" algn="ctr">
+                      <a:solidFill>
+                        <a:srgbClr val="000000"/>
+                      </a:solidFill>
+                      <a:prstDash val="solid"/>
+                      <a:round/>
+                      <a:headEnd type="none" w="med" len="med"/>
+                      <a:tailEnd type="none" w="med" len="med"/>
+                    </a:lnR>
+                    <a:lnT w="25400" cap="flat" cmpd="dbl" algn="ctr">
+                      <a:solidFill>
+                        <a:srgbClr val="000000"/>
+                      </a:solidFill>
+                      <a:prstDash val="solid"/>
+                      <a:round/>
+                      <a:headEnd type="none" w="med" len="med"/>
+                      <a:tailEnd type="none" w="med" len="med"/>
+                    </a:lnT>
+                    <a:lnB>
+                      <a:noFill/>
+                    </a:lnB>
+                  </a:tcPr>
+                </a:tc>
+                <a:extLst>
+                  <a:ext uri="{0D108BD9-81ED-4DB2-BD59-A6C34878D82A}">
+                    <a16:rowId xmlns:a16="http://schemas.microsoft.com/office/drawing/2014/main" val="3095421103"/>
+                  </a:ext>
+                </a:extLst>
+              </a:tr>
+              <a:tr h="429828">
+                <a:tc>
+                  <a:txBody>
+                    <a:bodyPr/>
+                    <a:lstStyle/>
+                    <a:p>
+                      <a:pPr algn="ctr" fontAlgn="ctr"/>
+                      <a:r>
+                        <a:rPr lang="hu-HU" sz="2000" b="0" i="0" u="none" strike="noStrike">
+                          <a:solidFill>
+                            <a:srgbClr val="FFFFFF"/>
+                          </a:solidFill>
+                          <a:effectLst/>
+                          <a:latin typeface="Montserrat" panose="00000500000000000000" pitchFamily="2" charset="-18"/>
+                        </a:rPr>
+                        <a:t>n=10, k=2</a:t>
+                      </a:r>
+                    </a:p>
+                  </a:txBody>
+                  <a:tcPr marL="6350" marR="6350" marT="6350" marB="0" anchor="ctr">
+                    <a:lnL w="12700" cap="flat" cmpd="sng" algn="ctr">
+                      <a:solidFill>
+                        <a:srgbClr val="000000"/>
+                      </a:solidFill>
+                      <a:prstDash val="solid"/>
+                      <a:round/>
+                      <a:headEnd type="none" w="med" len="med"/>
+                      <a:tailEnd type="none" w="med" len="med"/>
+                    </a:lnL>
+                    <a:lnR w="6350" cap="flat" cmpd="sng" algn="ctr">
+                      <a:solidFill>
+                        <a:srgbClr val="000000"/>
+                      </a:solidFill>
+                      <a:prstDash val="solid"/>
+                      <a:round/>
+                      <a:headEnd type="none" w="med" len="med"/>
+                      <a:tailEnd type="none" w="med" len="med"/>
+                    </a:lnR>
+                    <a:lnT>
+                      <a:noFill/>
+                    </a:lnT>
+                    <a:lnB>
+                      <a:noFill/>
+                    </a:lnB>
+                    <a:solidFill>
+                      <a:srgbClr val="808080"/>
+                    </a:solidFill>
+                  </a:tcPr>
+                </a:tc>
+                <a:tc>
+                  <a:txBody>
+                    <a:bodyPr/>
+                    <a:lstStyle/>
+                    <a:p>
+                      <a:pPr algn="ctr" fontAlgn="ctr"/>
+                      <a:r>
+                        <a:rPr lang="hu-HU" sz="2000" b="0" i="0" u="none" strike="noStrike">
+                          <a:solidFill>
+                            <a:srgbClr val="000000"/>
+                          </a:solidFill>
+                          <a:effectLst/>
+                          <a:latin typeface="Montserrat" panose="00000500000000000000" pitchFamily="2" charset="-18"/>
+                        </a:rPr>
+                        <a:t>0.26</a:t>
+                      </a:r>
+                    </a:p>
+                  </a:txBody>
+                  <a:tcPr marL="6350" marR="6350" marT="6350" marB="0" anchor="ctr">
+                    <a:lnL w="6350" cap="flat" cmpd="sng" algn="ctr">
+                      <a:solidFill>
+                        <a:srgbClr val="000000"/>
+                      </a:solidFill>
+                      <a:prstDash val="solid"/>
+                      <a:round/>
+                      <a:headEnd type="none" w="med" len="med"/>
+                      <a:tailEnd type="none" w="med" len="med"/>
+                    </a:lnL>
+                    <a:lnR w="6350" cap="flat" cmpd="sng" algn="ctr">
+                      <a:solidFill>
+                        <a:srgbClr val="000000"/>
+                      </a:solidFill>
+                      <a:prstDash val="solid"/>
+                      <a:round/>
+                      <a:headEnd type="none" w="med" len="med"/>
+                      <a:tailEnd type="none" w="med" len="med"/>
+                    </a:lnR>
+                    <a:lnT>
+                      <a:noFill/>
+                    </a:lnT>
+                    <a:lnB>
+                      <a:noFill/>
+                    </a:lnB>
+                  </a:tcPr>
+                </a:tc>
+                <a:tc>
+                  <a:txBody>
+                    <a:bodyPr/>
+                    <a:lstStyle/>
+                    <a:p>
+                      <a:pPr algn="ctr" fontAlgn="ctr"/>
+                      <a:r>
+                        <a:rPr lang="hu-HU" sz="2000" b="0" i="0" u="none" strike="noStrike">
+                          <a:solidFill>
+                            <a:srgbClr val="000000"/>
+                          </a:solidFill>
+                          <a:effectLst/>
+                          <a:latin typeface="Montserrat" panose="00000500000000000000" pitchFamily="2" charset="-18"/>
+                        </a:rPr>
+                        <a:t>0.39</a:t>
+                      </a:r>
+                    </a:p>
+                  </a:txBody>
+                  <a:tcPr marL="6350" marR="6350" marT="6350" marB="0" anchor="ctr">
+                    <a:lnL w="6350" cap="flat" cmpd="sng" algn="ctr">
+                      <a:solidFill>
+                        <a:srgbClr val="000000"/>
+                      </a:solidFill>
+                      <a:prstDash val="solid"/>
+                      <a:round/>
+                      <a:headEnd type="none" w="med" len="med"/>
+                      <a:tailEnd type="none" w="med" len="med"/>
+                    </a:lnL>
+                    <a:lnR>
+                      <a:noFill/>
+                    </a:lnR>
+                    <a:lnT>
+                      <a:noFill/>
+                    </a:lnT>
+                    <a:lnB>
+                      <a:noFill/>
+                    </a:lnB>
+                  </a:tcPr>
+                </a:tc>
+                <a:tc>
+                  <a:txBody>
+                    <a:bodyPr/>
+                    <a:lstStyle/>
+                    <a:p>
+                      <a:pPr algn="ctr" fontAlgn="ctr"/>
+                      <a:r>
+                        <a:rPr lang="hu-HU" sz="2000" b="0" i="0" u="none" strike="noStrike">
+                          <a:solidFill>
+                            <a:srgbClr val="000000"/>
+                          </a:solidFill>
+                          <a:effectLst/>
+                          <a:latin typeface="Montserrat" panose="00000500000000000000" pitchFamily="2" charset="-18"/>
+                        </a:rPr>
+                        <a:t>0.61</a:t>
+                      </a:r>
+                    </a:p>
+                  </a:txBody>
+                  <a:tcPr marL="6350" marR="6350" marT="6350" marB="0" anchor="ctr">
+                    <a:lnL>
+                      <a:noFill/>
+                    </a:lnL>
+                    <a:lnR w="12700" cap="flat" cmpd="sng" algn="ctr">
+                      <a:solidFill>
+                        <a:srgbClr val="000000"/>
+                      </a:solidFill>
+                      <a:prstDash val="solid"/>
+                      <a:round/>
+                      <a:headEnd type="none" w="med" len="med"/>
+                      <a:tailEnd type="none" w="med" len="med"/>
+                    </a:lnR>
+                    <a:lnT>
+                      <a:noFill/>
+                    </a:lnT>
+                    <a:lnB>
+                      <a:noFill/>
+                    </a:lnB>
+                  </a:tcPr>
+                </a:tc>
+                <a:extLst>
+                  <a:ext uri="{0D108BD9-81ED-4DB2-BD59-A6C34878D82A}">
+                    <a16:rowId xmlns:a16="http://schemas.microsoft.com/office/drawing/2014/main" val="3004313564"/>
+                  </a:ext>
+                </a:extLst>
+              </a:tr>
+              <a:tr h="429828">
+                <a:tc>
+                  <a:txBody>
+                    <a:bodyPr/>
+                    <a:lstStyle/>
+                    <a:p>
+                      <a:pPr algn="ctr" fontAlgn="ctr"/>
+                      <a:r>
+                        <a:rPr lang="hu-HU" sz="2000" b="0" i="0" u="none" strike="noStrike">
+                          <a:solidFill>
+                            <a:srgbClr val="FFFFFF"/>
+                          </a:solidFill>
+                          <a:effectLst/>
+                          <a:latin typeface="Montserrat" panose="00000500000000000000" pitchFamily="2" charset="-18"/>
+                        </a:rPr>
+                        <a:t>n=15, k=3</a:t>
+                      </a:r>
+                    </a:p>
+                  </a:txBody>
+                  <a:tcPr marL="6350" marR="6350" marT="6350" marB="0" anchor="ctr">
+                    <a:lnL w="12700" cap="flat" cmpd="sng" algn="ctr">
+                      <a:solidFill>
+                        <a:srgbClr val="000000"/>
+                      </a:solidFill>
+                      <a:prstDash val="solid"/>
+                      <a:round/>
+                      <a:headEnd type="none" w="med" len="med"/>
+                      <a:tailEnd type="none" w="med" len="med"/>
+                    </a:lnL>
+                    <a:lnR w="6350" cap="flat" cmpd="sng" algn="ctr">
+                      <a:solidFill>
+                        <a:srgbClr val="000000"/>
+                      </a:solidFill>
+                      <a:prstDash val="solid"/>
+                      <a:round/>
+                      <a:headEnd type="none" w="med" len="med"/>
+                      <a:tailEnd type="none" w="med" len="med"/>
+                    </a:lnR>
+                    <a:lnT>
+                      <a:noFill/>
+                    </a:lnT>
+                    <a:lnB>
+                      <a:noFill/>
+                    </a:lnB>
+                    <a:solidFill>
+                      <a:srgbClr val="808080"/>
+                    </a:solidFill>
+                  </a:tcPr>
+                </a:tc>
+                <a:tc>
+                  <a:txBody>
+                    <a:bodyPr/>
+                    <a:lstStyle/>
+                    <a:p>
+                      <a:pPr algn="ctr" fontAlgn="ctr"/>
+                      <a:r>
+                        <a:rPr lang="hu-HU" sz="2000" b="0" i="0" u="none" strike="noStrike">
+                          <a:solidFill>
+                            <a:srgbClr val="000000"/>
+                          </a:solidFill>
+                          <a:effectLst/>
+                          <a:latin typeface="Montserrat" panose="00000500000000000000" pitchFamily="2" charset="-18"/>
+                        </a:rPr>
+                        <a:t>0.18</a:t>
+                      </a:r>
+                    </a:p>
+                  </a:txBody>
+                  <a:tcPr marL="6350" marR="6350" marT="6350" marB="0" anchor="ctr">
+                    <a:lnL w="6350" cap="flat" cmpd="sng" algn="ctr">
+                      <a:solidFill>
+                        <a:srgbClr val="000000"/>
+                      </a:solidFill>
+                      <a:prstDash val="solid"/>
+                      <a:round/>
+                      <a:headEnd type="none" w="med" len="med"/>
+                      <a:tailEnd type="none" w="med" len="med"/>
+                    </a:lnL>
+                    <a:lnR w="6350" cap="flat" cmpd="sng" algn="ctr">
+                      <a:solidFill>
+                        <a:srgbClr val="000000"/>
+                      </a:solidFill>
+                      <a:prstDash val="solid"/>
+                      <a:round/>
+                      <a:headEnd type="none" w="med" len="med"/>
+                      <a:tailEnd type="none" w="med" len="med"/>
+                    </a:lnR>
+                    <a:lnT>
+                      <a:noFill/>
+                    </a:lnT>
+                    <a:lnB>
+                      <a:noFill/>
+                    </a:lnB>
+                  </a:tcPr>
+                </a:tc>
+                <a:tc>
+                  <a:txBody>
+                    <a:bodyPr/>
+                    <a:lstStyle/>
+                    <a:p>
+                      <a:pPr algn="ctr" fontAlgn="ctr"/>
+                      <a:r>
+                        <a:rPr lang="hu-HU" sz="2000" b="0" i="0" u="none" strike="noStrike">
+                          <a:solidFill>
+                            <a:srgbClr val="000000"/>
+                          </a:solidFill>
+                          <a:effectLst/>
+                          <a:latin typeface="Montserrat" panose="00000500000000000000" pitchFamily="2" charset="-18"/>
+                        </a:rPr>
+                        <a:t>0.34</a:t>
+                      </a:r>
+                    </a:p>
+                  </a:txBody>
+                  <a:tcPr marL="6350" marR="6350" marT="6350" marB="0" anchor="ctr">
+                    <a:lnL w="6350" cap="flat" cmpd="sng" algn="ctr">
+                      <a:solidFill>
+                        <a:srgbClr val="000000"/>
+                      </a:solidFill>
+                      <a:prstDash val="solid"/>
+                      <a:round/>
+                      <a:headEnd type="none" w="med" len="med"/>
+                      <a:tailEnd type="none" w="med" len="med"/>
+                    </a:lnL>
+                    <a:lnR>
+                      <a:noFill/>
+                    </a:lnR>
+                    <a:lnT>
+                      <a:noFill/>
+                    </a:lnT>
+                    <a:lnB>
+                      <a:noFill/>
+                    </a:lnB>
+                  </a:tcPr>
+                </a:tc>
+                <a:tc>
+                  <a:txBody>
+                    <a:bodyPr/>
+                    <a:lstStyle/>
+                    <a:p>
+                      <a:pPr algn="ctr" fontAlgn="ctr"/>
+                      <a:r>
+                        <a:rPr lang="hu-HU" sz="2000" b="0" i="0" u="none" strike="noStrike">
+                          <a:solidFill>
+                            <a:srgbClr val="000000"/>
+                          </a:solidFill>
+                          <a:effectLst/>
+                          <a:latin typeface="Montserrat" panose="00000500000000000000" pitchFamily="2" charset="-18"/>
+                        </a:rPr>
+                        <a:t>0.66</a:t>
+                      </a:r>
+                    </a:p>
+                  </a:txBody>
+                  <a:tcPr marL="6350" marR="6350" marT="6350" marB="0" anchor="ctr">
+                    <a:lnL>
+                      <a:noFill/>
+                    </a:lnL>
+                    <a:lnR w="12700" cap="flat" cmpd="sng" algn="ctr">
+                      <a:solidFill>
+                        <a:srgbClr val="000000"/>
+                      </a:solidFill>
+                      <a:prstDash val="solid"/>
+                      <a:round/>
+                      <a:headEnd type="none" w="med" len="med"/>
+                      <a:tailEnd type="none" w="med" len="med"/>
+                    </a:lnR>
+                    <a:lnT>
+                      <a:noFill/>
+                    </a:lnT>
+                    <a:lnB>
+                      <a:noFill/>
+                    </a:lnB>
+                  </a:tcPr>
+                </a:tc>
+                <a:extLst>
+                  <a:ext uri="{0D108BD9-81ED-4DB2-BD59-A6C34878D82A}">
+                    <a16:rowId xmlns:a16="http://schemas.microsoft.com/office/drawing/2014/main" val="13414660"/>
+                  </a:ext>
+                </a:extLst>
+              </a:tr>
+              <a:tr h="442852">
+                <a:tc>
+                  <a:txBody>
+                    <a:bodyPr/>
+                    <a:lstStyle/>
+                    <a:p>
+                      <a:pPr algn="ctr" fontAlgn="ctr"/>
+                      <a:r>
+                        <a:rPr lang="hu-HU" sz="2000" b="0" i="0" u="none" strike="noStrike">
+                          <a:solidFill>
+                            <a:srgbClr val="FFFFFF"/>
+                          </a:solidFill>
+                          <a:effectLst/>
+                          <a:latin typeface="Montserrat" panose="00000500000000000000" pitchFamily="2" charset="-18"/>
+                        </a:rPr>
+                        <a:t>n=20, k=4</a:t>
+                      </a:r>
+                    </a:p>
+                  </a:txBody>
+                  <a:tcPr marL="6350" marR="6350" marT="6350" marB="0" anchor="ctr">
+                    <a:lnL w="12700" cap="flat" cmpd="sng" algn="ctr">
+                      <a:solidFill>
+                        <a:srgbClr val="000000"/>
+                      </a:solidFill>
+                      <a:prstDash val="solid"/>
+                      <a:round/>
+                      <a:headEnd type="none" w="med" len="med"/>
+                      <a:tailEnd type="none" w="med" len="med"/>
+                    </a:lnL>
+                    <a:lnR w="6350" cap="flat" cmpd="sng" algn="ctr">
+                      <a:solidFill>
+                        <a:srgbClr val="000000"/>
+                      </a:solidFill>
+                      <a:prstDash val="solid"/>
+                      <a:round/>
+                      <a:headEnd type="none" w="med" len="med"/>
+                      <a:tailEnd type="none" w="med" len="med"/>
+                    </a:lnR>
+                    <a:lnT>
+                      <a:noFill/>
+                    </a:lnT>
+                    <a:lnB w="12700" cap="flat" cmpd="sng" algn="ctr">
+                      <a:solidFill>
+                        <a:srgbClr val="000000"/>
+                      </a:solidFill>
+                      <a:prstDash val="solid"/>
+                      <a:round/>
+                      <a:headEnd type="none" w="med" len="med"/>
+                      <a:tailEnd type="none" w="med" len="med"/>
+                    </a:lnB>
+                    <a:solidFill>
+                      <a:srgbClr val="808080"/>
+                    </a:solidFill>
+                  </a:tcPr>
+                </a:tc>
+                <a:tc>
+                  <a:txBody>
+                    <a:bodyPr/>
+                    <a:lstStyle/>
+                    <a:p>
+                      <a:pPr algn="ctr" fontAlgn="ctr"/>
+                      <a:r>
+                        <a:rPr lang="hu-HU" sz="2000" b="0" i="0" u="none" strike="noStrike">
+                          <a:solidFill>
+                            <a:srgbClr val="000000"/>
+                          </a:solidFill>
+                          <a:effectLst/>
+                          <a:latin typeface="Montserrat" panose="00000500000000000000" pitchFamily="2" charset="-18"/>
+                        </a:rPr>
+                        <a:t>0.13</a:t>
+                      </a:r>
+                    </a:p>
+                  </a:txBody>
+                  <a:tcPr marL="6350" marR="6350" marT="6350" marB="0" anchor="ctr">
+                    <a:lnL w="6350" cap="flat" cmpd="sng" algn="ctr">
+                      <a:solidFill>
+                        <a:srgbClr val="000000"/>
+                      </a:solidFill>
+                      <a:prstDash val="solid"/>
+                      <a:round/>
+                      <a:headEnd type="none" w="med" len="med"/>
+                      <a:tailEnd type="none" w="med" len="med"/>
+                    </a:lnL>
+                    <a:lnR w="6350" cap="flat" cmpd="sng" algn="ctr">
+                      <a:solidFill>
+                        <a:srgbClr val="000000"/>
+                      </a:solidFill>
+                      <a:prstDash val="solid"/>
+                      <a:round/>
+                      <a:headEnd type="none" w="med" len="med"/>
+                      <a:tailEnd type="none" w="med" len="med"/>
+                    </a:lnR>
+                    <a:lnT>
+                      <a:noFill/>
+                    </a:lnT>
+                    <a:lnB w="12700" cap="flat" cmpd="sng" algn="ctr">
+                      <a:solidFill>
+                        <a:srgbClr val="000000"/>
+                      </a:solidFill>
+                      <a:prstDash val="solid"/>
+                      <a:round/>
+                      <a:headEnd type="none" w="med" len="med"/>
+                      <a:tailEnd type="none" w="med" len="med"/>
+                    </a:lnB>
+                  </a:tcPr>
+                </a:tc>
+                <a:tc>
+                  <a:txBody>
+                    <a:bodyPr/>
+                    <a:lstStyle/>
+                    <a:p>
+                      <a:pPr algn="ctr" fontAlgn="ctr"/>
+                      <a:r>
+                        <a:rPr lang="hu-HU" sz="2000" b="0" i="0" u="none" strike="noStrike">
+                          <a:solidFill>
+                            <a:srgbClr val="000000"/>
+                          </a:solidFill>
+                          <a:effectLst/>
+                          <a:latin typeface="Montserrat" panose="00000500000000000000" pitchFamily="2" charset="-18"/>
+                        </a:rPr>
+                        <a:t>0.29</a:t>
+                      </a:r>
+                    </a:p>
+                  </a:txBody>
+                  <a:tcPr marL="6350" marR="6350" marT="6350" marB="0" anchor="ctr">
+                    <a:lnL w="6350" cap="flat" cmpd="sng" algn="ctr">
+                      <a:solidFill>
+                        <a:srgbClr val="000000"/>
+                      </a:solidFill>
+                      <a:prstDash val="solid"/>
+                      <a:round/>
+                      <a:headEnd type="none" w="med" len="med"/>
+                      <a:tailEnd type="none" w="med" len="med"/>
+                    </a:lnL>
+                    <a:lnR>
+                      <a:noFill/>
+                    </a:lnR>
+                    <a:lnT>
+                      <a:noFill/>
+                    </a:lnT>
+                    <a:lnB w="12700" cap="flat" cmpd="sng" algn="ctr">
+                      <a:solidFill>
+                        <a:srgbClr val="000000"/>
+                      </a:solidFill>
+                      <a:prstDash val="solid"/>
+                      <a:round/>
+                      <a:headEnd type="none" w="med" len="med"/>
+                      <a:tailEnd type="none" w="med" len="med"/>
+                    </a:lnB>
+                  </a:tcPr>
+                </a:tc>
+                <a:tc>
+                  <a:txBody>
+                    <a:bodyPr/>
+                    <a:lstStyle/>
+                    <a:p>
+                      <a:pPr algn="ctr" fontAlgn="ctr"/>
+                      <a:r>
+                        <a:rPr lang="hu-HU" sz="2000" b="0" i="0" u="none" strike="noStrike" dirty="0">
+                          <a:solidFill>
+                            <a:srgbClr val="000000"/>
+                          </a:solidFill>
+                          <a:effectLst/>
+                          <a:latin typeface="Montserrat" panose="00000500000000000000" pitchFamily="2" charset="-18"/>
+                        </a:rPr>
+                        <a:t>0.71</a:t>
+                      </a:r>
+                    </a:p>
+                  </a:txBody>
+                  <a:tcPr marL="6350" marR="6350" marT="6350" marB="0" anchor="ctr">
+                    <a:lnL>
+                      <a:noFill/>
+                    </a:lnL>
+                    <a:lnR w="12700" cap="flat" cmpd="sng" algn="ctr">
+                      <a:solidFill>
+                        <a:srgbClr val="000000"/>
+                      </a:solidFill>
+                      <a:prstDash val="solid"/>
+                      <a:round/>
+                      <a:headEnd type="none" w="med" len="med"/>
+                      <a:tailEnd type="none" w="med" len="med"/>
+                    </a:lnR>
+                    <a:lnT>
+                      <a:noFill/>
+                    </a:lnT>
+                    <a:lnB w="12700" cap="flat" cmpd="sng" algn="ctr">
+                      <a:solidFill>
+                        <a:srgbClr val="000000"/>
+                      </a:solidFill>
+                      <a:prstDash val="solid"/>
+                      <a:round/>
+                      <a:headEnd type="none" w="med" len="med"/>
+                      <a:tailEnd type="none" w="med" len="med"/>
+                    </a:lnB>
+                  </a:tcPr>
+                </a:tc>
+                <a:extLst>
+                  <a:ext uri="{0D108BD9-81ED-4DB2-BD59-A6C34878D82A}">
+                    <a16:rowId xmlns:a16="http://schemas.microsoft.com/office/drawing/2014/main" val="4103977114"/>
+                  </a:ext>
+                </a:extLst>
+              </a:tr>
+            </a:tbl>
+          </a:graphicData>
+        </a:graphic>
+      </p:graphicFrame>
+      <p:sp>
+        <p:nvSpPr>
+          <p:cNvPr id="4" name="Dátum helye 3">
+            <a:extLst>
+              <a:ext uri="{FF2B5EF4-FFF2-40B4-BE49-F238E27FC236}">
+                <a16:creationId xmlns:a16="http://schemas.microsoft.com/office/drawing/2014/main" id="{2876E00A-C719-4B8A-8D58-218A34AA3724}"/>
+              </a:ext>
+            </a:extLst>
+          </p:cNvPr>
+          <p:cNvSpPr>
+            <a:spLocks noGrp="1"/>
+          </p:cNvSpPr>
+          <p:nvPr>
+            <p:ph type="dt" sz="half" idx="10"/>
+          </p:nvPr>
+        </p:nvSpPr>
+        <p:spPr/>
+        <p:txBody>
+          <a:bodyPr/>
+          <a:lstStyle/>
+          <a:p>
+            <a:fld id="{444B641D-F446-482F-BD8D-2B546EA2C2F1}" type="datetime1">
+              <a:rPr lang="hu-HU" smtClean="0"/>
+              <a:t>2019. 08. 13.</a:t>
+            </a:fld>
+            <a:endParaRPr lang="hu-HU"/>
+          </a:p>
+        </p:txBody>
+      </p:sp>
+      <p:sp>
+        <p:nvSpPr>
+          <p:cNvPr id="5" name="Élőláb helye 4">
+            <a:extLst>
+              <a:ext uri="{FF2B5EF4-FFF2-40B4-BE49-F238E27FC236}">
+                <a16:creationId xmlns:a16="http://schemas.microsoft.com/office/drawing/2014/main" id="{CA8AD3C8-9256-474C-8BD1-70BBC588ABBC}"/>
+              </a:ext>
+            </a:extLst>
+          </p:cNvPr>
+          <p:cNvSpPr>
+            <a:spLocks noGrp="1"/>
+          </p:cNvSpPr>
+          <p:nvPr>
+            <p:ph type="ftr" sz="quarter" idx="11"/>
+          </p:nvPr>
+        </p:nvSpPr>
+        <p:spPr/>
+        <p:txBody>
+          <a:bodyPr/>
+          <a:lstStyle/>
+          <a:p>
+            <a:r>
+              <a:rPr lang="hu-HU"/>
+              <a:t>Mór Kapronczay  -  Starschema Ltd.</a:t>
+            </a:r>
+          </a:p>
+        </p:txBody>
+      </p:sp>
+      <p:sp>
+        <p:nvSpPr>
+          <p:cNvPr id="6" name="Dia számának helye 5">
+            <a:extLst>
+              <a:ext uri="{FF2B5EF4-FFF2-40B4-BE49-F238E27FC236}">
+                <a16:creationId xmlns:a16="http://schemas.microsoft.com/office/drawing/2014/main" id="{9DB9A4A6-A603-4E69-9FCA-053C712A9FEF}"/>
+              </a:ext>
+            </a:extLst>
+          </p:cNvPr>
+          <p:cNvSpPr>
+            <a:spLocks noGrp="1"/>
+          </p:cNvSpPr>
+          <p:nvPr>
+            <p:ph type="sldNum" sz="quarter" idx="12"/>
+          </p:nvPr>
+        </p:nvSpPr>
+        <p:spPr/>
+        <p:txBody>
+          <a:bodyPr/>
+          <a:lstStyle/>
+          <a:p>
+            <a:fld id="{14BC9C27-3A79-4F57-BFB4-AB282D25D2CE}" type="slidenum">
+              <a:rPr lang="hu-HU" smtClean="0"/>
+              <a:t>18</a:t>
+            </a:fld>
+            <a:endParaRPr lang="hu-HU"/>
+          </a:p>
+        </p:txBody>
+      </p:sp>
+      <p:sp>
+        <p:nvSpPr>
+          <p:cNvPr id="9" name="Szövegdoboz 8">
+            <a:extLst>
+              <a:ext uri="{FF2B5EF4-FFF2-40B4-BE49-F238E27FC236}">
+                <a16:creationId xmlns:a16="http://schemas.microsoft.com/office/drawing/2014/main" id="{8B24293D-429B-405F-BE2A-CC275254C01D}"/>
+              </a:ext>
+            </a:extLst>
+          </p:cNvPr>
+          <p:cNvSpPr txBox="1"/>
+          <p:nvPr/>
+        </p:nvSpPr>
+        <p:spPr>
+          <a:xfrm>
+            <a:off x="838200" y="5261010"/>
+            <a:ext cx="10515600" cy="830997"/>
+          </a:xfrm>
+          <a:prstGeom prst="rect">
+            <a:avLst/>
+          </a:prstGeom>
+          <a:noFill/>
+        </p:spPr>
+        <p:txBody>
+          <a:bodyPr wrap="square" rtlCol="0">
+            <a:spAutoFit/>
+          </a:bodyPr>
+          <a:lstStyle/>
+          <a:p>
+            <a:r>
+              <a:rPr lang="hu-HU" sz="2400" dirty="0" err="1">
+                <a:latin typeface="Montserrat" panose="00000500000000000000" pitchFamily="2" charset="-18"/>
+              </a:rPr>
+              <a:t>We</a:t>
+            </a:r>
+            <a:r>
+              <a:rPr lang="hu-HU" sz="2400" dirty="0">
+                <a:latin typeface="Montserrat" panose="00000500000000000000" pitchFamily="2" charset="-18"/>
+              </a:rPr>
+              <a:t> </a:t>
+            </a:r>
+            <a:r>
+              <a:rPr lang="hu-HU" sz="2400" dirty="0" err="1">
+                <a:latin typeface="Montserrat" panose="00000500000000000000" pitchFamily="2" charset="-18"/>
+              </a:rPr>
+              <a:t>are</a:t>
+            </a:r>
+            <a:r>
+              <a:rPr lang="hu-HU" sz="2400" dirty="0">
+                <a:latin typeface="Montserrat" panose="00000500000000000000" pitchFamily="2" charset="-18"/>
+              </a:rPr>
+              <a:t> </a:t>
+            </a:r>
+            <a:r>
+              <a:rPr lang="hu-HU" sz="2400" dirty="0" err="1">
+                <a:latin typeface="Montserrat" panose="00000500000000000000" pitchFamily="2" charset="-18"/>
+              </a:rPr>
+              <a:t>getting</a:t>
+            </a:r>
+            <a:r>
+              <a:rPr lang="hu-HU" sz="2400" dirty="0">
+                <a:latin typeface="Montserrat" panose="00000500000000000000" pitchFamily="2" charset="-18"/>
+              </a:rPr>
+              <a:t> more and more </a:t>
+            </a:r>
+            <a:r>
+              <a:rPr lang="hu-HU" sz="2400" dirty="0" err="1">
+                <a:latin typeface="Montserrat" panose="00000500000000000000" pitchFamily="2" charset="-18"/>
+              </a:rPr>
+              <a:t>sure</a:t>
+            </a:r>
+            <a:r>
+              <a:rPr lang="hu-HU" sz="2400" dirty="0">
+                <a:latin typeface="Montserrat" panose="00000500000000000000" pitchFamily="2" charset="-18"/>
+              </a:rPr>
+              <a:t> </a:t>
+            </a:r>
+            <a:r>
+              <a:rPr lang="hu-HU" sz="2400" dirty="0" err="1">
+                <a:latin typeface="Montserrat" panose="00000500000000000000" pitchFamily="2" charset="-18"/>
+              </a:rPr>
+              <a:t>that</a:t>
+            </a:r>
+            <a:r>
+              <a:rPr lang="hu-HU" sz="2400" dirty="0">
+                <a:latin typeface="Montserrat" panose="00000500000000000000" pitchFamily="2" charset="-18"/>
+              </a:rPr>
+              <a:t> </a:t>
+            </a:r>
+            <a:r>
+              <a:rPr lang="hu-HU" sz="2400" dirty="0" err="1">
+                <a:latin typeface="Montserrat" panose="00000500000000000000" pitchFamily="2" charset="-18"/>
+              </a:rPr>
+              <a:t>the</a:t>
+            </a:r>
+            <a:r>
+              <a:rPr lang="hu-HU" sz="2400" dirty="0">
+                <a:latin typeface="Montserrat" panose="00000500000000000000" pitchFamily="2" charset="-18"/>
+              </a:rPr>
+              <a:t> </a:t>
+            </a:r>
+            <a:r>
+              <a:rPr lang="hu-HU" sz="2400" dirty="0" err="1">
+                <a:latin typeface="Montserrat" panose="00000500000000000000" pitchFamily="2" charset="-18"/>
+              </a:rPr>
+              <a:t>true</a:t>
+            </a:r>
+            <a:r>
+              <a:rPr lang="hu-HU" sz="2400" dirty="0">
+                <a:latin typeface="Montserrat" panose="00000500000000000000" pitchFamily="2" charset="-18"/>
+              </a:rPr>
+              <a:t> </a:t>
+            </a:r>
+            <a:r>
+              <a:rPr lang="hu-HU" sz="2400" dirty="0" err="1">
+                <a:latin typeface="Montserrat" panose="00000500000000000000" pitchFamily="2" charset="-18"/>
+              </a:rPr>
+              <a:t>proportion</a:t>
+            </a:r>
+            <a:r>
+              <a:rPr lang="hu-HU" sz="2400" dirty="0">
+                <a:latin typeface="Montserrat" panose="00000500000000000000" pitchFamily="2" charset="-18"/>
+              </a:rPr>
+              <a:t> is 20%, </a:t>
+            </a:r>
+            <a:r>
+              <a:rPr lang="hu-HU" sz="2400" dirty="0" err="1">
+                <a:latin typeface="Montserrat" panose="00000500000000000000" pitchFamily="2" charset="-18"/>
+              </a:rPr>
+              <a:t>but</a:t>
+            </a:r>
+            <a:r>
+              <a:rPr lang="hu-HU" sz="2400" dirty="0">
+                <a:latin typeface="Montserrat" panose="00000500000000000000" pitchFamily="2" charset="-18"/>
+              </a:rPr>
+              <a:t> </a:t>
+            </a:r>
+            <a:r>
+              <a:rPr lang="hu-HU" sz="2400" dirty="0" err="1">
+                <a:latin typeface="Montserrat" panose="00000500000000000000" pitchFamily="2" charset="-18"/>
+              </a:rPr>
+              <a:t>we</a:t>
+            </a:r>
+            <a:r>
+              <a:rPr lang="hu-HU" sz="2400" dirty="0">
+                <a:latin typeface="Montserrat" panose="00000500000000000000" pitchFamily="2" charset="-18"/>
+              </a:rPr>
+              <a:t> </a:t>
+            </a:r>
+            <a:r>
+              <a:rPr lang="hu-HU" sz="2400" dirty="0" err="1">
+                <a:latin typeface="Montserrat" panose="00000500000000000000" pitchFamily="2" charset="-18"/>
+              </a:rPr>
+              <a:t>cannot</a:t>
+            </a:r>
+            <a:r>
+              <a:rPr lang="hu-HU" sz="2400" dirty="0">
+                <a:latin typeface="Montserrat" panose="00000500000000000000" pitchFamily="2" charset="-18"/>
+              </a:rPr>
+              <a:t> </a:t>
+            </a:r>
+            <a:r>
+              <a:rPr lang="hu-HU" sz="2400" dirty="0" err="1">
+                <a:latin typeface="Montserrat" panose="00000500000000000000" pitchFamily="2" charset="-18"/>
+              </a:rPr>
+              <a:t>reject</a:t>
+            </a:r>
+            <a:r>
+              <a:rPr lang="hu-HU" sz="2400" dirty="0">
+                <a:latin typeface="Montserrat" panose="00000500000000000000" pitchFamily="2" charset="-18"/>
+              </a:rPr>
+              <a:t> </a:t>
+            </a:r>
+            <a:r>
+              <a:rPr lang="hu-HU" sz="2400" dirty="0" err="1">
+                <a:latin typeface="Montserrat" panose="00000500000000000000" pitchFamily="2" charset="-18"/>
+              </a:rPr>
+              <a:t>the</a:t>
+            </a:r>
+            <a:r>
+              <a:rPr lang="hu-HU" sz="2400" dirty="0">
+                <a:latin typeface="Montserrat" panose="00000500000000000000" pitchFamily="2" charset="-18"/>
+              </a:rPr>
+              <a:t> null of 10%...</a:t>
+            </a:r>
+          </a:p>
+        </p:txBody>
+      </p:sp>
+    </p:spTree>
+    <p:extLst>
+      <p:ext uri="{BB962C8B-B14F-4D97-AF65-F5344CB8AC3E}">
+        <p14:creationId xmlns:p14="http://schemas.microsoft.com/office/powerpoint/2010/main" val="673767680"/>
+      </p:ext>
+    </p:extLst>
+  </p:cSld>
+  <p:clrMapOvr>
+    <a:masterClrMapping/>
+  </p:clrMapOvr>
+</p:sld>
+</file>
+
 <file path=ppt/slides/slide2.xml><?xml version="1.0" encoding="utf-8"?>
 <p:sld xmlns:a="http://schemas.openxmlformats.org/drawingml/2006/main" xmlns:r="http://schemas.openxmlformats.org/officeDocument/2006/relationships" xmlns:p="http://schemas.openxmlformats.org/presentationml/2006/main">
   <p:cSld>
@@ -4225,7 +9118,7 @@
           <a:p>
             <a:fld id="{19351AAE-18EE-464E-8256-2689F6168C0F}" type="datetime1">
               <a:rPr lang="hu-HU" smtClean="0"/>
-              <a:t>2019. 08. 09.</a:t>
+              <a:t>2019. 08. 10.</a:t>
             </a:fld>
             <a:endParaRPr lang="hu-HU"/>
           </a:p>
@@ -4594,7 +9487,7 @@
           <a:p>
             <a:fld id="{19351AAE-18EE-464E-8256-2689F6168C0F}" type="datetime1">
               <a:rPr lang="hu-HU" smtClean="0"/>
-              <a:t>2019. 08. 09.</a:t>
+              <a:t>2019. 08. 10.</a:t>
             </a:fld>
             <a:endParaRPr lang="hu-HU"/>
           </a:p>
@@ -4890,7 +9783,7 @@
           <a:p>
             <a:fld id="{19351AAE-18EE-464E-8256-2689F6168C0F}" type="datetime1">
               <a:rPr lang="hu-HU" smtClean="0"/>
-              <a:t>2019. 08. 09.</a:t>
+              <a:t>2019. 08. 10.</a:t>
             </a:fld>
             <a:endParaRPr lang="hu-HU"/>
           </a:p>
@@ -4997,10 +9890,10 @@
       </p:grpSpPr>
       <p:sp>
         <p:nvSpPr>
-          <p:cNvPr id="2" name="Cím 1">
-            <a:extLst>
-              <a:ext uri="{FF2B5EF4-FFF2-40B4-BE49-F238E27FC236}">
-                <a16:creationId xmlns:a16="http://schemas.microsoft.com/office/drawing/2014/main" id="{04FB9D7A-5AF0-410E-A84D-F526D29283DA}"/>
+          <p:cNvPr id="10" name="Cím 9">
+            <a:extLst>
+              <a:ext uri="{FF2B5EF4-FFF2-40B4-BE49-F238E27FC236}">
+                <a16:creationId xmlns:a16="http://schemas.microsoft.com/office/drawing/2014/main" id="{94E67E82-FC2C-447B-965E-01CCC24914BC}"/>
               </a:ext>
             </a:extLst>
           </p:cNvPr>
@@ -5013,52 +9906,47 @@
         </p:nvSpPr>
         <p:spPr/>
         <p:txBody>
-          <a:bodyPr>
-            <a:normAutofit/>
-          </a:bodyPr>
-          <a:lstStyle/>
-          <a:p>
-            <a:r>
-              <a:rPr lang="hu-HU" sz="4000" dirty="0" err="1"/>
-              <a:t>What</a:t>
-            </a:r>
-            <a:r>
-              <a:rPr lang="hu-HU" sz="4000" dirty="0"/>
-              <a:t> is </a:t>
-            </a:r>
-            <a:r>
-              <a:rPr lang="hu-HU" sz="4000" dirty="0" err="1"/>
-              <a:t>statistics</a:t>
-            </a:r>
-            <a:r>
-              <a:rPr lang="hu-HU" sz="4000" dirty="0"/>
-              <a:t> </a:t>
-            </a:r>
-            <a:r>
-              <a:rPr lang="hu-HU" sz="4000" dirty="0" err="1"/>
-              <a:t>at</a:t>
-            </a:r>
-            <a:r>
-              <a:rPr lang="hu-HU" sz="4000" dirty="0"/>
-              <a:t> </a:t>
-            </a:r>
-            <a:r>
-              <a:rPr lang="hu-HU" sz="4000" dirty="0" err="1"/>
-              <a:t>all</a:t>
-            </a:r>
-            <a:r>
-              <a:rPr lang="hu-HU" sz="4000" dirty="0"/>
-              <a:t>???</a:t>
-            </a:r>
-          </a:p>
-        </p:txBody>
-      </p:sp>
-      <p:sp>
-        <p:nvSpPr>
-          <p:cNvPr id="9" name="Szöveg helye 8">
-            <a:extLst>
-              <a:ext uri="{FF2B5EF4-FFF2-40B4-BE49-F238E27FC236}">
-                <a16:creationId xmlns:a16="http://schemas.microsoft.com/office/drawing/2014/main" id="{84E8F155-A6BC-45E5-8DD7-AEC00712B5A4}"/>
+          <a:bodyPr/>
+          <a:lstStyle/>
+          <a:p>
+            <a:r>
+              <a:rPr lang="hu-HU" dirty="0" err="1"/>
+              <a:t>Two</a:t>
+            </a:r>
+            <a:r>
+              <a:rPr lang="hu-HU" dirty="0"/>
+              <a:t> </a:t>
+            </a:r>
+            <a:r>
+              <a:rPr lang="hu-HU" dirty="0" err="1"/>
+              <a:t>different</a:t>
+            </a:r>
+            <a:r>
+              <a:rPr lang="hu-HU" dirty="0"/>
+              <a:t> </a:t>
+            </a:r>
+            <a:r>
+              <a:rPr lang="hu-HU" dirty="0" err="1"/>
+              <a:t>statistical</a:t>
+            </a:r>
+            <a:r>
+              <a:rPr lang="hu-HU" dirty="0"/>
+              <a:t> </a:t>
+            </a:r>
+            <a:r>
+              <a:rPr lang="hu-HU" dirty="0" err="1"/>
+              <a:t>paradigms</a:t>
+            </a:r>
+            <a:endParaRPr lang="hu-HU" dirty="0"/>
+          </a:p>
+        </p:txBody>
+      </p:sp>
+      <p:sp>
+        <p:nvSpPr>
+          <p:cNvPr id="11" name="Szöveg helye 10">
+            <a:extLst>
+              <a:ext uri="{FF2B5EF4-FFF2-40B4-BE49-F238E27FC236}">
+                <a16:creationId xmlns:a16="http://schemas.microsoft.com/office/drawing/2014/main" id="{852C64AB-3026-48EF-8C14-2C2D4A63A4C2}"/>
               </a:ext>
             </a:extLst>
           </p:cNvPr>
@@ -5071,25 +9959,19 @@
         </p:nvSpPr>
         <p:spPr/>
         <p:txBody>
-          <a:bodyPr anchor="t">
-            <a:normAutofit/>
-          </a:bodyPr>
-          <a:lstStyle/>
-          <a:p>
-            <a:pPr algn="ctr"/>
-            <a:r>
-              <a:rPr lang="hu-HU" sz="3200" dirty="0"/>
-              <a:t>A)</a:t>
-            </a:r>
-          </a:p>
-        </p:txBody>
-      </p:sp>
-      <p:sp>
-        <p:nvSpPr>
-          <p:cNvPr id="7" name="Tartalom helye 6">
-            <a:extLst>
-              <a:ext uri="{FF2B5EF4-FFF2-40B4-BE49-F238E27FC236}">
-                <a16:creationId xmlns:a16="http://schemas.microsoft.com/office/drawing/2014/main" id="{32C691B5-D48B-4690-BBB2-D5247777F23C}"/>
+          <a:bodyPr/>
+          <a:lstStyle/>
+          <a:p>
+            <a:endParaRPr lang="hu-HU" dirty="0"/>
+          </a:p>
+        </p:txBody>
+      </p:sp>
+      <p:sp>
+        <p:nvSpPr>
+          <p:cNvPr id="12" name="Tartalom helye 11">
+            <a:extLst>
+              <a:ext uri="{FF2B5EF4-FFF2-40B4-BE49-F238E27FC236}">
+                <a16:creationId xmlns:a16="http://schemas.microsoft.com/office/drawing/2014/main" id="{00CAEDB0-5AAF-4785-AD07-D519E3D82068}"/>
               </a:ext>
             </a:extLst>
           </p:cNvPr>
@@ -5102,108 +9984,44 @@
         </p:nvSpPr>
         <p:spPr/>
         <p:txBody>
-          <a:bodyPr>
-            <a:normAutofit/>
-          </a:bodyPr>
-          <a:lstStyle/>
-          <a:p>
-            <a:r>
-              <a:rPr lang="hu-HU" dirty="0"/>
-              <a:t>Calculating a </a:t>
-            </a:r>
-            <a:r>
-              <a:rPr lang="hu-HU" dirty="0" err="1"/>
-              <a:t>bunch</a:t>
-            </a:r>
-            <a:r>
-              <a:rPr lang="hu-HU" dirty="0"/>
-              <a:t> of </a:t>
-            </a:r>
-            <a:r>
-              <a:rPr lang="hu-HU" dirty="0" err="1"/>
-              <a:t>arbitrary</a:t>
-            </a:r>
-            <a:r>
-              <a:rPr lang="hu-HU" dirty="0"/>
-              <a:t> </a:t>
-            </a:r>
-            <a:r>
-              <a:rPr lang="hu-HU" dirty="0" err="1"/>
-              <a:t>numbers</a:t>
-            </a:r>
-            <a:r>
-              <a:rPr lang="hu-HU" dirty="0"/>
-              <a:t> </a:t>
-            </a:r>
-            <a:r>
-              <a:rPr lang="hu-HU" dirty="0" err="1"/>
-              <a:t>my</a:t>
-            </a:r>
-            <a:r>
-              <a:rPr lang="hu-HU" dirty="0"/>
-              <a:t> </a:t>
-            </a:r>
-            <a:r>
-              <a:rPr lang="hu-HU" dirty="0" err="1"/>
-              <a:t>instructor</a:t>
-            </a:r>
-            <a:r>
-              <a:rPr lang="hu-HU" dirty="0"/>
-              <a:t> </a:t>
-            </a:r>
-            <a:r>
-              <a:rPr lang="hu-HU" dirty="0" err="1"/>
-              <a:t>says</a:t>
-            </a:r>
-            <a:r>
-              <a:rPr lang="hu-HU" dirty="0"/>
-              <a:t> is </a:t>
-            </a:r>
-            <a:r>
-              <a:rPr lang="hu-HU" dirty="0" err="1"/>
-              <a:t>important</a:t>
-            </a:r>
+          <a:bodyPr/>
+          <a:lstStyle/>
+          <a:p>
+            <a:endParaRPr lang="hu-HU"/>
+          </a:p>
+        </p:txBody>
+      </p:sp>
+      <p:sp>
+        <p:nvSpPr>
+          <p:cNvPr id="13" name="Szöveg helye 12">
+            <a:extLst>
+              <a:ext uri="{FF2B5EF4-FFF2-40B4-BE49-F238E27FC236}">
+                <a16:creationId xmlns:a16="http://schemas.microsoft.com/office/drawing/2014/main" id="{ED68DDEA-0F28-45DE-B1CB-22EA49D4C8D2}"/>
+              </a:ext>
+            </a:extLst>
+          </p:cNvPr>
+          <p:cNvSpPr>
+            <a:spLocks noGrp="1"/>
+          </p:cNvSpPr>
+          <p:nvPr>
+            <p:ph type="body" sz="quarter" idx="3"/>
+          </p:nvPr>
+        </p:nvSpPr>
+        <p:spPr/>
+        <p:txBody>
+          <a:bodyPr/>
+          <a:lstStyle/>
+          <a:p>
             <a:endParaRPr lang="hu-HU" dirty="0"/>
           </a:p>
         </p:txBody>
       </p:sp>
       <p:sp>
         <p:nvSpPr>
-          <p:cNvPr id="10" name="Szöveg helye 9">
-            <a:extLst>
-              <a:ext uri="{FF2B5EF4-FFF2-40B4-BE49-F238E27FC236}">
-                <a16:creationId xmlns:a16="http://schemas.microsoft.com/office/drawing/2014/main" id="{17049B9F-187A-4630-9DD0-981306C6CA4E}"/>
-              </a:ext>
-            </a:extLst>
-          </p:cNvPr>
-          <p:cNvSpPr>
-            <a:spLocks noGrp="1"/>
-          </p:cNvSpPr>
-          <p:nvPr>
-            <p:ph type="body" sz="quarter" idx="3"/>
-          </p:nvPr>
-        </p:nvSpPr>
-        <p:spPr/>
-        <p:txBody>
-          <a:bodyPr anchor="t">
-            <a:normAutofit/>
-          </a:bodyPr>
-          <a:lstStyle/>
-          <a:p>
-            <a:pPr algn="ctr"/>
-            <a:r>
-              <a:rPr lang="hu-HU" sz="3200" dirty="0"/>
-              <a:t>B)</a:t>
-            </a:r>
-          </a:p>
-        </p:txBody>
-      </p:sp>
-      <p:sp>
-        <p:nvSpPr>
-          <p:cNvPr id="11" name="Tartalom helye 10">
-            <a:extLst>
-              <a:ext uri="{FF2B5EF4-FFF2-40B4-BE49-F238E27FC236}">
-                <a16:creationId xmlns:a16="http://schemas.microsoft.com/office/drawing/2014/main" id="{76277FF6-D0E0-492C-AEE3-ED4B41FF9E2C}"/>
+          <p:cNvPr id="15" name="Tartalom helye 14">
+            <a:extLst>
+              <a:ext uri="{FF2B5EF4-FFF2-40B4-BE49-F238E27FC236}">
+                <a16:creationId xmlns:a16="http://schemas.microsoft.com/office/drawing/2014/main" id="{BFEDCE69-90DC-43BC-8FBA-1693AE03767B}"/>
               </a:ext>
             </a:extLst>
           </p:cNvPr>
@@ -5219,15 +10037,7 @@
           <a:bodyPr/>
           <a:lstStyle/>
           <a:p>
-            <a:r>
-              <a:rPr lang="hu-HU" dirty="0"/>
-              <a:t>T</a:t>
-            </a:r>
-            <a:r>
-              <a:rPr lang="en-US" dirty="0"/>
-              <a:t>he art and science of drawing relevant conclusions for a population based on a random sample of it</a:t>
-            </a:r>
-            <a:endParaRPr lang="hu-HU" dirty="0"/>
+            <a:endParaRPr lang="hu-HU"/>
           </a:p>
         </p:txBody>
       </p:sp>
@@ -5236,7 +10046,7 @@
           <p:cNvPr id="4" name="Dátum helye 3">
             <a:extLst>
               <a:ext uri="{FF2B5EF4-FFF2-40B4-BE49-F238E27FC236}">
-                <a16:creationId xmlns:a16="http://schemas.microsoft.com/office/drawing/2014/main" id="{3AE80BDF-833D-45AA-8B22-B78A225449C9}"/>
+                <a16:creationId xmlns:a16="http://schemas.microsoft.com/office/drawing/2014/main" id="{B064DCB0-D993-426B-B2EB-C433D95D732A}"/>
               </a:ext>
             </a:extLst>
           </p:cNvPr>
@@ -5252,9 +10062,9 @@
           <a:bodyPr/>
           <a:lstStyle/>
           <a:p>
-            <a:fld id="{19351AAE-18EE-464E-8256-2689F6168C0F}" type="datetime1">
+            <a:fld id="{444B641D-F446-482F-BD8D-2B546EA2C2F1}" type="datetime1">
               <a:rPr lang="hu-HU" smtClean="0"/>
-              <a:t>2019. 08. 09.</a:t>
+              <a:t>2019. 08. 10.</a:t>
             </a:fld>
             <a:endParaRPr lang="hu-HU"/>
           </a:p>
@@ -5265,7 +10075,7 @@
           <p:cNvPr id="5" name="Élőláb helye 4">
             <a:extLst>
               <a:ext uri="{FF2B5EF4-FFF2-40B4-BE49-F238E27FC236}">
-                <a16:creationId xmlns:a16="http://schemas.microsoft.com/office/drawing/2014/main" id="{1990AF60-07BD-49FD-8060-14266BF1BA82}"/>
+                <a16:creationId xmlns:a16="http://schemas.microsoft.com/office/drawing/2014/main" id="{DCD33600-332D-48BE-99BD-04E2755B3108}"/>
               </a:ext>
             </a:extLst>
           </p:cNvPr>
@@ -5293,7 +10103,7 @@
           <p:cNvPr id="6" name="Dia számának helye 5">
             <a:extLst>
               <a:ext uri="{FF2B5EF4-FFF2-40B4-BE49-F238E27FC236}">
-                <a16:creationId xmlns:a16="http://schemas.microsoft.com/office/drawing/2014/main" id="{8FA46F80-4F64-46D7-9FBF-C947037E737E}"/>
+                <a16:creationId xmlns:a16="http://schemas.microsoft.com/office/drawing/2014/main" id="{E5F9991C-2959-4149-A0D5-6A8F468A263C}"/>
               </a:ext>
             </a:extLst>
           </p:cNvPr>
@@ -5309,30 +10119,18 @@
           <a:bodyPr/>
           <a:lstStyle/>
           <a:p>
-            <a:pPr marL="0" indent="0">
-              <a:buNone/>
-            </a:pPr>
-            <a:endParaRPr lang="hu-HU" dirty="0"/>
-          </a:p>
-          <a:p>
-            <a:pPr marL="0" indent="0">
-              <a:buNone/>
-            </a:pPr>
             <a:fld id="{14BC9C27-3A79-4F57-BFB4-AB282D25D2CE}" type="slidenum">
               <a:rPr lang="hu-HU" smtClean="0"/>
-              <a:pPr marL="0" indent="0">
-                <a:buNone/>
-              </a:pPr>
               <a:t>5</a:t>
             </a:fld>
-            <a:endParaRPr lang="hu-HU" dirty="0"/>
+            <a:endParaRPr lang="hu-HU"/>
           </a:p>
         </p:txBody>
       </p:sp>
     </p:spTree>
     <p:extLst>
       <p:ext uri="{BB962C8B-B14F-4D97-AF65-F5344CB8AC3E}">
-        <p14:creationId xmlns:p14="http://schemas.microsoft.com/office/powerpoint/2010/main" val="1501530057"/>
+        <p14:creationId xmlns:p14="http://schemas.microsoft.com/office/powerpoint/2010/main" val="4164548125"/>
       </p:ext>
     </p:extLst>
   </p:cSld>
@@ -5361,10 +10159,10 @@
       </p:grpSpPr>
       <p:sp>
         <p:nvSpPr>
-          <p:cNvPr id="2" name="Cím 1">
-            <a:extLst>
-              <a:ext uri="{FF2B5EF4-FFF2-40B4-BE49-F238E27FC236}">
-                <a16:creationId xmlns:a16="http://schemas.microsoft.com/office/drawing/2014/main" id="{04FB9D7A-5AF0-410E-A84D-F526D29283DA}"/>
+          <p:cNvPr id="10" name="Cím 9">
+            <a:extLst>
+              <a:ext uri="{FF2B5EF4-FFF2-40B4-BE49-F238E27FC236}">
+                <a16:creationId xmlns:a16="http://schemas.microsoft.com/office/drawing/2014/main" id="{94E67E82-FC2C-447B-965E-01CCC24914BC}"/>
               </a:ext>
             </a:extLst>
           </p:cNvPr>
@@ -5377,68 +10175,96 @@
         </p:nvSpPr>
         <p:spPr/>
         <p:txBody>
-          <a:bodyPr>
-            <a:normAutofit fontScale="90000"/>
-          </a:bodyPr>
-          <a:lstStyle/>
-          <a:p>
-            <a:r>
-              <a:rPr lang="hu-HU" dirty="0" err="1"/>
-              <a:t>What</a:t>
-            </a:r>
-            <a:r>
-              <a:rPr lang="hu-HU" dirty="0"/>
-              <a:t> is </a:t>
-            </a:r>
-            <a:r>
-              <a:rPr lang="hu-HU" dirty="0" err="1"/>
-              <a:t>statistics</a:t>
-            </a:r>
-            <a:r>
-              <a:rPr lang="hu-HU" dirty="0"/>
-              <a:t> </a:t>
-            </a:r>
-            <a:r>
-              <a:rPr lang="hu-HU" dirty="0" err="1"/>
-              <a:t>at</a:t>
-            </a:r>
-            <a:r>
-              <a:rPr lang="hu-HU" dirty="0"/>
-              <a:t> </a:t>
-            </a:r>
-            <a:r>
-              <a:rPr lang="hu-HU" dirty="0" err="1"/>
-              <a:t>all</a:t>
-            </a:r>
-            <a:r>
-              <a:rPr lang="hu-HU" dirty="0"/>
-              <a:t>???</a:t>
-            </a:r>
-          </a:p>
-        </p:txBody>
-      </p:sp>
-      <p:sp>
-        <p:nvSpPr>
-          <p:cNvPr id="3" name="Tartalom helye 2">
-            <a:extLst>
-              <a:ext uri="{FF2B5EF4-FFF2-40B4-BE49-F238E27FC236}">
-                <a16:creationId xmlns:a16="http://schemas.microsoft.com/office/drawing/2014/main" id="{709C12A9-9DBD-40BA-A681-438430B223B0}"/>
-              </a:ext>
-            </a:extLst>
-          </p:cNvPr>
-          <p:cNvSpPr>
-            <a:spLocks noGrp="1"/>
-          </p:cNvSpPr>
-          <p:nvPr>
-            <p:ph idx="1"/>
-          </p:nvPr>
-        </p:nvSpPr>
-        <p:spPr/>
-        <p:txBody>
           <a:bodyPr/>
           <a:lstStyle/>
           <a:p>
-            <a:endParaRPr lang="hu-HU"/>
+            <a:r>
+              <a:rPr lang="hu-HU" dirty="0" err="1"/>
+              <a:t>Two</a:t>
+            </a:r>
+            <a:r>
+              <a:rPr lang="hu-HU" dirty="0"/>
+              <a:t> </a:t>
+            </a:r>
+            <a:r>
+              <a:rPr lang="hu-HU" dirty="0" err="1"/>
+              <a:t>different</a:t>
+            </a:r>
+            <a:r>
+              <a:rPr lang="hu-HU" dirty="0"/>
+              <a:t> </a:t>
+            </a:r>
+            <a:r>
+              <a:rPr lang="hu-HU" dirty="0" err="1"/>
+              <a:t>statistical</a:t>
+            </a:r>
+            <a:r>
+              <a:rPr lang="hu-HU" dirty="0"/>
+              <a:t> </a:t>
+            </a:r>
+            <a:r>
+              <a:rPr lang="hu-HU" dirty="0" err="1"/>
+              <a:t>paradigms</a:t>
+            </a:r>
+            <a:endParaRPr lang="hu-HU" dirty="0"/>
+          </a:p>
+        </p:txBody>
+      </p:sp>
+      <p:sp>
+        <p:nvSpPr>
+          <p:cNvPr id="11" name="Szöveg helye 10">
+            <a:extLst>
+              <a:ext uri="{FF2B5EF4-FFF2-40B4-BE49-F238E27FC236}">
+                <a16:creationId xmlns:a16="http://schemas.microsoft.com/office/drawing/2014/main" id="{852C64AB-3026-48EF-8C14-2C2D4A63A4C2}"/>
+              </a:ext>
+            </a:extLst>
+          </p:cNvPr>
+          <p:cNvSpPr>
+            <a:spLocks noGrp="1"/>
+          </p:cNvSpPr>
+          <p:nvPr>
+            <p:ph type="body" idx="1"/>
+          </p:nvPr>
+        </p:nvSpPr>
+        <p:spPr/>
+        <p:txBody>
+          <a:bodyPr/>
+          <a:lstStyle/>
+          <a:p>
+            <a:r>
+              <a:rPr lang="hu-HU" dirty="0" err="1"/>
+              <a:t>Frequentist</a:t>
+            </a:r>
+            <a:endParaRPr lang="hu-HU" dirty="0"/>
+          </a:p>
+        </p:txBody>
+      </p:sp>
+      <p:sp>
+        <p:nvSpPr>
+          <p:cNvPr id="13" name="Szöveg helye 12">
+            <a:extLst>
+              <a:ext uri="{FF2B5EF4-FFF2-40B4-BE49-F238E27FC236}">
+                <a16:creationId xmlns:a16="http://schemas.microsoft.com/office/drawing/2014/main" id="{ED68DDEA-0F28-45DE-B1CB-22EA49D4C8D2}"/>
+              </a:ext>
+            </a:extLst>
+          </p:cNvPr>
+          <p:cNvSpPr>
+            <a:spLocks noGrp="1"/>
+          </p:cNvSpPr>
+          <p:nvPr>
+            <p:ph type="body" sz="quarter" idx="3"/>
+          </p:nvPr>
+        </p:nvSpPr>
+        <p:spPr/>
+        <p:txBody>
+          <a:bodyPr/>
+          <a:lstStyle/>
+          <a:p>
+            <a:r>
+              <a:rPr lang="hu-HU" dirty="0" err="1"/>
+              <a:t>Bayesian</a:t>
+            </a:r>
+            <a:endParaRPr lang="hu-HU" dirty="0"/>
           </a:p>
         </p:txBody>
       </p:sp>
@@ -5447,7 +10273,7 @@
           <p:cNvPr id="4" name="Dátum helye 3">
             <a:extLst>
               <a:ext uri="{FF2B5EF4-FFF2-40B4-BE49-F238E27FC236}">
-                <a16:creationId xmlns:a16="http://schemas.microsoft.com/office/drawing/2014/main" id="{3AE80BDF-833D-45AA-8B22-B78A225449C9}"/>
+                <a16:creationId xmlns:a16="http://schemas.microsoft.com/office/drawing/2014/main" id="{B064DCB0-D993-426B-B2EB-C433D95D732A}"/>
               </a:ext>
             </a:extLst>
           </p:cNvPr>
@@ -5463,9 +10289,9 @@
           <a:bodyPr/>
           <a:lstStyle/>
           <a:p>
-            <a:fld id="{19351AAE-18EE-464E-8256-2689F6168C0F}" type="datetime1">
+            <a:fld id="{444B641D-F446-482F-BD8D-2B546EA2C2F1}" type="datetime1">
               <a:rPr lang="hu-HU" smtClean="0"/>
-              <a:t>2019. 08. 09.</a:t>
+              <a:t>2019. 08. 10.</a:t>
             </a:fld>
             <a:endParaRPr lang="hu-HU"/>
           </a:p>
@@ -5476,7 +10302,7 @@
           <p:cNvPr id="5" name="Élőláb helye 4">
             <a:extLst>
               <a:ext uri="{FF2B5EF4-FFF2-40B4-BE49-F238E27FC236}">
-                <a16:creationId xmlns:a16="http://schemas.microsoft.com/office/drawing/2014/main" id="{1990AF60-07BD-49FD-8060-14266BF1BA82}"/>
+                <a16:creationId xmlns:a16="http://schemas.microsoft.com/office/drawing/2014/main" id="{DCD33600-332D-48BE-99BD-04E2755B3108}"/>
               </a:ext>
             </a:extLst>
           </p:cNvPr>
@@ -5504,7 +10330,7 @@
           <p:cNvPr id="6" name="Dia számának helye 5">
             <a:extLst>
               <a:ext uri="{FF2B5EF4-FFF2-40B4-BE49-F238E27FC236}">
-                <a16:creationId xmlns:a16="http://schemas.microsoft.com/office/drawing/2014/main" id="{8FA46F80-4F64-46D7-9FBF-C947037E737E}"/>
+                <a16:creationId xmlns:a16="http://schemas.microsoft.com/office/drawing/2014/main" id="{E5F9991C-2959-4149-A0D5-6A8F468A263C}"/>
               </a:ext>
             </a:extLst>
           </p:cNvPr>
@@ -5520,30 +10346,281 @@
           <a:bodyPr/>
           <a:lstStyle/>
           <a:p>
-            <a:pPr marL="0" indent="0">
-              <a:buNone/>
-            </a:pPr>
-            <a:endParaRPr lang="hu-HU" dirty="0"/>
-          </a:p>
-          <a:p>
-            <a:pPr marL="0" indent="0">
-              <a:buNone/>
-            </a:pPr>
             <a:fld id="{14BC9C27-3A79-4F57-BFB4-AB282D25D2CE}" type="slidenum">
               <a:rPr lang="hu-HU" smtClean="0"/>
-              <a:pPr marL="0" indent="0">
-                <a:buNone/>
-              </a:pPr>
               <a:t>6</a:t>
             </a:fld>
-            <a:endParaRPr lang="hu-HU" dirty="0"/>
+            <a:endParaRPr lang="hu-HU"/>
+          </a:p>
+        </p:txBody>
+      </p:sp>
+      <p:sp>
+        <p:nvSpPr>
+          <p:cNvPr id="2" name="Szövegdoboz 1">
+            <a:extLst>
+              <a:ext uri="{FF2B5EF4-FFF2-40B4-BE49-F238E27FC236}">
+                <a16:creationId xmlns:a16="http://schemas.microsoft.com/office/drawing/2014/main" id="{A7F6EDF2-1929-4E8A-9895-5592EB1D3F3D}"/>
+              </a:ext>
+            </a:extLst>
+          </p:cNvPr>
+          <p:cNvSpPr txBox="1"/>
+          <p:nvPr/>
+        </p:nvSpPr>
+        <p:spPr>
+          <a:xfrm>
+            <a:off x="1430594" y="2838450"/>
+            <a:ext cx="9232490" cy="1384995"/>
+          </a:xfrm>
+          <a:prstGeom prst="rect">
+            <a:avLst/>
+          </a:prstGeom>
+          <a:noFill/>
+        </p:spPr>
+        <p:txBody>
+          <a:bodyPr wrap="square" rtlCol="0">
+            <a:spAutoFit/>
+          </a:bodyPr>
+          <a:lstStyle/>
+          <a:p>
+            <a:pPr algn="ctr"/>
+            <a:r>
+              <a:rPr lang="hu-HU" sz="2800" dirty="0" err="1">
+                <a:latin typeface="Montserrat" panose="00000500000000000000" pitchFamily="2" charset="-18"/>
+              </a:rPr>
+              <a:t>You</a:t>
+            </a:r>
+            <a:r>
+              <a:rPr lang="hu-HU" sz="2800" dirty="0">
+                <a:latin typeface="Montserrat" panose="00000500000000000000" pitchFamily="2" charset="-18"/>
+              </a:rPr>
+              <a:t> </a:t>
+            </a:r>
+            <a:r>
+              <a:rPr lang="hu-HU" sz="2800" dirty="0" err="1">
+                <a:latin typeface="Montserrat" panose="00000500000000000000" pitchFamily="2" charset="-18"/>
+              </a:rPr>
+              <a:t>lost</a:t>
+            </a:r>
+            <a:r>
+              <a:rPr lang="hu-HU" sz="2800" dirty="0">
+                <a:latin typeface="Montserrat" panose="00000500000000000000" pitchFamily="2" charset="-18"/>
+              </a:rPr>
+              <a:t> </a:t>
+            </a:r>
+            <a:r>
+              <a:rPr lang="hu-HU" sz="2800" dirty="0" err="1">
+                <a:latin typeface="Montserrat" panose="00000500000000000000" pitchFamily="2" charset="-18"/>
+              </a:rPr>
+              <a:t>your</a:t>
+            </a:r>
+            <a:r>
+              <a:rPr lang="hu-HU" sz="2800" dirty="0">
+                <a:latin typeface="Montserrat" panose="00000500000000000000" pitchFamily="2" charset="-18"/>
+              </a:rPr>
+              <a:t> </a:t>
+            </a:r>
+            <a:r>
+              <a:rPr lang="hu-HU" sz="2800" dirty="0" err="1">
+                <a:latin typeface="Montserrat" panose="00000500000000000000" pitchFamily="2" charset="-18"/>
+              </a:rPr>
+              <a:t>phone</a:t>
+            </a:r>
+            <a:r>
+              <a:rPr lang="hu-HU" sz="2800" dirty="0">
+                <a:latin typeface="Montserrat" panose="00000500000000000000" pitchFamily="2" charset="-18"/>
+              </a:rPr>
+              <a:t> in </a:t>
+            </a:r>
+            <a:r>
+              <a:rPr lang="hu-HU" sz="2800" dirty="0" err="1">
+                <a:latin typeface="Montserrat" panose="00000500000000000000" pitchFamily="2" charset="-18"/>
+              </a:rPr>
+              <a:t>your</a:t>
+            </a:r>
+            <a:r>
+              <a:rPr lang="hu-HU" sz="2800" dirty="0">
+                <a:latin typeface="Montserrat" panose="00000500000000000000" pitchFamily="2" charset="-18"/>
+              </a:rPr>
+              <a:t> </a:t>
+            </a:r>
+            <a:r>
+              <a:rPr lang="hu-HU" sz="2800" dirty="0" err="1">
+                <a:latin typeface="Montserrat" panose="00000500000000000000" pitchFamily="2" charset="-18"/>
+              </a:rPr>
+              <a:t>flat</a:t>
+            </a:r>
+            <a:endParaRPr lang="hu-HU" sz="2800" dirty="0">
+              <a:latin typeface="Montserrat" panose="00000500000000000000" pitchFamily="2" charset="-18"/>
+            </a:endParaRPr>
+          </a:p>
+          <a:p>
+            <a:pPr algn="ctr"/>
+            <a:r>
+              <a:rPr lang="hu-HU" sz="2800" dirty="0" err="1">
+                <a:latin typeface="Montserrat" panose="00000500000000000000" pitchFamily="2" charset="-18"/>
+              </a:rPr>
+              <a:t>You</a:t>
+            </a:r>
+            <a:r>
+              <a:rPr lang="hu-HU" sz="2800" dirty="0">
+                <a:latin typeface="Montserrat" panose="00000500000000000000" pitchFamily="2" charset="-18"/>
+              </a:rPr>
+              <a:t> </a:t>
+            </a:r>
+            <a:r>
+              <a:rPr lang="hu-HU" sz="2800" dirty="0" err="1">
+                <a:latin typeface="Montserrat" panose="00000500000000000000" pitchFamily="2" charset="-18"/>
+              </a:rPr>
+              <a:t>have</a:t>
+            </a:r>
+            <a:r>
+              <a:rPr lang="hu-HU" sz="2800" dirty="0">
+                <a:latin typeface="Montserrat" panose="00000500000000000000" pitchFamily="2" charset="-18"/>
+              </a:rPr>
+              <a:t> </a:t>
+            </a:r>
+            <a:r>
+              <a:rPr lang="hu-HU" sz="2800" dirty="0" err="1">
+                <a:latin typeface="Montserrat" panose="00000500000000000000" pitchFamily="2" charset="-18"/>
+              </a:rPr>
+              <a:t>someone</a:t>
+            </a:r>
+            <a:r>
+              <a:rPr lang="hu-HU" sz="2800" dirty="0">
+                <a:latin typeface="Montserrat" panose="00000500000000000000" pitchFamily="2" charset="-18"/>
+              </a:rPr>
+              <a:t> </a:t>
+            </a:r>
+            <a:r>
+              <a:rPr lang="hu-HU" sz="2800" dirty="0" err="1">
+                <a:latin typeface="Montserrat" panose="00000500000000000000" pitchFamily="2" charset="-18"/>
+              </a:rPr>
+              <a:t>call</a:t>
+            </a:r>
+            <a:r>
+              <a:rPr lang="hu-HU" sz="2800" dirty="0">
+                <a:latin typeface="Montserrat" panose="00000500000000000000" pitchFamily="2" charset="-18"/>
+              </a:rPr>
+              <a:t> </a:t>
+            </a:r>
+            <a:r>
+              <a:rPr lang="hu-HU" sz="2800" dirty="0" err="1">
+                <a:latin typeface="Montserrat" panose="00000500000000000000" pitchFamily="2" charset="-18"/>
+              </a:rPr>
+              <a:t>it</a:t>
+            </a:r>
+            <a:r>
+              <a:rPr lang="hu-HU" sz="2800" dirty="0">
+                <a:latin typeface="Montserrat" panose="00000500000000000000" pitchFamily="2" charset="-18"/>
+              </a:rPr>
+              <a:t>.</a:t>
+            </a:r>
+          </a:p>
+          <a:p>
+            <a:pPr algn="ctr"/>
+            <a:r>
+              <a:rPr lang="hu-HU" sz="2800" dirty="0" err="1">
+                <a:latin typeface="Montserrat" panose="00000500000000000000" pitchFamily="2" charset="-18"/>
+              </a:rPr>
+              <a:t>How</a:t>
+            </a:r>
+            <a:r>
+              <a:rPr lang="hu-HU" sz="2800" dirty="0">
+                <a:latin typeface="Montserrat" panose="00000500000000000000" pitchFamily="2" charset="-18"/>
+              </a:rPr>
+              <a:t> </a:t>
+            </a:r>
+            <a:r>
+              <a:rPr lang="hu-HU" sz="2800" dirty="0" err="1">
+                <a:latin typeface="Montserrat" panose="00000500000000000000" pitchFamily="2" charset="-18"/>
+              </a:rPr>
+              <a:t>to</a:t>
+            </a:r>
+            <a:r>
+              <a:rPr lang="hu-HU" sz="2800" dirty="0">
+                <a:latin typeface="Montserrat" panose="00000500000000000000" pitchFamily="2" charset="-18"/>
+              </a:rPr>
+              <a:t> </a:t>
+            </a:r>
+            <a:r>
+              <a:rPr lang="hu-HU" sz="2800" dirty="0" err="1">
+                <a:latin typeface="Montserrat" panose="00000500000000000000" pitchFamily="2" charset="-18"/>
+              </a:rPr>
+              <a:t>locate</a:t>
+            </a:r>
+            <a:r>
+              <a:rPr lang="hu-HU" sz="2800" dirty="0">
+                <a:latin typeface="Montserrat" panose="00000500000000000000" pitchFamily="2" charset="-18"/>
+              </a:rPr>
+              <a:t> </a:t>
+            </a:r>
+            <a:r>
+              <a:rPr lang="hu-HU" sz="2800" dirty="0" err="1">
+                <a:latin typeface="Montserrat" panose="00000500000000000000" pitchFamily="2" charset="-18"/>
+              </a:rPr>
+              <a:t>your</a:t>
+            </a:r>
+            <a:r>
+              <a:rPr lang="hu-HU" sz="2800" dirty="0">
+                <a:latin typeface="Montserrat" panose="00000500000000000000" pitchFamily="2" charset="-18"/>
+              </a:rPr>
+              <a:t> </a:t>
+            </a:r>
+            <a:r>
+              <a:rPr lang="hu-HU" sz="2800" dirty="0" err="1">
+                <a:latin typeface="Montserrat" panose="00000500000000000000" pitchFamily="2" charset="-18"/>
+              </a:rPr>
+              <a:t>phone</a:t>
+            </a:r>
+            <a:r>
+              <a:rPr lang="hu-HU" sz="2800" dirty="0">
+                <a:latin typeface="Montserrat" panose="00000500000000000000" pitchFamily="2" charset="-18"/>
+              </a:rPr>
+              <a:t> </a:t>
+            </a:r>
+            <a:r>
+              <a:rPr lang="hu-HU" sz="2800" dirty="0" err="1">
+                <a:latin typeface="Montserrat" panose="00000500000000000000" pitchFamily="2" charset="-18"/>
+              </a:rPr>
+              <a:t>based</a:t>
+            </a:r>
+            <a:r>
+              <a:rPr lang="hu-HU" sz="2800" dirty="0">
+                <a:latin typeface="Montserrat" panose="00000500000000000000" pitchFamily="2" charset="-18"/>
+              </a:rPr>
+              <a:t> </a:t>
+            </a:r>
+            <a:r>
+              <a:rPr lang="hu-HU" sz="2800" dirty="0" err="1">
+                <a:latin typeface="Montserrat" panose="00000500000000000000" pitchFamily="2" charset="-18"/>
+              </a:rPr>
+              <a:t>on</a:t>
+            </a:r>
+            <a:r>
+              <a:rPr lang="hu-HU" sz="2800" dirty="0">
+                <a:latin typeface="Montserrat" panose="00000500000000000000" pitchFamily="2" charset="-18"/>
+              </a:rPr>
+              <a:t> </a:t>
+            </a:r>
+            <a:r>
+              <a:rPr lang="hu-HU" sz="2800" dirty="0" err="1">
+                <a:latin typeface="Montserrat" panose="00000500000000000000" pitchFamily="2" charset="-18"/>
+              </a:rPr>
+              <a:t>the</a:t>
+            </a:r>
+            <a:r>
+              <a:rPr lang="hu-HU" sz="2800" dirty="0">
+                <a:latin typeface="Montserrat" panose="00000500000000000000" pitchFamily="2" charset="-18"/>
+              </a:rPr>
+              <a:t> ringing?</a:t>
+            </a:r>
           </a:p>
         </p:txBody>
       </p:sp>
     </p:spTree>
     <p:extLst>
       <p:ext uri="{BB962C8B-B14F-4D97-AF65-F5344CB8AC3E}">
-        <p14:creationId xmlns:p14="http://schemas.microsoft.com/office/powerpoint/2010/main" val="249231993"/>
+        <p14:creationId xmlns:p14="http://schemas.microsoft.com/office/powerpoint/2010/main" val="66617094"/>
       </p:ext>
     </p:extLst>
   </p:cSld>
@@ -5572,10 +10649,10 @@
       </p:grpSpPr>
       <p:sp>
         <p:nvSpPr>
-          <p:cNvPr id="2" name="Cím 1">
-            <a:extLst>
-              <a:ext uri="{FF2B5EF4-FFF2-40B4-BE49-F238E27FC236}">
-                <a16:creationId xmlns:a16="http://schemas.microsoft.com/office/drawing/2014/main" id="{04FB9D7A-5AF0-410E-A84D-F526D29283DA}"/>
+          <p:cNvPr id="10" name="Cím 9">
+            <a:extLst>
+              <a:ext uri="{FF2B5EF4-FFF2-40B4-BE49-F238E27FC236}">
+                <a16:creationId xmlns:a16="http://schemas.microsoft.com/office/drawing/2014/main" id="{94E67E82-FC2C-447B-965E-01CCC24914BC}"/>
               </a:ext>
             </a:extLst>
           </p:cNvPr>
@@ -5588,60 +10665,128 @@
         </p:nvSpPr>
         <p:spPr/>
         <p:txBody>
+          <a:bodyPr/>
+          <a:lstStyle/>
+          <a:p>
+            <a:r>
+              <a:rPr lang="hu-HU" dirty="0" err="1"/>
+              <a:t>Two</a:t>
+            </a:r>
+            <a:r>
+              <a:rPr lang="hu-HU" dirty="0"/>
+              <a:t> </a:t>
+            </a:r>
+            <a:r>
+              <a:rPr lang="hu-HU" dirty="0" err="1"/>
+              <a:t>different</a:t>
+            </a:r>
+            <a:r>
+              <a:rPr lang="hu-HU" dirty="0"/>
+              <a:t> </a:t>
+            </a:r>
+            <a:r>
+              <a:rPr lang="hu-HU" dirty="0" err="1"/>
+              <a:t>statistical</a:t>
+            </a:r>
+            <a:r>
+              <a:rPr lang="hu-HU" dirty="0"/>
+              <a:t> </a:t>
+            </a:r>
+            <a:r>
+              <a:rPr lang="hu-HU" dirty="0" err="1"/>
+              <a:t>paradigms</a:t>
+            </a:r>
+            <a:endParaRPr lang="hu-HU" dirty="0"/>
+          </a:p>
+        </p:txBody>
+      </p:sp>
+      <p:sp>
+        <p:nvSpPr>
+          <p:cNvPr id="11" name="Szöveg helye 10">
+            <a:extLst>
+              <a:ext uri="{FF2B5EF4-FFF2-40B4-BE49-F238E27FC236}">
+                <a16:creationId xmlns:a16="http://schemas.microsoft.com/office/drawing/2014/main" id="{852C64AB-3026-48EF-8C14-2C2D4A63A4C2}"/>
+              </a:ext>
+            </a:extLst>
+          </p:cNvPr>
+          <p:cNvSpPr>
+            <a:spLocks noGrp="1"/>
+          </p:cNvSpPr>
+          <p:nvPr>
+            <p:ph type="body" idx="1"/>
+          </p:nvPr>
+        </p:nvSpPr>
+        <p:spPr/>
+        <p:txBody>
+          <a:bodyPr/>
+          <a:lstStyle/>
+          <a:p>
+            <a:r>
+              <a:rPr lang="hu-HU" dirty="0" err="1"/>
+              <a:t>Frequentist</a:t>
+            </a:r>
+            <a:endParaRPr lang="hu-HU" dirty="0"/>
+          </a:p>
+        </p:txBody>
+      </p:sp>
+      <p:sp>
+        <p:nvSpPr>
+          <p:cNvPr id="12" name="Tartalom helye 11">
+            <a:extLst>
+              <a:ext uri="{FF2B5EF4-FFF2-40B4-BE49-F238E27FC236}">
+                <a16:creationId xmlns:a16="http://schemas.microsoft.com/office/drawing/2014/main" id="{00CAEDB0-5AAF-4785-AD07-D519E3D82068}"/>
+              </a:ext>
+            </a:extLst>
+          </p:cNvPr>
+          <p:cNvSpPr>
+            <a:spLocks noGrp="1"/>
+          </p:cNvSpPr>
+          <p:nvPr>
+            <p:ph sz="half" idx="2"/>
+          </p:nvPr>
+        </p:nvSpPr>
+        <p:spPr/>
+        <p:txBody>
           <a:bodyPr>
-            <a:normAutofit fontScale="90000"/>
+            <a:normAutofit fontScale="77500" lnSpcReduction="20000"/>
           </a:bodyPr>
           <a:lstStyle/>
           <a:p>
             <a:r>
-              <a:rPr lang="hu-HU" dirty="0" err="1"/>
-              <a:t>What</a:t>
-            </a:r>
-            <a:r>
-              <a:rPr lang="hu-HU" dirty="0"/>
-              <a:t> is </a:t>
-            </a:r>
-            <a:r>
-              <a:rPr lang="hu-HU" dirty="0" err="1"/>
-              <a:t>statistics</a:t>
-            </a:r>
-            <a:r>
-              <a:rPr lang="hu-HU" dirty="0"/>
-              <a:t> </a:t>
-            </a:r>
-            <a:r>
-              <a:rPr lang="hu-HU" dirty="0" err="1"/>
-              <a:t>at</a:t>
-            </a:r>
-            <a:r>
-              <a:rPr lang="hu-HU" dirty="0"/>
-              <a:t> </a:t>
-            </a:r>
-            <a:r>
-              <a:rPr lang="hu-HU" dirty="0" err="1"/>
-              <a:t>all</a:t>
-            </a:r>
-            <a:r>
-              <a:rPr lang="hu-HU" dirty="0"/>
-              <a:t>???</a:t>
-            </a:r>
-          </a:p>
-        </p:txBody>
-      </p:sp>
-      <p:sp>
-        <p:nvSpPr>
-          <p:cNvPr id="3" name="Tartalom helye 2">
-            <a:extLst>
-              <a:ext uri="{FF2B5EF4-FFF2-40B4-BE49-F238E27FC236}">
-                <a16:creationId xmlns:a16="http://schemas.microsoft.com/office/drawing/2014/main" id="{709C12A9-9DBD-40BA-A681-438430B223B0}"/>
-              </a:ext>
-            </a:extLst>
-          </p:cNvPr>
-          <p:cNvSpPr>
-            <a:spLocks noGrp="1"/>
-          </p:cNvSpPr>
-          <p:nvPr>
-            <p:ph idx="1"/>
+              <a:rPr lang="en-US" dirty="0"/>
+              <a:t>I can hear the phone beeping. </a:t>
+            </a:r>
+            <a:endParaRPr lang="hu-HU" dirty="0"/>
+          </a:p>
+          <a:p>
+            <a:r>
+              <a:rPr lang="en-US" dirty="0"/>
+              <a:t>I also have a mental model which helps me identify the area from which the sound is coming. </a:t>
+            </a:r>
+            <a:endParaRPr lang="hu-HU" dirty="0"/>
+          </a:p>
+          <a:p>
+            <a:r>
+              <a:rPr lang="en-US" dirty="0"/>
+              <a:t>Therefore, upon hearing the beep, I infer the area of my home I must search to locate the phone.</a:t>
+            </a:r>
+          </a:p>
+        </p:txBody>
+      </p:sp>
+      <p:sp>
+        <p:nvSpPr>
+          <p:cNvPr id="13" name="Szöveg helye 12">
+            <a:extLst>
+              <a:ext uri="{FF2B5EF4-FFF2-40B4-BE49-F238E27FC236}">
+                <a16:creationId xmlns:a16="http://schemas.microsoft.com/office/drawing/2014/main" id="{ED68DDEA-0F28-45DE-B1CB-22EA49D4C8D2}"/>
+              </a:ext>
+            </a:extLst>
+          </p:cNvPr>
+          <p:cNvSpPr>
+            <a:spLocks noGrp="1"/>
+          </p:cNvSpPr>
+          <p:nvPr>
+            <p:ph type="body" sz="quarter" idx="3"/>
           </p:nvPr>
         </p:nvSpPr>
         <p:spPr/>
@@ -5649,7 +10794,59 @@
           <a:bodyPr/>
           <a:lstStyle/>
           <a:p>
-            <a:endParaRPr lang="hu-HU"/>
+            <a:r>
+              <a:rPr lang="hu-HU" dirty="0" err="1"/>
+              <a:t>Bayesian</a:t>
+            </a:r>
+            <a:endParaRPr lang="hu-HU" dirty="0"/>
+          </a:p>
+        </p:txBody>
+      </p:sp>
+      <p:sp>
+        <p:nvSpPr>
+          <p:cNvPr id="15" name="Tartalom helye 14">
+            <a:extLst>
+              <a:ext uri="{FF2B5EF4-FFF2-40B4-BE49-F238E27FC236}">
+                <a16:creationId xmlns:a16="http://schemas.microsoft.com/office/drawing/2014/main" id="{BFEDCE69-90DC-43BC-8FBA-1693AE03767B}"/>
+              </a:ext>
+            </a:extLst>
+          </p:cNvPr>
+          <p:cNvSpPr>
+            <a:spLocks noGrp="1"/>
+          </p:cNvSpPr>
+          <p:nvPr>
+            <p:ph sz="quarter" idx="4"/>
+          </p:nvPr>
+        </p:nvSpPr>
+        <p:spPr/>
+        <p:txBody>
+          <a:bodyPr>
+            <a:normAutofit fontScale="77500" lnSpcReduction="20000"/>
+          </a:bodyPr>
+          <a:lstStyle/>
+          <a:p>
+            <a:r>
+              <a:rPr lang="en-US" dirty="0"/>
+              <a:t>I can hear the phone beeping. </a:t>
+            </a:r>
+            <a:endParaRPr lang="hu-HU" dirty="0"/>
+          </a:p>
+          <a:p>
+            <a:r>
+              <a:rPr lang="en-US" dirty="0"/>
+              <a:t>Now, apart from a mental model which helps me identify the area from which the sound is coming from, I also know the locations where I have misplaced the phone in the past. </a:t>
+            </a:r>
+            <a:endParaRPr lang="hu-HU" dirty="0"/>
+          </a:p>
+          <a:p>
+            <a:r>
+              <a:rPr lang="en-US" dirty="0"/>
+              <a:t>So, I combine my inferences using the beeps and my prior information about the locations I have misplaced the phone in the past to identify an area I must search to locate the phone.</a:t>
+            </a:r>
+            <a:br>
+              <a:rPr lang="en-US" dirty="0"/>
+            </a:br>
+            <a:endParaRPr lang="hu-HU" dirty="0"/>
           </a:p>
         </p:txBody>
       </p:sp>
@@ -5658,7 +10855,7 @@
           <p:cNvPr id="4" name="Dátum helye 3">
             <a:extLst>
               <a:ext uri="{FF2B5EF4-FFF2-40B4-BE49-F238E27FC236}">
-                <a16:creationId xmlns:a16="http://schemas.microsoft.com/office/drawing/2014/main" id="{3AE80BDF-833D-45AA-8B22-B78A225449C9}"/>
+                <a16:creationId xmlns:a16="http://schemas.microsoft.com/office/drawing/2014/main" id="{B064DCB0-D993-426B-B2EB-C433D95D732A}"/>
               </a:ext>
             </a:extLst>
           </p:cNvPr>
@@ -5674,9 +10871,9 @@
           <a:bodyPr/>
           <a:lstStyle/>
           <a:p>
-            <a:fld id="{19351AAE-18EE-464E-8256-2689F6168C0F}" type="datetime1">
+            <a:fld id="{444B641D-F446-482F-BD8D-2B546EA2C2F1}" type="datetime1">
               <a:rPr lang="hu-HU" smtClean="0"/>
-              <a:t>2019. 08. 09.</a:t>
+              <a:t>2019. 08. 10.</a:t>
             </a:fld>
             <a:endParaRPr lang="hu-HU"/>
           </a:p>
@@ -5687,7 +10884,7 @@
           <p:cNvPr id="5" name="Élőláb helye 4">
             <a:extLst>
               <a:ext uri="{FF2B5EF4-FFF2-40B4-BE49-F238E27FC236}">
-                <a16:creationId xmlns:a16="http://schemas.microsoft.com/office/drawing/2014/main" id="{1990AF60-07BD-49FD-8060-14266BF1BA82}"/>
+                <a16:creationId xmlns:a16="http://schemas.microsoft.com/office/drawing/2014/main" id="{DCD33600-332D-48BE-99BD-04E2755B3108}"/>
               </a:ext>
             </a:extLst>
           </p:cNvPr>
@@ -5715,7 +10912,7 @@
           <p:cNvPr id="6" name="Dia számának helye 5">
             <a:extLst>
               <a:ext uri="{FF2B5EF4-FFF2-40B4-BE49-F238E27FC236}">
-                <a16:creationId xmlns:a16="http://schemas.microsoft.com/office/drawing/2014/main" id="{8FA46F80-4F64-46D7-9FBF-C947037E737E}"/>
+                <a16:creationId xmlns:a16="http://schemas.microsoft.com/office/drawing/2014/main" id="{E5F9991C-2959-4149-A0D5-6A8F468A263C}"/>
               </a:ext>
             </a:extLst>
           </p:cNvPr>
@@ -5731,30 +10928,18 @@
           <a:bodyPr/>
           <a:lstStyle/>
           <a:p>
-            <a:pPr marL="0" indent="0">
-              <a:buNone/>
-            </a:pPr>
-            <a:endParaRPr lang="hu-HU" dirty="0"/>
-          </a:p>
-          <a:p>
-            <a:pPr marL="0" indent="0">
-              <a:buNone/>
-            </a:pPr>
             <a:fld id="{14BC9C27-3A79-4F57-BFB4-AB282D25D2CE}" type="slidenum">
               <a:rPr lang="hu-HU" smtClean="0"/>
-              <a:pPr marL="0" indent="0">
-                <a:buNone/>
-              </a:pPr>
               <a:t>7</a:t>
             </a:fld>
-            <a:endParaRPr lang="hu-HU" dirty="0"/>
+            <a:endParaRPr lang="hu-HU"/>
           </a:p>
         </p:txBody>
       </p:sp>
     </p:spTree>
     <p:extLst>
       <p:ext uri="{BB962C8B-B14F-4D97-AF65-F5344CB8AC3E}">
-        <p14:creationId xmlns:p14="http://schemas.microsoft.com/office/powerpoint/2010/main" val="1572567287"/>
+        <p14:creationId xmlns:p14="http://schemas.microsoft.com/office/powerpoint/2010/main" val="922693665"/>
       </p:ext>
     </p:extLst>
   </p:cSld>
@@ -5783,10 +10968,10 @@
       </p:grpSpPr>
       <p:sp>
         <p:nvSpPr>
-          <p:cNvPr id="2" name="Cím 1">
-            <a:extLst>
-              <a:ext uri="{FF2B5EF4-FFF2-40B4-BE49-F238E27FC236}">
-                <a16:creationId xmlns:a16="http://schemas.microsoft.com/office/drawing/2014/main" id="{04FB9D7A-5AF0-410E-A84D-F526D29283DA}"/>
+          <p:cNvPr id="10" name="Cím 9">
+            <a:extLst>
+              <a:ext uri="{FF2B5EF4-FFF2-40B4-BE49-F238E27FC236}">
+                <a16:creationId xmlns:a16="http://schemas.microsoft.com/office/drawing/2014/main" id="{94E67E82-FC2C-447B-965E-01CCC24914BC}"/>
               </a:ext>
             </a:extLst>
           </p:cNvPr>
@@ -5799,147 +10984,78 @@
         </p:nvSpPr>
         <p:spPr/>
         <p:txBody>
+          <a:bodyPr/>
+          <a:lstStyle/>
+          <a:p>
+            <a:r>
+              <a:rPr lang="hu-HU" dirty="0" err="1"/>
+              <a:t>What</a:t>
+            </a:r>
+            <a:r>
+              <a:rPr lang="hu-HU" dirty="0"/>
+              <a:t> is </a:t>
+            </a:r>
+            <a:r>
+              <a:rPr lang="hu-HU" dirty="0" err="1"/>
+              <a:t>probability</a:t>
+            </a:r>
+            <a:r>
+              <a:rPr lang="hu-HU" dirty="0"/>
+              <a:t>?</a:t>
+            </a:r>
+          </a:p>
+        </p:txBody>
+      </p:sp>
+      <p:sp>
+        <p:nvSpPr>
+          <p:cNvPr id="11" name="Szöveg helye 10">
+            <a:extLst>
+              <a:ext uri="{FF2B5EF4-FFF2-40B4-BE49-F238E27FC236}">
+                <a16:creationId xmlns:a16="http://schemas.microsoft.com/office/drawing/2014/main" id="{852C64AB-3026-48EF-8C14-2C2D4A63A4C2}"/>
+              </a:ext>
+            </a:extLst>
+          </p:cNvPr>
+          <p:cNvSpPr>
+            <a:spLocks noGrp="1"/>
+          </p:cNvSpPr>
+          <p:nvPr>
+            <p:ph type="body" idx="1"/>
+          </p:nvPr>
+        </p:nvSpPr>
+        <p:spPr/>
+        <p:txBody>
+          <a:bodyPr/>
+          <a:lstStyle/>
+          <a:p>
+            <a:r>
+              <a:rPr lang="hu-HU" dirty="0" err="1"/>
+              <a:t>Frequentist</a:t>
+            </a:r>
+            <a:endParaRPr lang="hu-HU" dirty="0"/>
+          </a:p>
+        </p:txBody>
+      </p:sp>
+      <p:sp>
+        <p:nvSpPr>
+          <p:cNvPr id="12" name="Tartalom helye 11">
+            <a:extLst>
+              <a:ext uri="{FF2B5EF4-FFF2-40B4-BE49-F238E27FC236}">
+                <a16:creationId xmlns:a16="http://schemas.microsoft.com/office/drawing/2014/main" id="{00CAEDB0-5AAF-4785-AD07-D519E3D82068}"/>
+              </a:ext>
+            </a:extLst>
+          </p:cNvPr>
+          <p:cNvSpPr>
+            <a:spLocks noGrp="1"/>
+          </p:cNvSpPr>
+          <p:nvPr>
+            <p:ph sz="half" idx="2"/>
+          </p:nvPr>
+        </p:nvSpPr>
+        <p:spPr/>
+        <p:txBody>
           <a:bodyPr>
-            <a:normAutofit fontScale="90000"/>
+            <a:normAutofit/>
           </a:bodyPr>
-          <a:lstStyle/>
-          <a:p>
-            <a:r>
-              <a:rPr lang="hu-HU" dirty="0" err="1"/>
-              <a:t>What</a:t>
-            </a:r>
-            <a:r>
-              <a:rPr lang="hu-HU" dirty="0"/>
-              <a:t> is </a:t>
-            </a:r>
-            <a:r>
-              <a:rPr lang="hu-HU" dirty="0" err="1"/>
-              <a:t>statistics</a:t>
-            </a:r>
-            <a:r>
-              <a:rPr lang="hu-HU" dirty="0"/>
-              <a:t> </a:t>
-            </a:r>
-            <a:r>
-              <a:rPr lang="hu-HU" dirty="0" err="1"/>
-              <a:t>at</a:t>
-            </a:r>
-            <a:r>
-              <a:rPr lang="hu-HU" dirty="0"/>
-              <a:t> </a:t>
-            </a:r>
-            <a:r>
-              <a:rPr lang="hu-HU" dirty="0" err="1"/>
-              <a:t>all</a:t>
-            </a:r>
-            <a:r>
-              <a:rPr lang="hu-HU" dirty="0"/>
-              <a:t>???</a:t>
-            </a:r>
-          </a:p>
-        </p:txBody>
-      </p:sp>
-      <p:sp>
-        <p:nvSpPr>
-          <p:cNvPr id="3" name="Tartalom helye 2">
-            <a:extLst>
-              <a:ext uri="{FF2B5EF4-FFF2-40B4-BE49-F238E27FC236}">
-                <a16:creationId xmlns:a16="http://schemas.microsoft.com/office/drawing/2014/main" id="{709C12A9-9DBD-40BA-A681-438430B223B0}"/>
-              </a:ext>
-            </a:extLst>
-          </p:cNvPr>
-          <p:cNvSpPr>
-            <a:spLocks noGrp="1"/>
-          </p:cNvSpPr>
-          <p:nvPr>
-            <p:ph idx="1"/>
-          </p:nvPr>
-        </p:nvSpPr>
-        <p:spPr/>
-        <p:txBody>
-          <a:bodyPr/>
-          <a:lstStyle/>
-          <a:p>
-            <a:endParaRPr lang="hu-HU"/>
-          </a:p>
-        </p:txBody>
-      </p:sp>
-      <p:sp>
-        <p:nvSpPr>
-          <p:cNvPr id="4" name="Dátum helye 3">
-            <a:extLst>
-              <a:ext uri="{FF2B5EF4-FFF2-40B4-BE49-F238E27FC236}">
-                <a16:creationId xmlns:a16="http://schemas.microsoft.com/office/drawing/2014/main" id="{3AE80BDF-833D-45AA-8B22-B78A225449C9}"/>
-              </a:ext>
-            </a:extLst>
-          </p:cNvPr>
-          <p:cNvSpPr>
-            <a:spLocks noGrp="1"/>
-          </p:cNvSpPr>
-          <p:nvPr>
-            <p:ph type="dt" sz="half" idx="10"/>
-          </p:nvPr>
-        </p:nvSpPr>
-        <p:spPr/>
-        <p:txBody>
-          <a:bodyPr/>
-          <a:lstStyle/>
-          <a:p>
-            <a:fld id="{19351AAE-18EE-464E-8256-2689F6168C0F}" type="datetime1">
-              <a:rPr lang="hu-HU" smtClean="0"/>
-              <a:t>2019. 08. 09.</a:t>
-            </a:fld>
-            <a:endParaRPr lang="hu-HU"/>
-          </a:p>
-        </p:txBody>
-      </p:sp>
-      <p:sp>
-        <p:nvSpPr>
-          <p:cNvPr id="5" name="Élőláb helye 4">
-            <a:extLst>
-              <a:ext uri="{FF2B5EF4-FFF2-40B4-BE49-F238E27FC236}">
-                <a16:creationId xmlns:a16="http://schemas.microsoft.com/office/drawing/2014/main" id="{1990AF60-07BD-49FD-8060-14266BF1BA82}"/>
-              </a:ext>
-            </a:extLst>
-          </p:cNvPr>
-          <p:cNvSpPr>
-            <a:spLocks noGrp="1"/>
-          </p:cNvSpPr>
-          <p:nvPr>
-            <p:ph type="ftr" sz="quarter" idx="11"/>
-          </p:nvPr>
-        </p:nvSpPr>
-        <p:spPr/>
-        <p:txBody>
-          <a:bodyPr/>
-          <a:lstStyle/>
-          <a:p>
-            <a:r>
-              <a:rPr lang="hu-HU"/>
-              <a:t>Mór Kapronczay  -  Starschema Ltd.</a:t>
-            </a:r>
-          </a:p>
-        </p:txBody>
-      </p:sp>
-      <p:sp>
-        <p:nvSpPr>
-          <p:cNvPr id="6" name="Dia számának helye 5">
-            <a:extLst>
-              <a:ext uri="{FF2B5EF4-FFF2-40B4-BE49-F238E27FC236}">
-                <a16:creationId xmlns:a16="http://schemas.microsoft.com/office/drawing/2014/main" id="{8FA46F80-4F64-46D7-9FBF-C947037E737E}"/>
-              </a:ext>
-            </a:extLst>
-          </p:cNvPr>
-          <p:cNvSpPr>
-            <a:spLocks noGrp="1"/>
-          </p:cNvSpPr>
-          <p:nvPr>
-            <p:ph type="sldNum" sz="quarter" idx="12"/>
-          </p:nvPr>
-        </p:nvSpPr>
-        <p:spPr/>
-        <p:txBody>
-          <a:bodyPr/>
           <a:lstStyle/>
           <a:p>
             <a:pPr marL="0" indent="0">
@@ -5951,21 +11067,700 @@
             <a:pPr marL="0" indent="0">
               <a:buNone/>
             </a:pPr>
+            <a:r>
+              <a:rPr lang="hu-HU" dirty="0" err="1"/>
+              <a:t>Proportion</a:t>
+            </a:r>
+            <a:r>
+              <a:rPr lang="hu-HU" dirty="0"/>
+              <a:t> of </a:t>
+            </a:r>
+            <a:r>
+              <a:rPr lang="hu-HU" dirty="0" err="1"/>
+              <a:t>outcomes</a:t>
+            </a:r>
+            <a:endParaRPr lang="en-US" dirty="0"/>
+          </a:p>
+        </p:txBody>
+      </p:sp>
+      <p:sp>
+        <p:nvSpPr>
+          <p:cNvPr id="13" name="Szöveg helye 12">
+            <a:extLst>
+              <a:ext uri="{FF2B5EF4-FFF2-40B4-BE49-F238E27FC236}">
+                <a16:creationId xmlns:a16="http://schemas.microsoft.com/office/drawing/2014/main" id="{ED68DDEA-0F28-45DE-B1CB-22EA49D4C8D2}"/>
+              </a:ext>
+            </a:extLst>
+          </p:cNvPr>
+          <p:cNvSpPr>
+            <a:spLocks noGrp="1"/>
+          </p:cNvSpPr>
+          <p:nvPr>
+            <p:ph type="body" sz="quarter" idx="3"/>
+          </p:nvPr>
+        </p:nvSpPr>
+        <p:spPr/>
+        <p:txBody>
+          <a:bodyPr/>
+          <a:lstStyle/>
+          <a:p>
+            <a:r>
+              <a:rPr lang="hu-HU" dirty="0" err="1"/>
+              <a:t>Bayesian</a:t>
+            </a:r>
+            <a:endParaRPr lang="hu-HU" dirty="0"/>
+          </a:p>
+        </p:txBody>
+      </p:sp>
+      <p:sp>
+        <p:nvSpPr>
+          <p:cNvPr id="15" name="Tartalom helye 14">
+            <a:extLst>
+              <a:ext uri="{FF2B5EF4-FFF2-40B4-BE49-F238E27FC236}">
+                <a16:creationId xmlns:a16="http://schemas.microsoft.com/office/drawing/2014/main" id="{BFEDCE69-90DC-43BC-8FBA-1693AE03767B}"/>
+              </a:ext>
+            </a:extLst>
+          </p:cNvPr>
+          <p:cNvSpPr>
+            <a:spLocks noGrp="1"/>
+          </p:cNvSpPr>
+          <p:nvPr>
+            <p:ph sz="quarter" idx="4"/>
+          </p:nvPr>
+        </p:nvSpPr>
+        <p:spPr/>
+        <p:txBody>
+          <a:bodyPr>
+            <a:normAutofit/>
+          </a:bodyPr>
+          <a:lstStyle/>
+          <a:p>
+            <a:pPr marL="0" indent="0">
+              <a:buNone/>
+            </a:pPr>
+            <a:endParaRPr lang="hu-HU" dirty="0"/>
+          </a:p>
+          <a:p>
+            <a:pPr marL="0" indent="0">
+              <a:buNone/>
+            </a:pPr>
+            <a:r>
+              <a:rPr lang="hu-HU" dirty="0" err="1"/>
+              <a:t>Degree</a:t>
+            </a:r>
+            <a:r>
+              <a:rPr lang="hu-HU" dirty="0"/>
+              <a:t> of </a:t>
+            </a:r>
+            <a:r>
+              <a:rPr lang="hu-HU" dirty="0" err="1"/>
+              <a:t>belief</a:t>
+            </a:r>
+            <a:br>
+              <a:rPr lang="en-US" dirty="0"/>
+            </a:br>
+            <a:endParaRPr lang="hu-HU" dirty="0"/>
+          </a:p>
+        </p:txBody>
+      </p:sp>
+      <p:sp>
+        <p:nvSpPr>
+          <p:cNvPr id="4" name="Dátum helye 3">
+            <a:extLst>
+              <a:ext uri="{FF2B5EF4-FFF2-40B4-BE49-F238E27FC236}">
+                <a16:creationId xmlns:a16="http://schemas.microsoft.com/office/drawing/2014/main" id="{B064DCB0-D993-426B-B2EB-C433D95D732A}"/>
+              </a:ext>
+            </a:extLst>
+          </p:cNvPr>
+          <p:cNvSpPr>
+            <a:spLocks noGrp="1"/>
+          </p:cNvSpPr>
+          <p:nvPr>
+            <p:ph type="dt" sz="half" idx="10"/>
+          </p:nvPr>
+        </p:nvSpPr>
+        <p:spPr/>
+        <p:txBody>
+          <a:bodyPr/>
+          <a:lstStyle/>
+          <a:p>
+            <a:fld id="{444B641D-F446-482F-BD8D-2B546EA2C2F1}" type="datetime1">
+              <a:rPr lang="hu-HU" smtClean="0"/>
+              <a:t>2019. 08. 11.</a:t>
+            </a:fld>
+            <a:endParaRPr lang="hu-HU"/>
+          </a:p>
+        </p:txBody>
+      </p:sp>
+      <p:sp>
+        <p:nvSpPr>
+          <p:cNvPr id="5" name="Élőláb helye 4">
+            <a:extLst>
+              <a:ext uri="{FF2B5EF4-FFF2-40B4-BE49-F238E27FC236}">
+                <a16:creationId xmlns:a16="http://schemas.microsoft.com/office/drawing/2014/main" id="{DCD33600-332D-48BE-99BD-04E2755B3108}"/>
+              </a:ext>
+            </a:extLst>
+          </p:cNvPr>
+          <p:cNvSpPr>
+            <a:spLocks noGrp="1"/>
+          </p:cNvSpPr>
+          <p:nvPr>
+            <p:ph type="ftr" sz="quarter" idx="11"/>
+          </p:nvPr>
+        </p:nvSpPr>
+        <p:spPr/>
+        <p:txBody>
+          <a:bodyPr/>
+          <a:lstStyle/>
+          <a:p>
+            <a:r>
+              <a:rPr lang="hu-HU"/>
+              <a:t>Mór Kapronczay  -  Starschema Ltd.</a:t>
+            </a:r>
+          </a:p>
+        </p:txBody>
+      </p:sp>
+      <p:sp>
+        <p:nvSpPr>
+          <p:cNvPr id="6" name="Dia számának helye 5">
+            <a:extLst>
+              <a:ext uri="{FF2B5EF4-FFF2-40B4-BE49-F238E27FC236}">
+                <a16:creationId xmlns:a16="http://schemas.microsoft.com/office/drawing/2014/main" id="{E5F9991C-2959-4149-A0D5-6A8F468A263C}"/>
+              </a:ext>
+            </a:extLst>
+          </p:cNvPr>
+          <p:cNvSpPr>
+            <a:spLocks noGrp="1"/>
+          </p:cNvSpPr>
+          <p:nvPr>
+            <p:ph type="sldNum" sz="quarter" idx="12"/>
+          </p:nvPr>
+        </p:nvSpPr>
+        <p:spPr/>
+        <p:txBody>
+          <a:bodyPr/>
+          <a:lstStyle/>
+          <a:p>
             <a:fld id="{14BC9C27-3A79-4F57-BFB4-AB282D25D2CE}" type="slidenum">
               <a:rPr lang="hu-HU" smtClean="0"/>
-              <a:pPr marL="0" indent="0">
-                <a:buNone/>
-              </a:pPr>
               <a:t>8</a:t>
             </a:fld>
-            <a:endParaRPr lang="hu-HU" dirty="0"/>
+            <a:endParaRPr lang="hu-HU"/>
           </a:p>
         </p:txBody>
       </p:sp>
     </p:spTree>
     <p:extLst>
       <p:ext uri="{BB962C8B-B14F-4D97-AF65-F5344CB8AC3E}">
-        <p14:creationId xmlns:p14="http://schemas.microsoft.com/office/powerpoint/2010/main" val="3605023934"/>
+        <p14:creationId xmlns:p14="http://schemas.microsoft.com/office/powerpoint/2010/main" val="1412264173"/>
+      </p:ext>
+    </p:extLst>
+  </p:cSld>
+  <p:clrMapOvr>
+    <a:masterClrMapping/>
+  </p:clrMapOvr>
+</p:sld>
+</file>
+
+<file path=ppt/slides/slide9.xml><?xml version="1.0" encoding="utf-8"?>
+<p:sld xmlns:a="http://schemas.openxmlformats.org/drawingml/2006/main" xmlns:r="http://schemas.openxmlformats.org/officeDocument/2006/relationships" xmlns:p="http://schemas.openxmlformats.org/presentationml/2006/main">
+  <p:cSld>
+    <p:spTree>
+      <p:nvGrpSpPr>
+        <p:cNvPr id="1" name=""/>
+        <p:cNvGrpSpPr/>
+        <p:nvPr/>
+      </p:nvGrpSpPr>
+      <p:grpSpPr>
+        <a:xfrm>
+          <a:off x="0" y="0"/>
+          <a:ext cx="0" cy="0"/>
+          <a:chOff x="0" y="0"/>
+          <a:chExt cx="0" cy="0"/>
+        </a:xfrm>
+      </p:grpSpPr>
+      <p:sp>
+        <p:nvSpPr>
+          <p:cNvPr id="10" name="Cím 9">
+            <a:extLst>
+              <a:ext uri="{FF2B5EF4-FFF2-40B4-BE49-F238E27FC236}">
+                <a16:creationId xmlns:a16="http://schemas.microsoft.com/office/drawing/2014/main" id="{FADDEDEC-2700-488B-98E7-C8F3152C1B05}"/>
+              </a:ext>
+            </a:extLst>
+          </p:cNvPr>
+          <p:cNvSpPr>
+            <a:spLocks noGrp="1"/>
+          </p:cNvSpPr>
+          <p:nvPr>
+            <p:ph type="title"/>
+          </p:nvPr>
+        </p:nvSpPr>
+        <p:spPr>
+          <a:xfrm>
+            <a:off x="838200" y="1042944"/>
+            <a:ext cx="10515600" cy="647744"/>
+          </a:xfrm>
+        </p:spPr>
+        <p:txBody>
+          <a:bodyPr>
+            <a:normAutofit fontScale="90000"/>
+          </a:bodyPr>
+          <a:lstStyle/>
+          <a:p>
+            <a:r>
+              <a:rPr lang="hu-HU" dirty="0" err="1"/>
+              <a:t>Bayes</a:t>
+            </a:r>
+            <a:r>
+              <a:rPr lang="hu-HU" dirty="0"/>
+              <a:t> </a:t>
+            </a:r>
+            <a:r>
+              <a:rPr lang="hu-HU" dirty="0" err="1"/>
+              <a:t>Rule</a:t>
+            </a:r>
+            <a:endParaRPr lang="hu-HU" dirty="0"/>
+          </a:p>
+        </p:txBody>
+      </p:sp>
+      <p:sp>
+        <p:nvSpPr>
+          <p:cNvPr id="7" name="Dátum helye 6">
+            <a:extLst>
+              <a:ext uri="{FF2B5EF4-FFF2-40B4-BE49-F238E27FC236}">
+                <a16:creationId xmlns:a16="http://schemas.microsoft.com/office/drawing/2014/main" id="{C2A2DBC3-3D13-4821-81B5-4C8B2D09F686}"/>
+              </a:ext>
+            </a:extLst>
+          </p:cNvPr>
+          <p:cNvSpPr>
+            <a:spLocks noGrp="1"/>
+          </p:cNvSpPr>
+          <p:nvPr>
+            <p:ph type="dt" sz="half" idx="10"/>
+          </p:nvPr>
+        </p:nvSpPr>
+        <p:spPr>
+          <a:xfrm>
+            <a:off x="838200" y="6356350"/>
+            <a:ext cx="2743200" cy="365125"/>
+          </a:xfrm>
+        </p:spPr>
+        <p:txBody>
+          <a:bodyPr/>
+          <a:lstStyle/>
+          <a:p>
+            <a:fld id="{8D6E728D-26E7-43BA-96F5-7A1E7F5977AD}" type="datetime1">
+              <a:rPr lang="hu-HU" smtClean="0"/>
+              <a:t>2019. 08. 11.</a:t>
+            </a:fld>
+            <a:endParaRPr lang="hu-HU" dirty="0"/>
+          </a:p>
+        </p:txBody>
+      </p:sp>
+      <p:sp>
+        <p:nvSpPr>
+          <p:cNvPr id="8" name="Élőláb helye 7">
+            <a:extLst>
+              <a:ext uri="{FF2B5EF4-FFF2-40B4-BE49-F238E27FC236}">
+                <a16:creationId xmlns:a16="http://schemas.microsoft.com/office/drawing/2014/main" id="{088428C7-EEAE-4546-8EC8-54475238C328}"/>
+              </a:ext>
+            </a:extLst>
+          </p:cNvPr>
+          <p:cNvSpPr>
+            <a:spLocks noGrp="1"/>
+          </p:cNvSpPr>
+          <p:nvPr>
+            <p:ph type="ftr" sz="quarter" idx="11"/>
+          </p:nvPr>
+        </p:nvSpPr>
+        <p:spPr>
+          <a:xfrm>
+            <a:off x="4038600" y="6356350"/>
+            <a:ext cx="4114800" cy="365125"/>
+          </a:xfrm>
+        </p:spPr>
+        <p:txBody>
+          <a:bodyPr/>
+          <a:lstStyle/>
+          <a:p>
+            <a:r>
+              <a:rPr lang="hu-HU"/>
+              <a:t>Mór Kapronczay  -  Starschema Ltd.</a:t>
+            </a:r>
+            <a:endParaRPr lang="hu-HU" dirty="0"/>
+          </a:p>
+        </p:txBody>
+      </p:sp>
+      <p:sp>
+        <p:nvSpPr>
+          <p:cNvPr id="9" name="Dia számának helye 8">
+            <a:extLst>
+              <a:ext uri="{FF2B5EF4-FFF2-40B4-BE49-F238E27FC236}">
+                <a16:creationId xmlns:a16="http://schemas.microsoft.com/office/drawing/2014/main" id="{CE8EF765-AFF3-4AC7-AEEE-8247227D95EF}"/>
+              </a:ext>
+            </a:extLst>
+          </p:cNvPr>
+          <p:cNvSpPr>
+            <a:spLocks noGrp="1"/>
+          </p:cNvSpPr>
+          <p:nvPr>
+            <p:ph type="sldNum" sz="quarter" idx="12"/>
+          </p:nvPr>
+        </p:nvSpPr>
+        <p:spPr>
+          <a:xfrm>
+            <a:off x="8610600" y="6356350"/>
+            <a:ext cx="2743200" cy="365125"/>
+          </a:xfrm>
+        </p:spPr>
+        <p:txBody>
+          <a:bodyPr/>
+          <a:lstStyle/>
+          <a:p>
+            <a:fld id="{14BC9C27-3A79-4F57-BFB4-AB282D25D2CE}" type="slidenum">
+              <a:rPr lang="hu-HU" smtClean="0"/>
+              <a:t>9</a:t>
+            </a:fld>
+            <a:endParaRPr lang="hu-HU"/>
+          </a:p>
+        </p:txBody>
+      </p:sp>
+      <p:sp>
+        <p:nvSpPr>
+          <p:cNvPr id="12" name="AutoShape 2" descr="{\displaystyle P(A\mid B)={\frac {P(B\mid A)P(A)}{P(B)}}}">
+            <a:extLst>
+              <a:ext uri="{FF2B5EF4-FFF2-40B4-BE49-F238E27FC236}">
+                <a16:creationId xmlns:a16="http://schemas.microsoft.com/office/drawing/2014/main" id="{EACDFBEA-379D-4BF3-8F5F-CE8DADB07C18}"/>
+              </a:ext>
+            </a:extLst>
+          </p:cNvPr>
+          <p:cNvSpPr>
+            <a:spLocks noGrp="1" noChangeAspect="1" noChangeArrowheads="1"/>
+          </p:cNvSpPr>
+          <p:nvPr>
+            <p:ph idx="1"/>
+          </p:nvPr>
+        </p:nvSpPr>
+        <p:spPr bwMode="auto">
+          <a:xfrm>
+            <a:off x="838200" y="1825625"/>
+            <a:ext cx="10515600" cy="4351338"/>
+          </a:xfrm>
+          <a:prstGeom prst="rect">
+            <a:avLst/>
+          </a:prstGeom>
+          <a:noFill/>
+          <a:extLst>
+            <a:ext uri="{909E8E84-426E-40DD-AFC4-6F175D3DCCD1}">
+              <a14:hiddenFill xmlns:a14="http://schemas.microsoft.com/office/drawing/2010/main">
+                <a:solidFill>
+                  <a:srgbClr val="FFFFFF"/>
+                </a:solidFill>
+              </a14:hiddenFill>
+            </a:ext>
+          </a:extLst>
+        </p:spPr>
+        <p:txBody>
+          <a:bodyPr vert="horz" wrap="square" lIns="91440" tIns="45720" rIns="91440" bIns="45720" numCol="1" anchor="t" anchorCtr="0" compatLnSpc="1">
+            <a:prstTxWarp prst="textNoShape">
+              <a:avLst/>
+            </a:prstTxWarp>
+          </a:bodyPr>
+          <a:lstStyle/>
+          <a:p>
+            <a:r>
+              <a:rPr lang="hu-HU" dirty="0"/>
+              <a:t>P(A) – prior </a:t>
+            </a:r>
+            <a:r>
+              <a:rPr lang="hu-HU" dirty="0" err="1"/>
+              <a:t>beliefs</a:t>
+            </a:r>
+            <a:endParaRPr lang="hu-HU" dirty="0"/>
+          </a:p>
+          <a:p>
+            <a:r>
+              <a:rPr lang="hu-HU" dirty="0"/>
+              <a:t>P(B) – </a:t>
+            </a:r>
+            <a:r>
+              <a:rPr lang="hu-HU" dirty="0" err="1"/>
+              <a:t>data</a:t>
+            </a:r>
+            <a:endParaRPr lang="hu-HU" dirty="0"/>
+          </a:p>
+          <a:p>
+            <a:r>
+              <a:rPr lang="hu-HU" dirty="0"/>
+              <a:t>P(B|A) - </a:t>
+            </a:r>
+            <a:r>
+              <a:rPr lang="hu-HU" dirty="0" err="1"/>
+              <a:t>likelihood</a:t>
+            </a:r>
+            <a:endParaRPr lang="hu-HU" dirty="0"/>
+          </a:p>
+          <a:p>
+            <a:r>
+              <a:rPr lang="hu-HU" dirty="0"/>
+              <a:t>P(A|B) – </a:t>
+            </a:r>
+            <a:r>
+              <a:rPr lang="hu-HU" dirty="0" err="1"/>
+              <a:t>posterior</a:t>
+            </a:r>
+            <a:r>
+              <a:rPr lang="hu-HU" dirty="0"/>
+              <a:t> </a:t>
+            </a:r>
+            <a:r>
+              <a:rPr lang="hu-HU" dirty="0" err="1"/>
+              <a:t>beliefs</a:t>
+            </a:r>
+            <a:endParaRPr lang="hu-HU" dirty="0"/>
+          </a:p>
+        </p:txBody>
+      </p:sp>
+      <p:pic>
+        <p:nvPicPr>
+          <p:cNvPr id="1030" name="Picture 6" descr="KÃ©ptalÃ¡lat a kÃ¶vetkezÅre: âbayes ruleâ">
+            <a:extLst>
+              <a:ext uri="{FF2B5EF4-FFF2-40B4-BE49-F238E27FC236}">
+                <a16:creationId xmlns:a16="http://schemas.microsoft.com/office/drawing/2014/main" id="{2C9A2498-269A-46FC-9F0D-7F1D5EF2847D}"/>
+              </a:ext>
+            </a:extLst>
+          </p:cNvPr>
+          <p:cNvPicPr>
+            <a:picLocks noChangeAspect="1" noChangeArrowheads="1"/>
+          </p:cNvPicPr>
+          <p:nvPr/>
+        </p:nvPicPr>
+        <p:blipFill>
+          <a:blip r:embed="rId2">
+            <a:extLst>
+              <a:ext uri="{28A0092B-C50C-407E-A947-70E740481C1C}">
+                <a14:useLocalDpi xmlns:a14="http://schemas.microsoft.com/office/drawing/2010/main" val="0"/>
+              </a:ext>
+            </a:extLst>
+          </a:blip>
+          <a:srcRect/>
+          <a:stretch>
+            <a:fillRect/>
+          </a:stretch>
+        </p:blipFill>
+        <p:spPr bwMode="auto">
+          <a:xfrm>
+            <a:off x="6010274" y="1690688"/>
+            <a:ext cx="5343525" cy="2143448"/>
+          </a:xfrm>
+          <a:prstGeom prst="rect">
+            <a:avLst/>
+          </a:prstGeom>
+          <a:noFill/>
+          <a:extLst>
+            <a:ext uri="{909E8E84-426E-40DD-AFC4-6F175D3DCCD1}">
+              <a14:hiddenFill xmlns:a14="http://schemas.microsoft.com/office/drawing/2010/main">
+                <a:solidFill>
+                  <a:srgbClr val="FFFFFF"/>
+                </a:solidFill>
+              </a14:hiddenFill>
+            </a:ext>
+          </a:extLst>
+        </p:spPr>
+      </p:pic>
+      <p:sp>
+        <p:nvSpPr>
+          <p:cNvPr id="14" name="Szövegdoboz 13">
+            <a:extLst>
+              <a:ext uri="{FF2B5EF4-FFF2-40B4-BE49-F238E27FC236}">
+                <a16:creationId xmlns:a16="http://schemas.microsoft.com/office/drawing/2014/main" id="{548A2B1F-8F75-4470-AE1B-EED984ABF6A1}"/>
+              </a:ext>
+            </a:extLst>
+          </p:cNvPr>
+          <p:cNvSpPr txBox="1"/>
+          <p:nvPr/>
+        </p:nvSpPr>
+        <p:spPr>
+          <a:xfrm>
+            <a:off x="838200" y="4543425"/>
+            <a:ext cx="10515600" cy="1200329"/>
+          </a:xfrm>
+          <a:prstGeom prst="rect">
+            <a:avLst/>
+          </a:prstGeom>
+          <a:noFill/>
+        </p:spPr>
+        <p:txBody>
+          <a:bodyPr wrap="square" rtlCol="0">
+            <a:spAutoFit/>
+          </a:bodyPr>
+          <a:lstStyle/>
+          <a:p>
+            <a:r>
+              <a:rPr lang="hu-HU" sz="2400" dirty="0">
+                <a:latin typeface="Montserrat" panose="00000500000000000000" pitchFamily="2" charset="-18"/>
+              </a:rPr>
+              <a:t>Prior </a:t>
+            </a:r>
+            <a:r>
+              <a:rPr lang="hu-HU" sz="2400" dirty="0" err="1">
+                <a:latin typeface="Montserrat" panose="00000500000000000000" pitchFamily="2" charset="-18"/>
+              </a:rPr>
+              <a:t>beliefs</a:t>
+            </a:r>
+            <a:r>
+              <a:rPr lang="hu-HU" sz="2400" dirty="0">
+                <a:latin typeface="Montserrat" panose="00000500000000000000" pitchFamily="2" charset="-18"/>
+              </a:rPr>
+              <a:t> -&gt; Data -&gt; </a:t>
+            </a:r>
+            <a:r>
+              <a:rPr lang="hu-HU" sz="2400" dirty="0" err="1">
+                <a:latin typeface="Montserrat" panose="00000500000000000000" pitchFamily="2" charset="-18"/>
+              </a:rPr>
+              <a:t>Posterior</a:t>
+            </a:r>
+            <a:r>
+              <a:rPr lang="hu-HU" sz="2400" dirty="0">
+                <a:latin typeface="Montserrat" panose="00000500000000000000" pitchFamily="2" charset="-18"/>
+              </a:rPr>
+              <a:t> </a:t>
+            </a:r>
+            <a:r>
+              <a:rPr lang="hu-HU" sz="2400" dirty="0" err="1">
+                <a:latin typeface="Montserrat" panose="00000500000000000000" pitchFamily="2" charset="-18"/>
+              </a:rPr>
+              <a:t>beliefs</a:t>
+            </a:r>
+            <a:r>
+              <a:rPr lang="hu-HU" sz="2400" dirty="0">
+                <a:latin typeface="Montserrat" panose="00000500000000000000" pitchFamily="2" charset="-18"/>
+              </a:rPr>
+              <a:t>.</a:t>
+            </a:r>
+          </a:p>
+          <a:p>
+            <a:r>
+              <a:rPr lang="hu-HU" sz="2400" dirty="0">
+                <a:latin typeface="Montserrat" panose="00000500000000000000" pitchFamily="2" charset="-18"/>
+              </a:rPr>
+              <a:t>The </a:t>
+            </a:r>
+            <a:r>
+              <a:rPr lang="hu-HU" sz="2400" dirty="0" err="1">
+                <a:latin typeface="Montserrat" panose="00000500000000000000" pitchFamily="2" charset="-18"/>
+              </a:rPr>
+              <a:t>process</a:t>
+            </a:r>
+            <a:r>
+              <a:rPr lang="hu-HU" sz="2400" dirty="0">
+                <a:latin typeface="Montserrat" panose="00000500000000000000" pitchFamily="2" charset="-18"/>
+              </a:rPr>
+              <a:t> of </a:t>
+            </a:r>
+            <a:r>
+              <a:rPr lang="hu-HU" sz="2400" dirty="0" err="1">
+                <a:latin typeface="Montserrat" panose="00000500000000000000" pitchFamily="2" charset="-18"/>
+              </a:rPr>
+              <a:t>upgrading</a:t>
+            </a:r>
+            <a:r>
+              <a:rPr lang="hu-HU" sz="2400" dirty="0">
+                <a:latin typeface="Montserrat" panose="00000500000000000000" pitchFamily="2" charset="-18"/>
+              </a:rPr>
+              <a:t> </a:t>
+            </a:r>
+            <a:r>
+              <a:rPr lang="hu-HU" sz="2400" dirty="0" err="1">
+                <a:latin typeface="Montserrat" panose="00000500000000000000" pitchFamily="2" charset="-18"/>
+              </a:rPr>
+              <a:t>my</a:t>
+            </a:r>
+            <a:r>
+              <a:rPr lang="hu-HU" sz="2400" dirty="0">
+                <a:latin typeface="Montserrat" panose="00000500000000000000" pitchFamily="2" charset="-18"/>
+              </a:rPr>
+              <a:t> </a:t>
+            </a:r>
+            <a:r>
+              <a:rPr lang="hu-HU" sz="2400" dirty="0" err="1">
+                <a:latin typeface="Montserrat" panose="00000500000000000000" pitchFamily="2" charset="-18"/>
+              </a:rPr>
+              <a:t>degree</a:t>
+            </a:r>
+            <a:r>
+              <a:rPr lang="hu-HU" sz="2400" dirty="0">
+                <a:latin typeface="Montserrat" panose="00000500000000000000" pitchFamily="2" charset="-18"/>
+              </a:rPr>
+              <a:t> of </a:t>
+            </a:r>
+            <a:r>
+              <a:rPr lang="hu-HU" sz="2400" dirty="0" err="1">
+                <a:latin typeface="Montserrat" panose="00000500000000000000" pitchFamily="2" charset="-18"/>
+              </a:rPr>
+              <a:t>belief</a:t>
+            </a:r>
+            <a:r>
+              <a:rPr lang="hu-HU" sz="2400" dirty="0">
+                <a:latin typeface="Montserrat" panose="00000500000000000000" pitchFamily="2" charset="-18"/>
+              </a:rPr>
+              <a:t> </a:t>
+            </a:r>
+            <a:r>
+              <a:rPr lang="hu-HU" sz="2400" dirty="0" err="1">
+                <a:latin typeface="Montserrat" panose="00000500000000000000" pitchFamily="2" charset="-18"/>
+              </a:rPr>
+              <a:t>seeing</a:t>
+            </a:r>
+            <a:r>
+              <a:rPr lang="hu-HU" sz="2400" dirty="0">
+                <a:latin typeface="Montserrat" panose="00000500000000000000" pitchFamily="2" charset="-18"/>
+              </a:rPr>
+              <a:t> </a:t>
+            </a:r>
+            <a:r>
+              <a:rPr lang="hu-HU" sz="2400" dirty="0" err="1">
+                <a:latin typeface="Montserrat" panose="00000500000000000000" pitchFamily="2" charset="-18"/>
+              </a:rPr>
+              <a:t>some</a:t>
+            </a:r>
+            <a:r>
+              <a:rPr lang="hu-HU" sz="2400" dirty="0">
+                <a:latin typeface="Montserrat" panose="00000500000000000000" pitchFamily="2" charset="-18"/>
+              </a:rPr>
+              <a:t> </a:t>
+            </a:r>
+            <a:r>
+              <a:rPr lang="hu-HU" sz="2400" dirty="0" err="1">
+                <a:latin typeface="Montserrat" panose="00000500000000000000" pitchFamily="2" charset="-18"/>
+              </a:rPr>
+              <a:t>evidence</a:t>
+            </a:r>
+            <a:r>
+              <a:rPr lang="hu-HU" sz="2400" dirty="0">
+                <a:latin typeface="Montserrat" panose="00000500000000000000" pitchFamily="2" charset="-18"/>
+              </a:rPr>
+              <a:t> (</a:t>
+            </a:r>
+            <a:r>
+              <a:rPr lang="hu-HU" sz="2400" dirty="0" err="1">
+                <a:latin typeface="Montserrat" panose="00000500000000000000" pitchFamily="2" charset="-18"/>
+              </a:rPr>
+              <a:t>data</a:t>
+            </a:r>
+            <a:r>
+              <a:rPr lang="hu-HU" sz="2400" dirty="0">
+                <a:latin typeface="Montserrat" panose="00000500000000000000" pitchFamily="2" charset="-18"/>
+              </a:rPr>
+              <a:t>).</a:t>
+            </a:r>
+          </a:p>
+        </p:txBody>
+      </p:sp>
+    </p:spTree>
+    <p:extLst>
+      <p:ext uri="{BB962C8B-B14F-4D97-AF65-F5344CB8AC3E}">
+        <p14:creationId xmlns:p14="http://schemas.microsoft.com/office/powerpoint/2010/main" val="3893429122"/>
       </p:ext>
     </p:extLst>
   </p:cSld>

--- a/presentations/CEC2019-KM-Sess1.pptx
+++ b/presentations/CEC2019-KM-Sess1.pptx
@@ -5,7 +5,7 @@
     <p:sldMasterId id="2147483648" r:id="rId1"/>
   </p:sldMasterIdLst>
   <p:notesMasterIdLst>
-    <p:notesMasterId r:id="rId20"/>
+    <p:notesMasterId r:id="rId22"/>
   </p:notesMasterIdLst>
   <p:sldIdLst>
     <p:sldId id="256" r:id="rId2"/>
@@ -15,17 +15,19 @@
     <p:sldId id="264" r:id="rId6"/>
     <p:sldId id="265" r:id="rId7"/>
     <p:sldId id="266" r:id="rId8"/>
-    <p:sldId id="270" r:id="rId9"/>
+    <p:sldId id="277" r:id="rId9"/>
     <p:sldId id="271" r:id="rId10"/>
     <p:sldId id="267" r:id="rId11"/>
     <p:sldId id="268" r:id="rId12"/>
     <p:sldId id="269" r:id="rId13"/>
-    <p:sldId id="261" r:id="rId14"/>
-    <p:sldId id="272" r:id="rId15"/>
-    <p:sldId id="273" r:id="rId16"/>
-    <p:sldId id="274" r:id="rId17"/>
-    <p:sldId id="275" r:id="rId18"/>
-    <p:sldId id="276" r:id="rId19"/>
+    <p:sldId id="270" r:id="rId14"/>
+    <p:sldId id="261" r:id="rId15"/>
+    <p:sldId id="272" r:id="rId16"/>
+    <p:sldId id="273" r:id="rId17"/>
+    <p:sldId id="274" r:id="rId18"/>
+    <p:sldId id="275" r:id="rId19"/>
+    <p:sldId id="278" r:id="rId20"/>
+    <p:sldId id="276" r:id="rId21"/>
   </p:sldIdLst>
   <p:sldSz cx="12192000" cy="6858000"/>
   <p:notesSz cx="6858000" cy="9144000"/>
@@ -214,7 +216,7 @@
           <a:p>
             <a:fld id="{DFAC44B3-DF4C-4F38-9A07-ED7F2A720732}" type="datetimeFigureOut">
               <a:rPr lang="hu-HU" smtClean="0"/>
-              <a:t>2019. 08. 10.</a:t>
+              <a:t>2019. 08. 15.</a:t>
             </a:fld>
             <a:endParaRPr lang="hu-HU"/>
           </a:p>
@@ -638,7 +640,7 @@
           <a:p>
             <a:fld id="{3B46C910-0FDD-4E5B-A923-DD97A0A99E04}" type="datetime1">
               <a:rPr lang="hu-HU" smtClean="0"/>
-              <a:t>2019. 08. 10.</a:t>
+              <a:t>2019. 08. 15.</a:t>
             </a:fld>
             <a:endParaRPr lang="hu-HU" dirty="0"/>
           </a:p>
@@ -860,7 +862,7 @@
           <a:p>
             <a:fld id="{87FA7B68-73F1-4EDD-8A5B-8687165025C9}" type="datetime1">
               <a:rPr lang="hu-HU" smtClean="0"/>
-              <a:t>2019. 08. 10.</a:t>
+              <a:t>2019. 08. 15.</a:t>
             </a:fld>
             <a:endParaRPr lang="hu-HU"/>
           </a:p>
@@ -1071,7 +1073,7 @@
           <a:p>
             <a:fld id="{B5EB1809-086B-4655-B8A4-74476576C487}" type="datetime1">
               <a:rPr lang="hu-HU" smtClean="0"/>
-              <a:t>2019. 08. 10.</a:t>
+              <a:t>2019. 08. 15.</a:t>
             </a:fld>
             <a:endParaRPr lang="hu-HU"/>
           </a:p>
@@ -1304,7 +1306,7 @@
           <a:p>
             <a:fld id="{444B641D-F446-482F-BD8D-2B546EA2C2F1}" type="datetime1">
               <a:rPr lang="hu-HU" smtClean="0"/>
-              <a:t>2019. 08. 10.</a:t>
+              <a:t>2019. 08. 15.</a:t>
             </a:fld>
             <a:endParaRPr lang="hu-HU"/>
           </a:p>
@@ -1582,7 +1584,7 @@
           <a:p>
             <a:fld id="{C7623FBE-941A-4744-933F-84F72BFF7954}" type="datetime1">
               <a:rPr lang="hu-HU" smtClean="0"/>
-              <a:t>2019. 08. 10.</a:t>
+              <a:t>2019. 08. 15.</a:t>
             </a:fld>
             <a:endParaRPr lang="hu-HU"/>
           </a:p>
@@ -1908,7 +1910,7 @@
           <a:p>
             <a:fld id="{36D46308-3B5B-4C30-AC19-DF01BD74740C}" type="datetime1">
               <a:rPr lang="hu-HU" smtClean="0"/>
-              <a:t>2019. 08. 10.</a:t>
+              <a:t>2019. 08. 15.</a:t>
             </a:fld>
             <a:endParaRPr lang="hu-HU"/>
           </a:p>
@@ -2395,7 +2397,7 @@
           <a:p>
             <a:fld id="{8D6E728D-26E7-43BA-96F5-7A1E7F5977AD}" type="datetime1">
               <a:rPr lang="hu-HU" smtClean="0"/>
-              <a:t>2019. 08. 10.</a:t>
+              <a:t>2019. 08. 15.</a:t>
             </a:fld>
             <a:endParaRPr lang="hu-HU" dirty="0"/>
           </a:p>
@@ -2540,7 +2542,7 @@
           <a:p>
             <a:fld id="{2236457C-27E6-497B-BF2C-4F0CD77C5386}" type="datetime1">
               <a:rPr lang="hu-HU" smtClean="0"/>
-              <a:t>2019. 08. 10.</a:t>
+              <a:t>2019. 08. 15.</a:t>
             </a:fld>
             <a:endParaRPr lang="hu-HU"/>
           </a:p>
@@ -2656,7 +2658,7 @@
           <a:p>
             <a:fld id="{01A7CACD-9286-4B0C-9851-8C28763EB050}" type="datetime1">
               <a:rPr lang="hu-HU" smtClean="0"/>
-              <a:t>2019. 08. 10.</a:t>
+              <a:t>2019. 08. 15.</a:t>
             </a:fld>
             <a:endParaRPr lang="hu-HU"/>
           </a:p>
@@ -2970,7 +2972,7 @@
           <a:p>
             <a:fld id="{EEC4E208-4CC1-404A-AD07-C6BEA0E0ADFE}" type="datetime1">
               <a:rPr lang="hu-HU" smtClean="0"/>
-              <a:t>2019. 08. 10.</a:t>
+              <a:t>2019. 08. 15.</a:t>
             </a:fld>
             <a:endParaRPr lang="hu-HU"/>
           </a:p>
@@ -3261,7 +3263,7 @@
           <a:p>
             <a:fld id="{778BDC64-AAC6-4EE2-9988-02E9693D221F}" type="datetime1">
               <a:rPr lang="hu-HU" smtClean="0"/>
-              <a:t>2019. 08. 10.</a:t>
+              <a:t>2019. 08. 15.</a:t>
             </a:fld>
             <a:endParaRPr lang="hu-HU"/>
           </a:p>
@@ -3506,7 +3508,7 @@
           <a:p>
             <a:fld id="{0AE03D70-489F-4FD3-9C2E-CA23F6B13055}" type="datetime1">
               <a:rPr lang="hu-HU" smtClean="0"/>
-              <a:t>2019. 08. 10.</a:t>
+              <a:t>2019. 08. 15.</a:t>
             </a:fld>
             <a:endParaRPr lang="hu-HU" dirty="0"/>
           </a:p>
@@ -4515,7 +4517,7 @@
           <a:p>
             <a:fld id="{8D6E728D-26E7-43BA-96F5-7A1E7F5977AD}" type="datetime1">
               <a:rPr lang="hu-HU" smtClean="0"/>
-              <a:t>2019. 08. 10.</a:t>
+              <a:t>2019. 08. 15.</a:t>
             </a:fld>
             <a:endParaRPr lang="hu-HU" dirty="0"/>
           </a:p>
@@ -5064,7 +5066,7 @@
           <a:p>
             <a:fld id="{8D6E728D-26E7-43BA-96F5-7A1E7F5977AD}" type="datetime1">
               <a:rPr lang="hu-HU" smtClean="0"/>
-              <a:t>2019. 08. 10.</a:t>
+              <a:t>2019. 08. 15.</a:t>
             </a:fld>
             <a:endParaRPr lang="hu-HU" dirty="0"/>
           </a:p>
@@ -5586,7 +5588,7 @@
           <a:p>
             <a:fld id="{8D6E728D-26E7-43BA-96F5-7A1E7F5977AD}" type="datetime1">
               <a:rPr lang="hu-HU" smtClean="0"/>
-              <a:t>2019. 08. 11.</a:t>
+              <a:t>2019. 08. 15.</a:t>
             </a:fld>
             <a:endParaRPr lang="hu-HU" dirty="0"/>
           </a:p>
@@ -5682,10 +5684,10 @@
       </p:grpSpPr>
       <p:sp>
         <p:nvSpPr>
-          <p:cNvPr id="2" name="Cím 1">
-            <a:extLst>
-              <a:ext uri="{FF2B5EF4-FFF2-40B4-BE49-F238E27FC236}">
-                <a16:creationId xmlns:a16="http://schemas.microsoft.com/office/drawing/2014/main" id="{04FB9D7A-5AF0-410E-A84D-F526D29283DA}"/>
+          <p:cNvPr id="10" name="Cím 9">
+            <a:extLst>
+              <a:ext uri="{FF2B5EF4-FFF2-40B4-BE49-F238E27FC236}">
+                <a16:creationId xmlns:a16="http://schemas.microsoft.com/office/drawing/2014/main" id="{94E67E82-FC2C-447B-965E-01CCC24914BC}"/>
               </a:ext>
             </a:extLst>
           </p:cNvPr>
@@ -5698,413 +5700,78 @@
         </p:nvSpPr>
         <p:spPr/>
         <p:txBody>
+          <a:bodyPr/>
+          <a:lstStyle/>
+          <a:p>
+            <a:r>
+              <a:rPr lang="hu-HU" dirty="0" err="1"/>
+              <a:t>What</a:t>
+            </a:r>
+            <a:r>
+              <a:rPr lang="hu-HU" dirty="0"/>
+              <a:t> is </a:t>
+            </a:r>
+            <a:r>
+              <a:rPr lang="hu-HU" dirty="0" err="1"/>
+              <a:t>probability</a:t>
+            </a:r>
+            <a:r>
+              <a:rPr lang="hu-HU" dirty="0"/>
+              <a:t>?</a:t>
+            </a:r>
+          </a:p>
+        </p:txBody>
+      </p:sp>
+      <p:sp>
+        <p:nvSpPr>
+          <p:cNvPr id="11" name="Szöveg helye 10">
+            <a:extLst>
+              <a:ext uri="{FF2B5EF4-FFF2-40B4-BE49-F238E27FC236}">
+                <a16:creationId xmlns:a16="http://schemas.microsoft.com/office/drawing/2014/main" id="{852C64AB-3026-48EF-8C14-2C2D4A63A4C2}"/>
+              </a:ext>
+            </a:extLst>
+          </p:cNvPr>
+          <p:cNvSpPr>
+            <a:spLocks noGrp="1"/>
+          </p:cNvSpPr>
+          <p:nvPr>
+            <p:ph type="body" idx="1"/>
+          </p:nvPr>
+        </p:nvSpPr>
+        <p:spPr/>
+        <p:txBody>
+          <a:bodyPr/>
+          <a:lstStyle/>
+          <a:p>
+            <a:r>
+              <a:rPr lang="hu-HU" dirty="0" err="1"/>
+              <a:t>Frequentist</a:t>
+            </a:r>
+            <a:endParaRPr lang="hu-HU" dirty="0"/>
+          </a:p>
+        </p:txBody>
+      </p:sp>
+      <p:sp>
+        <p:nvSpPr>
+          <p:cNvPr id="12" name="Tartalom helye 11">
+            <a:extLst>
+              <a:ext uri="{FF2B5EF4-FFF2-40B4-BE49-F238E27FC236}">
+                <a16:creationId xmlns:a16="http://schemas.microsoft.com/office/drawing/2014/main" id="{00CAEDB0-5AAF-4785-AD07-D519E3D82068}"/>
+              </a:ext>
+            </a:extLst>
+          </p:cNvPr>
+          <p:cNvSpPr>
+            <a:spLocks noGrp="1"/>
+          </p:cNvSpPr>
+          <p:nvPr>
+            <p:ph sz="half" idx="2"/>
+          </p:nvPr>
+        </p:nvSpPr>
+        <p:spPr/>
+        <p:txBody>
           <a:bodyPr>
-            <a:normAutofit fontScale="90000"/>
+            <a:normAutofit/>
           </a:bodyPr>
-          <a:lstStyle/>
-          <a:p>
-            <a:r>
-              <a:rPr lang="hu-HU" dirty="0"/>
-              <a:t>An </a:t>
-            </a:r>
-            <a:r>
-              <a:rPr lang="hu-HU" dirty="0" err="1"/>
-              <a:t>example</a:t>
-            </a:r>
-            <a:endParaRPr lang="hu-HU" dirty="0"/>
-          </a:p>
-        </p:txBody>
-      </p:sp>
-      <p:sp>
-        <p:nvSpPr>
-          <p:cNvPr id="3" name="Tartalom helye 2">
-            <a:extLst>
-              <a:ext uri="{FF2B5EF4-FFF2-40B4-BE49-F238E27FC236}">
-                <a16:creationId xmlns:a16="http://schemas.microsoft.com/office/drawing/2014/main" id="{709C12A9-9DBD-40BA-A681-438430B223B0}"/>
-              </a:ext>
-            </a:extLst>
-          </p:cNvPr>
-          <p:cNvSpPr>
-            <a:spLocks noGrp="1"/>
-          </p:cNvSpPr>
-          <p:nvPr>
-            <p:ph idx="1"/>
-          </p:nvPr>
-        </p:nvSpPr>
-        <p:spPr/>
-        <p:txBody>
-          <a:bodyPr/>
-          <a:lstStyle/>
-          <a:p>
-            <a:pPr marL="0" indent="0">
-              <a:buNone/>
-            </a:pPr>
-            <a:r>
-              <a:rPr lang="hu-HU" sz="2400" dirty="0" err="1"/>
-              <a:t>Source</a:t>
-            </a:r>
-            <a:r>
-              <a:rPr lang="hu-HU" sz="2400" dirty="0"/>
-              <a:t>: </a:t>
-            </a:r>
-            <a:r>
-              <a:rPr lang="hu-HU" sz="2400" dirty="0">
-                <a:hlinkClick r:id="rId2"/>
-              </a:rPr>
-              <a:t>https://www.coursera.org/lecture/bayesian/frequentist-vs-bayesian-inference-q5CTh</a:t>
-            </a:r>
-            <a:endParaRPr lang="hu-HU" sz="2400" dirty="0"/>
-          </a:p>
-          <a:p>
-            <a:r>
-              <a:rPr lang="hu-HU" dirty="0" err="1"/>
-              <a:t>Have</a:t>
-            </a:r>
-            <a:r>
-              <a:rPr lang="hu-HU" dirty="0"/>
-              <a:t> </a:t>
-            </a:r>
-            <a:r>
-              <a:rPr lang="hu-HU" dirty="0" err="1"/>
-              <a:t>to</a:t>
-            </a:r>
-            <a:r>
-              <a:rPr lang="hu-HU" dirty="0"/>
-              <a:t> </a:t>
-            </a:r>
-            <a:r>
-              <a:rPr lang="hu-HU" dirty="0" err="1"/>
-              <a:t>decide</a:t>
-            </a:r>
-            <a:r>
-              <a:rPr lang="hu-HU" dirty="0"/>
-              <a:t> </a:t>
-            </a:r>
-            <a:r>
-              <a:rPr lang="hu-HU" dirty="0" err="1"/>
-              <a:t>if</a:t>
-            </a:r>
-            <a:r>
-              <a:rPr lang="hu-HU" dirty="0"/>
-              <a:t> </a:t>
-            </a:r>
-            <a:r>
-              <a:rPr lang="hu-HU" dirty="0" err="1"/>
-              <a:t>yellow</a:t>
-            </a:r>
-            <a:r>
-              <a:rPr lang="hu-HU" dirty="0"/>
-              <a:t> </a:t>
-            </a:r>
-            <a:r>
-              <a:rPr lang="hu-HU" dirty="0" err="1"/>
-              <a:t>M&amp;Ms</a:t>
-            </a:r>
-            <a:r>
-              <a:rPr lang="hu-HU" dirty="0"/>
-              <a:t> </a:t>
-            </a:r>
-            <a:r>
-              <a:rPr lang="hu-HU" dirty="0" err="1"/>
-              <a:t>proportion</a:t>
-            </a:r>
-            <a:r>
-              <a:rPr lang="hu-HU" dirty="0"/>
-              <a:t> is 10 </a:t>
-            </a:r>
-            <a:r>
-              <a:rPr lang="hu-HU" dirty="0" err="1"/>
-              <a:t>or</a:t>
-            </a:r>
-            <a:r>
-              <a:rPr lang="hu-HU" dirty="0"/>
-              <a:t> 20% in </a:t>
-            </a:r>
-            <a:r>
-              <a:rPr lang="hu-HU" dirty="0" err="1"/>
-              <a:t>the</a:t>
-            </a:r>
-            <a:r>
-              <a:rPr lang="hu-HU" dirty="0"/>
-              <a:t> </a:t>
-            </a:r>
-            <a:r>
-              <a:rPr lang="hu-HU" dirty="0" err="1"/>
-              <a:t>population</a:t>
-            </a:r>
-            <a:r>
-              <a:rPr lang="hu-HU" dirty="0"/>
-              <a:t>.</a:t>
-            </a:r>
-          </a:p>
-          <a:p>
-            <a:r>
-              <a:rPr lang="hu-HU" dirty="0"/>
-              <a:t>Data </a:t>
-            </a:r>
-            <a:r>
-              <a:rPr lang="hu-HU" dirty="0" err="1"/>
-              <a:t>collection</a:t>
-            </a:r>
-            <a:r>
-              <a:rPr lang="hu-HU" dirty="0"/>
-              <a:t> is </a:t>
-            </a:r>
-            <a:r>
-              <a:rPr lang="hu-HU" dirty="0" err="1"/>
-              <a:t>costly</a:t>
-            </a:r>
-            <a:r>
-              <a:rPr lang="hu-HU" dirty="0"/>
-              <a:t>, </a:t>
-            </a:r>
-            <a:r>
-              <a:rPr lang="hu-HU" dirty="0" err="1"/>
-              <a:t>so</a:t>
-            </a:r>
-            <a:r>
-              <a:rPr lang="hu-HU" dirty="0"/>
-              <a:t> </a:t>
-            </a:r>
-            <a:r>
-              <a:rPr lang="hu-HU" dirty="0" err="1"/>
-              <a:t>we</a:t>
-            </a:r>
-            <a:r>
-              <a:rPr lang="hu-HU" dirty="0"/>
-              <a:t> </a:t>
-            </a:r>
-            <a:r>
-              <a:rPr lang="hu-HU" dirty="0" err="1"/>
-              <a:t>have</a:t>
-            </a:r>
-            <a:r>
-              <a:rPr lang="hu-HU" dirty="0"/>
-              <a:t> </a:t>
-            </a:r>
-            <a:r>
-              <a:rPr lang="hu-HU" dirty="0" err="1"/>
-              <a:t>to</a:t>
-            </a:r>
-            <a:r>
-              <a:rPr lang="hu-HU" dirty="0"/>
-              <a:t> </a:t>
-            </a:r>
-            <a:r>
-              <a:rPr lang="hu-HU" dirty="0" err="1"/>
-              <a:t>decide</a:t>
-            </a:r>
-            <a:r>
-              <a:rPr lang="hu-HU" dirty="0"/>
-              <a:t> </a:t>
-            </a:r>
-            <a:r>
-              <a:rPr lang="hu-HU" dirty="0" err="1"/>
-              <a:t>after</a:t>
-            </a:r>
-            <a:r>
-              <a:rPr lang="hu-HU" dirty="0"/>
-              <a:t> </a:t>
-            </a:r>
-            <a:r>
-              <a:rPr lang="hu-HU" dirty="0" err="1"/>
-              <a:t>seeing</a:t>
-            </a:r>
-            <a:r>
-              <a:rPr lang="hu-HU" dirty="0"/>
-              <a:t> a 5 </a:t>
-            </a:r>
-            <a:r>
-              <a:rPr lang="hu-HU" dirty="0" err="1"/>
-              <a:t>element</a:t>
-            </a:r>
-            <a:r>
-              <a:rPr lang="hu-HU" dirty="0"/>
-              <a:t> </a:t>
-            </a:r>
-            <a:r>
-              <a:rPr lang="hu-HU" dirty="0" err="1"/>
-              <a:t>sample</a:t>
-            </a:r>
-            <a:r>
-              <a:rPr lang="hu-HU" dirty="0"/>
-              <a:t> (</a:t>
-            </a:r>
-            <a:r>
-              <a:rPr lang="hu-HU" dirty="0" err="1"/>
-              <a:t>this</a:t>
-            </a:r>
-            <a:r>
-              <a:rPr lang="hu-HU" dirty="0"/>
-              <a:t> is </a:t>
-            </a:r>
-            <a:r>
-              <a:rPr lang="hu-HU" dirty="0" err="1"/>
-              <a:t>didactic</a:t>
-            </a:r>
-            <a:r>
-              <a:rPr lang="hu-HU" dirty="0"/>
-              <a:t> </a:t>
-            </a:r>
-            <a:r>
-              <a:rPr lang="hu-HU" dirty="0">
-                <a:sym typeface="Wingdings" panose="05000000000000000000" pitchFamily="2" charset="2"/>
-              </a:rPr>
-              <a:t>)</a:t>
-            </a:r>
-          </a:p>
-          <a:p>
-            <a:r>
-              <a:rPr lang="hu-HU" dirty="0" err="1">
-                <a:sym typeface="Wingdings" panose="05000000000000000000" pitchFamily="2" charset="2"/>
-              </a:rPr>
-              <a:t>Let’s</a:t>
-            </a:r>
-            <a:r>
-              <a:rPr lang="hu-HU" dirty="0">
-                <a:sym typeface="Wingdings" panose="05000000000000000000" pitchFamily="2" charset="2"/>
-              </a:rPr>
-              <a:t> </a:t>
-            </a:r>
-            <a:r>
-              <a:rPr lang="hu-HU" dirty="0" err="1">
-                <a:sym typeface="Wingdings" panose="05000000000000000000" pitchFamily="2" charset="2"/>
-              </a:rPr>
-              <a:t>solve</a:t>
-            </a:r>
-            <a:r>
-              <a:rPr lang="hu-HU" dirty="0">
-                <a:sym typeface="Wingdings" panose="05000000000000000000" pitchFamily="2" charset="2"/>
-              </a:rPr>
-              <a:t> </a:t>
-            </a:r>
-            <a:r>
-              <a:rPr lang="hu-HU" dirty="0" err="1">
-                <a:sym typeface="Wingdings" panose="05000000000000000000" pitchFamily="2" charset="2"/>
-              </a:rPr>
-              <a:t>this</a:t>
-            </a:r>
-            <a:r>
-              <a:rPr lang="hu-HU" dirty="0">
-                <a:sym typeface="Wingdings" panose="05000000000000000000" pitchFamily="2" charset="2"/>
-              </a:rPr>
-              <a:t> </a:t>
-            </a:r>
-            <a:r>
-              <a:rPr lang="hu-HU" dirty="0" err="1">
-                <a:sym typeface="Wingdings" panose="05000000000000000000" pitchFamily="2" charset="2"/>
-              </a:rPr>
-              <a:t>using</a:t>
-            </a:r>
-            <a:r>
-              <a:rPr lang="hu-HU" dirty="0">
-                <a:sym typeface="Wingdings" panose="05000000000000000000" pitchFamily="2" charset="2"/>
-              </a:rPr>
-              <a:t> </a:t>
-            </a:r>
-            <a:r>
-              <a:rPr lang="hu-HU" dirty="0" err="1">
-                <a:sym typeface="Wingdings" panose="05000000000000000000" pitchFamily="2" charset="2"/>
-              </a:rPr>
-              <a:t>both</a:t>
-            </a:r>
-            <a:r>
-              <a:rPr lang="hu-HU" dirty="0">
-                <a:sym typeface="Wingdings" panose="05000000000000000000" pitchFamily="2" charset="2"/>
-              </a:rPr>
-              <a:t> </a:t>
-            </a:r>
-            <a:r>
-              <a:rPr lang="hu-HU" dirty="0" err="1">
-                <a:sym typeface="Wingdings" panose="05000000000000000000" pitchFamily="2" charset="2"/>
-              </a:rPr>
-              <a:t>paradigms</a:t>
-            </a:r>
-            <a:r>
-              <a:rPr lang="hu-HU" dirty="0">
-                <a:sym typeface="Wingdings" panose="05000000000000000000" pitchFamily="2" charset="2"/>
-              </a:rPr>
-              <a:t>!</a:t>
-            </a:r>
-          </a:p>
-        </p:txBody>
-      </p:sp>
-      <p:sp>
-        <p:nvSpPr>
-          <p:cNvPr id="4" name="Dátum helye 3">
-            <a:extLst>
-              <a:ext uri="{FF2B5EF4-FFF2-40B4-BE49-F238E27FC236}">
-                <a16:creationId xmlns:a16="http://schemas.microsoft.com/office/drawing/2014/main" id="{3AE80BDF-833D-45AA-8B22-B78A225449C9}"/>
-              </a:ext>
-            </a:extLst>
-          </p:cNvPr>
-          <p:cNvSpPr>
-            <a:spLocks noGrp="1"/>
-          </p:cNvSpPr>
-          <p:nvPr>
-            <p:ph type="dt" sz="half" idx="10"/>
-          </p:nvPr>
-        </p:nvSpPr>
-        <p:spPr/>
-        <p:txBody>
-          <a:bodyPr/>
-          <a:lstStyle/>
-          <a:p>
-            <a:fld id="{19351AAE-18EE-464E-8256-2689F6168C0F}" type="datetime1">
-              <a:rPr lang="hu-HU" smtClean="0"/>
-              <a:t>2019. 08. 11.</a:t>
-            </a:fld>
-            <a:endParaRPr lang="hu-HU"/>
-          </a:p>
-        </p:txBody>
-      </p:sp>
-      <p:sp>
-        <p:nvSpPr>
-          <p:cNvPr id="5" name="Élőláb helye 4">
-            <a:extLst>
-              <a:ext uri="{FF2B5EF4-FFF2-40B4-BE49-F238E27FC236}">
-                <a16:creationId xmlns:a16="http://schemas.microsoft.com/office/drawing/2014/main" id="{1990AF60-07BD-49FD-8060-14266BF1BA82}"/>
-              </a:ext>
-            </a:extLst>
-          </p:cNvPr>
-          <p:cNvSpPr>
-            <a:spLocks noGrp="1"/>
-          </p:cNvSpPr>
-          <p:nvPr>
-            <p:ph type="ftr" sz="quarter" idx="11"/>
-          </p:nvPr>
-        </p:nvSpPr>
-        <p:spPr/>
-        <p:txBody>
-          <a:bodyPr/>
-          <a:lstStyle/>
-          <a:p>
-            <a:r>
-              <a:rPr lang="hu-HU"/>
-              <a:t>Mór Kapronczay  -  Starschema Ltd.</a:t>
-            </a:r>
-          </a:p>
-        </p:txBody>
-      </p:sp>
-      <p:sp>
-        <p:nvSpPr>
-          <p:cNvPr id="6" name="Dia számának helye 5">
-            <a:extLst>
-              <a:ext uri="{FF2B5EF4-FFF2-40B4-BE49-F238E27FC236}">
-                <a16:creationId xmlns:a16="http://schemas.microsoft.com/office/drawing/2014/main" id="{8FA46F80-4F64-46D7-9FBF-C947037E737E}"/>
-              </a:ext>
-            </a:extLst>
-          </p:cNvPr>
-          <p:cNvSpPr>
-            <a:spLocks noGrp="1"/>
-          </p:cNvSpPr>
-          <p:nvPr>
-            <p:ph type="sldNum" sz="quarter" idx="12"/>
-          </p:nvPr>
-        </p:nvSpPr>
-        <p:spPr/>
-        <p:txBody>
-          <a:bodyPr/>
           <a:lstStyle/>
           <a:p>
             <a:pPr marL="0" indent="0">
@@ -6116,21 +5783,192 @@
             <a:pPr marL="0" indent="0">
               <a:buNone/>
             </a:pPr>
+            <a:r>
+              <a:rPr lang="hu-HU" dirty="0" err="1"/>
+              <a:t>Proportion</a:t>
+            </a:r>
+            <a:r>
+              <a:rPr lang="hu-HU" dirty="0"/>
+              <a:t> of </a:t>
+            </a:r>
+            <a:r>
+              <a:rPr lang="hu-HU" dirty="0" err="1"/>
+              <a:t>outcomes</a:t>
+            </a:r>
+            <a:endParaRPr lang="en-US" dirty="0"/>
+          </a:p>
+        </p:txBody>
+      </p:sp>
+      <p:sp>
+        <p:nvSpPr>
+          <p:cNvPr id="13" name="Szöveg helye 12">
+            <a:extLst>
+              <a:ext uri="{FF2B5EF4-FFF2-40B4-BE49-F238E27FC236}">
+                <a16:creationId xmlns:a16="http://schemas.microsoft.com/office/drawing/2014/main" id="{ED68DDEA-0F28-45DE-B1CB-22EA49D4C8D2}"/>
+              </a:ext>
+            </a:extLst>
+          </p:cNvPr>
+          <p:cNvSpPr>
+            <a:spLocks noGrp="1"/>
+          </p:cNvSpPr>
+          <p:nvPr>
+            <p:ph type="body" sz="quarter" idx="3"/>
+          </p:nvPr>
+        </p:nvSpPr>
+        <p:spPr/>
+        <p:txBody>
+          <a:bodyPr/>
+          <a:lstStyle/>
+          <a:p>
+            <a:r>
+              <a:rPr lang="hu-HU" dirty="0" err="1"/>
+              <a:t>Bayesian</a:t>
+            </a:r>
+            <a:endParaRPr lang="hu-HU" dirty="0"/>
+          </a:p>
+        </p:txBody>
+      </p:sp>
+      <p:sp>
+        <p:nvSpPr>
+          <p:cNvPr id="15" name="Tartalom helye 14">
+            <a:extLst>
+              <a:ext uri="{FF2B5EF4-FFF2-40B4-BE49-F238E27FC236}">
+                <a16:creationId xmlns:a16="http://schemas.microsoft.com/office/drawing/2014/main" id="{BFEDCE69-90DC-43BC-8FBA-1693AE03767B}"/>
+              </a:ext>
+            </a:extLst>
+          </p:cNvPr>
+          <p:cNvSpPr>
+            <a:spLocks noGrp="1"/>
+          </p:cNvSpPr>
+          <p:nvPr>
+            <p:ph sz="quarter" idx="4"/>
+          </p:nvPr>
+        </p:nvSpPr>
+        <p:spPr/>
+        <p:txBody>
+          <a:bodyPr>
+            <a:normAutofit/>
+          </a:bodyPr>
+          <a:lstStyle/>
+          <a:p>
+            <a:pPr marL="0" indent="0">
+              <a:buNone/>
+            </a:pPr>
+            <a:endParaRPr lang="hu-HU" dirty="0"/>
+          </a:p>
+          <a:p>
+            <a:pPr marL="0" indent="0">
+              <a:buNone/>
+            </a:pPr>
+            <a:r>
+              <a:rPr lang="hu-HU" dirty="0" err="1"/>
+              <a:t>Degree</a:t>
+            </a:r>
+            <a:r>
+              <a:rPr lang="hu-HU" dirty="0"/>
+              <a:t> of </a:t>
+            </a:r>
+            <a:r>
+              <a:rPr lang="hu-HU" dirty="0" err="1"/>
+              <a:t>belief</a:t>
+            </a:r>
+            <a:br>
+              <a:rPr lang="en-US" dirty="0"/>
+            </a:br>
+            <a:endParaRPr lang="hu-HU" dirty="0"/>
+          </a:p>
+        </p:txBody>
+      </p:sp>
+      <p:sp>
+        <p:nvSpPr>
+          <p:cNvPr id="4" name="Dátum helye 3">
+            <a:extLst>
+              <a:ext uri="{FF2B5EF4-FFF2-40B4-BE49-F238E27FC236}">
+                <a16:creationId xmlns:a16="http://schemas.microsoft.com/office/drawing/2014/main" id="{B064DCB0-D993-426B-B2EB-C433D95D732A}"/>
+              </a:ext>
+            </a:extLst>
+          </p:cNvPr>
+          <p:cNvSpPr>
+            <a:spLocks noGrp="1"/>
+          </p:cNvSpPr>
+          <p:nvPr>
+            <p:ph type="dt" sz="half" idx="10"/>
+          </p:nvPr>
+        </p:nvSpPr>
+        <p:spPr/>
+        <p:txBody>
+          <a:bodyPr/>
+          <a:lstStyle/>
+          <a:p>
+            <a:fld id="{444B641D-F446-482F-BD8D-2B546EA2C2F1}" type="datetime1">
+              <a:rPr lang="hu-HU" smtClean="0"/>
+              <a:t>2019. 08. 15.</a:t>
+            </a:fld>
+            <a:endParaRPr lang="hu-HU"/>
+          </a:p>
+        </p:txBody>
+      </p:sp>
+      <p:sp>
+        <p:nvSpPr>
+          <p:cNvPr id="5" name="Élőláb helye 4">
+            <a:extLst>
+              <a:ext uri="{FF2B5EF4-FFF2-40B4-BE49-F238E27FC236}">
+                <a16:creationId xmlns:a16="http://schemas.microsoft.com/office/drawing/2014/main" id="{DCD33600-332D-48BE-99BD-04E2755B3108}"/>
+              </a:ext>
+            </a:extLst>
+          </p:cNvPr>
+          <p:cNvSpPr>
+            <a:spLocks noGrp="1"/>
+          </p:cNvSpPr>
+          <p:nvPr>
+            <p:ph type="ftr" sz="quarter" idx="11"/>
+          </p:nvPr>
+        </p:nvSpPr>
+        <p:spPr/>
+        <p:txBody>
+          <a:bodyPr/>
+          <a:lstStyle/>
+          <a:p>
+            <a:r>
+              <a:rPr lang="hu-HU"/>
+              <a:t>Mór Kapronczay  -  Starschema Ltd.</a:t>
+            </a:r>
+          </a:p>
+        </p:txBody>
+      </p:sp>
+      <p:sp>
+        <p:nvSpPr>
+          <p:cNvPr id="6" name="Dia számának helye 5">
+            <a:extLst>
+              <a:ext uri="{FF2B5EF4-FFF2-40B4-BE49-F238E27FC236}">
+                <a16:creationId xmlns:a16="http://schemas.microsoft.com/office/drawing/2014/main" id="{E5F9991C-2959-4149-A0D5-6A8F468A263C}"/>
+              </a:ext>
+            </a:extLst>
+          </p:cNvPr>
+          <p:cNvSpPr>
+            <a:spLocks noGrp="1"/>
+          </p:cNvSpPr>
+          <p:nvPr>
+            <p:ph type="sldNum" sz="quarter" idx="12"/>
+          </p:nvPr>
+        </p:nvSpPr>
+        <p:spPr/>
+        <p:txBody>
+          <a:bodyPr/>
+          <a:lstStyle/>
+          <a:p>
             <a:fld id="{14BC9C27-3A79-4F57-BFB4-AB282D25D2CE}" type="slidenum">
               <a:rPr lang="hu-HU" smtClean="0"/>
-              <a:pPr marL="0" indent="0">
-                <a:buNone/>
-              </a:pPr>
               <a:t>13</a:t>
             </a:fld>
-            <a:endParaRPr lang="hu-HU" dirty="0"/>
+            <a:endParaRPr lang="hu-HU"/>
           </a:p>
         </p:txBody>
       </p:sp>
     </p:spTree>
     <p:extLst>
       <p:ext uri="{BB962C8B-B14F-4D97-AF65-F5344CB8AC3E}">
-        <p14:creationId xmlns:p14="http://schemas.microsoft.com/office/powerpoint/2010/main" val="3605023934"/>
+        <p14:creationId xmlns:p14="http://schemas.microsoft.com/office/powerpoint/2010/main" val="1412264173"/>
       </p:ext>
     </p:extLst>
   </p:cSld>
@@ -6162,7 +6000,7 @@
           <p:cNvPr id="2" name="Cím 1">
             <a:extLst>
               <a:ext uri="{FF2B5EF4-FFF2-40B4-BE49-F238E27FC236}">
-                <a16:creationId xmlns:a16="http://schemas.microsoft.com/office/drawing/2014/main" id="{CCDE7EAF-803F-435B-BA10-AA9663C32C7E}"/>
+                <a16:creationId xmlns:a16="http://schemas.microsoft.com/office/drawing/2014/main" id="{04FB9D7A-5AF0-410E-A84D-F526D29283DA}"/>
               </a:ext>
             </a:extLst>
           </p:cNvPr>
@@ -6181,16 +6019,12 @@
           <a:lstStyle/>
           <a:p>
             <a:r>
-              <a:rPr lang="hu-HU" dirty="0" err="1"/>
-              <a:t>Frequentist</a:t>
-            </a:r>
-            <a:r>
-              <a:rPr lang="hu-HU" dirty="0"/>
-              <a:t> </a:t>
-            </a:r>
-            <a:r>
-              <a:rPr lang="hu-HU" dirty="0" err="1"/>
-              <a:t>method</a:t>
+              <a:rPr lang="hu-HU" dirty="0"/>
+              <a:t>An </a:t>
+            </a:r>
+            <a:r>
+              <a:rPr lang="hu-HU" dirty="0" err="1"/>
+              <a:t>example</a:t>
             </a:r>
             <a:endParaRPr lang="hu-HU" dirty="0"/>
           </a:p>
@@ -6201,7 +6035,7 @@
           <p:cNvPr id="3" name="Tartalom helye 2">
             <a:extLst>
               <a:ext uri="{FF2B5EF4-FFF2-40B4-BE49-F238E27FC236}">
-                <a16:creationId xmlns:a16="http://schemas.microsoft.com/office/drawing/2014/main" id="{0270B7EA-7F67-4855-9553-01A47D4741EA}"/>
+                <a16:creationId xmlns:a16="http://schemas.microsoft.com/office/drawing/2014/main" id="{709C12A9-9DBD-40BA-A681-438430B223B0}"/>
               </a:ext>
             </a:extLst>
           </p:cNvPr>
@@ -6214,57 +6048,379 @@
         </p:nvSpPr>
         <p:spPr/>
         <p:txBody>
-          <a:bodyPr>
-            <a:normAutofit lnSpcReduction="10000"/>
-          </a:bodyPr>
+          <a:bodyPr/>
           <a:lstStyle/>
           <a:p>
             <a:pPr marL="0" indent="0">
               <a:buNone/>
             </a:pPr>
             <a:r>
-              <a:rPr lang="hu-HU" dirty="0"/>
-              <a:t>H0 : p = 0.1</a:t>
-            </a:r>
-          </a:p>
-          <a:p>
-            <a:pPr marL="0" indent="0">
-              <a:buNone/>
-            </a:pPr>
-            <a:r>
-              <a:rPr lang="hu-HU" dirty="0"/>
-              <a:t>H1 : p &gt; 0.1</a:t>
-            </a:r>
-          </a:p>
-          <a:p>
-            <a:pPr marL="0" indent="0">
-              <a:buNone/>
-            </a:pPr>
-            <a:r>
-              <a:rPr lang="hu-HU" dirty="0" err="1"/>
-              <a:t>alpha</a:t>
-            </a:r>
-            <a:r>
-              <a:rPr lang="hu-HU" dirty="0"/>
-              <a:t>(</a:t>
-            </a:r>
-            <a:r>
-              <a:rPr lang="hu-HU" dirty="0" err="1"/>
-              <a:t>significance</a:t>
-            </a:r>
-            <a:r>
-              <a:rPr lang="hu-HU" dirty="0"/>
-              <a:t> </a:t>
-            </a:r>
-            <a:r>
-              <a:rPr lang="hu-HU" dirty="0" err="1"/>
-              <a:t>level</a:t>
-            </a:r>
-            <a:r>
-              <a:rPr lang="hu-HU" dirty="0"/>
-              <a:t>) = 0.05</a:t>
-            </a:r>
-          </a:p>
+              <a:rPr lang="hu-HU" sz="2400" dirty="0" err="1"/>
+              <a:t>Source</a:t>
+            </a:r>
+            <a:r>
+              <a:rPr lang="hu-HU" sz="2400" dirty="0"/>
+              <a:t>: </a:t>
+            </a:r>
+            <a:r>
+              <a:rPr lang="hu-HU" sz="2400" dirty="0">
+                <a:hlinkClick r:id="rId2"/>
+              </a:rPr>
+              <a:t>https://www.coursera.org/lecture/bayesian/frequentist-vs-bayesian-inference-q5CTh</a:t>
+            </a:r>
+            <a:endParaRPr lang="hu-HU" sz="2400" dirty="0"/>
+          </a:p>
+          <a:p>
+            <a:r>
+              <a:rPr lang="hu-HU" dirty="0" err="1"/>
+              <a:t>Have</a:t>
+            </a:r>
+            <a:r>
+              <a:rPr lang="hu-HU" dirty="0"/>
+              <a:t> </a:t>
+            </a:r>
+            <a:r>
+              <a:rPr lang="hu-HU" dirty="0" err="1"/>
+              <a:t>to</a:t>
+            </a:r>
+            <a:r>
+              <a:rPr lang="hu-HU" dirty="0"/>
+              <a:t> </a:t>
+            </a:r>
+            <a:r>
+              <a:rPr lang="hu-HU" dirty="0" err="1"/>
+              <a:t>decide</a:t>
+            </a:r>
+            <a:r>
+              <a:rPr lang="hu-HU" dirty="0"/>
+              <a:t> </a:t>
+            </a:r>
+            <a:r>
+              <a:rPr lang="hu-HU" dirty="0" err="1"/>
+              <a:t>if</a:t>
+            </a:r>
+            <a:r>
+              <a:rPr lang="hu-HU" dirty="0"/>
+              <a:t> </a:t>
+            </a:r>
+            <a:r>
+              <a:rPr lang="hu-HU" dirty="0" err="1"/>
+              <a:t>yellow</a:t>
+            </a:r>
+            <a:r>
+              <a:rPr lang="hu-HU" dirty="0"/>
+              <a:t> </a:t>
+            </a:r>
+            <a:r>
+              <a:rPr lang="hu-HU" dirty="0" err="1"/>
+              <a:t>M&amp;Ms</a:t>
+            </a:r>
+            <a:r>
+              <a:rPr lang="hu-HU" dirty="0"/>
+              <a:t> </a:t>
+            </a:r>
+            <a:r>
+              <a:rPr lang="hu-HU" dirty="0" err="1"/>
+              <a:t>proportion</a:t>
+            </a:r>
+            <a:r>
+              <a:rPr lang="hu-HU" dirty="0"/>
+              <a:t> is 10 </a:t>
+            </a:r>
+            <a:r>
+              <a:rPr lang="hu-HU" dirty="0" err="1"/>
+              <a:t>or</a:t>
+            </a:r>
+            <a:r>
+              <a:rPr lang="hu-HU" dirty="0"/>
+              <a:t> 20% in </a:t>
+            </a:r>
+            <a:r>
+              <a:rPr lang="hu-HU" dirty="0" err="1"/>
+              <a:t>the</a:t>
+            </a:r>
+            <a:r>
+              <a:rPr lang="hu-HU" dirty="0"/>
+              <a:t> </a:t>
+            </a:r>
+            <a:r>
+              <a:rPr lang="hu-HU" dirty="0" err="1"/>
+              <a:t>population</a:t>
+            </a:r>
+            <a:r>
+              <a:rPr lang="hu-HU" dirty="0"/>
+              <a:t>.</a:t>
+            </a:r>
+          </a:p>
+          <a:p>
+            <a:r>
+              <a:rPr lang="hu-HU" dirty="0"/>
+              <a:t>Data </a:t>
+            </a:r>
+            <a:r>
+              <a:rPr lang="hu-HU" dirty="0" err="1"/>
+              <a:t>collection</a:t>
+            </a:r>
+            <a:r>
+              <a:rPr lang="hu-HU" dirty="0"/>
+              <a:t> is </a:t>
+            </a:r>
+            <a:r>
+              <a:rPr lang="hu-HU" dirty="0" err="1"/>
+              <a:t>costly</a:t>
+            </a:r>
+            <a:r>
+              <a:rPr lang="hu-HU" dirty="0"/>
+              <a:t>, </a:t>
+            </a:r>
+            <a:r>
+              <a:rPr lang="hu-HU" dirty="0" err="1"/>
+              <a:t>so</a:t>
+            </a:r>
+            <a:r>
+              <a:rPr lang="hu-HU" dirty="0"/>
+              <a:t> </a:t>
+            </a:r>
+            <a:r>
+              <a:rPr lang="hu-HU" dirty="0" err="1"/>
+              <a:t>we</a:t>
+            </a:r>
+            <a:r>
+              <a:rPr lang="hu-HU" dirty="0"/>
+              <a:t> </a:t>
+            </a:r>
+            <a:r>
+              <a:rPr lang="hu-HU" dirty="0" err="1"/>
+              <a:t>have</a:t>
+            </a:r>
+            <a:r>
+              <a:rPr lang="hu-HU" dirty="0"/>
+              <a:t> </a:t>
+            </a:r>
+            <a:r>
+              <a:rPr lang="hu-HU" dirty="0" err="1"/>
+              <a:t>to</a:t>
+            </a:r>
+            <a:r>
+              <a:rPr lang="hu-HU" dirty="0"/>
+              <a:t> </a:t>
+            </a:r>
+            <a:r>
+              <a:rPr lang="hu-HU" dirty="0" err="1"/>
+              <a:t>decide</a:t>
+            </a:r>
+            <a:r>
+              <a:rPr lang="hu-HU" dirty="0"/>
+              <a:t> </a:t>
+            </a:r>
+            <a:r>
+              <a:rPr lang="hu-HU" dirty="0" err="1"/>
+              <a:t>after</a:t>
+            </a:r>
+            <a:r>
+              <a:rPr lang="hu-HU" dirty="0"/>
+              <a:t> </a:t>
+            </a:r>
+            <a:r>
+              <a:rPr lang="hu-HU" dirty="0" err="1"/>
+              <a:t>seeing</a:t>
+            </a:r>
+            <a:r>
+              <a:rPr lang="hu-HU" dirty="0"/>
+              <a:t> a 5 </a:t>
+            </a:r>
+            <a:r>
+              <a:rPr lang="hu-HU" dirty="0" err="1"/>
+              <a:t>element</a:t>
+            </a:r>
+            <a:r>
+              <a:rPr lang="hu-HU" dirty="0"/>
+              <a:t> </a:t>
+            </a:r>
+            <a:r>
+              <a:rPr lang="hu-HU" dirty="0" err="1"/>
+              <a:t>sample</a:t>
+            </a:r>
+            <a:r>
+              <a:rPr lang="hu-HU" dirty="0"/>
+              <a:t> (</a:t>
+            </a:r>
+            <a:r>
+              <a:rPr lang="hu-HU" dirty="0" err="1"/>
+              <a:t>this</a:t>
+            </a:r>
+            <a:r>
+              <a:rPr lang="hu-HU" dirty="0"/>
+              <a:t> is </a:t>
+            </a:r>
+            <a:r>
+              <a:rPr lang="hu-HU" dirty="0" err="1"/>
+              <a:t>didactic</a:t>
+            </a:r>
+            <a:r>
+              <a:rPr lang="hu-HU" dirty="0"/>
+              <a:t> </a:t>
+            </a:r>
+            <a:r>
+              <a:rPr lang="hu-HU" dirty="0">
+                <a:sym typeface="Wingdings" panose="05000000000000000000" pitchFamily="2" charset="2"/>
+              </a:rPr>
+              <a:t>)</a:t>
+            </a:r>
+          </a:p>
+          <a:p>
+            <a:r>
+              <a:rPr lang="hu-HU" dirty="0" err="1">
+                <a:sym typeface="Wingdings" panose="05000000000000000000" pitchFamily="2" charset="2"/>
+              </a:rPr>
+              <a:t>Let’s</a:t>
+            </a:r>
+            <a:r>
+              <a:rPr lang="hu-HU" dirty="0">
+                <a:sym typeface="Wingdings" panose="05000000000000000000" pitchFamily="2" charset="2"/>
+              </a:rPr>
+              <a:t> </a:t>
+            </a:r>
+            <a:r>
+              <a:rPr lang="hu-HU" dirty="0" err="1">
+                <a:sym typeface="Wingdings" panose="05000000000000000000" pitchFamily="2" charset="2"/>
+              </a:rPr>
+              <a:t>solve</a:t>
+            </a:r>
+            <a:r>
+              <a:rPr lang="hu-HU" dirty="0">
+                <a:sym typeface="Wingdings" panose="05000000000000000000" pitchFamily="2" charset="2"/>
+              </a:rPr>
+              <a:t> </a:t>
+            </a:r>
+            <a:r>
+              <a:rPr lang="hu-HU" dirty="0" err="1">
+                <a:sym typeface="Wingdings" panose="05000000000000000000" pitchFamily="2" charset="2"/>
+              </a:rPr>
+              <a:t>this</a:t>
+            </a:r>
+            <a:r>
+              <a:rPr lang="hu-HU" dirty="0">
+                <a:sym typeface="Wingdings" panose="05000000000000000000" pitchFamily="2" charset="2"/>
+              </a:rPr>
+              <a:t> </a:t>
+            </a:r>
+            <a:r>
+              <a:rPr lang="hu-HU" dirty="0" err="1">
+                <a:sym typeface="Wingdings" panose="05000000000000000000" pitchFamily="2" charset="2"/>
+              </a:rPr>
+              <a:t>using</a:t>
+            </a:r>
+            <a:r>
+              <a:rPr lang="hu-HU" dirty="0">
+                <a:sym typeface="Wingdings" panose="05000000000000000000" pitchFamily="2" charset="2"/>
+              </a:rPr>
+              <a:t> </a:t>
+            </a:r>
+            <a:r>
+              <a:rPr lang="hu-HU" dirty="0" err="1">
+                <a:sym typeface="Wingdings" panose="05000000000000000000" pitchFamily="2" charset="2"/>
+              </a:rPr>
+              <a:t>both</a:t>
+            </a:r>
+            <a:r>
+              <a:rPr lang="hu-HU" dirty="0">
+                <a:sym typeface="Wingdings" panose="05000000000000000000" pitchFamily="2" charset="2"/>
+              </a:rPr>
+              <a:t> </a:t>
+            </a:r>
+            <a:r>
+              <a:rPr lang="hu-HU" dirty="0" err="1">
+                <a:sym typeface="Wingdings" panose="05000000000000000000" pitchFamily="2" charset="2"/>
+              </a:rPr>
+              <a:t>paradigms</a:t>
+            </a:r>
+            <a:r>
+              <a:rPr lang="hu-HU" dirty="0">
+                <a:sym typeface="Wingdings" panose="05000000000000000000" pitchFamily="2" charset="2"/>
+              </a:rPr>
+              <a:t>!</a:t>
+            </a:r>
+          </a:p>
+        </p:txBody>
+      </p:sp>
+      <p:sp>
+        <p:nvSpPr>
+          <p:cNvPr id="4" name="Dátum helye 3">
+            <a:extLst>
+              <a:ext uri="{FF2B5EF4-FFF2-40B4-BE49-F238E27FC236}">
+                <a16:creationId xmlns:a16="http://schemas.microsoft.com/office/drawing/2014/main" id="{3AE80BDF-833D-45AA-8B22-B78A225449C9}"/>
+              </a:ext>
+            </a:extLst>
+          </p:cNvPr>
+          <p:cNvSpPr>
+            <a:spLocks noGrp="1"/>
+          </p:cNvSpPr>
+          <p:nvPr>
+            <p:ph type="dt" sz="half" idx="10"/>
+          </p:nvPr>
+        </p:nvSpPr>
+        <p:spPr/>
+        <p:txBody>
+          <a:bodyPr/>
+          <a:lstStyle/>
+          <a:p>
+            <a:fld id="{19351AAE-18EE-464E-8256-2689F6168C0F}" type="datetime1">
+              <a:rPr lang="hu-HU" smtClean="0"/>
+              <a:t>2019. 08. 15.</a:t>
+            </a:fld>
+            <a:endParaRPr lang="hu-HU"/>
+          </a:p>
+        </p:txBody>
+      </p:sp>
+      <p:sp>
+        <p:nvSpPr>
+          <p:cNvPr id="5" name="Élőláb helye 4">
+            <a:extLst>
+              <a:ext uri="{FF2B5EF4-FFF2-40B4-BE49-F238E27FC236}">
+                <a16:creationId xmlns:a16="http://schemas.microsoft.com/office/drawing/2014/main" id="{1990AF60-07BD-49FD-8060-14266BF1BA82}"/>
+              </a:ext>
+            </a:extLst>
+          </p:cNvPr>
+          <p:cNvSpPr>
+            <a:spLocks noGrp="1"/>
+          </p:cNvSpPr>
+          <p:nvPr>
+            <p:ph type="ftr" sz="quarter" idx="11"/>
+          </p:nvPr>
+        </p:nvSpPr>
+        <p:spPr/>
+        <p:txBody>
+          <a:bodyPr/>
+          <a:lstStyle/>
+          <a:p>
+            <a:r>
+              <a:rPr lang="hu-HU"/>
+              <a:t>Mór Kapronczay  -  Starschema Ltd.</a:t>
+            </a:r>
+          </a:p>
+        </p:txBody>
+      </p:sp>
+      <p:sp>
+        <p:nvSpPr>
+          <p:cNvPr id="6" name="Dia számának helye 5">
+            <a:extLst>
+              <a:ext uri="{FF2B5EF4-FFF2-40B4-BE49-F238E27FC236}">
+                <a16:creationId xmlns:a16="http://schemas.microsoft.com/office/drawing/2014/main" id="{8FA46F80-4F64-46D7-9FBF-C947037E737E}"/>
+              </a:ext>
+            </a:extLst>
+          </p:cNvPr>
+          <p:cNvSpPr>
+            <a:spLocks noGrp="1"/>
+          </p:cNvSpPr>
+          <p:nvPr>
+            <p:ph type="sldNum" sz="quarter" idx="12"/>
+          </p:nvPr>
+        </p:nvSpPr>
+        <p:spPr/>
+        <p:txBody>
+          <a:bodyPr/>
+          <a:lstStyle/>
           <a:p>
             <a:pPr marL="0" indent="0">
               <a:buNone/>
@@ -6275,260 +6431,21 @@
             <a:pPr marL="0" indent="0">
               <a:buNone/>
             </a:pPr>
-            <a:r>
-              <a:rPr lang="hu-HU" b="1" dirty="0"/>
-              <a:t>Data </a:t>
-            </a:r>
-            <a:r>
-              <a:rPr lang="hu-HU" b="1" dirty="0" err="1"/>
-              <a:t>we</a:t>
-            </a:r>
-            <a:r>
-              <a:rPr lang="hu-HU" b="1" dirty="0"/>
-              <a:t> </a:t>
-            </a:r>
-            <a:r>
-              <a:rPr lang="hu-HU" b="1" dirty="0" err="1"/>
-              <a:t>got</a:t>
-            </a:r>
-            <a:r>
-              <a:rPr lang="hu-HU" dirty="0"/>
-              <a:t>: 1 </a:t>
-            </a:r>
-            <a:r>
-              <a:rPr lang="hu-HU" dirty="0" err="1"/>
-              <a:t>yellow</a:t>
-            </a:r>
-            <a:r>
-              <a:rPr lang="hu-HU" dirty="0"/>
-              <a:t>, 4 </a:t>
-            </a:r>
-            <a:r>
-              <a:rPr lang="hu-HU" dirty="0" err="1"/>
-              <a:t>not</a:t>
-            </a:r>
-            <a:r>
-              <a:rPr lang="hu-HU" dirty="0"/>
-              <a:t> </a:t>
-            </a:r>
-            <a:r>
-              <a:rPr lang="hu-HU" dirty="0" err="1"/>
-              <a:t>yellow</a:t>
-            </a:r>
-            <a:r>
-              <a:rPr lang="hu-HU" dirty="0"/>
-              <a:t> -&gt; k=1, n=5</a:t>
-            </a:r>
-          </a:p>
-          <a:p>
-            <a:pPr marL="0" indent="0">
-              <a:buNone/>
-            </a:pPr>
-            <a:r>
-              <a:rPr lang="hu-HU" b="1" dirty="0"/>
-              <a:t>Test </a:t>
-            </a:r>
-            <a:r>
-              <a:rPr lang="hu-HU" b="1" dirty="0" err="1"/>
-              <a:t>statistic</a:t>
-            </a:r>
-            <a:r>
-              <a:rPr lang="hu-HU" dirty="0"/>
-              <a:t>: </a:t>
-            </a:r>
-          </a:p>
-          <a:p>
-            <a:pPr marL="0" indent="0">
-              <a:buNone/>
-            </a:pPr>
-            <a:r>
-              <a:rPr lang="hu-HU" dirty="0"/>
-              <a:t>P(K&gt;=1 | n=5, p=0.1) -&gt; </a:t>
-            </a:r>
-            <a:r>
-              <a:rPr lang="hu-HU" dirty="0" err="1"/>
-              <a:t>because</a:t>
-            </a:r>
-            <a:r>
-              <a:rPr lang="hu-HU" dirty="0"/>
-              <a:t> </a:t>
-            </a:r>
-            <a:r>
-              <a:rPr lang="hu-HU" dirty="0" err="1"/>
-              <a:t>we’d</a:t>
-            </a:r>
-            <a:r>
-              <a:rPr lang="hu-HU" dirty="0"/>
-              <a:t> like </a:t>
-            </a:r>
-            <a:r>
-              <a:rPr lang="hu-HU" dirty="0" err="1"/>
-              <a:t>to</a:t>
-            </a:r>
-            <a:r>
-              <a:rPr lang="hu-HU" dirty="0"/>
-              <a:t> </a:t>
-            </a:r>
-            <a:r>
-              <a:rPr lang="hu-HU" dirty="0" err="1"/>
-              <a:t>reject</a:t>
-            </a:r>
-            <a:r>
-              <a:rPr lang="hu-HU" dirty="0"/>
-              <a:t> </a:t>
-            </a:r>
-            <a:r>
-              <a:rPr lang="hu-HU" dirty="0" err="1"/>
-              <a:t>it</a:t>
-            </a:r>
-            <a:r>
-              <a:rPr lang="hu-HU" dirty="0"/>
-              <a:t>!</a:t>
-            </a:r>
-          </a:p>
-          <a:p>
-            <a:pPr marL="0" indent="0">
-              <a:buNone/>
-            </a:pPr>
-            <a:r>
-              <a:rPr lang="hu-HU" dirty="0"/>
-              <a:t>= 1 – P(k=0 | n=5,p=0.1) </a:t>
-            </a:r>
-          </a:p>
-          <a:p>
-            <a:pPr marL="0" indent="0">
-              <a:buNone/>
-            </a:pPr>
-            <a:r>
-              <a:rPr lang="hu-HU" dirty="0"/>
-              <a:t>= 1 – 0.9^5 = </a:t>
-            </a:r>
-            <a:r>
-              <a:rPr lang="hu-HU" b="1" dirty="0"/>
-              <a:t>0.41</a:t>
-            </a:r>
-            <a:r>
-              <a:rPr lang="hu-HU" dirty="0"/>
-              <a:t> -&gt; </a:t>
-            </a:r>
-            <a:r>
-              <a:rPr lang="hu-HU" u="sng" dirty="0" err="1"/>
-              <a:t>failed</a:t>
-            </a:r>
-            <a:r>
-              <a:rPr lang="hu-HU" u="sng" dirty="0"/>
-              <a:t> </a:t>
-            </a:r>
-            <a:r>
-              <a:rPr lang="hu-HU" u="sng" dirty="0" err="1"/>
-              <a:t>to</a:t>
-            </a:r>
-            <a:r>
-              <a:rPr lang="hu-HU" u="sng" dirty="0"/>
-              <a:t> </a:t>
-            </a:r>
-            <a:r>
-              <a:rPr lang="hu-HU" u="sng" dirty="0" err="1"/>
-              <a:t>reject</a:t>
-            </a:r>
-            <a:r>
-              <a:rPr lang="hu-HU" u="sng" dirty="0"/>
-              <a:t> H0</a:t>
-            </a:r>
-            <a:endParaRPr lang="hu-HU" b="1" u="sng" dirty="0"/>
-          </a:p>
-        </p:txBody>
-      </p:sp>
-      <p:sp>
-        <p:nvSpPr>
-          <p:cNvPr id="4" name="Dátum helye 3">
-            <a:extLst>
-              <a:ext uri="{FF2B5EF4-FFF2-40B4-BE49-F238E27FC236}">
-                <a16:creationId xmlns:a16="http://schemas.microsoft.com/office/drawing/2014/main" id="{5655B92D-28FA-4EC1-B796-907490C0B6F4}"/>
-              </a:ext>
-            </a:extLst>
-          </p:cNvPr>
-          <p:cNvSpPr>
-            <a:spLocks noGrp="1"/>
-          </p:cNvSpPr>
-          <p:nvPr>
-            <p:ph type="dt" sz="half" idx="10"/>
-          </p:nvPr>
-        </p:nvSpPr>
-        <p:spPr/>
-        <p:txBody>
-          <a:bodyPr/>
-          <a:lstStyle/>
-          <a:p>
-            <a:fld id="{444B641D-F446-482F-BD8D-2B546EA2C2F1}" type="datetime1">
-              <a:rPr lang="hu-HU" smtClean="0"/>
-              <a:t>2019. 08. 11.</a:t>
-            </a:fld>
-            <a:endParaRPr lang="hu-HU"/>
-          </a:p>
-        </p:txBody>
-      </p:sp>
-      <p:sp>
-        <p:nvSpPr>
-          <p:cNvPr id="5" name="Élőláb helye 4">
-            <a:extLst>
-              <a:ext uri="{FF2B5EF4-FFF2-40B4-BE49-F238E27FC236}">
-                <a16:creationId xmlns:a16="http://schemas.microsoft.com/office/drawing/2014/main" id="{951A9AB0-69CC-439E-84BE-E9E8958DCD5A}"/>
-              </a:ext>
-            </a:extLst>
-          </p:cNvPr>
-          <p:cNvSpPr>
-            <a:spLocks noGrp="1"/>
-          </p:cNvSpPr>
-          <p:nvPr>
-            <p:ph type="ftr" sz="quarter" idx="11"/>
-          </p:nvPr>
-        </p:nvSpPr>
-        <p:spPr/>
-        <p:txBody>
-          <a:bodyPr/>
-          <a:lstStyle/>
-          <a:p>
-            <a:r>
-              <a:rPr lang="hu-HU"/>
-              <a:t>Mór Kapronczay  -  Starschema Ltd.</a:t>
-            </a:r>
-          </a:p>
-        </p:txBody>
-      </p:sp>
-      <p:sp>
-        <p:nvSpPr>
-          <p:cNvPr id="6" name="Dia számának helye 5">
-            <a:extLst>
-              <a:ext uri="{FF2B5EF4-FFF2-40B4-BE49-F238E27FC236}">
-                <a16:creationId xmlns:a16="http://schemas.microsoft.com/office/drawing/2014/main" id="{C9B0C5BB-93E8-4546-87EC-C0C5E8D595DF}"/>
-              </a:ext>
-            </a:extLst>
-          </p:cNvPr>
-          <p:cNvSpPr>
-            <a:spLocks noGrp="1"/>
-          </p:cNvSpPr>
-          <p:nvPr>
-            <p:ph type="sldNum" sz="quarter" idx="12"/>
-          </p:nvPr>
-        </p:nvSpPr>
-        <p:spPr/>
-        <p:txBody>
-          <a:bodyPr/>
-          <a:lstStyle/>
-          <a:p>
             <a:fld id="{14BC9C27-3A79-4F57-BFB4-AB282D25D2CE}" type="slidenum">
               <a:rPr lang="hu-HU" smtClean="0"/>
+              <a:pPr marL="0" indent="0">
+                <a:buNone/>
+              </a:pPr>
               <a:t>14</a:t>
             </a:fld>
-            <a:endParaRPr lang="hu-HU"/>
+            <a:endParaRPr lang="hu-HU" dirty="0"/>
           </a:p>
         </p:txBody>
       </p:sp>
     </p:spTree>
     <p:extLst>
       <p:ext uri="{BB962C8B-B14F-4D97-AF65-F5344CB8AC3E}">
-        <p14:creationId xmlns:p14="http://schemas.microsoft.com/office/powerpoint/2010/main" val="526336474"/>
+        <p14:creationId xmlns:p14="http://schemas.microsoft.com/office/powerpoint/2010/main" val="3605023934"/>
       </p:ext>
     </p:extLst>
   </p:cSld>
@@ -6560,7 +6477,7 @@
           <p:cNvPr id="2" name="Cím 1">
             <a:extLst>
               <a:ext uri="{FF2B5EF4-FFF2-40B4-BE49-F238E27FC236}">
-                <a16:creationId xmlns:a16="http://schemas.microsoft.com/office/drawing/2014/main" id="{2F221B94-3E66-4993-8C20-12F8AA7D3D1B}"/>
+                <a16:creationId xmlns:a16="http://schemas.microsoft.com/office/drawing/2014/main" id="{CCDE7EAF-803F-435B-BA10-AA9663C32C7E}"/>
               </a:ext>
             </a:extLst>
           </p:cNvPr>
@@ -6571,12 +6488,7 @@
             <p:ph type="title"/>
           </p:nvPr>
         </p:nvSpPr>
-        <p:spPr>
-          <a:xfrm>
-            <a:off x="838200" y="1042944"/>
-            <a:ext cx="10515600" cy="647744"/>
-          </a:xfrm>
-        </p:spPr>
+        <p:spPr/>
         <p:txBody>
           <a:bodyPr>
             <a:normAutofit fontScale="90000"/>
@@ -6585,7 +6497,7 @@
           <a:p>
             <a:r>
               <a:rPr lang="hu-HU" dirty="0" err="1"/>
-              <a:t>Bayesian</a:t>
+              <a:t>Frequentist</a:t>
             </a:r>
             <a:r>
               <a:rPr lang="hu-HU" dirty="0"/>
@@ -6604,7 +6516,7 @@
           <p:cNvPr id="3" name="Tartalom helye 2">
             <a:extLst>
               <a:ext uri="{FF2B5EF4-FFF2-40B4-BE49-F238E27FC236}">
-                <a16:creationId xmlns:a16="http://schemas.microsoft.com/office/drawing/2014/main" id="{91101744-02C2-4E55-A731-228D04E97E12}"/>
+                <a16:creationId xmlns:a16="http://schemas.microsoft.com/office/drawing/2014/main" id="{0270B7EA-7F67-4855-9553-01A47D4741EA}"/>
               </a:ext>
             </a:extLst>
           </p:cNvPr>
@@ -6615,14 +6527,11 @@
             <p:ph idx="1"/>
           </p:nvPr>
         </p:nvSpPr>
-        <p:spPr>
-          <a:xfrm>
-            <a:off x="838200" y="1825625"/>
-            <a:ext cx="10515600" cy="4351338"/>
-          </a:xfrm>
-        </p:spPr>
-        <p:txBody>
-          <a:bodyPr/>
+        <p:spPr/>
+        <p:txBody>
+          <a:bodyPr>
+            <a:normAutofit lnSpcReduction="10000"/>
+          </a:bodyPr>
           <a:lstStyle/>
           <a:p>
             <a:pPr marL="0" indent="0">
@@ -6630,7 +6539,7 @@
             </a:pPr>
             <a:r>
               <a:rPr lang="hu-HU" dirty="0"/>
-              <a:t>H1: p=0.1</a:t>
+              <a:t>H0 : p = 0.1</a:t>
             </a:r>
           </a:p>
           <a:p>
@@ -6639,55 +6548,36 @@
             </a:pPr>
             <a:r>
               <a:rPr lang="hu-HU" dirty="0"/>
-              <a:t>H2: p=0.2 -&gt; </a:t>
-            </a:r>
-            <a:r>
-              <a:rPr lang="hu-HU" dirty="0" err="1"/>
-              <a:t>we</a:t>
-            </a:r>
-            <a:r>
-              <a:rPr lang="hu-HU" dirty="0"/>
-              <a:t> </a:t>
-            </a:r>
-            <a:r>
-              <a:rPr lang="hu-HU" dirty="0" err="1"/>
-              <a:t>can</a:t>
-            </a:r>
-            <a:r>
-              <a:rPr lang="hu-HU" dirty="0"/>
-              <a:t> </a:t>
-            </a:r>
-            <a:r>
-              <a:rPr lang="hu-HU" dirty="0" err="1"/>
-              <a:t>do</a:t>
-            </a:r>
-            <a:r>
-              <a:rPr lang="hu-HU" dirty="0"/>
-              <a:t> </a:t>
-            </a:r>
-            <a:r>
-              <a:rPr lang="hu-HU" dirty="0" err="1"/>
-              <a:t>that</a:t>
-            </a:r>
-            <a:r>
-              <a:rPr lang="hu-HU" dirty="0"/>
-              <a:t> in a </a:t>
-            </a:r>
-            <a:r>
-              <a:rPr lang="hu-HU" dirty="0" err="1"/>
-              <a:t>Bayesian</a:t>
-            </a:r>
-            <a:r>
-              <a:rPr lang="hu-HU" dirty="0"/>
-              <a:t> </a:t>
-            </a:r>
-            <a:r>
-              <a:rPr lang="hu-HU" dirty="0" err="1"/>
-              <a:t>framework</a:t>
-            </a:r>
-            <a:r>
-              <a:rPr lang="hu-HU" dirty="0"/>
-              <a:t>!</a:t>
+              <a:t>H1 : p &gt; 0.1</a:t>
+            </a:r>
+          </a:p>
+          <a:p>
+            <a:pPr marL="0" indent="0">
+              <a:buNone/>
+            </a:pPr>
+            <a:r>
+              <a:rPr lang="hu-HU" dirty="0" err="1"/>
+              <a:t>alpha</a:t>
+            </a:r>
+            <a:r>
+              <a:rPr lang="hu-HU" dirty="0"/>
+              <a:t>(</a:t>
+            </a:r>
+            <a:r>
+              <a:rPr lang="hu-HU" dirty="0" err="1"/>
+              <a:t>significance</a:t>
+            </a:r>
+            <a:r>
+              <a:rPr lang="hu-HU" dirty="0"/>
+              <a:t> </a:t>
+            </a:r>
+            <a:r>
+              <a:rPr lang="hu-HU" dirty="0" err="1"/>
+              <a:t>level</a:t>
+            </a:r>
+            <a:r>
+              <a:rPr lang="hu-HU" dirty="0"/>
+              <a:t>) = 0.05</a:t>
             </a:r>
           </a:p>
           <a:p>
@@ -6701,20 +6591,48 @@
               <a:buNone/>
             </a:pPr>
             <a:r>
+              <a:rPr lang="hu-HU" b="1" dirty="0"/>
+              <a:t>Data </a:t>
+            </a:r>
+            <a:r>
               <a:rPr lang="hu-HU" b="1" dirty="0" err="1"/>
-              <a:t>Priors</a:t>
-            </a:r>
-            <a:r>
-              <a:rPr lang="hu-HU" dirty="0"/>
-              <a:t> (</a:t>
-            </a:r>
-            <a:r>
-              <a:rPr lang="hu-HU" dirty="0" err="1"/>
-              <a:t>uninformative</a:t>
-            </a:r>
-            <a:r>
-              <a:rPr lang="hu-HU" dirty="0"/>
-              <a:t>): P(H1) = 0.5, P(H2) = 0.5</a:t>
+              <a:t>we</a:t>
+            </a:r>
+            <a:r>
+              <a:rPr lang="hu-HU" b="1" dirty="0"/>
+              <a:t> </a:t>
+            </a:r>
+            <a:r>
+              <a:rPr lang="hu-HU" b="1" dirty="0" err="1"/>
+              <a:t>got</a:t>
+            </a:r>
+            <a:r>
+              <a:rPr lang="hu-HU" dirty="0"/>
+              <a:t>: 1 </a:t>
+            </a:r>
+            <a:r>
+              <a:rPr lang="hu-HU" dirty="0" err="1"/>
+              <a:t>yellow</a:t>
+            </a:r>
+            <a:r>
+              <a:rPr lang="hu-HU" dirty="0"/>
+              <a:t>, 4 </a:t>
+            </a:r>
+            <a:r>
+              <a:rPr lang="hu-HU" dirty="0" err="1"/>
+              <a:t>not</a:t>
+            </a:r>
+            <a:r>
+              <a:rPr lang="hu-HU" dirty="0"/>
+              <a:t> </a:t>
+            </a:r>
+            <a:r>
+              <a:rPr lang="hu-HU" dirty="0" err="1"/>
+              <a:t>yellow</a:t>
+            </a:r>
+            <a:r>
+              <a:rPr lang="hu-HU" dirty="0"/>
+              <a:t> -&gt; k=1, n=5</a:t>
             </a:r>
           </a:p>
           <a:p>
@@ -6723,47 +6641,15 @@
             </a:pPr>
             <a:r>
               <a:rPr lang="hu-HU" b="1" dirty="0"/>
-              <a:t>Data </a:t>
+              <a:t>Test </a:t>
             </a:r>
             <a:r>
               <a:rPr lang="hu-HU" b="1" dirty="0" err="1"/>
-              <a:t>we</a:t>
-            </a:r>
-            <a:r>
-              <a:rPr lang="hu-HU" b="1" dirty="0"/>
-              <a:t> </a:t>
-            </a:r>
-            <a:r>
-              <a:rPr lang="hu-HU" b="1" dirty="0" err="1"/>
-              <a:t>got</a:t>
-            </a:r>
-            <a:r>
-              <a:rPr lang="hu-HU" dirty="0"/>
-              <a:t>: 1 </a:t>
-            </a:r>
-            <a:r>
-              <a:rPr lang="hu-HU" dirty="0" err="1"/>
-              <a:t>yellow</a:t>
-            </a:r>
-            <a:r>
-              <a:rPr lang="hu-HU" dirty="0"/>
-              <a:t>, 4 </a:t>
-            </a:r>
-            <a:r>
-              <a:rPr lang="hu-HU" dirty="0" err="1"/>
-              <a:t>not</a:t>
-            </a:r>
-            <a:r>
-              <a:rPr lang="hu-HU" dirty="0"/>
-              <a:t> </a:t>
-            </a:r>
-            <a:r>
-              <a:rPr lang="hu-HU" dirty="0" err="1"/>
-              <a:t>yellow</a:t>
-            </a:r>
-            <a:r>
-              <a:rPr lang="hu-HU" dirty="0"/>
-              <a:t> -&gt; k=1, n=5</a:t>
+              <a:t>statistic</a:t>
+            </a:r>
+            <a:r>
+              <a:rPr lang="hu-HU" dirty="0"/>
+              <a:t>: </a:t>
             </a:r>
           </a:p>
           <a:p>
@@ -6771,36 +6657,100 @@
               <a:buNone/>
             </a:pPr>
             <a:r>
-              <a:rPr lang="hu-HU" b="1" dirty="0" err="1"/>
-              <a:t>Likelihoods</a:t>
-            </a:r>
-            <a:r>
-              <a:rPr lang="hu-HU" b="1" dirty="0"/>
-              <a:t>: 	</a:t>
-            </a:r>
-            <a:r>
-              <a:rPr lang="hu-HU" dirty="0"/>
-              <a:t>P(k=1 | H1) = 5 * 0.1 ^ 1 * 0.9 ^ 4 = 0.33</a:t>
-            </a:r>
-            <a:br>
-              <a:rPr lang="hu-HU" dirty="0"/>
-            </a:br>
-            <a:r>
-              <a:rPr lang="hu-HU" dirty="0"/>
-              <a:t>			P(k=1 |H2) = 5 * 0.2 ^ 1 * 0.8 ^ 4 = 0.41</a:t>
+              <a:rPr lang="hu-HU" dirty="0"/>
+              <a:t>P(K&gt;=1 | n=5, p=0.1) -&gt; </a:t>
+            </a:r>
+            <a:r>
+              <a:rPr lang="hu-HU" dirty="0" err="1"/>
+              <a:t>because</a:t>
+            </a:r>
+            <a:r>
+              <a:rPr lang="hu-HU" dirty="0"/>
+              <a:t> </a:t>
+            </a:r>
+            <a:r>
+              <a:rPr lang="hu-HU" dirty="0" err="1"/>
+              <a:t>we’d</a:t>
+            </a:r>
+            <a:r>
+              <a:rPr lang="hu-HU" dirty="0"/>
+              <a:t> like </a:t>
+            </a:r>
+            <a:r>
+              <a:rPr lang="hu-HU" dirty="0" err="1"/>
+              <a:t>to</a:t>
+            </a:r>
+            <a:r>
+              <a:rPr lang="hu-HU" dirty="0"/>
+              <a:t> </a:t>
+            </a:r>
+            <a:r>
+              <a:rPr lang="hu-HU" dirty="0" err="1"/>
+              <a:t>reject</a:t>
+            </a:r>
+            <a:r>
+              <a:rPr lang="hu-HU" dirty="0"/>
+              <a:t> </a:t>
+            </a:r>
+            <a:r>
+              <a:rPr lang="hu-HU" dirty="0" err="1"/>
+              <a:t>it</a:t>
+            </a:r>
+            <a:r>
+              <a:rPr lang="hu-HU" dirty="0"/>
+              <a:t>!</a:t>
             </a:r>
           </a:p>
           <a:p>
             <a:pPr marL="0" indent="0">
               <a:buNone/>
             </a:pPr>
-            <a:endParaRPr lang="hu-HU" b="1" dirty="0"/>
+            <a:r>
+              <a:rPr lang="hu-HU" dirty="0"/>
+              <a:t>= 1 – P(k=0 | n=5,p=0.1) </a:t>
+            </a:r>
           </a:p>
           <a:p>
             <a:pPr marL="0" indent="0">
               <a:buNone/>
             </a:pPr>
-            <a:endParaRPr lang="hu-HU" dirty="0"/>
+            <a:r>
+              <a:rPr lang="hu-HU" dirty="0"/>
+              <a:t>= 1 – 0.9^5 = </a:t>
+            </a:r>
+            <a:r>
+              <a:rPr lang="hu-HU" b="1" dirty="0"/>
+              <a:t>0.41</a:t>
+            </a:r>
+            <a:r>
+              <a:rPr lang="hu-HU" dirty="0"/>
+              <a:t> -&gt; </a:t>
+            </a:r>
+            <a:r>
+              <a:rPr lang="hu-HU" u="sng" dirty="0" err="1"/>
+              <a:t>failed</a:t>
+            </a:r>
+            <a:r>
+              <a:rPr lang="hu-HU" u="sng" dirty="0"/>
+              <a:t> </a:t>
+            </a:r>
+            <a:r>
+              <a:rPr lang="hu-HU" u="sng" dirty="0" err="1"/>
+              <a:t>to</a:t>
+            </a:r>
+            <a:r>
+              <a:rPr lang="hu-HU" u="sng" dirty="0"/>
+              <a:t> </a:t>
+            </a:r>
+            <a:r>
+              <a:rPr lang="hu-HU" u="sng" dirty="0" err="1"/>
+              <a:t>reject</a:t>
+            </a:r>
+            <a:r>
+              <a:rPr lang="hu-HU" u="sng" dirty="0"/>
+              <a:t> H0</a:t>
+            </a:r>
+            <a:endParaRPr lang="hu-HU" b="1" u="sng" dirty="0"/>
           </a:p>
         </p:txBody>
       </p:sp>
@@ -6809,7 +6759,7 @@
           <p:cNvPr id="4" name="Dátum helye 3">
             <a:extLst>
               <a:ext uri="{FF2B5EF4-FFF2-40B4-BE49-F238E27FC236}">
-                <a16:creationId xmlns:a16="http://schemas.microsoft.com/office/drawing/2014/main" id="{49C9E7AC-5931-45DF-90AC-C2C42C1EF8BD}"/>
+                <a16:creationId xmlns:a16="http://schemas.microsoft.com/office/drawing/2014/main" id="{5655B92D-28FA-4EC1-B796-907490C0B6F4}"/>
               </a:ext>
             </a:extLst>
           </p:cNvPr>
@@ -6820,19 +6770,14 @@
             <p:ph type="dt" sz="half" idx="10"/>
           </p:nvPr>
         </p:nvSpPr>
-        <p:spPr>
-          <a:xfrm>
-            <a:off x="838200" y="6356350"/>
-            <a:ext cx="2743200" cy="365125"/>
-          </a:xfrm>
-        </p:spPr>
+        <p:spPr/>
         <p:txBody>
           <a:bodyPr/>
           <a:lstStyle/>
           <a:p>
             <a:fld id="{444B641D-F446-482F-BD8D-2B546EA2C2F1}" type="datetime1">
               <a:rPr lang="hu-HU" smtClean="0"/>
-              <a:t>2019. 08. 13.</a:t>
+              <a:t>2019. 08. 15.</a:t>
             </a:fld>
             <a:endParaRPr lang="hu-HU"/>
           </a:p>
@@ -6843,7 +6788,7 @@
           <p:cNvPr id="5" name="Élőláb helye 4">
             <a:extLst>
               <a:ext uri="{FF2B5EF4-FFF2-40B4-BE49-F238E27FC236}">
-                <a16:creationId xmlns:a16="http://schemas.microsoft.com/office/drawing/2014/main" id="{BCE4C0C3-2DB9-42C1-AD5E-F10B3E69387F}"/>
+                <a16:creationId xmlns:a16="http://schemas.microsoft.com/office/drawing/2014/main" id="{951A9AB0-69CC-439E-84BE-E9E8958DCD5A}"/>
               </a:ext>
             </a:extLst>
           </p:cNvPr>
@@ -6854,12 +6799,7 @@
             <p:ph type="ftr" sz="quarter" idx="11"/>
           </p:nvPr>
         </p:nvSpPr>
-        <p:spPr>
-          <a:xfrm>
-            <a:off x="4038600" y="6356350"/>
-            <a:ext cx="4114800" cy="365125"/>
-          </a:xfrm>
-        </p:spPr>
+        <p:spPr/>
         <p:txBody>
           <a:bodyPr/>
           <a:lstStyle/>
@@ -6876,7 +6816,7 @@
           <p:cNvPr id="6" name="Dia számának helye 5">
             <a:extLst>
               <a:ext uri="{FF2B5EF4-FFF2-40B4-BE49-F238E27FC236}">
-                <a16:creationId xmlns:a16="http://schemas.microsoft.com/office/drawing/2014/main" id="{A10AB95D-5420-409F-911D-192BF74E7673}"/>
+                <a16:creationId xmlns:a16="http://schemas.microsoft.com/office/drawing/2014/main" id="{C9B0C5BB-93E8-4546-87EC-C0C5E8D595DF}"/>
               </a:ext>
             </a:extLst>
           </p:cNvPr>
@@ -6887,12 +6827,7 @@
             <p:ph type="sldNum" sz="quarter" idx="12"/>
           </p:nvPr>
         </p:nvSpPr>
-        <p:spPr>
-          <a:xfrm>
-            <a:off x="8610600" y="6356350"/>
-            <a:ext cx="2743200" cy="365125"/>
-          </a:xfrm>
-        </p:spPr>
+        <p:spPr/>
         <p:txBody>
           <a:bodyPr/>
           <a:lstStyle/>
@@ -6908,7 +6843,7 @@
     </p:spTree>
     <p:extLst>
       <p:ext uri="{BB962C8B-B14F-4D97-AF65-F5344CB8AC3E}">
-        <p14:creationId xmlns:p14="http://schemas.microsoft.com/office/powerpoint/2010/main" val="2803372970"/>
+        <p14:creationId xmlns:p14="http://schemas.microsoft.com/office/powerpoint/2010/main" val="526336474"/>
       </p:ext>
     </p:extLst>
   </p:cSld>
@@ -6940,7 +6875,7 @@
           <p:cNvPr id="2" name="Cím 1">
             <a:extLst>
               <a:ext uri="{FF2B5EF4-FFF2-40B4-BE49-F238E27FC236}">
-                <a16:creationId xmlns:a16="http://schemas.microsoft.com/office/drawing/2014/main" id="{DC2BBABD-CC6D-4070-8B1D-12857810A14B}"/>
+                <a16:creationId xmlns:a16="http://schemas.microsoft.com/office/drawing/2014/main" id="{2F221B94-3E66-4993-8C20-12F8AA7D3D1B}"/>
               </a:ext>
             </a:extLst>
           </p:cNvPr>
@@ -6951,7 +6886,12 @@
             <p:ph type="title"/>
           </p:nvPr>
         </p:nvSpPr>
-        <p:spPr/>
+        <p:spPr>
+          <a:xfrm>
+            <a:off x="838200" y="1042944"/>
+            <a:ext cx="10515600" cy="647744"/>
+          </a:xfrm>
+        </p:spPr>
         <p:txBody>
           <a:bodyPr>
             <a:normAutofit fontScale="90000"/>
@@ -6970,10 +6910,7 @@
               <a:rPr lang="hu-HU" dirty="0" err="1"/>
               <a:t>method</a:t>
             </a:r>
-            <a:r>
-              <a:rPr lang="hu-HU" dirty="0"/>
-              <a:t> II.</a:t>
-            </a:r>
+            <a:endParaRPr lang="hu-HU" dirty="0"/>
           </a:p>
         </p:txBody>
       </p:sp>
@@ -6982,7 +6919,7 @@
           <p:cNvPr id="3" name="Tartalom helye 2">
             <a:extLst>
               <a:ext uri="{FF2B5EF4-FFF2-40B4-BE49-F238E27FC236}">
-                <a16:creationId xmlns:a16="http://schemas.microsoft.com/office/drawing/2014/main" id="{1C2FC116-FB05-4BAA-A3B4-5E5CF26438A3}"/>
+                <a16:creationId xmlns:a16="http://schemas.microsoft.com/office/drawing/2014/main" id="{91101744-02C2-4E55-A731-228D04E97E12}"/>
               </a:ext>
             </a:extLst>
           </p:cNvPr>
@@ -6993,7 +6930,12 @@
             <p:ph idx="1"/>
           </p:nvPr>
         </p:nvSpPr>
-        <p:spPr/>
+        <p:spPr>
+          <a:xfrm>
+            <a:off x="838200" y="1825625"/>
+            <a:ext cx="10515600" cy="4351338"/>
+          </a:xfrm>
+        </p:spPr>
         <p:txBody>
           <a:bodyPr/>
           <a:lstStyle/>
@@ -7002,12 +6944,8 @@
               <a:buNone/>
             </a:pPr>
             <a:r>
-              <a:rPr lang="hu-HU" b="1" dirty="0" err="1"/>
-              <a:t>Posteriors</a:t>
-            </a:r>
-            <a:r>
-              <a:rPr lang="hu-HU" b="1" dirty="0"/>
-              <a:t>:</a:t>
+              <a:rPr lang="hu-HU" dirty="0"/>
+              <a:t>H1: p=0.1</a:t>
             </a:r>
           </a:p>
           <a:p>
@@ -7016,33 +6954,155 @@
             </a:pPr>
             <a:r>
               <a:rPr lang="hu-HU" dirty="0"/>
-              <a:t>P(H1 | k=1) = P(H1) * P(k=1 | H1) / P(k=1) </a:t>
+              <a:t>H2: p=0.2 -&gt; </a:t>
+            </a:r>
+            <a:r>
+              <a:rPr lang="hu-HU" dirty="0" err="1"/>
+              <a:t>we</a:t>
+            </a:r>
+            <a:r>
+              <a:rPr lang="hu-HU" dirty="0"/>
+              <a:t> </a:t>
+            </a:r>
+            <a:r>
+              <a:rPr lang="hu-HU" dirty="0" err="1"/>
+              <a:t>can</a:t>
+            </a:r>
+            <a:r>
+              <a:rPr lang="hu-HU" dirty="0"/>
+              <a:t> </a:t>
+            </a:r>
+            <a:r>
+              <a:rPr lang="hu-HU" dirty="0" err="1"/>
+              <a:t>do</a:t>
+            </a:r>
+            <a:r>
+              <a:rPr lang="hu-HU" dirty="0"/>
+              <a:t> </a:t>
+            </a:r>
+            <a:r>
+              <a:rPr lang="hu-HU" dirty="0" err="1"/>
+              <a:t>that</a:t>
+            </a:r>
+            <a:r>
+              <a:rPr lang="hu-HU" dirty="0"/>
+              <a:t> in a </a:t>
+            </a:r>
+            <a:r>
+              <a:rPr lang="hu-HU" dirty="0" err="1"/>
+              <a:t>Bayesian</a:t>
+            </a:r>
+            <a:r>
+              <a:rPr lang="hu-HU" dirty="0"/>
+              <a:t> </a:t>
+            </a:r>
+            <a:r>
+              <a:rPr lang="hu-HU" dirty="0" err="1"/>
+              <a:t>framework</a:t>
+            </a:r>
+            <a:r>
+              <a:rPr lang="hu-HU" dirty="0"/>
+              <a:t>!</a:t>
             </a:r>
           </a:p>
           <a:p>
             <a:pPr marL="0" indent="0">
               <a:buNone/>
             </a:pPr>
-            <a:r>
-              <a:rPr lang="hu-HU" dirty="0"/>
-              <a:t>= 0.5 * 0.33 / (0.5 * 33 + 0.5 * 0.41) = </a:t>
-            </a:r>
-            <a:r>
-              <a:rPr lang="hu-HU" b="1" dirty="0"/>
-              <a:t>0.45</a:t>
-            </a:r>
+            <a:endParaRPr lang="hu-HU" dirty="0"/>
           </a:p>
           <a:p>
             <a:pPr marL="0" indent="0">
               <a:buNone/>
             </a:pPr>
             <a:r>
-              <a:rPr lang="hu-HU" dirty="0"/>
-              <a:t>P(H2 | k=1) = 1 – 0.45 = </a:t>
-            </a:r>
+              <a:rPr lang="hu-HU" b="1" dirty="0" err="1"/>
+              <a:t>Priors</a:t>
+            </a:r>
+            <a:r>
+              <a:rPr lang="hu-HU" dirty="0"/>
+              <a:t> (</a:t>
+            </a:r>
+            <a:r>
+              <a:rPr lang="hu-HU" dirty="0" err="1"/>
+              <a:t>uninformative</a:t>
+            </a:r>
+            <a:r>
+              <a:rPr lang="hu-HU" dirty="0"/>
+              <a:t>): P(H1) = 0.5, P(H2) = 0.5</a:t>
+            </a:r>
+          </a:p>
+          <a:p>
+            <a:pPr marL="0" indent="0">
+              <a:buNone/>
+            </a:pPr>
             <a:r>
               <a:rPr lang="hu-HU" b="1" dirty="0"/>
-              <a:t>0.55</a:t>
+              <a:t>Data </a:t>
+            </a:r>
+            <a:r>
+              <a:rPr lang="hu-HU" b="1" dirty="0" err="1"/>
+              <a:t>we</a:t>
+            </a:r>
+            <a:r>
+              <a:rPr lang="hu-HU" b="1" dirty="0"/>
+              <a:t> </a:t>
+            </a:r>
+            <a:r>
+              <a:rPr lang="hu-HU" b="1" dirty="0" err="1"/>
+              <a:t>got</a:t>
+            </a:r>
+            <a:r>
+              <a:rPr lang="hu-HU" dirty="0"/>
+              <a:t>: 1 </a:t>
+            </a:r>
+            <a:r>
+              <a:rPr lang="hu-HU" dirty="0" err="1"/>
+              <a:t>yellow</a:t>
+            </a:r>
+            <a:r>
+              <a:rPr lang="hu-HU" dirty="0"/>
+              <a:t>, 4 </a:t>
+            </a:r>
+            <a:r>
+              <a:rPr lang="hu-HU" dirty="0" err="1"/>
+              <a:t>not</a:t>
+            </a:r>
+            <a:r>
+              <a:rPr lang="hu-HU" dirty="0"/>
+              <a:t> </a:t>
+            </a:r>
+            <a:r>
+              <a:rPr lang="hu-HU" dirty="0" err="1"/>
+              <a:t>yellow</a:t>
+            </a:r>
+            <a:r>
+              <a:rPr lang="hu-HU" dirty="0"/>
+              <a:t> -&gt; k=1, n=5</a:t>
+            </a:r>
+          </a:p>
+          <a:p>
+            <a:pPr marL="0" indent="0">
+              <a:buNone/>
+            </a:pPr>
+            <a:r>
+              <a:rPr lang="hu-HU" b="1" dirty="0" err="1"/>
+              <a:t>Likelihoods</a:t>
+            </a:r>
+            <a:r>
+              <a:rPr lang="hu-HU" b="1" dirty="0"/>
+              <a:t>: 	</a:t>
+            </a:r>
+            <a:r>
+              <a:rPr lang="hu-HU" dirty="0"/>
+              <a:t>P(k=1 | H1) = 5 * 0.1 ^ 1 * 0.9 ^ 4 = 0.33</a:t>
+            </a:r>
+            <a:br>
+              <a:rPr lang="hu-HU" dirty="0"/>
+            </a:br>
+            <a:r>
+              <a:rPr lang="hu-HU" dirty="0"/>
+              <a:t>			P(k=1 |H2) = 5 * 0.2 ^ 1 * 0.8 ^ 4 = 0.41</a:t>
             </a:r>
           </a:p>
           <a:p>
@@ -7055,14 +7115,7 @@
             <a:pPr marL="0" indent="0">
               <a:buNone/>
             </a:pPr>
-            <a:r>
-              <a:rPr lang="hu-HU" b="1" dirty="0" err="1"/>
-              <a:t>Conclusions</a:t>
-            </a:r>
-            <a:r>
-              <a:rPr lang="hu-HU" b="1" dirty="0"/>
-              <a:t>?</a:t>
-            </a:r>
+            <a:endParaRPr lang="hu-HU" dirty="0"/>
           </a:p>
         </p:txBody>
       </p:sp>
@@ -7071,7 +7124,7 @@
           <p:cNvPr id="4" name="Dátum helye 3">
             <a:extLst>
               <a:ext uri="{FF2B5EF4-FFF2-40B4-BE49-F238E27FC236}">
-                <a16:creationId xmlns:a16="http://schemas.microsoft.com/office/drawing/2014/main" id="{CC011450-BC15-4A85-92B0-159AF344D159}"/>
+                <a16:creationId xmlns:a16="http://schemas.microsoft.com/office/drawing/2014/main" id="{49C9E7AC-5931-45DF-90AC-C2C42C1EF8BD}"/>
               </a:ext>
             </a:extLst>
           </p:cNvPr>
@@ -7082,14 +7135,19 @@
             <p:ph type="dt" sz="half" idx="10"/>
           </p:nvPr>
         </p:nvSpPr>
-        <p:spPr/>
+        <p:spPr>
+          <a:xfrm>
+            <a:off x="838200" y="6356350"/>
+            <a:ext cx="2743200" cy="365125"/>
+          </a:xfrm>
+        </p:spPr>
         <p:txBody>
           <a:bodyPr/>
           <a:lstStyle/>
           <a:p>
             <a:fld id="{444B641D-F446-482F-BD8D-2B546EA2C2F1}" type="datetime1">
               <a:rPr lang="hu-HU" smtClean="0"/>
-              <a:t>2019. 08. 13.</a:t>
+              <a:t>2019. 08. 15.</a:t>
             </a:fld>
             <a:endParaRPr lang="hu-HU"/>
           </a:p>
@@ -7100,7 +7158,7 @@
           <p:cNvPr id="5" name="Élőláb helye 4">
             <a:extLst>
               <a:ext uri="{FF2B5EF4-FFF2-40B4-BE49-F238E27FC236}">
-                <a16:creationId xmlns:a16="http://schemas.microsoft.com/office/drawing/2014/main" id="{0EDEE668-3AAF-4145-A344-8A9459852ED8}"/>
+                <a16:creationId xmlns:a16="http://schemas.microsoft.com/office/drawing/2014/main" id="{BCE4C0C3-2DB9-42C1-AD5E-F10B3E69387F}"/>
               </a:ext>
             </a:extLst>
           </p:cNvPr>
@@ -7111,7 +7169,12 @@
             <p:ph type="ftr" sz="quarter" idx="11"/>
           </p:nvPr>
         </p:nvSpPr>
-        <p:spPr/>
+        <p:spPr>
+          <a:xfrm>
+            <a:off x="4038600" y="6356350"/>
+            <a:ext cx="4114800" cy="365125"/>
+          </a:xfrm>
+        </p:spPr>
         <p:txBody>
           <a:bodyPr/>
           <a:lstStyle/>
@@ -7128,7 +7191,7 @@
           <p:cNvPr id="6" name="Dia számának helye 5">
             <a:extLst>
               <a:ext uri="{FF2B5EF4-FFF2-40B4-BE49-F238E27FC236}">
-                <a16:creationId xmlns:a16="http://schemas.microsoft.com/office/drawing/2014/main" id="{2AD5D2D4-9734-491B-9873-A50B86EFAD07}"/>
+                <a16:creationId xmlns:a16="http://schemas.microsoft.com/office/drawing/2014/main" id="{A10AB95D-5420-409F-911D-192BF74E7673}"/>
               </a:ext>
             </a:extLst>
           </p:cNvPr>
@@ -7139,7 +7202,12 @@
             <p:ph type="sldNum" sz="quarter" idx="12"/>
           </p:nvPr>
         </p:nvSpPr>
-        <p:spPr/>
+        <p:spPr>
+          <a:xfrm>
+            <a:off x="8610600" y="6356350"/>
+            <a:ext cx="2743200" cy="365125"/>
+          </a:xfrm>
+        </p:spPr>
         <p:txBody>
           <a:bodyPr/>
           <a:lstStyle/>
@@ -7155,7 +7223,7 @@
     </p:spTree>
     <p:extLst>
       <p:ext uri="{BB962C8B-B14F-4D97-AF65-F5344CB8AC3E}">
-        <p14:creationId xmlns:p14="http://schemas.microsoft.com/office/powerpoint/2010/main" val="839077256"/>
+        <p14:creationId xmlns:p14="http://schemas.microsoft.com/office/powerpoint/2010/main" val="2803372970"/>
       </p:ext>
     </p:extLst>
   </p:cSld>
@@ -7272,7 +7340,7 @@
             </a:pPr>
             <a:r>
               <a:rPr lang="hu-HU" dirty="0"/>
-              <a:t>= 0.5 * 0.33 / (0.5 * 33 + 0.5 * 0.41) = </a:t>
+              <a:t>= 0.5 * 0.33 / (0.5 * 0.33 + 0.5 * 0.41) = </a:t>
             </a:r>
             <a:r>
               <a:rPr lang="hu-HU" b="1" dirty="0"/>
@@ -7308,14 +7376,416 @@
             </a:r>
             <a:r>
               <a:rPr lang="hu-HU" b="1" dirty="0"/>
-              <a:t>:</a:t>
-            </a:r>
-          </a:p>
+              <a:t>?</a:t>
+            </a:r>
+          </a:p>
+        </p:txBody>
+      </p:sp>
+      <p:sp>
+        <p:nvSpPr>
+          <p:cNvPr id="4" name="Dátum helye 3">
+            <a:extLst>
+              <a:ext uri="{FF2B5EF4-FFF2-40B4-BE49-F238E27FC236}">
+                <a16:creationId xmlns:a16="http://schemas.microsoft.com/office/drawing/2014/main" id="{CC011450-BC15-4A85-92B0-159AF344D159}"/>
+              </a:ext>
+            </a:extLst>
+          </p:cNvPr>
+          <p:cNvSpPr>
+            <a:spLocks noGrp="1"/>
+          </p:cNvSpPr>
+          <p:nvPr>
+            <p:ph type="dt" sz="half" idx="10"/>
+          </p:nvPr>
+        </p:nvSpPr>
+        <p:spPr/>
+        <p:txBody>
+          <a:bodyPr/>
+          <a:lstStyle/>
+          <a:p>
+            <a:fld id="{444B641D-F446-482F-BD8D-2B546EA2C2F1}" type="datetime1">
+              <a:rPr lang="hu-HU" smtClean="0"/>
+              <a:t>2019. 08. 15.</a:t>
+            </a:fld>
+            <a:endParaRPr lang="hu-HU"/>
+          </a:p>
+        </p:txBody>
+      </p:sp>
+      <p:sp>
+        <p:nvSpPr>
+          <p:cNvPr id="5" name="Élőláb helye 4">
+            <a:extLst>
+              <a:ext uri="{FF2B5EF4-FFF2-40B4-BE49-F238E27FC236}">
+                <a16:creationId xmlns:a16="http://schemas.microsoft.com/office/drawing/2014/main" id="{0EDEE668-3AAF-4145-A344-8A9459852ED8}"/>
+              </a:ext>
+            </a:extLst>
+          </p:cNvPr>
+          <p:cNvSpPr>
+            <a:spLocks noGrp="1"/>
+          </p:cNvSpPr>
+          <p:nvPr>
+            <p:ph type="ftr" sz="quarter" idx="11"/>
+          </p:nvPr>
+        </p:nvSpPr>
+        <p:spPr/>
+        <p:txBody>
+          <a:bodyPr/>
+          <a:lstStyle/>
+          <a:p>
+            <a:r>
+              <a:rPr lang="hu-HU"/>
+              <a:t>Mór Kapronczay  -  Starschema Ltd.</a:t>
+            </a:r>
+          </a:p>
+        </p:txBody>
+      </p:sp>
+      <p:sp>
+        <p:nvSpPr>
+          <p:cNvPr id="6" name="Dia számának helye 5">
+            <a:extLst>
+              <a:ext uri="{FF2B5EF4-FFF2-40B4-BE49-F238E27FC236}">
+                <a16:creationId xmlns:a16="http://schemas.microsoft.com/office/drawing/2014/main" id="{2AD5D2D4-9734-491B-9873-A50B86EFAD07}"/>
+              </a:ext>
+            </a:extLst>
+          </p:cNvPr>
+          <p:cNvSpPr>
+            <a:spLocks noGrp="1"/>
+          </p:cNvSpPr>
+          <p:nvPr>
+            <p:ph type="sldNum" sz="quarter" idx="12"/>
+          </p:nvPr>
+        </p:nvSpPr>
+        <p:spPr/>
+        <p:txBody>
+          <a:bodyPr/>
+          <a:lstStyle/>
+          <a:p>
+            <a:fld id="{14BC9C27-3A79-4F57-BFB4-AB282D25D2CE}" type="slidenum">
+              <a:rPr lang="hu-HU" smtClean="0"/>
+              <a:t>17</a:t>
+            </a:fld>
+            <a:endParaRPr lang="hu-HU"/>
+          </a:p>
+        </p:txBody>
+      </p:sp>
+      <p:pic>
+        <p:nvPicPr>
+          <p:cNvPr id="7" name="Picture 6" descr="KÃ©ptalÃ¡lat a kÃ¶vetkezÅre: âbayes ruleâ">
+            <a:extLst>
+              <a:ext uri="{FF2B5EF4-FFF2-40B4-BE49-F238E27FC236}">
+                <a16:creationId xmlns:a16="http://schemas.microsoft.com/office/drawing/2014/main" id="{27A4C28B-09C4-44EF-92D6-2D9DF3049707}"/>
+              </a:ext>
+            </a:extLst>
+          </p:cNvPr>
+          <p:cNvPicPr>
+            <a:picLocks noChangeAspect="1" noChangeArrowheads="1"/>
+          </p:cNvPicPr>
+          <p:nvPr/>
+        </p:nvPicPr>
+        <p:blipFill>
+          <a:blip r:embed="rId2">
+            <a:extLst>
+              <a:ext uri="{28A0092B-C50C-407E-A947-70E740481C1C}">
+                <a14:useLocalDpi xmlns:a14="http://schemas.microsoft.com/office/drawing/2010/main" val="0"/>
+              </a:ext>
+            </a:extLst>
+          </a:blip>
+          <a:srcRect/>
+          <a:stretch>
+            <a:fillRect/>
+          </a:stretch>
+        </p:blipFill>
+        <p:spPr bwMode="auto">
+          <a:xfrm>
+            <a:off x="7479888" y="449241"/>
+            <a:ext cx="4574951" cy="1835150"/>
+          </a:xfrm>
+          <a:prstGeom prst="rect">
+            <a:avLst/>
+          </a:prstGeom>
+          <a:noFill/>
+          <a:extLst>
+            <a:ext uri="{909E8E84-426E-40DD-AFC4-6F175D3DCCD1}">
+              <a14:hiddenFill xmlns:a14="http://schemas.microsoft.com/office/drawing/2010/main">
+                <a:solidFill>
+                  <a:srgbClr val="FFFFFF"/>
+                </a:solidFill>
+              </a14:hiddenFill>
+            </a:ext>
+          </a:extLst>
+        </p:spPr>
+      </p:pic>
+      <p:sp>
+        <p:nvSpPr>
+          <p:cNvPr id="8" name="Téglalap 7">
+            <a:extLst>
+              <a:ext uri="{FF2B5EF4-FFF2-40B4-BE49-F238E27FC236}">
+                <a16:creationId xmlns:a16="http://schemas.microsoft.com/office/drawing/2014/main" id="{6D8D0EF8-7009-4FD7-8D12-5D691EFF2C3E}"/>
+              </a:ext>
+            </a:extLst>
+          </p:cNvPr>
+          <p:cNvSpPr/>
+          <p:nvPr/>
+        </p:nvSpPr>
+        <p:spPr>
+          <a:xfrm>
+            <a:off x="8953499" y="2414910"/>
+            <a:ext cx="3648075" cy="1938992"/>
+          </a:xfrm>
+          <a:prstGeom prst="rect">
+            <a:avLst/>
+          </a:prstGeom>
+        </p:spPr>
+        <p:txBody>
+          <a:bodyPr wrap="square">
+            <a:spAutoFit/>
+          </a:bodyPr>
+          <a:lstStyle/>
+          <a:p>
+            <a:r>
+              <a:rPr lang="hu-HU" sz="2400" dirty="0">
+                <a:latin typeface="Montserrat" panose="00000500000000000000" pitchFamily="2" charset="-18"/>
+              </a:rPr>
+              <a:t>P(A) – prior </a:t>
+            </a:r>
+            <a:r>
+              <a:rPr lang="hu-HU" sz="2400" dirty="0" err="1">
+                <a:latin typeface="Montserrat" panose="00000500000000000000" pitchFamily="2" charset="-18"/>
+              </a:rPr>
+              <a:t>beliefs</a:t>
+            </a:r>
+            <a:endParaRPr lang="hu-HU" sz="2400" dirty="0">
+              <a:latin typeface="Montserrat" panose="00000500000000000000" pitchFamily="2" charset="-18"/>
+            </a:endParaRPr>
+          </a:p>
+          <a:p>
+            <a:r>
+              <a:rPr lang="hu-HU" sz="2400" dirty="0">
+                <a:latin typeface="Montserrat" panose="00000500000000000000" pitchFamily="2" charset="-18"/>
+              </a:rPr>
+              <a:t>P(B) – </a:t>
+            </a:r>
+            <a:r>
+              <a:rPr lang="hu-HU" sz="2400" dirty="0" err="1">
+                <a:latin typeface="Montserrat" panose="00000500000000000000" pitchFamily="2" charset="-18"/>
+              </a:rPr>
+              <a:t>data</a:t>
+            </a:r>
+            <a:endParaRPr lang="hu-HU" sz="2400" dirty="0">
+              <a:latin typeface="Montserrat" panose="00000500000000000000" pitchFamily="2" charset="-18"/>
+            </a:endParaRPr>
+          </a:p>
+          <a:p>
+            <a:r>
+              <a:rPr lang="hu-HU" sz="2400" dirty="0">
+                <a:latin typeface="Montserrat" panose="00000500000000000000" pitchFamily="2" charset="-18"/>
+              </a:rPr>
+              <a:t>P(B|A) - </a:t>
+            </a:r>
+            <a:r>
+              <a:rPr lang="hu-HU" sz="2400" dirty="0" err="1">
+                <a:latin typeface="Montserrat" panose="00000500000000000000" pitchFamily="2" charset="-18"/>
+              </a:rPr>
+              <a:t>likelihood</a:t>
+            </a:r>
+            <a:endParaRPr lang="hu-HU" sz="2400" dirty="0">
+              <a:latin typeface="Montserrat" panose="00000500000000000000" pitchFamily="2" charset="-18"/>
+            </a:endParaRPr>
+          </a:p>
+          <a:p>
+            <a:r>
+              <a:rPr lang="hu-HU" sz="2400" dirty="0">
+                <a:latin typeface="Montserrat" panose="00000500000000000000" pitchFamily="2" charset="-18"/>
+              </a:rPr>
+              <a:t>P(A|B) – </a:t>
+            </a:r>
+            <a:r>
+              <a:rPr lang="hu-HU" sz="2400" dirty="0" err="1">
+                <a:latin typeface="Montserrat" panose="00000500000000000000" pitchFamily="2" charset="-18"/>
+              </a:rPr>
+              <a:t>posterior</a:t>
+            </a:r>
+            <a:r>
+              <a:rPr lang="hu-HU" sz="2400" dirty="0">
+                <a:latin typeface="Montserrat" panose="00000500000000000000" pitchFamily="2" charset="-18"/>
+              </a:rPr>
+              <a:t> </a:t>
+            </a:r>
+            <a:r>
+              <a:rPr lang="hu-HU" sz="2400" dirty="0" err="1">
+                <a:latin typeface="Montserrat" panose="00000500000000000000" pitchFamily="2" charset="-18"/>
+              </a:rPr>
+              <a:t>beliefs</a:t>
+            </a:r>
+            <a:endParaRPr lang="hu-HU" sz="2400" dirty="0">
+              <a:latin typeface="Montserrat" panose="00000500000000000000" pitchFamily="2" charset="-18"/>
+            </a:endParaRPr>
+          </a:p>
+        </p:txBody>
+      </p:sp>
+    </p:spTree>
+    <p:extLst>
+      <p:ext uri="{BB962C8B-B14F-4D97-AF65-F5344CB8AC3E}">
+        <p14:creationId xmlns:p14="http://schemas.microsoft.com/office/powerpoint/2010/main" val="839077256"/>
+      </p:ext>
+    </p:extLst>
+  </p:cSld>
+  <p:clrMapOvr>
+    <a:masterClrMapping/>
+  </p:clrMapOvr>
+</p:sld>
+</file>
+
+<file path=ppt/slides/slide18.xml><?xml version="1.0" encoding="utf-8"?>
+<p:sld xmlns:a="http://schemas.openxmlformats.org/drawingml/2006/main" xmlns:r="http://schemas.openxmlformats.org/officeDocument/2006/relationships" xmlns:p="http://schemas.openxmlformats.org/presentationml/2006/main">
+  <p:cSld>
+    <p:spTree>
+      <p:nvGrpSpPr>
+        <p:cNvPr id="1" name=""/>
+        <p:cNvGrpSpPr/>
+        <p:nvPr/>
+      </p:nvGrpSpPr>
+      <p:grpSpPr>
+        <a:xfrm>
+          <a:off x="0" y="0"/>
+          <a:ext cx="0" cy="0"/>
+          <a:chOff x="0" y="0"/>
+          <a:chExt cx="0" cy="0"/>
+        </a:xfrm>
+      </p:grpSpPr>
+      <p:sp>
+        <p:nvSpPr>
+          <p:cNvPr id="2" name="Cím 1">
+            <a:extLst>
+              <a:ext uri="{FF2B5EF4-FFF2-40B4-BE49-F238E27FC236}">
+                <a16:creationId xmlns:a16="http://schemas.microsoft.com/office/drawing/2014/main" id="{DC2BBABD-CC6D-4070-8B1D-12857810A14B}"/>
+              </a:ext>
+            </a:extLst>
+          </p:cNvPr>
+          <p:cNvSpPr>
+            <a:spLocks noGrp="1"/>
+          </p:cNvSpPr>
+          <p:nvPr>
+            <p:ph type="title"/>
+          </p:nvPr>
+        </p:nvSpPr>
+        <p:spPr/>
+        <p:txBody>
+          <a:bodyPr>
+            <a:normAutofit fontScale="90000"/>
+          </a:bodyPr>
+          <a:lstStyle/>
+          <a:p>
+            <a:r>
+              <a:rPr lang="hu-HU" dirty="0" err="1"/>
+              <a:t>Bayesian</a:t>
+            </a:r>
+            <a:r>
+              <a:rPr lang="hu-HU" dirty="0"/>
+              <a:t> </a:t>
+            </a:r>
+            <a:r>
+              <a:rPr lang="hu-HU" dirty="0" err="1"/>
+              <a:t>method</a:t>
+            </a:r>
+            <a:r>
+              <a:rPr lang="hu-HU" dirty="0"/>
+              <a:t> II.</a:t>
+            </a:r>
+          </a:p>
+        </p:txBody>
+      </p:sp>
+      <p:sp>
+        <p:nvSpPr>
+          <p:cNvPr id="3" name="Tartalom helye 2">
+            <a:extLst>
+              <a:ext uri="{FF2B5EF4-FFF2-40B4-BE49-F238E27FC236}">
+                <a16:creationId xmlns:a16="http://schemas.microsoft.com/office/drawing/2014/main" id="{1C2FC116-FB05-4BAA-A3B4-5E5CF26438A3}"/>
+              </a:ext>
+            </a:extLst>
+          </p:cNvPr>
+          <p:cNvSpPr>
+            <a:spLocks noGrp="1"/>
+          </p:cNvSpPr>
+          <p:nvPr>
+            <p:ph idx="1"/>
+          </p:nvPr>
+        </p:nvSpPr>
+        <p:spPr/>
+        <p:txBody>
+          <a:bodyPr/>
+          <a:lstStyle/>
           <a:p>
             <a:pPr marL="0" indent="0">
               <a:buNone/>
             </a:pPr>
             <a:r>
+              <a:rPr lang="hu-HU" b="1" dirty="0" err="1"/>
+              <a:t>Posteriors</a:t>
+            </a:r>
+            <a:r>
+              <a:rPr lang="hu-HU" b="1" dirty="0"/>
+              <a:t>:</a:t>
+            </a:r>
+          </a:p>
+          <a:p>
+            <a:pPr marL="0" indent="0">
+              <a:buNone/>
+            </a:pPr>
+            <a:r>
+              <a:rPr lang="hu-HU" dirty="0"/>
+              <a:t>P(H1 | k=1) = P(H1) * P(k=1 | H1) / P(k=1) </a:t>
+            </a:r>
+          </a:p>
+          <a:p>
+            <a:pPr marL="0" indent="0">
+              <a:buNone/>
+            </a:pPr>
+            <a:r>
+              <a:rPr lang="hu-HU" dirty="0"/>
+              <a:t>= 0.5 * 0.33 / (0.5 * 33 + 0.5 * 0.41) = </a:t>
+            </a:r>
+            <a:r>
+              <a:rPr lang="hu-HU" b="1" dirty="0"/>
+              <a:t>0.45</a:t>
+            </a:r>
+          </a:p>
+          <a:p>
+            <a:pPr marL="0" indent="0">
+              <a:buNone/>
+            </a:pPr>
+            <a:r>
+              <a:rPr lang="hu-HU" dirty="0"/>
+              <a:t>P(H2 | k=1) = 1 – 0.45 = </a:t>
+            </a:r>
+            <a:r>
+              <a:rPr lang="hu-HU" b="1" dirty="0"/>
+              <a:t>0.55</a:t>
+            </a:r>
+          </a:p>
+          <a:p>
+            <a:pPr marL="0" indent="0">
+              <a:buNone/>
+            </a:pPr>
+            <a:endParaRPr lang="hu-HU" b="1" dirty="0"/>
+          </a:p>
+          <a:p>
+            <a:pPr marL="0" indent="0">
+              <a:buNone/>
+            </a:pPr>
+            <a:r>
+              <a:rPr lang="hu-HU" b="1" dirty="0" err="1"/>
+              <a:t>Conclusions</a:t>
+            </a:r>
+            <a:r>
+              <a:rPr lang="hu-HU" b="1" dirty="0"/>
+              <a:t>:</a:t>
+            </a:r>
+          </a:p>
+          <a:p>
+            <a:pPr marL="0" indent="0">
+              <a:buNone/>
+            </a:pPr>
+            <a:r>
               <a:rPr lang="hu-HU" dirty="0" err="1"/>
               <a:t>We</a:t>
             </a:r>
@@ -7397,7 +7867,7 @@
           <a:p>
             <a:fld id="{444B641D-F446-482F-BD8D-2B546EA2C2F1}" type="datetime1">
               <a:rPr lang="hu-HU" smtClean="0"/>
-              <a:t>2019. 08. 13.</a:t>
+              <a:t>2019. 08. 15.</a:t>
             </a:fld>
             <a:endParaRPr lang="hu-HU"/>
           </a:p>
@@ -7454,7 +7924,7 @@
           <a:p>
             <a:fld id="{14BC9C27-3A79-4F57-BFB4-AB282D25D2CE}" type="slidenum">
               <a:rPr lang="hu-HU" smtClean="0"/>
-              <a:t>17</a:t>
+              <a:t>18</a:t>
             </a:fld>
             <a:endParaRPr lang="hu-HU"/>
           </a:p>
@@ -7473,7 +7943,400 @@
 </p:sld>
 </file>
 
-<file path=ppt/slides/slide18.xml><?xml version="1.0" encoding="utf-8"?>
+<file path=ppt/slides/slide19.xml><?xml version="1.0" encoding="utf-8"?>
+<p:sld xmlns:a="http://schemas.openxmlformats.org/drawingml/2006/main" xmlns:r="http://schemas.openxmlformats.org/officeDocument/2006/relationships" xmlns:p="http://schemas.openxmlformats.org/presentationml/2006/main">
+  <p:cSld>
+    <p:spTree>
+      <p:nvGrpSpPr>
+        <p:cNvPr id="1" name=""/>
+        <p:cNvGrpSpPr/>
+        <p:nvPr/>
+      </p:nvGrpSpPr>
+      <p:grpSpPr>
+        <a:xfrm>
+          <a:off x="0" y="0"/>
+          <a:ext cx="0" cy="0"/>
+          <a:chOff x="0" y="0"/>
+          <a:chExt cx="0" cy="0"/>
+        </a:xfrm>
+      </p:grpSpPr>
+      <p:sp>
+        <p:nvSpPr>
+          <p:cNvPr id="2" name="Cím 1">
+            <a:extLst>
+              <a:ext uri="{FF2B5EF4-FFF2-40B4-BE49-F238E27FC236}">
+                <a16:creationId xmlns:a16="http://schemas.microsoft.com/office/drawing/2014/main" id="{6967DC93-D3CC-4934-BB41-B602E63A8381}"/>
+              </a:ext>
+            </a:extLst>
+          </p:cNvPr>
+          <p:cNvSpPr>
+            <a:spLocks noGrp="1"/>
+          </p:cNvSpPr>
+          <p:nvPr>
+            <p:ph type="title"/>
+          </p:nvPr>
+        </p:nvSpPr>
+        <p:spPr/>
+        <p:txBody>
+          <a:bodyPr>
+            <a:normAutofit fontScale="90000"/>
+          </a:bodyPr>
+          <a:lstStyle/>
+          <a:p>
+            <a:r>
+              <a:rPr lang="hu-HU" dirty="0" err="1"/>
+              <a:t>What</a:t>
+            </a:r>
+            <a:r>
+              <a:rPr lang="hu-HU" dirty="0"/>
+              <a:t> </a:t>
+            </a:r>
+            <a:r>
+              <a:rPr lang="hu-HU" dirty="0" err="1"/>
+              <a:t>about</a:t>
+            </a:r>
+            <a:r>
+              <a:rPr lang="hu-HU" dirty="0"/>
+              <a:t> </a:t>
+            </a:r>
+            <a:r>
+              <a:rPr lang="hu-HU" dirty="0" err="1"/>
+              <a:t>larger</a:t>
+            </a:r>
+            <a:r>
+              <a:rPr lang="hu-HU" dirty="0"/>
+              <a:t> </a:t>
+            </a:r>
+            <a:r>
+              <a:rPr lang="hu-HU" dirty="0" err="1"/>
+              <a:t>sample</a:t>
+            </a:r>
+            <a:r>
+              <a:rPr lang="hu-HU" dirty="0"/>
+              <a:t> </a:t>
+            </a:r>
+            <a:r>
+              <a:rPr lang="hu-HU" dirty="0" err="1"/>
+              <a:t>sizes</a:t>
+            </a:r>
+            <a:r>
+              <a:rPr lang="hu-HU" dirty="0"/>
+              <a:t>?</a:t>
+            </a:r>
+          </a:p>
+        </p:txBody>
+      </p:sp>
+      <p:sp>
+        <p:nvSpPr>
+          <p:cNvPr id="4" name="Dátum helye 3">
+            <a:extLst>
+              <a:ext uri="{FF2B5EF4-FFF2-40B4-BE49-F238E27FC236}">
+                <a16:creationId xmlns:a16="http://schemas.microsoft.com/office/drawing/2014/main" id="{2876E00A-C719-4B8A-8D58-218A34AA3724}"/>
+              </a:ext>
+            </a:extLst>
+          </p:cNvPr>
+          <p:cNvSpPr>
+            <a:spLocks noGrp="1"/>
+          </p:cNvSpPr>
+          <p:nvPr>
+            <p:ph type="dt" sz="half" idx="10"/>
+          </p:nvPr>
+        </p:nvSpPr>
+        <p:spPr/>
+        <p:txBody>
+          <a:bodyPr/>
+          <a:lstStyle/>
+          <a:p>
+            <a:fld id="{444B641D-F446-482F-BD8D-2B546EA2C2F1}" type="datetime1">
+              <a:rPr lang="hu-HU" smtClean="0"/>
+              <a:t>2019. 08. 15.</a:t>
+            </a:fld>
+            <a:endParaRPr lang="hu-HU"/>
+          </a:p>
+        </p:txBody>
+      </p:sp>
+      <p:sp>
+        <p:nvSpPr>
+          <p:cNvPr id="5" name="Élőláb helye 4">
+            <a:extLst>
+              <a:ext uri="{FF2B5EF4-FFF2-40B4-BE49-F238E27FC236}">
+                <a16:creationId xmlns:a16="http://schemas.microsoft.com/office/drawing/2014/main" id="{CA8AD3C8-9256-474C-8BD1-70BBC588ABBC}"/>
+              </a:ext>
+            </a:extLst>
+          </p:cNvPr>
+          <p:cNvSpPr>
+            <a:spLocks noGrp="1"/>
+          </p:cNvSpPr>
+          <p:nvPr>
+            <p:ph type="ftr" sz="quarter" idx="11"/>
+          </p:nvPr>
+        </p:nvSpPr>
+        <p:spPr/>
+        <p:txBody>
+          <a:bodyPr/>
+          <a:lstStyle/>
+          <a:p>
+            <a:r>
+              <a:rPr lang="hu-HU"/>
+              <a:t>Mór Kapronczay  -  Starschema Ltd.</a:t>
+            </a:r>
+          </a:p>
+        </p:txBody>
+      </p:sp>
+      <p:sp>
+        <p:nvSpPr>
+          <p:cNvPr id="6" name="Dia számának helye 5">
+            <a:extLst>
+              <a:ext uri="{FF2B5EF4-FFF2-40B4-BE49-F238E27FC236}">
+                <a16:creationId xmlns:a16="http://schemas.microsoft.com/office/drawing/2014/main" id="{9DB9A4A6-A603-4E69-9FCA-053C712A9FEF}"/>
+              </a:ext>
+            </a:extLst>
+          </p:cNvPr>
+          <p:cNvSpPr>
+            <a:spLocks noGrp="1"/>
+          </p:cNvSpPr>
+          <p:nvPr>
+            <p:ph type="sldNum" sz="quarter" idx="12"/>
+          </p:nvPr>
+        </p:nvSpPr>
+        <p:spPr/>
+        <p:txBody>
+          <a:bodyPr/>
+          <a:lstStyle/>
+          <a:p>
+            <a:fld id="{14BC9C27-3A79-4F57-BFB4-AB282D25D2CE}" type="slidenum">
+              <a:rPr lang="hu-HU" smtClean="0"/>
+              <a:t>19</a:t>
+            </a:fld>
+            <a:endParaRPr lang="hu-HU"/>
+          </a:p>
+        </p:txBody>
+      </p:sp>
+    </p:spTree>
+    <p:extLst>
+      <p:ext uri="{BB962C8B-B14F-4D97-AF65-F5344CB8AC3E}">
+        <p14:creationId xmlns:p14="http://schemas.microsoft.com/office/powerpoint/2010/main" val="3060891196"/>
+      </p:ext>
+    </p:extLst>
+  </p:cSld>
+  <p:clrMapOvr>
+    <a:masterClrMapping/>
+  </p:clrMapOvr>
+</p:sld>
+</file>
+
+<file path=ppt/slides/slide2.xml><?xml version="1.0" encoding="utf-8"?>
+<p:sld xmlns:a="http://schemas.openxmlformats.org/drawingml/2006/main" xmlns:r="http://schemas.openxmlformats.org/officeDocument/2006/relationships" xmlns:p="http://schemas.openxmlformats.org/presentationml/2006/main">
+  <p:cSld>
+    <p:spTree>
+      <p:nvGrpSpPr>
+        <p:cNvPr id="1" name=""/>
+        <p:cNvGrpSpPr/>
+        <p:nvPr/>
+      </p:nvGrpSpPr>
+      <p:grpSpPr>
+        <a:xfrm>
+          <a:off x="0" y="0"/>
+          <a:ext cx="0" cy="0"/>
+          <a:chOff x="0" y="0"/>
+          <a:chExt cx="0" cy="0"/>
+        </a:xfrm>
+      </p:grpSpPr>
+      <p:sp>
+        <p:nvSpPr>
+          <p:cNvPr id="2" name="Cím 1">
+            <a:extLst>
+              <a:ext uri="{FF2B5EF4-FFF2-40B4-BE49-F238E27FC236}">
+                <a16:creationId xmlns:a16="http://schemas.microsoft.com/office/drawing/2014/main" id="{04FB9D7A-5AF0-410E-A84D-F526D29283DA}"/>
+              </a:ext>
+            </a:extLst>
+          </p:cNvPr>
+          <p:cNvSpPr>
+            <a:spLocks noGrp="1"/>
+          </p:cNvSpPr>
+          <p:nvPr>
+            <p:ph type="title"/>
+          </p:nvPr>
+        </p:nvSpPr>
+        <p:spPr/>
+        <p:txBody>
+          <a:bodyPr>
+            <a:normAutofit fontScale="90000"/>
+          </a:bodyPr>
+          <a:lstStyle/>
+          <a:p>
+            <a:r>
+              <a:rPr lang="hu-HU" dirty="0" err="1"/>
+              <a:t>What</a:t>
+            </a:r>
+            <a:r>
+              <a:rPr lang="hu-HU" dirty="0"/>
+              <a:t> is </a:t>
+            </a:r>
+            <a:r>
+              <a:rPr lang="hu-HU" dirty="0" err="1"/>
+              <a:t>statistics</a:t>
+            </a:r>
+            <a:r>
+              <a:rPr lang="hu-HU" dirty="0"/>
+              <a:t> </a:t>
+            </a:r>
+            <a:r>
+              <a:rPr lang="hu-HU" dirty="0" err="1"/>
+              <a:t>at</a:t>
+            </a:r>
+            <a:r>
+              <a:rPr lang="hu-HU" dirty="0"/>
+              <a:t> </a:t>
+            </a:r>
+            <a:r>
+              <a:rPr lang="hu-HU" dirty="0" err="1"/>
+              <a:t>all</a:t>
+            </a:r>
+            <a:r>
+              <a:rPr lang="hu-HU" dirty="0"/>
+              <a:t>???</a:t>
+            </a:r>
+          </a:p>
+        </p:txBody>
+      </p:sp>
+      <p:sp>
+        <p:nvSpPr>
+          <p:cNvPr id="3" name="Tartalom helye 2">
+            <a:extLst>
+              <a:ext uri="{FF2B5EF4-FFF2-40B4-BE49-F238E27FC236}">
+                <a16:creationId xmlns:a16="http://schemas.microsoft.com/office/drawing/2014/main" id="{709C12A9-9DBD-40BA-A681-438430B223B0}"/>
+              </a:ext>
+            </a:extLst>
+          </p:cNvPr>
+          <p:cNvSpPr>
+            <a:spLocks noGrp="1"/>
+          </p:cNvSpPr>
+          <p:nvPr>
+            <p:ph idx="1"/>
+          </p:nvPr>
+        </p:nvSpPr>
+        <p:spPr/>
+        <p:txBody>
+          <a:bodyPr/>
+          <a:lstStyle/>
+          <a:p>
+            <a:endParaRPr lang="hu-HU"/>
+          </a:p>
+        </p:txBody>
+      </p:sp>
+      <p:sp>
+        <p:nvSpPr>
+          <p:cNvPr id="4" name="Dátum helye 3">
+            <a:extLst>
+              <a:ext uri="{FF2B5EF4-FFF2-40B4-BE49-F238E27FC236}">
+                <a16:creationId xmlns:a16="http://schemas.microsoft.com/office/drawing/2014/main" id="{3AE80BDF-833D-45AA-8B22-B78A225449C9}"/>
+              </a:ext>
+            </a:extLst>
+          </p:cNvPr>
+          <p:cNvSpPr>
+            <a:spLocks noGrp="1"/>
+          </p:cNvSpPr>
+          <p:nvPr>
+            <p:ph type="dt" sz="half" idx="10"/>
+          </p:nvPr>
+        </p:nvSpPr>
+        <p:spPr/>
+        <p:txBody>
+          <a:bodyPr/>
+          <a:lstStyle/>
+          <a:p>
+            <a:fld id="{19351AAE-18EE-464E-8256-2689F6168C0F}" type="datetime1">
+              <a:rPr lang="hu-HU" smtClean="0"/>
+              <a:t>2019. 08. 15.</a:t>
+            </a:fld>
+            <a:endParaRPr lang="hu-HU"/>
+          </a:p>
+        </p:txBody>
+      </p:sp>
+      <p:sp>
+        <p:nvSpPr>
+          <p:cNvPr id="5" name="Élőláb helye 4">
+            <a:extLst>
+              <a:ext uri="{FF2B5EF4-FFF2-40B4-BE49-F238E27FC236}">
+                <a16:creationId xmlns:a16="http://schemas.microsoft.com/office/drawing/2014/main" id="{1990AF60-07BD-49FD-8060-14266BF1BA82}"/>
+              </a:ext>
+            </a:extLst>
+          </p:cNvPr>
+          <p:cNvSpPr>
+            <a:spLocks noGrp="1"/>
+          </p:cNvSpPr>
+          <p:nvPr>
+            <p:ph type="ftr" sz="quarter" idx="11"/>
+          </p:nvPr>
+        </p:nvSpPr>
+        <p:spPr/>
+        <p:txBody>
+          <a:bodyPr/>
+          <a:lstStyle/>
+          <a:p>
+            <a:r>
+              <a:rPr lang="hu-HU"/>
+              <a:t>Mór Kapronczay  -  Starschema Ltd.</a:t>
+            </a:r>
+          </a:p>
+        </p:txBody>
+      </p:sp>
+      <p:sp>
+        <p:nvSpPr>
+          <p:cNvPr id="6" name="Dia számának helye 5">
+            <a:extLst>
+              <a:ext uri="{FF2B5EF4-FFF2-40B4-BE49-F238E27FC236}">
+                <a16:creationId xmlns:a16="http://schemas.microsoft.com/office/drawing/2014/main" id="{8FA46F80-4F64-46D7-9FBF-C947037E737E}"/>
+              </a:ext>
+            </a:extLst>
+          </p:cNvPr>
+          <p:cNvSpPr>
+            <a:spLocks noGrp="1"/>
+          </p:cNvSpPr>
+          <p:nvPr>
+            <p:ph type="sldNum" sz="quarter" idx="12"/>
+          </p:nvPr>
+        </p:nvSpPr>
+        <p:spPr/>
+        <p:txBody>
+          <a:bodyPr/>
+          <a:lstStyle/>
+          <a:p>
+            <a:pPr marL="0" indent="0">
+              <a:buNone/>
+            </a:pPr>
+            <a:endParaRPr lang="hu-HU" dirty="0"/>
+          </a:p>
+          <a:p>
+            <a:pPr marL="0" indent="0">
+              <a:buNone/>
+            </a:pPr>
+            <a:fld id="{14BC9C27-3A79-4F57-BFB4-AB282D25D2CE}" type="slidenum">
+              <a:rPr lang="hu-HU" smtClean="0"/>
+              <a:pPr marL="0" indent="0">
+                <a:buNone/>
+              </a:pPr>
+              <a:t>2</a:t>
+            </a:fld>
+            <a:endParaRPr lang="hu-HU" dirty="0"/>
+          </a:p>
+        </p:txBody>
+      </p:sp>
+    </p:spTree>
+    <p:extLst>
+      <p:ext uri="{BB962C8B-B14F-4D97-AF65-F5344CB8AC3E}">
+        <p14:creationId xmlns:p14="http://schemas.microsoft.com/office/powerpoint/2010/main" val="3629744173"/>
+      </p:ext>
+    </p:extLst>
+  </p:cSld>
+  <p:clrMapOvr>
+    <a:masterClrMapping/>
+  </p:clrMapOvr>
+</p:sld>
+</file>
+
+<file path=ppt/slides/slide20.xml><?xml version="1.0" encoding="utf-8"?>
 <p:sld xmlns:a="http://schemas.openxmlformats.org/drawingml/2006/main" xmlns:r="http://schemas.openxmlformats.org/officeDocument/2006/relationships" xmlns:p="http://schemas.openxmlformats.org/presentationml/2006/main">
   <p:cSld>
     <p:spTree>
@@ -8732,7 +9595,7 @@
           <a:p>
             <a:fld id="{444B641D-F446-482F-BD8D-2B546EA2C2F1}" type="datetime1">
               <a:rPr lang="hu-HU" smtClean="0"/>
-              <a:t>2019. 08. 13.</a:t>
+              <a:t>2019. 08. 15.</a:t>
             </a:fld>
             <a:endParaRPr lang="hu-HU"/>
           </a:p>
@@ -8789,7 +9652,7 @@
           <a:p>
             <a:fld id="{14BC9C27-3A79-4F57-BFB4-AB282D25D2CE}" type="slidenum">
               <a:rPr lang="hu-HU" smtClean="0"/>
-              <a:t>18</a:t>
+              <a:t>20</a:t>
             </a:fld>
             <a:endParaRPr lang="hu-HU"/>
           </a:p>
@@ -8986,217 +9849,6 @@
     <p:extLst>
       <p:ext uri="{BB962C8B-B14F-4D97-AF65-F5344CB8AC3E}">
         <p14:creationId xmlns:p14="http://schemas.microsoft.com/office/powerpoint/2010/main" val="673767680"/>
-      </p:ext>
-    </p:extLst>
-  </p:cSld>
-  <p:clrMapOvr>
-    <a:masterClrMapping/>
-  </p:clrMapOvr>
-</p:sld>
-</file>
-
-<file path=ppt/slides/slide2.xml><?xml version="1.0" encoding="utf-8"?>
-<p:sld xmlns:a="http://schemas.openxmlformats.org/drawingml/2006/main" xmlns:r="http://schemas.openxmlformats.org/officeDocument/2006/relationships" xmlns:p="http://schemas.openxmlformats.org/presentationml/2006/main">
-  <p:cSld>
-    <p:spTree>
-      <p:nvGrpSpPr>
-        <p:cNvPr id="1" name=""/>
-        <p:cNvGrpSpPr/>
-        <p:nvPr/>
-      </p:nvGrpSpPr>
-      <p:grpSpPr>
-        <a:xfrm>
-          <a:off x="0" y="0"/>
-          <a:ext cx="0" cy="0"/>
-          <a:chOff x="0" y="0"/>
-          <a:chExt cx="0" cy="0"/>
-        </a:xfrm>
-      </p:grpSpPr>
-      <p:sp>
-        <p:nvSpPr>
-          <p:cNvPr id="2" name="Cím 1">
-            <a:extLst>
-              <a:ext uri="{FF2B5EF4-FFF2-40B4-BE49-F238E27FC236}">
-                <a16:creationId xmlns:a16="http://schemas.microsoft.com/office/drawing/2014/main" id="{04FB9D7A-5AF0-410E-A84D-F526D29283DA}"/>
-              </a:ext>
-            </a:extLst>
-          </p:cNvPr>
-          <p:cNvSpPr>
-            <a:spLocks noGrp="1"/>
-          </p:cNvSpPr>
-          <p:nvPr>
-            <p:ph type="title"/>
-          </p:nvPr>
-        </p:nvSpPr>
-        <p:spPr/>
-        <p:txBody>
-          <a:bodyPr>
-            <a:normAutofit fontScale="90000"/>
-          </a:bodyPr>
-          <a:lstStyle/>
-          <a:p>
-            <a:r>
-              <a:rPr lang="hu-HU" dirty="0" err="1"/>
-              <a:t>What</a:t>
-            </a:r>
-            <a:r>
-              <a:rPr lang="hu-HU" dirty="0"/>
-              <a:t> is </a:t>
-            </a:r>
-            <a:r>
-              <a:rPr lang="hu-HU" dirty="0" err="1"/>
-              <a:t>statistics</a:t>
-            </a:r>
-            <a:r>
-              <a:rPr lang="hu-HU" dirty="0"/>
-              <a:t> </a:t>
-            </a:r>
-            <a:r>
-              <a:rPr lang="hu-HU" dirty="0" err="1"/>
-              <a:t>at</a:t>
-            </a:r>
-            <a:r>
-              <a:rPr lang="hu-HU" dirty="0"/>
-              <a:t> </a:t>
-            </a:r>
-            <a:r>
-              <a:rPr lang="hu-HU" dirty="0" err="1"/>
-              <a:t>all</a:t>
-            </a:r>
-            <a:r>
-              <a:rPr lang="hu-HU" dirty="0"/>
-              <a:t>???</a:t>
-            </a:r>
-          </a:p>
-        </p:txBody>
-      </p:sp>
-      <p:sp>
-        <p:nvSpPr>
-          <p:cNvPr id="3" name="Tartalom helye 2">
-            <a:extLst>
-              <a:ext uri="{FF2B5EF4-FFF2-40B4-BE49-F238E27FC236}">
-                <a16:creationId xmlns:a16="http://schemas.microsoft.com/office/drawing/2014/main" id="{709C12A9-9DBD-40BA-A681-438430B223B0}"/>
-              </a:ext>
-            </a:extLst>
-          </p:cNvPr>
-          <p:cNvSpPr>
-            <a:spLocks noGrp="1"/>
-          </p:cNvSpPr>
-          <p:nvPr>
-            <p:ph idx="1"/>
-          </p:nvPr>
-        </p:nvSpPr>
-        <p:spPr/>
-        <p:txBody>
-          <a:bodyPr/>
-          <a:lstStyle/>
-          <a:p>
-            <a:endParaRPr lang="hu-HU"/>
-          </a:p>
-        </p:txBody>
-      </p:sp>
-      <p:sp>
-        <p:nvSpPr>
-          <p:cNvPr id="4" name="Dátum helye 3">
-            <a:extLst>
-              <a:ext uri="{FF2B5EF4-FFF2-40B4-BE49-F238E27FC236}">
-                <a16:creationId xmlns:a16="http://schemas.microsoft.com/office/drawing/2014/main" id="{3AE80BDF-833D-45AA-8B22-B78A225449C9}"/>
-              </a:ext>
-            </a:extLst>
-          </p:cNvPr>
-          <p:cNvSpPr>
-            <a:spLocks noGrp="1"/>
-          </p:cNvSpPr>
-          <p:nvPr>
-            <p:ph type="dt" sz="half" idx="10"/>
-          </p:nvPr>
-        </p:nvSpPr>
-        <p:spPr/>
-        <p:txBody>
-          <a:bodyPr/>
-          <a:lstStyle/>
-          <a:p>
-            <a:fld id="{19351AAE-18EE-464E-8256-2689F6168C0F}" type="datetime1">
-              <a:rPr lang="hu-HU" smtClean="0"/>
-              <a:t>2019. 08. 10.</a:t>
-            </a:fld>
-            <a:endParaRPr lang="hu-HU"/>
-          </a:p>
-        </p:txBody>
-      </p:sp>
-      <p:sp>
-        <p:nvSpPr>
-          <p:cNvPr id="5" name="Élőláb helye 4">
-            <a:extLst>
-              <a:ext uri="{FF2B5EF4-FFF2-40B4-BE49-F238E27FC236}">
-                <a16:creationId xmlns:a16="http://schemas.microsoft.com/office/drawing/2014/main" id="{1990AF60-07BD-49FD-8060-14266BF1BA82}"/>
-              </a:ext>
-            </a:extLst>
-          </p:cNvPr>
-          <p:cNvSpPr>
-            <a:spLocks noGrp="1"/>
-          </p:cNvSpPr>
-          <p:nvPr>
-            <p:ph type="ftr" sz="quarter" idx="11"/>
-          </p:nvPr>
-        </p:nvSpPr>
-        <p:spPr/>
-        <p:txBody>
-          <a:bodyPr/>
-          <a:lstStyle/>
-          <a:p>
-            <a:r>
-              <a:rPr lang="hu-HU"/>
-              <a:t>Mór Kapronczay  -  Starschema Ltd.</a:t>
-            </a:r>
-          </a:p>
-        </p:txBody>
-      </p:sp>
-      <p:sp>
-        <p:nvSpPr>
-          <p:cNvPr id="6" name="Dia számának helye 5">
-            <a:extLst>
-              <a:ext uri="{FF2B5EF4-FFF2-40B4-BE49-F238E27FC236}">
-                <a16:creationId xmlns:a16="http://schemas.microsoft.com/office/drawing/2014/main" id="{8FA46F80-4F64-46D7-9FBF-C947037E737E}"/>
-              </a:ext>
-            </a:extLst>
-          </p:cNvPr>
-          <p:cNvSpPr>
-            <a:spLocks noGrp="1"/>
-          </p:cNvSpPr>
-          <p:nvPr>
-            <p:ph type="sldNum" sz="quarter" idx="12"/>
-          </p:nvPr>
-        </p:nvSpPr>
-        <p:spPr/>
-        <p:txBody>
-          <a:bodyPr/>
-          <a:lstStyle/>
-          <a:p>
-            <a:pPr marL="0" indent="0">
-              <a:buNone/>
-            </a:pPr>
-            <a:endParaRPr lang="hu-HU" dirty="0"/>
-          </a:p>
-          <a:p>
-            <a:pPr marL="0" indent="0">
-              <a:buNone/>
-            </a:pPr>
-            <a:fld id="{14BC9C27-3A79-4F57-BFB4-AB282D25D2CE}" type="slidenum">
-              <a:rPr lang="hu-HU" smtClean="0"/>
-              <a:pPr marL="0" indent="0">
-                <a:buNone/>
-              </a:pPr>
-              <a:t>2</a:t>
-            </a:fld>
-            <a:endParaRPr lang="hu-HU" dirty="0"/>
-          </a:p>
-        </p:txBody>
-      </p:sp>
-    </p:spTree>
-    <p:extLst>
-      <p:ext uri="{BB962C8B-B14F-4D97-AF65-F5344CB8AC3E}">
-        <p14:creationId xmlns:p14="http://schemas.microsoft.com/office/powerpoint/2010/main" val="3629744173"/>
       </p:ext>
     </p:extLst>
   </p:cSld>
@@ -9487,7 +10139,7 @@
           <a:p>
             <a:fld id="{19351AAE-18EE-464E-8256-2689F6168C0F}" type="datetime1">
               <a:rPr lang="hu-HU" smtClean="0"/>
-              <a:t>2019. 08. 10.</a:t>
+              <a:t>2019. 08. 15.</a:t>
             </a:fld>
             <a:endParaRPr lang="hu-HU"/>
           </a:p>
@@ -9738,7 +10390,7 @@
             </a:r>
             <a:r>
               <a:rPr lang="hu-HU" dirty="0" err="1"/>
-              <a:t>thing</a:t>
+              <a:t>things</a:t>
             </a:r>
             <a:r>
               <a:rPr lang="hu-HU" dirty="0"/>
@@ -9751,11 +10403,27 @@
             </a:pPr>
             <a:r>
               <a:rPr lang="hu-HU" dirty="0" err="1"/>
-              <a:t>Hypothesis</a:t>
-            </a:r>
-            <a:r>
-              <a:rPr lang="hu-HU" dirty="0"/>
-              <a:t> Testing</a:t>
+              <a:t>Statistical</a:t>
+            </a:r>
+            <a:r>
+              <a:rPr lang="hu-HU" dirty="0"/>
+              <a:t> </a:t>
+            </a:r>
+            <a:r>
+              <a:rPr lang="hu-HU" dirty="0" err="1"/>
+              <a:t>inference</a:t>
+            </a:r>
+            <a:r>
+              <a:rPr lang="hu-HU" dirty="0"/>
+              <a:t> and </a:t>
+            </a:r>
+            <a:r>
+              <a:rPr lang="hu-HU" dirty="0" err="1"/>
+              <a:t>hypothesis</a:t>
+            </a:r>
+            <a:r>
+              <a:rPr lang="hu-HU" dirty="0"/>
+              <a:t> testing</a:t>
             </a:r>
           </a:p>
         </p:txBody>
@@ -9783,7 +10451,7 @@
           <a:p>
             <a:fld id="{19351AAE-18EE-464E-8256-2689F6168C0F}" type="datetime1">
               <a:rPr lang="hu-HU" smtClean="0"/>
-              <a:t>2019. 08. 10.</a:t>
+              <a:t>2019. 08. 15.</a:t>
             </a:fld>
             <a:endParaRPr lang="hu-HU"/>
           </a:p>
@@ -10064,7 +10732,7 @@
           <a:p>
             <a:fld id="{444B641D-F446-482F-BD8D-2B546EA2C2F1}" type="datetime1">
               <a:rPr lang="hu-HU" smtClean="0"/>
-              <a:t>2019. 08. 10.</a:t>
+              <a:t>2019. 08. 15.</a:t>
             </a:fld>
             <a:endParaRPr lang="hu-HU"/>
           </a:p>
@@ -10231,6 +10899,7 @@
           <a:bodyPr/>
           <a:lstStyle/>
           <a:p>
+            <a:pPr algn="ctr"/>
             <a:r>
               <a:rPr lang="hu-HU" dirty="0" err="1"/>
               <a:t>Frequentist</a:t>
@@ -10260,6 +10929,7 @@
           <a:bodyPr/>
           <a:lstStyle/>
           <a:p>
+            <a:pPr algn="ctr"/>
             <a:r>
               <a:rPr lang="hu-HU" dirty="0" err="1"/>
               <a:t>Bayesian</a:t>
@@ -10291,7 +10961,7 @@
           <a:p>
             <a:fld id="{444B641D-F446-482F-BD8D-2B546EA2C2F1}" type="datetime1">
               <a:rPr lang="hu-HU" smtClean="0"/>
-              <a:t>2019. 08. 10.</a:t>
+              <a:t>2019. 08. 15.</a:t>
             </a:fld>
             <a:endParaRPr lang="hu-HU"/>
           </a:p>
@@ -10748,7 +11418,7 @@
         <p:spPr/>
         <p:txBody>
           <a:bodyPr>
-            <a:normAutofit fontScale="77500" lnSpcReduction="20000"/>
+            <a:normAutofit fontScale="92500" lnSpcReduction="10000"/>
           </a:bodyPr>
           <a:lstStyle/>
           <a:p>
@@ -10821,28 +11491,13 @@
         <p:spPr/>
         <p:txBody>
           <a:bodyPr>
-            <a:normAutofit fontScale="77500" lnSpcReduction="20000"/>
+            <a:normAutofit fontScale="92500" lnSpcReduction="10000"/>
           </a:bodyPr>
           <a:lstStyle/>
           <a:p>
-            <a:r>
-              <a:rPr lang="en-US" dirty="0"/>
-              <a:t>I can hear the phone beeping. </a:t>
-            </a:r>
-            <a:endParaRPr lang="hu-HU" dirty="0"/>
-          </a:p>
-          <a:p>
-            <a:r>
-              <a:rPr lang="en-US" dirty="0"/>
-              <a:t>Now, apart from a mental model which helps me identify the area from which the sound is coming from, I also know the locations where I have misplaced the phone in the past. </a:t>
-            </a:r>
-            <a:endParaRPr lang="hu-HU" dirty="0"/>
-          </a:p>
-          <a:p>
-            <a:r>
-              <a:rPr lang="en-US" dirty="0"/>
-              <a:t>So, I combine my inferences using the beeps and my prior information about the locations I have misplaced the phone in the past to identify an area I must search to locate the phone.</a:t>
-            </a:r>
+            <a:pPr marL="0" indent="0">
+              <a:buNone/>
+            </a:pPr>
             <a:br>
               <a:rPr lang="en-US" dirty="0"/>
             </a:br>
@@ -10873,7 +11528,7 @@
           <a:p>
             <a:fld id="{444B641D-F446-482F-BD8D-2B546EA2C2F1}" type="datetime1">
               <a:rPr lang="hu-HU" smtClean="0"/>
-              <a:t>2019. 08. 10.</a:t>
+              <a:t>2019. 08. 15.</a:t>
             </a:fld>
             <a:endParaRPr lang="hu-HU"/>
           </a:p>
@@ -10989,20 +11644,33 @@
           <a:p>
             <a:r>
               <a:rPr lang="hu-HU" dirty="0" err="1"/>
-              <a:t>What</a:t>
-            </a:r>
-            <a:r>
-              <a:rPr lang="hu-HU" dirty="0"/>
-              <a:t> is </a:t>
-            </a:r>
-            <a:r>
-              <a:rPr lang="hu-HU" dirty="0" err="1"/>
-              <a:t>probability</a:t>
-            </a:r>
-            <a:r>
-              <a:rPr lang="hu-HU" dirty="0"/>
-              <a:t>?</a:t>
-            </a:r>
+              <a:t>Two</a:t>
+            </a:r>
+            <a:r>
+              <a:rPr lang="hu-HU" dirty="0"/>
+              <a:t> </a:t>
+            </a:r>
+            <a:r>
+              <a:rPr lang="hu-HU" dirty="0" err="1"/>
+              <a:t>different</a:t>
+            </a:r>
+            <a:r>
+              <a:rPr lang="hu-HU" dirty="0"/>
+              <a:t> </a:t>
+            </a:r>
+            <a:r>
+              <a:rPr lang="hu-HU" dirty="0" err="1"/>
+              <a:t>statistical</a:t>
+            </a:r>
+            <a:r>
+              <a:rPr lang="hu-HU" dirty="0"/>
+              <a:t> </a:t>
+            </a:r>
+            <a:r>
+              <a:rPr lang="hu-HU" dirty="0" err="1"/>
+              <a:t>paradigms</a:t>
+            </a:r>
+            <a:endParaRPr lang="hu-HU" dirty="0"/>
           </a:p>
         </p:txBody>
       </p:sp>
@@ -11054,32 +11722,28 @@
         <p:spPr/>
         <p:txBody>
           <a:bodyPr>
-            <a:normAutofit/>
+            <a:normAutofit fontScale="77500" lnSpcReduction="20000"/>
           </a:bodyPr>
           <a:lstStyle/>
           <a:p>
-            <a:pPr marL="0" indent="0">
-              <a:buNone/>
-            </a:pPr>
+            <a:r>
+              <a:rPr lang="en-US" dirty="0"/>
+              <a:t>I can hear the phone beeping. </a:t>
+            </a:r>
             <a:endParaRPr lang="hu-HU" dirty="0"/>
           </a:p>
           <a:p>
-            <a:pPr marL="0" indent="0">
-              <a:buNone/>
-            </a:pPr>
-            <a:r>
-              <a:rPr lang="hu-HU" dirty="0" err="1"/>
-              <a:t>Proportion</a:t>
-            </a:r>
-            <a:r>
-              <a:rPr lang="hu-HU" dirty="0"/>
-              <a:t> of </a:t>
-            </a:r>
-            <a:r>
-              <a:rPr lang="hu-HU" dirty="0" err="1"/>
-              <a:t>outcomes</a:t>
-            </a:r>
-            <a:endParaRPr lang="en-US" dirty="0"/>
+            <a:r>
+              <a:rPr lang="en-US" dirty="0"/>
+              <a:t>I also have a mental model which helps me identify the area from which the sound is coming. </a:t>
+            </a:r>
+            <a:endParaRPr lang="hu-HU" dirty="0"/>
+          </a:p>
+          <a:p>
+            <a:r>
+              <a:rPr lang="en-US" dirty="0"/>
+              <a:t>Therefore, upon hearing the beep, I infer the area of my home I must search to locate the phone.</a:t>
+            </a:r>
           </a:p>
         </p:txBody>
       </p:sp>
@@ -11131,30 +11795,27 @@
         <p:spPr/>
         <p:txBody>
           <a:bodyPr>
-            <a:normAutofit/>
+            <a:normAutofit fontScale="77500" lnSpcReduction="20000"/>
           </a:bodyPr>
           <a:lstStyle/>
           <a:p>
-            <a:pPr marL="0" indent="0">
-              <a:buNone/>
-            </a:pPr>
+            <a:r>
+              <a:rPr lang="en-US" dirty="0"/>
+              <a:t>I can hear the phone beeping. </a:t>
+            </a:r>
             <a:endParaRPr lang="hu-HU" dirty="0"/>
           </a:p>
           <a:p>
-            <a:pPr marL="0" indent="0">
-              <a:buNone/>
-            </a:pPr>
-            <a:r>
-              <a:rPr lang="hu-HU" dirty="0" err="1"/>
-              <a:t>Degree</a:t>
-            </a:r>
-            <a:r>
-              <a:rPr lang="hu-HU" dirty="0"/>
-              <a:t> of </a:t>
-            </a:r>
-            <a:r>
-              <a:rPr lang="hu-HU" dirty="0" err="1"/>
-              <a:t>belief</a:t>
+            <a:r>
+              <a:rPr lang="en-US" dirty="0"/>
+              <a:t>Now, apart from a mental model which helps me identify the area from which the sound is coming from, I also know the locations where I have misplaced the phone in the past. </a:t>
+            </a:r>
+            <a:endParaRPr lang="hu-HU" dirty="0"/>
+          </a:p>
+          <a:p>
+            <a:r>
+              <a:rPr lang="en-US" dirty="0"/>
+              <a:t>So, I combine my inferences using the beeps and my prior information about the locations I have misplaced the phone in the past to identify an area I must search to locate the phone.</a:t>
             </a:r>
             <a:br>
               <a:rPr lang="en-US" dirty="0"/>
@@ -11186,7 +11847,7 @@
           <a:p>
             <a:fld id="{444B641D-F446-482F-BD8D-2B546EA2C2F1}" type="datetime1">
               <a:rPr lang="hu-HU" smtClean="0"/>
-              <a:t>2019. 08. 11.</a:t>
+              <a:t>2019. 08. 15.</a:t>
             </a:fld>
             <a:endParaRPr lang="hu-HU"/>
           </a:p>
@@ -11252,7 +11913,7 @@
     </p:spTree>
     <p:extLst>
       <p:ext uri="{BB962C8B-B14F-4D97-AF65-F5344CB8AC3E}">
-        <p14:creationId xmlns:p14="http://schemas.microsoft.com/office/powerpoint/2010/main" val="1412264173"/>
+        <p14:creationId xmlns:p14="http://schemas.microsoft.com/office/powerpoint/2010/main" val="2050388476"/>
       </p:ext>
     </p:extLst>
   </p:cSld>
@@ -11351,7 +12012,7 @@
           <a:p>
             <a:fld id="{8D6E728D-26E7-43BA-96F5-7A1E7F5977AD}" type="datetime1">
               <a:rPr lang="hu-HU" smtClean="0"/>
-              <a:t>2019. 08. 11.</a:t>
+              <a:t>2019. 08. 15.</a:t>
             </a:fld>
             <a:endParaRPr lang="hu-HU" dirty="0"/>
           </a:p>
@@ -11699,6 +12360,18 @@
                 <a:latin typeface="Montserrat" panose="00000500000000000000" pitchFamily="2" charset="-18"/>
               </a:rPr>
               <a:t>belief</a:t>
+            </a:r>
+            <a:r>
+              <a:rPr lang="hu-HU" sz="2400" dirty="0">
+                <a:latin typeface="Montserrat" panose="00000500000000000000" pitchFamily="2" charset="-18"/>
+              </a:rPr>
+              <a:t> </a:t>
+            </a:r>
+            <a:r>
+              <a:rPr lang="hu-HU" sz="2400" dirty="0" err="1">
+                <a:latin typeface="Montserrat" panose="00000500000000000000" pitchFamily="2" charset="-18"/>
+              </a:rPr>
+              <a:t>after</a:t>
             </a:r>
             <a:r>
               <a:rPr lang="hu-HU" sz="2400" dirty="0">

--- a/presentations/CEC2019-KM-Sess1.pptx
+++ b/presentations/CEC2019-KM-Sess1.pptx
@@ -216,7 +216,7 @@
           <a:p>
             <a:fld id="{DFAC44B3-DF4C-4F38-9A07-ED7F2A720732}" type="datetimeFigureOut">
               <a:rPr lang="hu-HU" smtClean="0"/>
-              <a:t>2019. 08. 15.</a:t>
+              <a:t>2019. 08. 16.</a:t>
             </a:fld>
             <a:endParaRPr lang="hu-HU"/>
           </a:p>
@@ -640,7 +640,7 @@
           <a:p>
             <a:fld id="{3B46C910-0FDD-4E5B-A923-DD97A0A99E04}" type="datetime1">
               <a:rPr lang="hu-HU" smtClean="0"/>
-              <a:t>2019. 08. 15.</a:t>
+              <a:t>2019. 08. 16.</a:t>
             </a:fld>
             <a:endParaRPr lang="hu-HU" dirty="0"/>
           </a:p>
@@ -862,7 +862,7 @@
           <a:p>
             <a:fld id="{87FA7B68-73F1-4EDD-8A5B-8687165025C9}" type="datetime1">
               <a:rPr lang="hu-HU" smtClean="0"/>
-              <a:t>2019. 08. 15.</a:t>
+              <a:t>2019. 08. 16.</a:t>
             </a:fld>
             <a:endParaRPr lang="hu-HU"/>
           </a:p>
@@ -1073,7 +1073,7 @@
           <a:p>
             <a:fld id="{B5EB1809-086B-4655-B8A4-74476576C487}" type="datetime1">
               <a:rPr lang="hu-HU" smtClean="0"/>
-              <a:t>2019. 08. 15.</a:t>
+              <a:t>2019. 08. 16.</a:t>
             </a:fld>
             <a:endParaRPr lang="hu-HU"/>
           </a:p>
@@ -1306,7 +1306,7 @@
           <a:p>
             <a:fld id="{444B641D-F446-482F-BD8D-2B546EA2C2F1}" type="datetime1">
               <a:rPr lang="hu-HU" smtClean="0"/>
-              <a:t>2019. 08. 15.</a:t>
+              <a:t>2019. 08. 16.</a:t>
             </a:fld>
             <a:endParaRPr lang="hu-HU"/>
           </a:p>
@@ -1584,7 +1584,7 @@
           <a:p>
             <a:fld id="{C7623FBE-941A-4744-933F-84F72BFF7954}" type="datetime1">
               <a:rPr lang="hu-HU" smtClean="0"/>
-              <a:t>2019. 08. 15.</a:t>
+              <a:t>2019. 08. 16.</a:t>
             </a:fld>
             <a:endParaRPr lang="hu-HU"/>
           </a:p>
@@ -1910,7 +1910,7 @@
           <a:p>
             <a:fld id="{36D46308-3B5B-4C30-AC19-DF01BD74740C}" type="datetime1">
               <a:rPr lang="hu-HU" smtClean="0"/>
-              <a:t>2019. 08. 15.</a:t>
+              <a:t>2019. 08. 16.</a:t>
             </a:fld>
             <a:endParaRPr lang="hu-HU"/>
           </a:p>
@@ -2397,7 +2397,7 @@
           <a:p>
             <a:fld id="{8D6E728D-26E7-43BA-96F5-7A1E7F5977AD}" type="datetime1">
               <a:rPr lang="hu-HU" smtClean="0"/>
-              <a:t>2019. 08. 15.</a:t>
+              <a:t>2019. 08. 16.</a:t>
             </a:fld>
             <a:endParaRPr lang="hu-HU" dirty="0"/>
           </a:p>
@@ -2542,7 +2542,7 @@
           <a:p>
             <a:fld id="{2236457C-27E6-497B-BF2C-4F0CD77C5386}" type="datetime1">
               <a:rPr lang="hu-HU" smtClean="0"/>
-              <a:t>2019. 08. 15.</a:t>
+              <a:t>2019. 08. 16.</a:t>
             </a:fld>
             <a:endParaRPr lang="hu-HU"/>
           </a:p>
@@ -2658,7 +2658,7 @@
           <a:p>
             <a:fld id="{01A7CACD-9286-4B0C-9851-8C28763EB050}" type="datetime1">
               <a:rPr lang="hu-HU" smtClean="0"/>
-              <a:t>2019. 08. 15.</a:t>
+              <a:t>2019. 08. 16.</a:t>
             </a:fld>
             <a:endParaRPr lang="hu-HU"/>
           </a:p>
@@ -2972,7 +2972,7 @@
           <a:p>
             <a:fld id="{EEC4E208-4CC1-404A-AD07-C6BEA0E0ADFE}" type="datetime1">
               <a:rPr lang="hu-HU" smtClean="0"/>
-              <a:t>2019. 08. 15.</a:t>
+              <a:t>2019. 08. 16.</a:t>
             </a:fld>
             <a:endParaRPr lang="hu-HU"/>
           </a:p>
@@ -3263,7 +3263,7 @@
           <a:p>
             <a:fld id="{778BDC64-AAC6-4EE2-9988-02E9693D221F}" type="datetime1">
               <a:rPr lang="hu-HU" smtClean="0"/>
-              <a:t>2019. 08. 15.</a:t>
+              <a:t>2019. 08. 16.</a:t>
             </a:fld>
             <a:endParaRPr lang="hu-HU"/>
           </a:p>
@@ -3508,7 +3508,7 @@
           <a:p>
             <a:fld id="{0AE03D70-489F-4FD3-9C2E-CA23F6B13055}" type="datetime1">
               <a:rPr lang="hu-HU" smtClean="0"/>
-              <a:t>2019. 08. 15.</a:t>
+              <a:t>2019. 08. 16.</a:t>
             </a:fld>
             <a:endParaRPr lang="hu-HU" dirty="0"/>
           </a:p>
@@ -4163,12 +4163,9 @@
           <a:p>
             <a:r>
               <a:rPr lang="hu-HU" dirty="0" err="1"/>
-              <a:t>Hypothesis</a:t>
-            </a:r>
-            <a:r>
-              <a:rPr lang="hu-HU" dirty="0"/>
-              <a:t> testing</a:t>
-            </a:r>
+              <a:t>Thinking</a:t>
+            </a:r>
+            <a:endParaRPr lang="hu-HU" dirty="0"/>
           </a:p>
         </p:txBody>
       </p:sp>
@@ -4223,39 +4220,6 @@
             <a:normAutofit/>
           </a:bodyPr>
           <a:lstStyle/>
-          <a:p>
-            <a:pPr marL="0" indent="0">
-              <a:buNone/>
-            </a:pPr>
-            <a:r>
-              <a:rPr lang="hu-HU" dirty="0"/>
-              <a:t>0. </a:t>
-            </a:r>
-            <a:r>
-              <a:rPr lang="hu-HU" dirty="0" err="1"/>
-              <a:t>Hypothesis</a:t>
-            </a:r>
-            <a:r>
-              <a:rPr lang="hu-HU" dirty="0"/>
-              <a:t> (</a:t>
-            </a:r>
-            <a:r>
-              <a:rPr lang="hu-HU" dirty="0" err="1"/>
-              <a:t>parameter</a:t>
-            </a:r>
-            <a:r>
-              <a:rPr lang="hu-HU" dirty="0"/>
-              <a:t>=</a:t>
-            </a:r>
-            <a:r>
-              <a:rPr lang="hu-HU" dirty="0" err="1"/>
-              <a:t>value</a:t>
-            </a:r>
-            <a:r>
-              <a:rPr lang="hu-HU" dirty="0"/>
-              <a:t>)</a:t>
-            </a:r>
-          </a:p>
           <a:p>
             <a:pPr marL="514350" indent="-514350">
               <a:buAutoNum type="arabicPeriod"/>
@@ -4378,39 +4342,6 @@
           </a:bodyPr>
           <a:lstStyle/>
           <a:p>
-            <a:pPr marL="0" indent="0">
-              <a:buNone/>
-            </a:pPr>
-            <a:r>
-              <a:rPr lang="hu-HU" dirty="0"/>
-              <a:t>0. </a:t>
-            </a:r>
-            <a:r>
-              <a:rPr lang="hu-HU" dirty="0" err="1"/>
-              <a:t>Hypothesis</a:t>
-            </a:r>
-            <a:r>
-              <a:rPr lang="hu-HU" dirty="0"/>
-              <a:t> (</a:t>
-            </a:r>
-            <a:r>
-              <a:rPr lang="hu-HU" dirty="0" err="1"/>
-              <a:t>parameter</a:t>
-            </a:r>
-            <a:r>
-              <a:rPr lang="hu-HU" dirty="0"/>
-              <a:t>=</a:t>
-            </a:r>
-            <a:r>
-              <a:rPr lang="hu-HU" dirty="0" err="1"/>
-              <a:t>value</a:t>
-            </a:r>
-            <a:r>
-              <a:rPr lang="hu-HU" dirty="0"/>
-              <a:t>)</a:t>
-            </a:r>
-          </a:p>
-          <a:p>
             <a:pPr marL="514350" indent="-514350">
               <a:buAutoNum type="arabicPeriod"/>
             </a:pPr>
@@ -4517,7 +4448,7 @@
           <a:p>
             <a:fld id="{8D6E728D-26E7-43BA-96F5-7A1E7F5977AD}" type="datetime1">
               <a:rPr lang="hu-HU" smtClean="0"/>
-              <a:t>2019. 08. 15.</a:t>
+              <a:t>2019. 08. 16.</a:t>
             </a:fld>
             <a:endParaRPr lang="hu-HU" dirty="0"/>
           </a:p>
@@ -4644,9 +4575,12 @@
             </a:r>
             <a:r>
               <a:rPr lang="hu-HU" dirty="0" err="1"/>
-              <a:t>reasoning</a:t>
-            </a:r>
-            <a:endParaRPr lang="hu-HU" dirty="0"/>
+              <a:t>hypothesis</a:t>
+            </a:r>
+            <a:r>
+              <a:rPr lang="hu-HU" dirty="0"/>
+              <a:t> testing</a:t>
+            </a:r>
           </a:p>
         </p:txBody>
       </p:sp>
@@ -5066,7 +5000,7 @@
           <a:p>
             <a:fld id="{8D6E728D-26E7-43BA-96F5-7A1E7F5977AD}" type="datetime1">
               <a:rPr lang="hu-HU" smtClean="0"/>
-              <a:t>2019. 08. 15.</a:t>
+              <a:t>2019. 08. 16.</a:t>
             </a:fld>
             <a:endParaRPr lang="hu-HU" dirty="0"/>
           </a:p>
@@ -5193,9 +5127,12 @@
             </a:r>
             <a:r>
               <a:rPr lang="hu-HU" dirty="0" err="1"/>
-              <a:t>reasoning</a:t>
-            </a:r>
-            <a:endParaRPr lang="hu-HU" dirty="0"/>
+              <a:t>hypothesis</a:t>
+            </a:r>
+            <a:r>
+              <a:rPr lang="hu-HU" dirty="0"/>
+              <a:t> testing</a:t>
+            </a:r>
           </a:p>
         </p:txBody>
       </p:sp>
@@ -5588,7 +5525,7 @@
           <a:p>
             <a:fld id="{8D6E728D-26E7-43BA-96F5-7A1E7F5977AD}" type="datetime1">
               <a:rPr lang="hu-HU" smtClean="0"/>
-              <a:t>2019. 08. 15.</a:t>
+              <a:t>2019. 08. 16.</a:t>
             </a:fld>
             <a:endParaRPr lang="hu-HU" dirty="0"/>
           </a:p>
@@ -5902,7 +5839,7 @@
           <a:p>
             <a:fld id="{444B641D-F446-482F-BD8D-2B546EA2C2F1}" type="datetime1">
               <a:rPr lang="hu-HU" smtClean="0"/>
-              <a:t>2019. 08. 15.</a:t>
+              <a:t>2019. 08. 16.</a:t>
             </a:fld>
             <a:endParaRPr lang="hu-HU"/>
           </a:p>
@@ -6367,7 +6304,7 @@
           <a:p>
             <a:fld id="{19351AAE-18EE-464E-8256-2689F6168C0F}" type="datetime1">
               <a:rPr lang="hu-HU" smtClean="0"/>
-              <a:t>2019. 08. 15.</a:t>
+              <a:t>2019. 08. 16.</a:t>
             </a:fld>
             <a:endParaRPr lang="hu-HU"/>
           </a:p>
@@ -6777,7 +6714,7 @@
           <a:p>
             <a:fld id="{444B641D-F446-482F-BD8D-2B546EA2C2F1}" type="datetime1">
               <a:rPr lang="hu-HU" smtClean="0"/>
-              <a:t>2019. 08. 15.</a:t>
+              <a:t>2019. 08. 16.</a:t>
             </a:fld>
             <a:endParaRPr lang="hu-HU"/>
           </a:p>
@@ -7147,7 +7084,7 @@
           <a:p>
             <a:fld id="{444B641D-F446-482F-BD8D-2B546EA2C2F1}" type="datetime1">
               <a:rPr lang="hu-HU" smtClean="0"/>
-              <a:t>2019. 08. 15.</a:t>
+              <a:t>2019. 08. 16.</a:t>
             </a:fld>
             <a:endParaRPr lang="hu-HU"/>
           </a:p>
@@ -7404,7 +7341,7 @@
           <a:p>
             <a:fld id="{444B641D-F446-482F-BD8D-2B546EA2C2F1}" type="datetime1">
               <a:rPr lang="hu-HU" smtClean="0"/>
-              <a:t>2019. 08. 15.</a:t>
+              <a:t>2019. 08. 16.</a:t>
             </a:fld>
             <a:endParaRPr lang="hu-HU"/>
           </a:p>
@@ -7867,7 +7804,7 @@
           <a:p>
             <a:fld id="{444B641D-F446-482F-BD8D-2B546EA2C2F1}" type="datetime1">
               <a:rPr lang="hu-HU" smtClean="0"/>
-              <a:t>2019. 08. 15.</a:t>
+              <a:t>2019. 08. 16.</a:t>
             </a:fld>
             <a:endParaRPr lang="hu-HU"/>
           </a:p>
@@ -8049,7 +7986,7 @@
           <a:p>
             <a:fld id="{444B641D-F446-482F-BD8D-2B546EA2C2F1}" type="datetime1">
               <a:rPr lang="hu-HU" smtClean="0"/>
-              <a:t>2019. 08. 15.</a:t>
+              <a:t>2019. 08. 16.</a:t>
             </a:fld>
             <a:endParaRPr lang="hu-HU"/>
           </a:p>
@@ -8248,7 +8185,7 @@
           <a:p>
             <a:fld id="{19351AAE-18EE-464E-8256-2689F6168C0F}" type="datetime1">
               <a:rPr lang="hu-HU" smtClean="0"/>
-              <a:t>2019. 08. 15.</a:t>
+              <a:t>2019. 08. 16.</a:t>
             </a:fld>
             <a:endParaRPr lang="hu-HU"/>
           </a:p>
@@ -9595,7 +9532,7 @@
           <a:p>
             <a:fld id="{444B641D-F446-482F-BD8D-2B546EA2C2F1}" type="datetime1">
               <a:rPr lang="hu-HU" smtClean="0"/>
-              <a:t>2019. 08. 15.</a:t>
+              <a:t>2019. 08. 16.</a:t>
             </a:fld>
             <a:endParaRPr lang="hu-HU"/>
           </a:p>
@@ -10139,7 +10076,7 @@
           <a:p>
             <a:fld id="{19351AAE-18EE-464E-8256-2689F6168C0F}" type="datetime1">
               <a:rPr lang="hu-HU" smtClean="0"/>
-              <a:t>2019. 08. 15.</a:t>
+              <a:t>2019. 08. 16.</a:t>
             </a:fld>
             <a:endParaRPr lang="hu-HU"/>
           </a:p>
@@ -10451,7 +10388,7 @@
           <a:p>
             <a:fld id="{19351AAE-18EE-464E-8256-2689F6168C0F}" type="datetime1">
               <a:rPr lang="hu-HU" smtClean="0"/>
-              <a:t>2019. 08. 15.</a:t>
+              <a:t>2019. 08. 16.</a:t>
             </a:fld>
             <a:endParaRPr lang="hu-HU"/>
           </a:p>
@@ -10732,7 +10669,7 @@
           <a:p>
             <a:fld id="{444B641D-F446-482F-BD8D-2B546EA2C2F1}" type="datetime1">
               <a:rPr lang="hu-HU" smtClean="0"/>
-              <a:t>2019. 08. 15.</a:t>
+              <a:t>2019. 08. 16.</a:t>
             </a:fld>
             <a:endParaRPr lang="hu-HU"/>
           </a:p>
@@ -10961,7 +10898,7 @@
           <a:p>
             <a:fld id="{444B641D-F446-482F-BD8D-2B546EA2C2F1}" type="datetime1">
               <a:rPr lang="hu-HU" smtClean="0"/>
-              <a:t>2019. 08. 15.</a:t>
+              <a:t>2019. 08. 16.</a:t>
             </a:fld>
             <a:endParaRPr lang="hu-HU"/>
           </a:p>
@@ -11528,7 +11465,7 @@
           <a:p>
             <a:fld id="{444B641D-F446-482F-BD8D-2B546EA2C2F1}" type="datetime1">
               <a:rPr lang="hu-HU" smtClean="0"/>
-              <a:t>2019. 08. 15.</a:t>
+              <a:t>2019. 08. 16.</a:t>
             </a:fld>
             <a:endParaRPr lang="hu-HU"/>
           </a:p>
@@ -11847,7 +11784,7 @@
           <a:p>
             <a:fld id="{444B641D-F446-482F-BD8D-2B546EA2C2F1}" type="datetime1">
               <a:rPr lang="hu-HU" smtClean="0"/>
-              <a:t>2019. 08. 15.</a:t>
+              <a:t>2019. 08. 16.</a:t>
             </a:fld>
             <a:endParaRPr lang="hu-HU"/>
           </a:p>
@@ -12012,7 +11949,7 @@
           <a:p>
             <a:fld id="{8D6E728D-26E7-43BA-96F5-7A1E7F5977AD}" type="datetime1">
               <a:rPr lang="hu-HU" smtClean="0"/>
-              <a:t>2019. 08. 15.</a:t>
+              <a:t>2019. 08. 16.</a:t>
             </a:fld>
             <a:endParaRPr lang="hu-HU" dirty="0"/>
           </a:p>
@@ -12347,19 +12284,7 @@
               <a:rPr lang="hu-HU" sz="2400" dirty="0" err="1">
                 <a:latin typeface="Montserrat" panose="00000500000000000000" pitchFamily="2" charset="-18"/>
               </a:rPr>
-              <a:t>degree</a:t>
-            </a:r>
-            <a:r>
-              <a:rPr lang="hu-HU" sz="2400" dirty="0">
-                <a:latin typeface="Montserrat" panose="00000500000000000000" pitchFamily="2" charset="-18"/>
-              </a:rPr>
-              <a:t> of </a:t>
-            </a:r>
-            <a:r>
-              <a:rPr lang="hu-HU" sz="2400" dirty="0" err="1">
-                <a:latin typeface="Montserrat" panose="00000500000000000000" pitchFamily="2" charset="-18"/>
-              </a:rPr>
-              <a:t>belief</a:t>
+              <a:t>beliefs</a:t>
             </a:r>
             <a:r>
               <a:rPr lang="hu-HU" sz="2400" dirty="0">
